--- a/docs/notenapp-praesi.pptx
+++ b/docs/notenapp-praesi.pptx
@@ -5,13 +5,19 @@
     <p:sldMasterId id="2147483648" r:id="rId1"/>
   </p:sldMasterIdLst>
   <p:notesMasterIdLst>
-    <p:notesMasterId r:id="rId6"/>
+    <p:notesMasterId r:id="rId12"/>
   </p:notesMasterIdLst>
   <p:sldIdLst>
     <p:sldId id="256" r:id="rId2"/>
     <p:sldId id="257" r:id="rId3"/>
-    <p:sldId id="280" r:id="rId4"/>
-    <p:sldId id="265" r:id="rId5"/>
+    <p:sldId id="281" r:id="rId4"/>
+    <p:sldId id="282" r:id="rId5"/>
+    <p:sldId id="286" r:id="rId6"/>
+    <p:sldId id="283" r:id="rId7"/>
+    <p:sldId id="285" r:id="rId8"/>
+    <p:sldId id="284" r:id="rId9"/>
+    <p:sldId id="280" r:id="rId10"/>
+    <p:sldId id="265" r:id="rId11"/>
   </p:sldIdLst>
   <p:sldSz cx="9144000" cy="6858000" type="screen4x3"/>
   <p:notesSz cx="6858000" cy="9144000"/>
@@ -367,7 +373,7 @@
     </p:spTree>
     <p:extLst>
       <p:ext uri="{BB962C8B-B14F-4D97-AF65-F5344CB8AC3E}">
-        <p14:creationId xmlns="" xmlns:p14="http://schemas.microsoft.com/office/powerpoint/2010/main" val="163652337"/>
+        <p14:creationId xmlns:p14="http://schemas.microsoft.com/office/powerpoint/2010/main" xmlns="" val="163652337"/>
       </p:ext>
     </p:extLst>
   </p:cSld>
@@ -513,10 +519,6 @@
           </a:bodyPr>
           <a:lstStyle/>
           <a:p>
-            <a:r>
-              <a:rPr lang="de-DE" dirty="0" smtClean="0"/>
-              <a:t>Andi – nur Einleitung</a:t>
-            </a:r>
             <a:endParaRPr lang="de-DE" dirty="0"/>
           </a:p>
         </p:txBody>
@@ -599,10 +601,6 @@
           </a:bodyPr>
           <a:lstStyle/>
           <a:p>
-            <a:r>
-              <a:rPr lang="de-DE" dirty="0" smtClean="0"/>
-              <a:t>Manuel</a:t>
-            </a:r>
             <a:endParaRPr lang="de-DE" dirty="0"/>
           </a:p>
         </p:txBody>
@@ -752,11 +750,7 @@
           <a:p>
             <a:r>
               <a:rPr lang="de-DE" dirty="0" smtClean="0"/>
-              <a:t>STOP </a:t>
-            </a:r>
-            <a:r>
-              <a:rPr lang="de-DE" dirty="0" smtClean="0"/>
-              <a:t>5. Gefundene</a:t>
+              <a:t>STOP 5. Gefundene</a:t>
             </a:r>
             <a:r>
               <a:rPr lang="de-DE" baseline="0" dirty="0" smtClean="0"/>
@@ -884,7 +878,7 @@
             <a:fld id="{F353E27D-98AC-48F6-A766-1ED74A768EDF}" type="slidenum">
               <a:rPr lang="de-DE" smtClean="0"/>
               <a:pPr/>
-              <a:t>3</a:t>
+              <a:t>9</a:t>
             </a:fld>
             <a:endParaRPr lang="de-DE"/>
           </a:p>
@@ -3933,19 +3927,192 @@
           <a:p>
             <a:r>
               <a:rPr lang="de-DE" dirty="0" smtClean="0"/>
-              <a:t>Eine Noten </a:t>
-            </a:r>
-            <a:r>
-              <a:rPr lang="de-DE" dirty="0" err="1" smtClean="0"/>
-              <a:t>App</a:t>
-            </a:r>
-            <a:r>
-              <a:rPr lang="de-DE" dirty="0" smtClean="0"/>
-              <a:t> für </a:t>
-            </a:r>
-            <a:r>
-              <a:rPr lang="de-DE" dirty="0" err="1" smtClean="0"/>
-              <a:t>Android</a:t>
+              <a:t>Mobile </a:t>
+            </a:r>
+            <a:r>
+              <a:rPr lang="de-DE" dirty="0" err="1" smtClean="0"/>
+              <a:t>access</a:t>
+            </a:r>
+            <a:r>
+              <a:rPr lang="de-DE" dirty="0" smtClean="0"/>
+              <a:t> </a:t>
+            </a:r>
+            <a:r>
+              <a:rPr lang="de-DE" dirty="0" err="1" smtClean="0"/>
+              <a:t>to</a:t>
+            </a:r>
+            <a:r>
+              <a:rPr lang="de-DE" dirty="0" smtClean="0"/>
+              <a:t> all </a:t>
+            </a:r>
+            <a:r>
+              <a:rPr lang="de-DE" dirty="0" err="1" smtClean="0"/>
+              <a:t>your</a:t>
+            </a:r>
+            <a:r>
+              <a:rPr lang="de-DE" dirty="0" smtClean="0"/>
+              <a:t> grades </a:t>
+            </a:r>
+            <a:r>
+              <a:rPr lang="de-DE" dirty="0" err="1" smtClean="0"/>
+              <a:t>with</a:t>
+            </a:r>
+            <a:r>
+              <a:rPr lang="de-DE" dirty="0" smtClean="0"/>
+              <a:t> </a:t>
+            </a:r>
+            <a:r>
+              <a:rPr lang="de-DE" dirty="0" err="1" smtClean="0"/>
+              <a:t>your</a:t>
+            </a:r>
+            <a:r>
+              <a:rPr lang="de-DE" dirty="0" smtClean="0"/>
+              <a:t> </a:t>
+            </a:r>
+            <a:r>
+              <a:rPr lang="de-DE" dirty="0" err="1" smtClean="0"/>
+              <a:t>Andoid</a:t>
+            </a:r>
+            <a:r>
+              <a:rPr lang="de-DE" dirty="0" smtClean="0"/>
+              <a:t> </a:t>
+            </a:r>
+            <a:r>
+              <a:rPr lang="de-DE" dirty="0" err="1" smtClean="0"/>
+              <a:t>device</a:t>
+            </a:r>
+            <a:endParaRPr lang="de-DE" dirty="0"/>
+          </a:p>
+        </p:txBody>
+      </p:sp>
+    </p:spTree>
+  </p:cSld>
+  <p:clrMapOvr>
+    <a:masterClrMapping/>
+  </p:clrMapOvr>
+  <p:timing>
+    <p:tnLst>
+      <p:par>
+        <p:cTn id="1" dur="indefinite" restart="never" nodeType="tmRoot"/>
+      </p:par>
+    </p:tnLst>
+  </p:timing>
+</p:sld>
+</file>
+
+<file path=ppt/slides/slide10.xml><?xml version="1.0" encoding="utf-8"?>
+<p:sld xmlns:a="http://schemas.openxmlformats.org/drawingml/2006/main" xmlns:r="http://schemas.openxmlformats.org/officeDocument/2006/relationships" xmlns:p="http://schemas.openxmlformats.org/presentationml/2006/main">
+  <p:cSld>
+    <p:spTree>
+      <p:nvGrpSpPr>
+        <p:cNvPr id="1" name=""/>
+        <p:cNvGrpSpPr/>
+        <p:nvPr/>
+      </p:nvGrpSpPr>
+      <p:grpSpPr>
+        <a:xfrm>
+          <a:off x="0" y="0"/>
+          <a:ext cx="0" cy="0"/>
+          <a:chOff x="0" y="0"/>
+          <a:chExt cx="0" cy="0"/>
+        </a:xfrm>
+      </p:grpSpPr>
+      <p:sp>
+        <p:nvSpPr>
+          <p:cNvPr id="2" name="Titel 1"/>
+          <p:cNvSpPr>
+            <a:spLocks noGrp="1"/>
+          </p:cNvSpPr>
+          <p:nvPr>
+            <p:ph type="ctrTitle"/>
+          </p:nvPr>
+        </p:nvSpPr>
+        <p:spPr/>
+        <p:txBody>
+          <a:bodyPr/>
+          <a:lstStyle/>
+          <a:p>
+            <a:r>
+              <a:rPr lang="de-DE" dirty="0" err="1" smtClean="0"/>
+              <a:t>Thank</a:t>
+            </a:r>
+            <a:r>
+              <a:rPr lang="de-DE" dirty="0" smtClean="0"/>
+              <a:t> </a:t>
+            </a:r>
+            <a:r>
+              <a:rPr lang="de-DE" dirty="0" err="1" smtClean="0"/>
+              <a:t>you</a:t>
+            </a:r>
+            <a:r>
+              <a:rPr lang="de-DE" dirty="0" smtClean="0"/>
+              <a:t>!</a:t>
+            </a:r>
+            <a:endParaRPr lang="de-DE" dirty="0"/>
+          </a:p>
+        </p:txBody>
+      </p:sp>
+      <p:sp>
+        <p:nvSpPr>
+          <p:cNvPr id="3" name="Untertitel 2"/>
+          <p:cNvSpPr>
+            <a:spLocks noGrp="1"/>
+          </p:cNvSpPr>
+          <p:nvPr>
+            <p:ph type="subTitle" idx="1"/>
+          </p:nvPr>
+        </p:nvSpPr>
+        <p:spPr/>
+        <p:txBody>
+          <a:bodyPr/>
+          <a:lstStyle/>
+          <a:p>
+            <a:r>
+              <a:rPr lang="de-DE" dirty="0" err="1" smtClean="0"/>
+              <a:t>Any</a:t>
+            </a:r>
+            <a:r>
+              <a:rPr lang="de-DE" dirty="0" smtClean="0"/>
+              <a:t> </a:t>
+            </a:r>
+            <a:r>
+              <a:rPr lang="de-DE" dirty="0" err="1" smtClean="0"/>
+              <a:t>questions</a:t>
+            </a:r>
+            <a:r>
+              <a:rPr lang="de-DE" dirty="0" smtClean="0"/>
+              <a:t>?</a:t>
+            </a:r>
+          </a:p>
+          <a:p>
+            <a:endParaRPr lang="de-DE" dirty="0" smtClean="0"/>
+          </a:p>
+          <a:p>
+            <a:r>
+              <a:rPr lang="de-DE" dirty="0" smtClean="0"/>
+              <a:t>Link </a:t>
+            </a:r>
+            <a:r>
+              <a:rPr lang="de-DE" dirty="0" err="1" smtClean="0"/>
+              <a:t>to</a:t>
+            </a:r>
+            <a:r>
+              <a:rPr lang="de-DE" dirty="0" smtClean="0"/>
+              <a:t> </a:t>
+            </a:r>
+            <a:r>
+              <a:rPr lang="de-DE" dirty="0" err="1" smtClean="0"/>
+              <a:t>the</a:t>
+            </a:r>
+            <a:r>
+              <a:rPr lang="de-DE" dirty="0" smtClean="0"/>
+              <a:t> APK: </a:t>
+            </a:r>
+            <a:r>
+              <a:rPr lang="de-DE" dirty="0" smtClean="0">
+                <a:hlinkClick r:id="rId2"/>
+              </a:rPr>
+              <a:t>http://goo.gl/12345</a:t>
             </a:r>
             <a:endParaRPr lang="de-DE" dirty="0"/>
           </a:p>
@@ -4019,10 +4186,336 @@
         <p:spPr/>
         <p:txBody>
           <a:bodyPr>
-            <a:normAutofit/>
+            <a:normAutofit fontScale="77500" lnSpcReduction="20000"/>
           </a:bodyPr>
           <a:lstStyle/>
           <a:p>
+            <a:r>
+              <a:rPr lang="de-DE" dirty="0" smtClean="0"/>
+              <a:t>List all </a:t>
+            </a:r>
+            <a:r>
+              <a:rPr lang="de-DE" dirty="0" err="1" smtClean="0"/>
+              <a:t>your</a:t>
+            </a:r>
+            <a:r>
+              <a:rPr lang="de-DE" dirty="0" smtClean="0"/>
+              <a:t> </a:t>
+            </a:r>
+            <a:r>
+              <a:rPr lang="de-DE" dirty="0" err="1" smtClean="0"/>
+              <a:t>degrees</a:t>
+            </a:r>
+            <a:endParaRPr lang="de-DE" dirty="0" smtClean="0"/>
+          </a:p>
+          <a:p>
+            <a:r>
+              <a:rPr lang="de-DE" dirty="0" smtClean="0"/>
+              <a:t>Shows grades </a:t>
+            </a:r>
+            <a:r>
+              <a:rPr lang="de-DE" dirty="0" err="1" smtClean="0"/>
+              <a:t>for</a:t>
+            </a:r>
+            <a:r>
+              <a:rPr lang="de-DE" dirty="0" smtClean="0"/>
+              <a:t> all </a:t>
+            </a:r>
+            <a:r>
+              <a:rPr lang="de-DE" dirty="0" err="1" smtClean="0"/>
+              <a:t>of</a:t>
+            </a:r>
+            <a:r>
+              <a:rPr lang="de-DE" dirty="0" smtClean="0"/>
+              <a:t> </a:t>
+            </a:r>
+            <a:r>
+              <a:rPr lang="de-DE" dirty="0" err="1" smtClean="0"/>
+              <a:t>your</a:t>
+            </a:r>
+            <a:r>
+              <a:rPr lang="de-DE" dirty="0" smtClean="0"/>
+              <a:t> </a:t>
+            </a:r>
+            <a:r>
+              <a:rPr lang="de-DE" dirty="0" err="1" smtClean="0"/>
+              <a:t>degrees</a:t>
+            </a:r>
+            <a:endParaRPr lang="de-DE" dirty="0" smtClean="0"/>
+          </a:p>
+          <a:p>
+            <a:r>
+              <a:rPr lang="de-DE" dirty="0" err="1" smtClean="0"/>
+              <a:t>Search</a:t>
+            </a:r>
+            <a:r>
+              <a:rPr lang="de-DE" dirty="0" smtClean="0"/>
+              <a:t> </a:t>
+            </a:r>
+            <a:r>
+              <a:rPr lang="de-DE" dirty="0" err="1" smtClean="0"/>
+              <a:t>and</a:t>
+            </a:r>
+            <a:r>
+              <a:rPr lang="de-DE" dirty="0" smtClean="0"/>
+              <a:t> filter grades</a:t>
+            </a:r>
+          </a:p>
+          <a:p>
+            <a:r>
+              <a:rPr lang="de-DE" dirty="0" smtClean="0"/>
+              <a:t>Show </a:t>
+            </a:r>
+            <a:r>
+              <a:rPr lang="de-DE" dirty="0" err="1" smtClean="0"/>
+              <a:t>details</a:t>
+            </a:r>
+            <a:r>
+              <a:rPr lang="de-DE" dirty="0" smtClean="0"/>
+              <a:t> </a:t>
+            </a:r>
+            <a:r>
+              <a:rPr lang="de-DE" dirty="0" err="1" smtClean="0"/>
+              <a:t>for</a:t>
+            </a:r>
+            <a:r>
+              <a:rPr lang="de-DE" dirty="0" smtClean="0"/>
+              <a:t> grades (Semester, ECTS, Type, </a:t>
+            </a:r>
+            <a:r>
+              <a:rPr lang="de-DE" dirty="0" err="1" smtClean="0"/>
+              <a:t>Attempts</a:t>
+            </a:r>
+            <a:r>
+              <a:rPr lang="de-DE" dirty="0" smtClean="0"/>
+              <a:t>, …)</a:t>
+            </a:r>
+          </a:p>
+          <a:p>
+            <a:r>
+              <a:rPr lang="de-DE" dirty="0" smtClean="0"/>
+              <a:t>Show personal </a:t>
+            </a:r>
+            <a:r>
+              <a:rPr lang="de-DE" dirty="0" err="1" smtClean="0"/>
+              <a:t>data</a:t>
+            </a:r>
+            <a:r>
+              <a:rPr lang="de-DE" dirty="0" smtClean="0"/>
+              <a:t> (</a:t>
+            </a:r>
+            <a:r>
+              <a:rPr lang="de-DE" dirty="0" err="1" smtClean="0"/>
+              <a:t>MatNr</a:t>
+            </a:r>
+            <a:r>
+              <a:rPr lang="de-DE" dirty="0" smtClean="0"/>
+              <a:t>, </a:t>
+            </a:r>
+            <a:r>
+              <a:rPr lang="de-DE" dirty="0" err="1" smtClean="0"/>
+              <a:t>Address</a:t>
+            </a:r>
+            <a:r>
+              <a:rPr lang="de-DE" dirty="0" smtClean="0"/>
+              <a:t>, …)</a:t>
+            </a:r>
+          </a:p>
+          <a:p>
+            <a:r>
+              <a:rPr lang="de-DE" dirty="0" smtClean="0"/>
+              <a:t>Share </a:t>
+            </a:r>
+            <a:r>
+              <a:rPr lang="de-DE" dirty="0" err="1" smtClean="0"/>
+              <a:t>your</a:t>
+            </a:r>
+            <a:r>
+              <a:rPr lang="de-DE" dirty="0" smtClean="0"/>
+              <a:t> </a:t>
+            </a:r>
+            <a:r>
+              <a:rPr lang="de-DE" dirty="0" err="1" smtClean="0"/>
+              <a:t>new</a:t>
+            </a:r>
+            <a:r>
+              <a:rPr lang="de-DE" dirty="0" smtClean="0"/>
+              <a:t> grades</a:t>
+            </a:r>
+          </a:p>
+          <a:p>
+            <a:r>
+              <a:rPr lang="de-DE" dirty="0" smtClean="0"/>
+              <a:t>Different </a:t>
+            </a:r>
+            <a:r>
+              <a:rPr lang="de-DE" dirty="0" err="1" smtClean="0"/>
+              <a:t>layouts</a:t>
+            </a:r>
+            <a:r>
+              <a:rPr lang="de-DE" dirty="0" smtClean="0"/>
+              <a:t> (</a:t>
+            </a:r>
+            <a:r>
+              <a:rPr lang="de-DE" dirty="0" err="1" smtClean="0"/>
+              <a:t>for</a:t>
+            </a:r>
+            <a:r>
+              <a:rPr lang="de-DE" dirty="0" smtClean="0"/>
+              <a:t> </a:t>
+            </a:r>
+            <a:r>
+              <a:rPr lang="de-DE" dirty="0" err="1" smtClean="0"/>
+              <a:t>Tablets</a:t>
+            </a:r>
+            <a:r>
+              <a:rPr lang="de-DE" dirty="0" smtClean="0"/>
+              <a:t> </a:t>
+            </a:r>
+            <a:r>
+              <a:rPr lang="de-DE" dirty="0" err="1" smtClean="0"/>
+              <a:t>and</a:t>
+            </a:r>
+            <a:r>
+              <a:rPr lang="de-DE" dirty="0" smtClean="0"/>
+              <a:t> </a:t>
+            </a:r>
+            <a:r>
+              <a:rPr lang="de-DE" dirty="0" err="1" smtClean="0"/>
+              <a:t>Phones</a:t>
+            </a:r>
+            <a:r>
+              <a:rPr lang="de-DE" dirty="0" smtClean="0"/>
+              <a:t>)</a:t>
+            </a:r>
+          </a:p>
+          <a:p>
+            <a:r>
+              <a:rPr lang="de-DE" dirty="0" smtClean="0"/>
+              <a:t>German </a:t>
+            </a:r>
+            <a:r>
+              <a:rPr lang="de-DE" dirty="0" err="1" smtClean="0"/>
+              <a:t>or</a:t>
+            </a:r>
+            <a:r>
+              <a:rPr lang="de-DE" dirty="0" smtClean="0"/>
+              <a:t> English </a:t>
+            </a:r>
+            <a:r>
+              <a:rPr lang="de-DE" dirty="0" err="1" smtClean="0"/>
+              <a:t>user</a:t>
+            </a:r>
+            <a:r>
+              <a:rPr lang="de-DE" dirty="0" smtClean="0"/>
+              <a:t> </a:t>
+            </a:r>
+            <a:r>
+              <a:rPr lang="de-DE" dirty="0" err="1" smtClean="0"/>
+              <a:t>interface</a:t>
+            </a:r>
+            <a:endParaRPr lang="de-DE" dirty="0" smtClean="0"/>
+          </a:p>
+          <a:p>
+            <a:endParaRPr lang="de-DE" dirty="0" smtClean="0"/>
+          </a:p>
+          <a:p>
+            <a:r>
+              <a:rPr lang="de-DE" dirty="0" err="1" smtClean="0"/>
+              <a:t>Our</a:t>
+            </a:r>
+            <a:r>
+              <a:rPr lang="de-DE" dirty="0" smtClean="0"/>
+              <a:t> </a:t>
+            </a:r>
+            <a:r>
+              <a:rPr lang="de-DE" dirty="0" err="1" smtClean="0"/>
+              <a:t>app</a:t>
+            </a:r>
+            <a:r>
+              <a:rPr lang="de-DE" dirty="0" smtClean="0"/>
+              <a:t> </a:t>
+            </a:r>
+            <a:r>
+              <a:rPr lang="de-DE" dirty="0" err="1" smtClean="0"/>
+              <a:t>is</a:t>
+            </a:r>
+            <a:r>
+              <a:rPr lang="de-DE" dirty="0" smtClean="0"/>
+              <a:t> </a:t>
+            </a:r>
+            <a:r>
+              <a:rPr lang="de-DE" dirty="0" err="1" smtClean="0"/>
+              <a:t>restricted</a:t>
+            </a:r>
+            <a:r>
+              <a:rPr lang="de-DE" dirty="0" smtClean="0"/>
+              <a:t> </a:t>
+            </a:r>
+            <a:r>
+              <a:rPr lang="de-DE" dirty="0" err="1" smtClean="0"/>
+              <a:t>to</a:t>
+            </a:r>
+            <a:r>
+              <a:rPr lang="de-DE" dirty="0" smtClean="0"/>
+              <a:t> </a:t>
+            </a:r>
+            <a:r>
+              <a:rPr lang="de-DE" dirty="0" err="1" smtClean="0"/>
+              <a:t>the</a:t>
+            </a:r>
+            <a:r>
+              <a:rPr lang="de-DE" dirty="0" smtClean="0"/>
+              <a:t> HTWG, but in </a:t>
+            </a:r>
+            <a:r>
+              <a:rPr lang="de-DE" dirty="0" err="1" smtClean="0"/>
+              <a:t>theory</a:t>
+            </a:r>
+            <a:r>
+              <a:rPr lang="de-DE" dirty="0" smtClean="0"/>
+              <a:t> </a:t>
+            </a:r>
+            <a:r>
+              <a:rPr lang="de-DE" dirty="0" err="1" smtClean="0"/>
+              <a:t>our</a:t>
+            </a:r>
+            <a:r>
+              <a:rPr lang="de-DE" dirty="0" smtClean="0"/>
+              <a:t> </a:t>
+            </a:r>
+            <a:r>
+              <a:rPr lang="de-DE" dirty="0" err="1" smtClean="0"/>
+              <a:t>code</a:t>
+            </a:r>
+            <a:r>
+              <a:rPr lang="de-DE" dirty="0" smtClean="0"/>
+              <a:t> </a:t>
+            </a:r>
+            <a:r>
+              <a:rPr lang="de-DE" dirty="0" err="1" smtClean="0"/>
+              <a:t>supports</a:t>
+            </a:r>
+            <a:r>
+              <a:rPr lang="de-DE" dirty="0" smtClean="0"/>
+              <a:t> </a:t>
+            </a:r>
+            <a:r>
+              <a:rPr lang="de-DE" dirty="0" smtClean="0"/>
+              <a:t>all </a:t>
+            </a:r>
+            <a:r>
+              <a:rPr lang="de-DE" dirty="0" smtClean="0"/>
+              <a:t>QIS-</a:t>
+            </a:r>
+            <a:r>
+              <a:rPr lang="de-DE" dirty="0" err="1" smtClean="0"/>
+              <a:t>Installations</a:t>
+            </a:r>
+            <a:r>
+              <a:rPr lang="de-DE" dirty="0" smtClean="0"/>
+              <a:t>!</a:t>
+            </a:r>
             <a:endParaRPr lang="de-DE" dirty="0" smtClean="0"/>
           </a:p>
         </p:txBody>
@@ -4145,8 +4638,8 @@
           <a:lstStyle/>
           <a:p>
             <a:r>
-              <a:rPr lang="de-DE" dirty="0" smtClean="0"/>
-              <a:t>DEMO</a:t>
+              <a:rPr lang="de-DE" dirty="0" err="1" smtClean="0"/>
+              <a:t>Architecture</a:t>
             </a:r>
             <a:endParaRPr lang="de-DE" dirty="0"/>
           </a:p>
@@ -4164,23 +4657,10 @@
         </p:nvSpPr>
         <p:spPr/>
         <p:txBody>
-          <a:bodyPr anchor="ctr">
-            <a:normAutofit/>
-          </a:bodyPr>
-          <a:lstStyle/>
-          <a:p>
-            <a:pPr marL="0" indent="0" algn="ctr">
-              <a:buNone/>
-            </a:pPr>
-            <a:r>
-              <a:rPr lang="de-DE" sz="9600" b="1" dirty="0" err="1" smtClean="0"/>
-              <a:t>Livedemo</a:t>
-            </a:r>
-            <a:r>
-              <a:rPr lang="de-DE" sz="9600" b="1" dirty="0" smtClean="0"/>
-              <a:t>!</a:t>
-            </a:r>
-            <a:endParaRPr lang="de-DE" sz="9600" b="1" dirty="0"/>
+          <a:bodyPr/>
+          <a:lstStyle/>
+          <a:p>
+            <a:endParaRPr lang="de-DE" dirty="0"/>
           </a:p>
         </p:txBody>
       </p:sp>
@@ -4203,7 +4683,7 @@
               <a:rPr lang="de-DE" smtClean="0"/>
               <a:t>21.01.2012</a:t>
             </a:r>
-            <a:endParaRPr lang="de-DE"/>
+            <a:endParaRPr lang="de-DE" dirty="0"/>
           </a:p>
         </p:txBody>
       </p:sp>
@@ -4255,22 +4735,10 @@
         </p:txBody>
       </p:sp>
     </p:spTree>
-    <p:extLst>
-      <p:ext uri="{BB962C8B-B14F-4D97-AF65-F5344CB8AC3E}">
-        <p14:creationId xmlns="" xmlns:p14="http://schemas.microsoft.com/office/powerpoint/2010/main" val="2209468386"/>
-      </p:ext>
-    </p:extLst>
   </p:cSld>
   <p:clrMapOvr>
     <a:masterClrMapping/>
   </p:clrMapOvr>
-  <p:timing>
-    <p:tnLst>
-      <p:par>
-        <p:cTn id="1" dur="indefinite" restart="never" nodeType="tmRoot"/>
-      </p:par>
-    </p:tnLst>
-  </p:timing>
 </p:sld>
 </file>
 
@@ -4298,17 +4766,21 @@
             <a:spLocks noGrp="1"/>
           </p:cNvSpPr>
           <p:nvPr>
-            <p:ph type="ctrTitle"/>
-          </p:nvPr>
-        </p:nvSpPr>
-        <p:spPr/>
-        <p:txBody>
-          <a:bodyPr/>
-          <a:lstStyle/>
-          <a:p>
-            <a:r>
-              <a:rPr lang="de-DE" dirty="0" smtClean="0"/>
-              <a:t>Danke für eure Aufmerksamkeit!</a:t>
+            <p:ph type="title"/>
+          </p:nvPr>
+        </p:nvSpPr>
+        <p:spPr/>
+        <p:txBody>
+          <a:bodyPr/>
+          <a:lstStyle/>
+          <a:p>
+            <a:r>
+              <a:rPr lang="de-DE" dirty="0" err="1" smtClean="0"/>
+              <a:t>Implementation</a:t>
+            </a:r>
+            <a:r>
+              <a:rPr lang="de-DE" dirty="0" smtClean="0"/>
+              <a:t> GUI (1)</a:t>
             </a:r>
             <a:endParaRPr lang="de-DE" dirty="0"/>
           </a:p>
@@ -4316,28 +4788,2200 @@
       </p:sp>
       <p:sp>
         <p:nvSpPr>
-          <p:cNvPr id="3" name="Untertitel 2"/>
-          <p:cNvSpPr>
-            <a:spLocks noGrp="1"/>
-          </p:cNvSpPr>
-          <p:nvPr>
-            <p:ph type="subTitle" idx="1"/>
-          </p:nvPr>
-        </p:nvSpPr>
-        <p:spPr/>
-        <p:txBody>
-          <a:bodyPr/>
-          <a:lstStyle/>
-          <a:p>
-            <a:r>
-              <a:rPr lang="de-DE" dirty="0" smtClean="0"/>
-              <a:t>Fragen?</a:t>
-            </a:r>
+          <p:cNvPr id="3" name="Inhaltsplatzhalter 2"/>
+          <p:cNvSpPr>
+            <a:spLocks noGrp="1"/>
+          </p:cNvSpPr>
+          <p:nvPr>
+            <p:ph idx="1"/>
+          </p:nvPr>
+        </p:nvSpPr>
+        <p:spPr/>
+        <p:txBody>
+          <a:bodyPr/>
+          <a:lstStyle/>
+          <a:p>
             <a:endParaRPr lang="de-DE" dirty="0"/>
           </a:p>
         </p:txBody>
       </p:sp>
+      <p:sp>
+        <p:nvSpPr>
+          <p:cNvPr id="4" name="Datumsplatzhalter 3"/>
+          <p:cNvSpPr>
+            <a:spLocks noGrp="1"/>
+          </p:cNvSpPr>
+          <p:nvPr>
+            <p:ph type="dt" sz="half" idx="10"/>
+          </p:nvPr>
+        </p:nvSpPr>
+        <p:spPr/>
+        <p:txBody>
+          <a:bodyPr/>
+          <a:lstStyle/>
+          <a:p>
+            <a:r>
+              <a:rPr lang="de-DE" smtClean="0"/>
+              <a:t>21.01.2012</a:t>
+            </a:r>
+            <a:endParaRPr lang="de-DE" dirty="0"/>
+          </a:p>
+        </p:txBody>
+      </p:sp>
+      <p:sp>
+        <p:nvSpPr>
+          <p:cNvPr id="5" name="Fußzeilenplatzhalter 4"/>
+          <p:cNvSpPr>
+            <a:spLocks noGrp="1"/>
+          </p:cNvSpPr>
+          <p:nvPr>
+            <p:ph type="ftr" sz="quarter" idx="11"/>
+          </p:nvPr>
+        </p:nvSpPr>
+        <p:spPr/>
+        <p:txBody>
+          <a:bodyPr/>
+          <a:lstStyle/>
+          <a:p>
+            <a:r>
+              <a:rPr lang="de-DE" smtClean="0"/>
+              <a:t>Andreas Bug &amp; Manuel Caputo</a:t>
+            </a:r>
+            <a:endParaRPr lang="de-DE"/>
+          </a:p>
+        </p:txBody>
+      </p:sp>
+      <p:sp>
+        <p:nvSpPr>
+          <p:cNvPr id="6" name="Foliennummernplatzhalter 5"/>
+          <p:cNvSpPr>
+            <a:spLocks noGrp="1"/>
+          </p:cNvSpPr>
+          <p:nvPr>
+            <p:ph type="sldNum" sz="quarter" idx="12"/>
+          </p:nvPr>
+        </p:nvSpPr>
+        <p:spPr/>
+        <p:txBody>
+          <a:bodyPr/>
+          <a:lstStyle/>
+          <a:p>
+            <a:fld id="{0FBFDBBA-A472-422C-AD5C-37B74679DE82}" type="slidenum">
+              <a:rPr lang="de-DE" smtClean="0"/>
+              <a:pPr/>
+              <a:t>4</a:t>
+            </a:fld>
+            <a:endParaRPr lang="de-DE"/>
+          </a:p>
+        </p:txBody>
+      </p:sp>
     </p:spTree>
+  </p:cSld>
+  <p:clrMapOvr>
+    <a:masterClrMapping/>
+  </p:clrMapOvr>
+</p:sld>
+</file>
+
+<file path=ppt/slides/slide5.xml><?xml version="1.0" encoding="utf-8"?>
+<p:sld xmlns:a="http://schemas.openxmlformats.org/drawingml/2006/main" xmlns:r="http://schemas.openxmlformats.org/officeDocument/2006/relationships" xmlns:p="http://schemas.openxmlformats.org/presentationml/2006/main">
+  <p:cSld>
+    <p:spTree>
+      <p:nvGrpSpPr>
+        <p:cNvPr id="1" name=""/>
+        <p:cNvGrpSpPr/>
+        <p:nvPr/>
+      </p:nvGrpSpPr>
+      <p:grpSpPr>
+        <a:xfrm>
+          <a:off x="0" y="0"/>
+          <a:ext cx="0" cy="0"/>
+          <a:chOff x="0" y="0"/>
+          <a:chExt cx="0" cy="0"/>
+        </a:xfrm>
+      </p:grpSpPr>
+      <p:sp>
+        <p:nvSpPr>
+          <p:cNvPr id="2" name="Titel 1"/>
+          <p:cNvSpPr>
+            <a:spLocks noGrp="1"/>
+          </p:cNvSpPr>
+          <p:nvPr>
+            <p:ph type="title"/>
+          </p:nvPr>
+        </p:nvSpPr>
+        <p:spPr/>
+        <p:txBody>
+          <a:bodyPr/>
+          <a:lstStyle/>
+          <a:p>
+            <a:r>
+              <a:rPr lang="de-DE" dirty="0" err="1" smtClean="0"/>
+              <a:t>Implementation</a:t>
+            </a:r>
+            <a:r>
+              <a:rPr lang="de-DE" dirty="0" smtClean="0"/>
+              <a:t> GUI (2)</a:t>
+            </a:r>
+            <a:endParaRPr lang="de-DE" dirty="0"/>
+          </a:p>
+        </p:txBody>
+      </p:sp>
+      <p:sp>
+        <p:nvSpPr>
+          <p:cNvPr id="10" name="Inhaltsplatzhalter 9"/>
+          <p:cNvSpPr>
+            <a:spLocks noGrp="1"/>
+          </p:cNvSpPr>
+          <p:nvPr>
+            <p:ph idx="1"/>
+          </p:nvPr>
+        </p:nvSpPr>
+        <p:spPr>
+          <a:xfrm>
+            <a:off x="457200" y="4077072"/>
+            <a:ext cx="8229600" cy="2049091"/>
+          </a:xfrm>
+        </p:spPr>
+        <p:txBody>
+          <a:bodyPr/>
+          <a:lstStyle/>
+          <a:p>
+            <a:pPr>
+              <a:buNone/>
+            </a:pPr>
+            <a:endParaRPr lang="de-DE" dirty="0" smtClean="0"/>
+          </a:p>
+        </p:txBody>
+      </p:sp>
+      <p:sp>
+        <p:nvSpPr>
+          <p:cNvPr id="4" name="Datumsplatzhalter 3"/>
+          <p:cNvSpPr>
+            <a:spLocks noGrp="1"/>
+          </p:cNvSpPr>
+          <p:nvPr>
+            <p:ph type="dt" sz="half" idx="10"/>
+          </p:nvPr>
+        </p:nvSpPr>
+        <p:spPr/>
+        <p:txBody>
+          <a:bodyPr/>
+          <a:lstStyle/>
+          <a:p>
+            <a:r>
+              <a:rPr lang="de-DE" smtClean="0"/>
+              <a:t>21.01.2012</a:t>
+            </a:r>
+            <a:endParaRPr lang="de-DE" dirty="0"/>
+          </a:p>
+        </p:txBody>
+      </p:sp>
+      <p:sp>
+        <p:nvSpPr>
+          <p:cNvPr id="5" name="Fußzeilenplatzhalter 4"/>
+          <p:cNvSpPr>
+            <a:spLocks noGrp="1"/>
+          </p:cNvSpPr>
+          <p:nvPr>
+            <p:ph type="ftr" sz="quarter" idx="11"/>
+          </p:nvPr>
+        </p:nvSpPr>
+        <p:spPr/>
+        <p:txBody>
+          <a:bodyPr/>
+          <a:lstStyle/>
+          <a:p>
+            <a:r>
+              <a:rPr lang="de-DE" smtClean="0"/>
+              <a:t>Andreas Bug &amp; Manuel Caputo</a:t>
+            </a:r>
+            <a:endParaRPr lang="de-DE"/>
+          </a:p>
+        </p:txBody>
+      </p:sp>
+      <p:sp>
+        <p:nvSpPr>
+          <p:cNvPr id="6" name="Foliennummernplatzhalter 5"/>
+          <p:cNvSpPr>
+            <a:spLocks noGrp="1"/>
+          </p:cNvSpPr>
+          <p:nvPr>
+            <p:ph type="sldNum" sz="quarter" idx="12"/>
+          </p:nvPr>
+        </p:nvSpPr>
+        <p:spPr/>
+        <p:txBody>
+          <a:bodyPr/>
+          <a:lstStyle/>
+          <a:p>
+            <a:fld id="{0FBFDBBA-A472-422C-AD5C-37B74679DE82}" type="slidenum">
+              <a:rPr lang="de-DE" smtClean="0"/>
+              <a:pPr/>
+              <a:t>5</a:t>
+            </a:fld>
+            <a:endParaRPr lang="de-DE"/>
+          </a:p>
+        </p:txBody>
+      </p:sp>
+      <p:grpSp>
+        <p:nvGrpSpPr>
+          <p:cNvPr id="31" name="Gruppieren 30"/>
+          <p:cNvGrpSpPr/>
+          <p:nvPr/>
+        </p:nvGrpSpPr>
+        <p:grpSpPr>
+          <a:xfrm>
+            <a:off x="4644008" y="1412776"/>
+            <a:ext cx="3456384" cy="2448272"/>
+            <a:chOff x="4499992" y="2204864"/>
+            <a:chExt cx="3456384" cy="2448272"/>
+          </a:xfrm>
+        </p:grpSpPr>
+        <p:sp>
+          <p:nvSpPr>
+            <p:cNvPr id="28" name="Rechteck 27"/>
+            <p:cNvSpPr/>
+            <p:nvPr/>
+          </p:nvSpPr>
+          <p:spPr>
+            <a:xfrm>
+              <a:off x="4499992" y="2204864"/>
+              <a:ext cx="3456384" cy="2448272"/>
+            </a:xfrm>
+            <a:prstGeom prst="rect">
+              <a:avLst/>
+            </a:prstGeom>
+            <a:solidFill>
+              <a:schemeClr val="bg1">
+                <a:lumMod val="95000"/>
+              </a:schemeClr>
+            </a:solidFill>
+            <a:ln w="12700">
+              <a:solidFill>
+                <a:schemeClr val="tx1"/>
+              </a:solidFill>
+            </a:ln>
+          </p:spPr>
+          <p:style>
+            <a:lnRef idx="2">
+              <a:schemeClr val="accent1">
+                <a:shade val="50000"/>
+              </a:schemeClr>
+            </a:lnRef>
+            <a:fillRef idx="1">
+              <a:schemeClr val="accent1"/>
+            </a:fillRef>
+            <a:effectRef idx="0">
+              <a:schemeClr val="accent1"/>
+            </a:effectRef>
+            <a:fontRef idx="minor">
+              <a:schemeClr val="lt1"/>
+            </a:fontRef>
+          </p:style>
+          <p:txBody>
+            <a:bodyPr rtlCol="0" anchor="t" anchorCtr="0"/>
+            <a:lstStyle/>
+            <a:p>
+              <a:r>
+                <a:rPr lang="de-DE" sz="1400" dirty="0" smtClean="0">
+                  <a:solidFill>
+                    <a:schemeClr val="tx1"/>
+                  </a:solidFill>
+                </a:rPr>
+                <a:t>Layout </a:t>
+              </a:r>
+              <a:r>
+                <a:rPr lang="de-DE" sz="1400" dirty="0" err="1" smtClean="0">
+                  <a:solidFill>
+                    <a:schemeClr val="tx1"/>
+                  </a:solidFill>
+                </a:rPr>
+                <a:t>Tablet</a:t>
+              </a:r>
+              <a:r>
+                <a:rPr lang="de-DE" sz="1400" dirty="0" smtClean="0">
+                  <a:solidFill>
+                    <a:schemeClr val="tx1"/>
+                  </a:solidFill>
+                </a:rPr>
+                <a:t>:</a:t>
+              </a:r>
+              <a:endParaRPr lang="de-DE" sz="1400" dirty="0">
+                <a:solidFill>
+                  <a:schemeClr val="tx1"/>
+                </a:solidFill>
+              </a:endParaRPr>
+            </a:p>
+          </p:txBody>
+        </p:sp>
+        <p:sp>
+          <p:nvSpPr>
+            <p:cNvPr id="23" name="Rechteck 22"/>
+            <p:cNvSpPr/>
+            <p:nvPr/>
+          </p:nvSpPr>
+          <p:spPr>
+            <a:xfrm>
+              <a:off x="4644008" y="2636912"/>
+              <a:ext cx="1152128" cy="1872208"/>
+            </a:xfrm>
+            <a:prstGeom prst="rect">
+              <a:avLst/>
+            </a:prstGeom>
+          </p:spPr>
+          <p:style>
+            <a:lnRef idx="2">
+              <a:schemeClr val="accent1">
+                <a:shade val="50000"/>
+              </a:schemeClr>
+            </a:lnRef>
+            <a:fillRef idx="1">
+              <a:schemeClr val="accent1"/>
+            </a:fillRef>
+            <a:effectRef idx="0">
+              <a:schemeClr val="accent1"/>
+            </a:effectRef>
+            <a:fontRef idx="minor">
+              <a:schemeClr val="lt1"/>
+            </a:fontRef>
+          </p:style>
+          <p:txBody>
+            <a:bodyPr rtlCol="0" anchor="ctr"/>
+            <a:lstStyle/>
+            <a:p>
+              <a:pPr algn="ctr"/>
+              <a:r>
+                <a:rPr lang="de-DE" dirty="0" err="1" smtClean="0"/>
+                <a:t>Degrees</a:t>
+              </a:r>
+              <a:endParaRPr lang="de-DE" dirty="0"/>
+            </a:p>
+          </p:txBody>
+        </p:sp>
+        <p:sp>
+          <p:nvSpPr>
+            <p:cNvPr id="24" name="Rechteck 23"/>
+            <p:cNvSpPr/>
+            <p:nvPr/>
+          </p:nvSpPr>
+          <p:spPr>
+            <a:xfrm>
+              <a:off x="5796136" y="2636912"/>
+              <a:ext cx="2016224" cy="1872208"/>
+            </a:xfrm>
+            <a:prstGeom prst="rect">
+              <a:avLst/>
+            </a:prstGeom>
+          </p:spPr>
+          <p:style>
+            <a:lnRef idx="2">
+              <a:schemeClr val="accent1">
+                <a:shade val="50000"/>
+              </a:schemeClr>
+            </a:lnRef>
+            <a:fillRef idx="1">
+              <a:schemeClr val="accent1"/>
+            </a:fillRef>
+            <a:effectRef idx="0">
+              <a:schemeClr val="accent1"/>
+            </a:effectRef>
+            <a:fontRef idx="minor">
+              <a:schemeClr val="lt1"/>
+            </a:fontRef>
+          </p:style>
+          <p:txBody>
+            <a:bodyPr rtlCol="0" anchor="ctr"/>
+            <a:lstStyle/>
+            <a:p>
+              <a:pPr algn="ctr"/>
+              <a:r>
+                <a:rPr lang="de-DE" dirty="0" smtClean="0"/>
+                <a:t>Grades</a:t>
+              </a:r>
+              <a:endParaRPr lang="de-DE" dirty="0"/>
+            </a:p>
+          </p:txBody>
+        </p:sp>
+      </p:grpSp>
+      <p:grpSp>
+        <p:nvGrpSpPr>
+          <p:cNvPr id="30" name="Gruppieren 29"/>
+          <p:cNvGrpSpPr/>
+          <p:nvPr/>
+        </p:nvGrpSpPr>
+        <p:grpSpPr>
+          <a:xfrm>
+            <a:off x="971600" y="1412776"/>
+            <a:ext cx="3024336" cy="2448272"/>
+            <a:chOff x="395536" y="2204864"/>
+            <a:chExt cx="3024336" cy="2448272"/>
+          </a:xfrm>
+        </p:grpSpPr>
+        <p:sp>
+          <p:nvSpPr>
+            <p:cNvPr id="26" name="Rechteck 25"/>
+            <p:cNvSpPr/>
+            <p:nvPr/>
+          </p:nvSpPr>
+          <p:spPr>
+            <a:xfrm>
+              <a:off x="395536" y="2204864"/>
+              <a:ext cx="3024336" cy="2448272"/>
+            </a:xfrm>
+            <a:prstGeom prst="rect">
+              <a:avLst/>
+            </a:prstGeom>
+            <a:solidFill>
+              <a:schemeClr val="bg1">
+                <a:lumMod val="95000"/>
+              </a:schemeClr>
+            </a:solidFill>
+            <a:ln w="12700">
+              <a:solidFill>
+                <a:schemeClr val="tx1"/>
+              </a:solidFill>
+            </a:ln>
+          </p:spPr>
+          <p:style>
+            <a:lnRef idx="2">
+              <a:schemeClr val="accent1">
+                <a:shade val="50000"/>
+              </a:schemeClr>
+            </a:lnRef>
+            <a:fillRef idx="1">
+              <a:schemeClr val="accent1"/>
+            </a:fillRef>
+            <a:effectRef idx="0">
+              <a:schemeClr val="accent1"/>
+            </a:effectRef>
+            <a:fontRef idx="minor">
+              <a:schemeClr val="lt1"/>
+            </a:fontRef>
+          </p:style>
+          <p:txBody>
+            <a:bodyPr rtlCol="0" anchor="t" anchorCtr="0"/>
+            <a:lstStyle/>
+            <a:p>
+              <a:r>
+                <a:rPr lang="de-DE" sz="1400" dirty="0" smtClean="0">
+                  <a:solidFill>
+                    <a:schemeClr val="tx1"/>
+                  </a:solidFill>
+                </a:rPr>
+                <a:t>Layout Smartphone:</a:t>
+              </a:r>
+              <a:endParaRPr lang="de-DE" sz="1400" dirty="0">
+                <a:solidFill>
+                  <a:schemeClr val="tx1"/>
+                </a:solidFill>
+              </a:endParaRPr>
+            </a:p>
+          </p:txBody>
+        </p:sp>
+        <p:sp>
+          <p:nvSpPr>
+            <p:cNvPr id="21" name="Rechteck 20"/>
+            <p:cNvSpPr/>
+            <p:nvPr/>
+          </p:nvSpPr>
+          <p:spPr>
+            <a:xfrm>
+              <a:off x="539552" y="2636912"/>
+              <a:ext cx="1152128" cy="1872208"/>
+            </a:xfrm>
+            <a:prstGeom prst="rect">
+              <a:avLst/>
+            </a:prstGeom>
+          </p:spPr>
+          <p:style>
+            <a:lnRef idx="2">
+              <a:schemeClr val="accent1">
+                <a:shade val="50000"/>
+              </a:schemeClr>
+            </a:lnRef>
+            <a:fillRef idx="1">
+              <a:schemeClr val="accent1"/>
+            </a:fillRef>
+            <a:effectRef idx="0">
+              <a:schemeClr val="accent1"/>
+            </a:effectRef>
+            <a:fontRef idx="minor">
+              <a:schemeClr val="lt1"/>
+            </a:fontRef>
+          </p:style>
+          <p:txBody>
+            <a:bodyPr rtlCol="0" anchor="ctr"/>
+            <a:lstStyle/>
+            <a:p>
+              <a:pPr algn="ctr"/>
+              <a:r>
+                <a:rPr lang="de-DE" dirty="0" err="1" smtClean="0"/>
+                <a:t>Degrees</a:t>
+              </a:r>
+              <a:endParaRPr lang="de-DE" dirty="0"/>
+            </a:p>
+          </p:txBody>
+        </p:sp>
+        <p:sp>
+          <p:nvSpPr>
+            <p:cNvPr id="22" name="Rechteck 21"/>
+            <p:cNvSpPr/>
+            <p:nvPr/>
+          </p:nvSpPr>
+          <p:spPr>
+            <a:xfrm>
+              <a:off x="2123728" y="2636912"/>
+              <a:ext cx="1152128" cy="1872208"/>
+            </a:xfrm>
+            <a:prstGeom prst="rect">
+              <a:avLst/>
+            </a:prstGeom>
+          </p:spPr>
+          <p:style>
+            <a:lnRef idx="2">
+              <a:schemeClr val="accent1">
+                <a:shade val="50000"/>
+              </a:schemeClr>
+            </a:lnRef>
+            <a:fillRef idx="1">
+              <a:schemeClr val="accent1"/>
+            </a:fillRef>
+            <a:effectRef idx="0">
+              <a:schemeClr val="accent1"/>
+            </a:effectRef>
+            <a:fontRef idx="minor">
+              <a:schemeClr val="lt1"/>
+            </a:fontRef>
+          </p:style>
+          <p:txBody>
+            <a:bodyPr rtlCol="0" anchor="ctr"/>
+            <a:lstStyle/>
+            <a:p>
+              <a:pPr algn="ctr"/>
+              <a:r>
+                <a:rPr lang="de-DE" dirty="0" smtClean="0"/>
+                <a:t>Grades</a:t>
+              </a:r>
+              <a:endParaRPr lang="de-DE" dirty="0"/>
+            </a:p>
+          </p:txBody>
+        </p:sp>
+        <p:cxnSp>
+          <p:nvCxnSpPr>
+            <p:cNvPr id="25" name="Gerade Verbindung mit Pfeil 24"/>
+            <p:cNvCxnSpPr/>
+            <p:nvPr/>
+          </p:nvCxnSpPr>
+          <p:spPr>
+            <a:xfrm>
+              <a:off x="1763688" y="3573016"/>
+              <a:ext cx="288032" cy="0"/>
+            </a:xfrm>
+            <a:prstGeom prst="straightConnector1">
+              <a:avLst/>
+            </a:prstGeom>
+            <a:ln w="34925">
+              <a:solidFill>
+                <a:schemeClr val="tx1"/>
+              </a:solidFill>
+              <a:tailEnd type="arrow"/>
+            </a:ln>
+          </p:spPr>
+          <p:style>
+            <a:lnRef idx="1">
+              <a:schemeClr val="accent1"/>
+            </a:lnRef>
+            <a:fillRef idx="0">
+              <a:schemeClr val="accent1"/>
+            </a:fillRef>
+            <a:effectRef idx="0">
+              <a:schemeClr val="accent1"/>
+            </a:effectRef>
+            <a:fontRef idx="minor">
+              <a:schemeClr val="tx1"/>
+            </a:fontRef>
+          </p:style>
+        </p:cxnSp>
+      </p:grpSp>
+    </p:spTree>
+  </p:cSld>
+  <p:clrMapOvr>
+    <a:masterClrMapping/>
+  </p:clrMapOvr>
+</p:sld>
+</file>
+
+<file path=ppt/slides/slide6.xml><?xml version="1.0" encoding="utf-8"?>
+<p:sld xmlns:a="http://schemas.openxmlformats.org/drawingml/2006/main" xmlns:r="http://schemas.openxmlformats.org/officeDocument/2006/relationships" xmlns:p="http://schemas.openxmlformats.org/presentationml/2006/main">
+  <p:cSld>
+    <p:spTree>
+      <p:nvGrpSpPr>
+        <p:cNvPr id="1" name=""/>
+        <p:cNvGrpSpPr/>
+        <p:nvPr/>
+      </p:nvGrpSpPr>
+      <p:grpSpPr>
+        <a:xfrm>
+          <a:off x="0" y="0"/>
+          <a:ext cx="0" cy="0"/>
+          <a:chOff x="0" y="0"/>
+          <a:chExt cx="0" cy="0"/>
+        </a:xfrm>
+      </p:grpSpPr>
+      <p:sp>
+        <p:nvSpPr>
+          <p:cNvPr id="2" name="Titel 1"/>
+          <p:cNvSpPr>
+            <a:spLocks noGrp="1"/>
+          </p:cNvSpPr>
+          <p:nvPr>
+            <p:ph type="title"/>
+          </p:nvPr>
+        </p:nvSpPr>
+        <p:spPr/>
+        <p:txBody>
+          <a:bodyPr/>
+          <a:lstStyle/>
+          <a:p>
+            <a:r>
+              <a:rPr lang="de-DE" dirty="0" err="1" smtClean="0"/>
+              <a:t>Implementation</a:t>
+            </a:r>
+            <a:r>
+              <a:rPr lang="de-DE" dirty="0" smtClean="0"/>
+              <a:t> QIS (1)</a:t>
+            </a:r>
+            <a:endParaRPr lang="de-DE" dirty="0"/>
+          </a:p>
+        </p:txBody>
+      </p:sp>
+      <p:sp>
+        <p:nvSpPr>
+          <p:cNvPr id="3" name="Inhaltsplatzhalter 2"/>
+          <p:cNvSpPr>
+            <a:spLocks noGrp="1"/>
+          </p:cNvSpPr>
+          <p:nvPr>
+            <p:ph idx="1"/>
+          </p:nvPr>
+        </p:nvSpPr>
+        <p:spPr/>
+        <p:txBody>
+          <a:bodyPr>
+            <a:normAutofit lnSpcReduction="10000"/>
+          </a:bodyPr>
+          <a:lstStyle/>
+          <a:p>
+            <a:pPr>
+              <a:buNone/>
+            </a:pPr>
+            <a:r>
+              <a:rPr lang="de-DE" dirty="0" smtClean="0"/>
+              <a:t>Problem: </a:t>
+            </a:r>
+          </a:p>
+          <a:p>
+            <a:pPr>
+              <a:buNone/>
+            </a:pPr>
+            <a:r>
+              <a:rPr lang="de-DE" dirty="0" smtClean="0"/>
+              <a:t>	</a:t>
+            </a:r>
+            <a:r>
+              <a:rPr lang="de-DE" dirty="0" err="1" smtClean="0"/>
+              <a:t>How</a:t>
+            </a:r>
+            <a:r>
+              <a:rPr lang="de-DE" dirty="0" smtClean="0"/>
+              <a:t> </a:t>
+            </a:r>
+            <a:r>
+              <a:rPr lang="de-DE" dirty="0" err="1" smtClean="0"/>
+              <a:t>to</a:t>
+            </a:r>
+            <a:r>
+              <a:rPr lang="de-DE" dirty="0" smtClean="0"/>
+              <a:t> </a:t>
+            </a:r>
+            <a:r>
+              <a:rPr lang="de-DE" dirty="0" err="1" smtClean="0"/>
+              <a:t>get</a:t>
+            </a:r>
+            <a:r>
+              <a:rPr lang="de-DE" dirty="0" smtClean="0"/>
+              <a:t> </a:t>
+            </a:r>
+            <a:r>
+              <a:rPr lang="de-DE" dirty="0" err="1" smtClean="0"/>
+              <a:t>the</a:t>
+            </a:r>
+            <a:r>
+              <a:rPr lang="de-DE" dirty="0" smtClean="0"/>
+              <a:t> </a:t>
+            </a:r>
+            <a:r>
+              <a:rPr lang="de-DE" dirty="0" err="1" smtClean="0"/>
+              <a:t>required</a:t>
+            </a:r>
+            <a:r>
+              <a:rPr lang="de-DE" dirty="0" smtClean="0"/>
+              <a:t> </a:t>
+            </a:r>
+            <a:r>
+              <a:rPr lang="de-DE" dirty="0" err="1" smtClean="0"/>
+              <a:t>data</a:t>
+            </a:r>
+            <a:r>
+              <a:rPr lang="de-DE" dirty="0" smtClean="0"/>
+              <a:t> out </a:t>
+            </a:r>
+            <a:r>
+              <a:rPr lang="de-DE" dirty="0" err="1" smtClean="0"/>
+              <a:t>of</a:t>
+            </a:r>
+            <a:r>
+              <a:rPr lang="de-DE" dirty="0" smtClean="0"/>
+              <a:t> </a:t>
+            </a:r>
+            <a:r>
+              <a:rPr lang="de-DE" dirty="0" err="1" smtClean="0"/>
+              <a:t>the</a:t>
+            </a:r>
+            <a:r>
+              <a:rPr lang="de-DE" dirty="0" smtClean="0"/>
+              <a:t> QIS-Software </a:t>
+            </a:r>
+            <a:r>
+              <a:rPr lang="de-DE" dirty="0" err="1" smtClean="0"/>
+              <a:t>a.k.a</a:t>
+            </a:r>
+            <a:r>
+              <a:rPr lang="de-DE" dirty="0" smtClean="0"/>
+              <a:t> „Student terminal“ </a:t>
+            </a:r>
+            <a:r>
+              <a:rPr lang="de-DE" dirty="0" err="1" smtClean="0"/>
+              <a:t>without</a:t>
+            </a:r>
+            <a:r>
+              <a:rPr lang="de-DE" dirty="0" smtClean="0"/>
+              <a:t> </a:t>
+            </a:r>
+            <a:r>
+              <a:rPr lang="de-DE" dirty="0" err="1" smtClean="0"/>
+              <a:t>any</a:t>
+            </a:r>
+            <a:r>
+              <a:rPr lang="de-DE" dirty="0" smtClean="0"/>
+              <a:t> API </a:t>
+            </a:r>
+            <a:r>
+              <a:rPr lang="de-DE" dirty="0" err="1" smtClean="0"/>
+              <a:t>or</a:t>
+            </a:r>
+            <a:r>
+              <a:rPr lang="de-DE" dirty="0" smtClean="0"/>
+              <a:t> </a:t>
+            </a:r>
+            <a:r>
+              <a:rPr lang="de-DE" dirty="0" err="1" smtClean="0"/>
+              <a:t>other</a:t>
+            </a:r>
+            <a:r>
+              <a:rPr lang="de-DE" dirty="0" smtClean="0"/>
+              <a:t> </a:t>
+            </a:r>
+            <a:r>
+              <a:rPr lang="de-DE" dirty="0" err="1" smtClean="0"/>
+              <a:t>interface</a:t>
+            </a:r>
+            <a:r>
+              <a:rPr lang="de-DE" dirty="0" smtClean="0"/>
+              <a:t> </a:t>
+            </a:r>
+            <a:r>
+              <a:rPr lang="de-DE" dirty="0" err="1" smtClean="0"/>
+              <a:t>to</a:t>
+            </a:r>
+            <a:r>
+              <a:rPr lang="de-DE" dirty="0" smtClean="0"/>
+              <a:t> do </a:t>
+            </a:r>
+            <a:r>
+              <a:rPr lang="de-DE" dirty="0" err="1" smtClean="0"/>
+              <a:t>this</a:t>
+            </a:r>
+            <a:r>
+              <a:rPr lang="de-DE" dirty="0" smtClean="0"/>
+              <a:t>?</a:t>
+            </a:r>
+          </a:p>
+          <a:p>
+            <a:pPr>
+              <a:buNone/>
+            </a:pPr>
+            <a:endParaRPr lang="de-DE" dirty="0" smtClean="0"/>
+          </a:p>
+          <a:p>
+            <a:pPr>
+              <a:buNone/>
+            </a:pPr>
+            <a:r>
+              <a:rPr lang="de-DE" dirty="0" smtClean="0"/>
+              <a:t>Solution:</a:t>
+            </a:r>
+          </a:p>
+          <a:p>
+            <a:pPr>
+              <a:buNone/>
+            </a:pPr>
+            <a:r>
+              <a:rPr lang="de-DE" dirty="0" smtClean="0"/>
+              <a:t>	</a:t>
+            </a:r>
+            <a:r>
+              <a:rPr lang="de-DE" dirty="0" err="1" smtClean="0"/>
+              <a:t>Fake</a:t>
+            </a:r>
+            <a:r>
+              <a:rPr lang="de-DE" dirty="0" smtClean="0"/>
+              <a:t> a web </a:t>
+            </a:r>
+            <a:r>
+              <a:rPr lang="de-DE" dirty="0" err="1" smtClean="0"/>
+              <a:t>browser</a:t>
+            </a:r>
+            <a:r>
+              <a:rPr lang="de-DE" dirty="0" smtClean="0"/>
+              <a:t>! </a:t>
+            </a:r>
+            <a:r>
+              <a:rPr lang="de-DE" dirty="0" err="1" smtClean="0"/>
+              <a:t>We</a:t>
+            </a:r>
+            <a:r>
+              <a:rPr lang="de-DE" dirty="0" smtClean="0"/>
+              <a:t> </a:t>
+            </a:r>
+            <a:r>
+              <a:rPr lang="de-DE" dirty="0" err="1" smtClean="0"/>
+              <a:t>need</a:t>
+            </a:r>
+            <a:r>
+              <a:rPr lang="de-DE" dirty="0" smtClean="0"/>
+              <a:t> </a:t>
+            </a:r>
+            <a:r>
+              <a:rPr lang="de-DE" dirty="0" err="1" smtClean="0"/>
+              <a:t>to</a:t>
+            </a:r>
+            <a:r>
+              <a:rPr lang="de-DE" dirty="0" smtClean="0"/>
+              <a:t> </a:t>
+            </a:r>
+            <a:r>
+              <a:rPr lang="de-DE" dirty="0" err="1" smtClean="0"/>
+              <a:t>simulate</a:t>
+            </a:r>
+            <a:r>
+              <a:rPr lang="de-DE" dirty="0" smtClean="0"/>
+              <a:t> all </a:t>
+            </a:r>
+            <a:r>
+              <a:rPr lang="de-DE" dirty="0" err="1" smtClean="0"/>
+              <a:t>clicks</a:t>
+            </a:r>
+            <a:r>
+              <a:rPr lang="de-DE" dirty="0" smtClean="0"/>
+              <a:t> </a:t>
+            </a:r>
+            <a:r>
+              <a:rPr lang="de-DE" dirty="0" err="1" smtClean="0"/>
+              <a:t>and</a:t>
+            </a:r>
+            <a:r>
+              <a:rPr lang="de-DE" dirty="0" smtClean="0"/>
+              <a:t> </a:t>
+            </a:r>
+            <a:r>
+              <a:rPr lang="de-DE" dirty="0" err="1" smtClean="0"/>
+              <a:t>actions</a:t>
+            </a:r>
+            <a:r>
+              <a:rPr lang="de-DE" dirty="0" smtClean="0"/>
+              <a:t> </a:t>
+            </a:r>
+            <a:r>
+              <a:rPr lang="de-DE" dirty="0" err="1" smtClean="0"/>
+              <a:t>and</a:t>
+            </a:r>
+            <a:r>
+              <a:rPr lang="de-DE" dirty="0" smtClean="0"/>
+              <a:t> </a:t>
+            </a:r>
+            <a:r>
+              <a:rPr lang="de-DE" dirty="0" err="1" smtClean="0"/>
+              <a:t>extract</a:t>
+            </a:r>
+            <a:r>
+              <a:rPr lang="de-DE" dirty="0" smtClean="0"/>
+              <a:t> </a:t>
+            </a:r>
+            <a:r>
+              <a:rPr lang="de-DE" dirty="0" err="1" smtClean="0"/>
+              <a:t>the</a:t>
+            </a:r>
+            <a:r>
+              <a:rPr lang="de-DE" dirty="0" smtClean="0"/>
+              <a:t> </a:t>
+            </a:r>
+            <a:r>
+              <a:rPr lang="de-DE" dirty="0" err="1" smtClean="0"/>
+              <a:t>data</a:t>
+            </a:r>
+            <a:r>
+              <a:rPr lang="de-DE" dirty="0" smtClean="0"/>
+              <a:t> out </a:t>
+            </a:r>
+            <a:r>
+              <a:rPr lang="de-DE" dirty="0" err="1" smtClean="0"/>
+              <a:t>of</a:t>
+            </a:r>
+            <a:r>
+              <a:rPr lang="de-DE" dirty="0" smtClean="0"/>
+              <a:t> </a:t>
+            </a:r>
+            <a:r>
+              <a:rPr lang="de-DE" dirty="0" err="1" smtClean="0"/>
+              <a:t>the</a:t>
+            </a:r>
+            <a:r>
+              <a:rPr lang="de-DE" dirty="0" smtClean="0"/>
+              <a:t> </a:t>
+            </a:r>
+            <a:r>
+              <a:rPr lang="de-DE" dirty="0" err="1" smtClean="0"/>
+              <a:t>delivered</a:t>
+            </a:r>
+            <a:r>
+              <a:rPr lang="de-DE" dirty="0" smtClean="0"/>
+              <a:t> HTML </a:t>
+            </a:r>
+            <a:r>
+              <a:rPr lang="de-DE" dirty="0" err="1" smtClean="0"/>
+              <a:t>files</a:t>
+            </a:r>
+            <a:r>
+              <a:rPr lang="de-DE" dirty="0" smtClean="0"/>
+              <a:t>.</a:t>
+            </a:r>
+            <a:endParaRPr lang="de-DE" dirty="0"/>
+          </a:p>
+        </p:txBody>
+      </p:sp>
+      <p:sp>
+        <p:nvSpPr>
+          <p:cNvPr id="4" name="Datumsplatzhalter 3"/>
+          <p:cNvSpPr>
+            <a:spLocks noGrp="1"/>
+          </p:cNvSpPr>
+          <p:nvPr>
+            <p:ph type="dt" sz="half" idx="10"/>
+          </p:nvPr>
+        </p:nvSpPr>
+        <p:spPr/>
+        <p:txBody>
+          <a:bodyPr/>
+          <a:lstStyle/>
+          <a:p>
+            <a:r>
+              <a:rPr lang="de-DE" smtClean="0"/>
+              <a:t>21.01.2012</a:t>
+            </a:r>
+            <a:endParaRPr lang="de-DE" dirty="0"/>
+          </a:p>
+        </p:txBody>
+      </p:sp>
+      <p:sp>
+        <p:nvSpPr>
+          <p:cNvPr id="5" name="Fußzeilenplatzhalter 4"/>
+          <p:cNvSpPr>
+            <a:spLocks noGrp="1"/>
+          </p:cNvSpPr>
+          <p:nvPr>
+            <p:ph type="ftr" sz="quarter" idx="11"/>
+          </p:nvPr>
+        </p:nvSpPr>
+        <p:spPr/>
+        <p:txBody>
+          <a:bodyPr/>
+          <a:lstStyle/>
+          <a:p>
+            <a:r>
+              <a:rPr lang="de-DE" smtClean="0"/>
+              <a:t>Andreas Bug &amp; Manuel Caputo</a:t>
+            </a:r>
+            <a:endParaRPr lang="de-DE"/>
+          </a:p>
+        </p:txBody>
+      </p:sp>
+      <p:sp>
+        <p:nvSpPr>
+          <p:cNvPr id="6" name="Foliennummernplatzhalter 5"/>
+          <p:cNvSpPr>
+            <a:spLocks noGrp="1"/>
+          </p:cNvSpPr>
+          <p:nvPr>
+            <p:ph type="sldNum" sz="quarter" idx="12"/>
+          </p:nvPr>
+        </p:nvSpPr>
+        <p:spPr/>
+        <p:txBody>
+          <a:bodyPr/>
+          <a:lstStyle/>
+          <a:p>
+            <a:fld id="{0FBFDBBA-A472-422C-AD5C-37B74679DE82}" type="slidenum">
+              <a:rPr lang="de-DE" smtClean="0"/>
+              <a:pPr/>
+              <a:t>6</a:t>
+            </a:fld>
+            <a:endParaRPr lang="de-DE"/>
+          </a:p>
+        </p:txBody>
+      </p:sp>
+    </p:spTree>
+  </p:cSld>
+  <p:clrMapOvr>
+    <a:masterClrMapping/>
+  </p:clrMapOvr>
+</p:sld>
+</file>
+
+<file path=ppt/slides/slide7.xml><?xml version="1.0" encoding="utf-8"?>
+<p:sld xmlns:a="http://schemas.openxmlformats.org/drawingml/2006/main" xmlns:r="http://schemas.openxmlformats.org/officeDocument/2006/relationships" xmlns:p="http://schemas.openxmlformats.org/presentationml/2006/main">
+  <p:cSld>
+    <p:spTree>
+      <p:nvGrpSpPr>
+        <p:cNvPr id="1" name=""/>
+        <p:cNvGrpSpPr/>
+        <p:nvPr/>
+      </p:nvGrpSpPr>
+      <p:grpSpPr>
+        <a:xfrm>
+          <a:off x="0" y="0"/>
+          <a:ext cx="0" cy="0"/>
+          <a:chOff x="0" y="0"/>
+          <a:chExt cx="0" cy="0"/>
+        </a:xfrm>
+      </p:grpSpPr>
+      <p:sp>
+        <p:nvSpPr>
+          <p:cNvPr id="2" name="Titel 1"/>
+          <p:cNvSpPr>
+            <a:spLocks noGrp="1"/>
+          </p:cNvSpPr>
+          <p:nvPr>
+            <p:ph type="title"/>
+          </p:nvPr>
+        </p:nvSpPr>
+        <p:spPr/>
+        <p:txBody>
+          <a:bodyPr/>
+          <a:lstStyle/>
+          <a:p>
+            <a:r>
+              <a:rPr lang="de-DE" dirty="0" err="1" smtClean="0"/>
+              <a:t>Implementation</a:t>
+            </a:r>
+            <a:r>
+              <a:rPr lang="de-DE" dirty="0" smtClean="0"/>
+              <a:t> QIS (2)</a:t>
+            </a:r>
+            <a:endParaRPr lang="de-DE" dirty="0"/>
+          </a:p>
+        </p:txBody>
+      </p:sp>
+      <p:sp>
+        <p:nvSpPr>
+          <p:cNvPr id="3" name="Inhaltsplatzhalter 2"/>
+          <p:cNvSpPr>
+            <a:spLocks noGrp="1"/>
+          </p:cNvSpPr>
+          <p:nvPr>
+            <p:ph idx="1"/>
+          </p:nvPr>
+        </p:nvSpPr>
+        <p:spPr/>
+        <p:txBody>
+          <a:bodyPr>
+            <a:normAutofit fontScale="92500" lnSpcReduction="10000"/>
+          </a:bodyPr>
+          <a:lstStyle/>
+          <a:p>
+            <a:pPr>
+              <a:buNone/>
+            </a:pPr>
+            <a:r>
+              <a:rPr lang="de-DE" dirty="0" smtClean="0"/>
+              <a:t>Problem: </a:t>
+            </a:r>
+          </a:p>
+          <a:p>
+            <a:pPr>
+              <a:buNone/>
+            </a:pPr>
+            <a:r>
+              <a:rPr lang="de-DE" dirty="0" smtClean="0"/>
+              <a:t>	</a:t>
+            </a:r>
+            <a:r>
+              <a:rPr lang="de-DE" dirty="0" err="1" smtClean="0"/>
+              <a:t>How</a:t>
+            </a:r>
+            <a:r>
+              <a:rPr lang="de-DE" dirty="0" smtClean="0"/>
+              <a:t> do </a:t>
+            </a:r>
+            <a:r>
+              <a:rPr lang="de-DE" dirty="0" err="1" smtClean="0"/>
+              <a:t>we</a:t>
+            </a:r>
+            <a:r>
+              <a:rPr lang="de-DE" dirty="0" smtClean="0"/>
+              <a:t> </a:t>
+            </a:r>
+            <a:r>
+              <a:rPr lang="de-DE" dirty="0" err="1" smtClean="0"/>
+              <a:t>fake</a:t>
+            </a:r>
+            <a:r>
+              <a:rPr lang="de-DE" dirty="0" smtClean="0"/>
+              <a:t> a web </a:t>
+            </a:r>
+            <a:r>
+              <a:rPr lang="de-DE" dirty="0" err="1" smtClean="0"/>
+              <a:t>browser</a:t>
+            </a:r>
+            <a:r>
+              <a:rPr lang="de-DE" dirty="0" smtClean="0"/>
+              <a:t> </a:t>
+            </a:r>
+            <a:r>
+              <a:rPr lang="de-DE" dirty="0" err="1" smtClean="0"/>
+              <a:t>with</a:t>
+            </a:r>
+            <a:r>
+              <a:rPr lang="de-DE" dirty="0" smtClean="0"/>
+              <a:t> HTTPS?</a:t>
+            </a:r>
+          </a:p>
+          <a:p>
+            <a:pPr>
+              <a:buNone/>
+            </a:pPr>
+            <a:endParaRPr lang="de-DE" dirty="0" smtClean="0"/>
+          </a:p>
+          <a:p>
+            <a:pPr>
+              <a:buNone/>
+            </a:pPr>
+            <a:r>
+              <a:rPr lang="de-DE" dirty="0" smtClean="0"/>
+              <a:t>Solution:</a:t>
+            </a:r>
+          </a:p>
+          <a:p>
+            <a:pPr lvl="1"/>
+            <a:r>
+              <a:rPr lang="de-DE" dirty="0" err="1" smtClean="0"/>
+              <a:t>Use</a:t>
+            </a:r>
+            <a:r>
+              <a:rPr lang="de-DE" dirty="0" smtClean="0"/>
+              <a:t> </a:t>
+            </a:r>
+            <a:r>
+              <a:rPr lang="de-DE" dirty="0" err="1" smtClean="0"/>
+              <a:t>the</a:t>
+            </a:r>
+            <a:r>
+              <a:rPr lang="de-DE" dirty="0" smtClean="0"/>
+              <a:t> </a:t>
+            </a:r>
+            <a:r>
+              <a:rPr lang="de-DE" dirty="0" err="1" smtClean="0"/>
+              <a:t>class</a:t>
+            </a:r>
+            <a:r>
+              <a:rPr lang="de-DE" dirty="0" smtClean="0"/>
+              <a:t> </a:t>
+            </a:r>
+            <a:r>
+              <a:rPr lang="de-DE" i="1" dirty="0" err="1" smtClean="0"/>
+              <a:t>HttpsURLConnection</a:t>
+            </a:r>
+            <a:r>
+              <a:rPr lang="de-DE" dirty="0" smtClean="0"/>
+              <a:t> </a:t>
+            </a:r>
+            <a:r>
+              <a:rPr lang="de-DE" dirty="0" err="1" smtClean="0"/>
+              <a:t>from</a:t>
+            </a:r>
+            <a:r>
+              <a:rPr lang="de-DE" dirty="0" smtClean="0"/>
+              <a:t> </a:t>
+            </a:r>
+            <a:r>
+              <a:rPr lang="de-DE" dirty="0" err="1" smtClean="0"/>
+              <a:t>the</a:t>
+            </a:r>
+            <a:r>
+              <a:rPr lang="de-DE" dirty="0" smtClean="0"/>
+              <a:t> </a:t>
+            </a:r>
+            <a:r>
+              <a:rPr lang="de-DE" dirty="0" err="1" smtClean="0"/>
+              <a:t>standard</a:t>
+            </a:r>
+            <a:r>
+              <a:rPr lang="de-DE" dirty="0" smtClean="0"/>
+              <a:t> Java </a:t>
+            </a:r>
+            <a:r>
+              <a:rPr lang="de-DE" dirty="0" err="1" smtClean="0"/>
+              <a:t>library</a:t>
+            </a:r>
+            <a:r>
+              <a:rPr lang="de-DE" dirty="0" smtClean="0"/>
+              <a:t>! </a:t>
+            </a:r>
+            <a:r>
+              <a:rPr lang="de-DE" dirty="0" err="1" smtClean="0"/>
+              <a:t>It</a:t>
+            </a:r>
+            <a:r>
+              <a:rPr lang="de-DE" dirty="0" smtClean="0"/>
+              <a:t> </a:t>
+            </a:r>
+            <a:r>
+              <a:rPr lang="de-DE" dirty="0" err="1" smtClean="0"/>
+              <a:t>provides</a:t>
+            </a:r>
+            <a:r>
+              <a:rPr lang="de-DE" dirty="0" smtClean="0"/>
+              <a:t> all </a:t>
+            </a:r>
+            <a:r>
+              <a:rPr lang="de-DE" dirty="0" err="1" smtClean="0"/>
+              <a:t>basic</a:t>
+            </a:r>
+            <a:r>
+              <a:rPr lang="de-DE" dirty="0" smtClean="0"/>
+              <a:t> HTTP </a:t>
+            </a:r>
+            <a:r>
+              <a:rPr lang="de-DE" dirty="0" err="1" smtClean="0"/>
+              <a:t>features</a:t>
+            </a:r>
+            <a:r>
+              <a:rPr lang="de-DE" dirty="0" smtClean="0"/>
+              <a:t>.</a:t>
+            </a:r>
+          </a:p>
+          <a:p>
+            <a:pPr lvl="1"/>
+            <a:r>
+              <a:rPr lang="de-DE" dirty="0" smtClean="0"/>
+              <a:t>Send a POST </a:t>
+            </a:r>
+            <a:r>
+              <a:rPr lang="de-DE" dirty="0" err="1" smtClean="0"/>
+              <a:t>request</a:t>
+            </a:r>
+            <a:r>
+              <a:rPr lang="de-DE" dirty="0" smtClean="0"/>
+              <a:t> </a:t>
+            </a:r>
+            <a:r>
+              <a:rPr lang="de-DE" dirty="0" err="1" smtClean="0"/>
+              <a:t>for</a:t>
+            </a:r>
+            <a:r>
+              <a:rPr lang="de-DE" dirty="0" smtClean="0"/>
+              <a:t> </a:t>
+            </a:r>
+            <a:r>
+              <a:rPr lang="de-DE" dirty="0" err="1" smtClean="0"/>
+              <a:t>the</a:t>
+            </a:r>
+            <a:r>
+              <a:rPr lang="de-DE" dirty="0" smtClean="0"/>
+              <a:t> </a:t>
+            </a:r>
+            <a:r>
+              <a:rPr lang="de-DE" dirty="0" err="1" smtClean="0"/>
+              <a:t>login</a:t>
+            </a:r>
+            <a:r>
+              <a:rPr lang="de-DE" dirty="0" smtClean="0"/>
+              <a:t> </a:t>
+            </a:r>
+            <a:r>
+              <a:rPr lang="de-DE" dirty="0" err="1" smtClean="0"/>
+              <a:t>and</a:t>
+            </a:r>
+            <a:r>
+              <a:rPr lang="de-DE" dirty="0" smtClean="0"/>
+              <a:t> </a:t>
+            </a:r>
+            <a:r>
+              <a:rPr lang="de-DE" dirty="0" err="1" smtClean="0"/>
+              <a:t>receive</a:t>
+            </a:r>
+            <a:r>
+              <a:rPr lang="de-DE" dirty="0" smtClean="0"/>
+              <a:t> </a:t>
+            </a:r>
+            <a:r>
+              <a:rPr lang="de-DE" dirty="0" err="1" smtClean="0"/>
+              <a:t>the</a:t>
+            </a:r>
+            <a:r>
+              <a:rPr lang="de-DE" dirty="0" smtClean="0"/>
+              <a:t> </a:t>
+            </a:r>
+            <a:r>
+              <a:rPr lang="de-DE" dirty="0" err="1" smtClean="0"/>
+              <a:t>session</a:t>
+            </a:r>
+            <a:r>
+              <a:rPr lang="de-DE" dirty="0" smtClean="0"/>
+              <a:t> </a:t>
+            </a:r>
+            <a:r>
+              <a:rPr lang="de-DE" dirty="0" err="1" smtClean="0"/>
+              <a:t>cookie</a:t>
+            </a:r>
+            <a:r>
+              <a:rPr lang="de-DE" dirty="0" smtClean="0"/>
+              <a:t>.</a:t>
+            </a:r>
+          </a:p>
+          <a:p>
+            <a:pPr lvl="1"/>
+            <a:r>
+              <a:rPr lang="de-DE" dirty="0" err="1" smtClean="0"/>
+              <a:t>Then</a:t>
+            </a:r>
+            <a:r>
+              <a:rPr lang="de-DE" dirty="0" smtClean="0"/>
+              <a:t> </a:t>
+            </a:r>
+            <a:r>
+              <a:rPr lang="de-DE" dirty="0" err="1" smtClean="0"/>
+              <a:t>use</a:t>
+            </a:r>
+            <a:r>
+              <a:rPr lang="de-DE" dirty="0" smtClean="0"/>
+              <a:t> </a:t>
+            </a:r>
+            <a:r>
+              <a:rPr lang="de-DE" dirty="0" err="1" smtClean="0"/>
+              <a:t>the</a:t>
+            </a:r>
+            <a:r>
+              <a:rPr lang="de-DE" dirty="0" smtClean="0"/>
+              <a:t> </a:t>
+            </a:r>
+            <a:r>
+              <a:rPr lang="de-DE" dirty="0" err="1" smtClean="0"/>
+              <a:t>session</a:t>
+            </a:r>
+            <a:r>
+              <a:rPr lang="de-DE" dirty="0" smtClean="0"/>
+              <a:t> </a:t>
+            </a:r>
+            <a:r>
+              <a:rPr lang="de-DE" dirty="0" err="1" smtClean="0"/>
+              <a:t>cookie</a:t>
+            </a:r>
+            <a:r>
+              <a:rPr lang="de-DE" dirty="0" smtClean="0"/>
+              <a:t> </a:t>
+            </a:r>
+            <a:r>
+              <a:rPr lang="de-DE" dirty="0" err="1" smtClean="0"/>
+              <a:t>to</a:t>
+            </a:r>
+            <a:r>
+              <a:rPr lang="de-DE" dirty="0" smtClean="0"/>
+              <a:t> </a:t>
+            </a:r>
+            <a:r>
+              <a:rPr lang="de-DE" dirty="0" err="1" smtClean="0"/>
+              <a:t>retrieve</a:t>
+            </a:r>
+            <a:r>
+              <a:rPr lang="de-DE" dirty="0" smtClean="0"/>
+              <a:t> </a:t>
+            </a:r>
+            <a:r>
+              <a:rPr lang="de-DE" dirty="0" err="1" smtClean="0"/>
+              <a:t>the</a:t>
+            </a:r>
+            <a:r>
+              <a:rPr lang="de-DE" dirty="0" smtClean="0"/>
+              <a:t> </a:t>
+            </a:r>
+            <a:r>
+              <a:rPr lang="de-DE" dirty="0" err="1" smtClean="0"/>
+              <a:t>pages</a:t>
+            </a:r>
+            <a:r>
+              <a:rPr lang="de-DE" dirty="0" smtClean="0"/>
+              <a:t> </a:t>
+            </a:r>
+            <a:r>
+              <a:rPr lang="de-DE" dirty="0" err="1" smtClean="0"/>
+              <a:t>with</a:t>
+            </a:r>
+            <a:r>
+              <a:rPr lang="de-DE" dirty="0" smtClean="0"/>
+              <a:t> </a:t>
+            </a:r>
+            <a:r>
+              <a:rPr lang="de-DE" dirty="0" err="1" smtClean="0"/>
+              <a:t>the</a:t>
+            </a:r>
+            <a:r>
+              <a:rPr lang="de-DE" dirty="0" smtClean="0"/>
+              <a:t> </a:t>
+            </a:r>
+            <a:r>
+              <a:rPr lang="de-DE" dirty="0" err="1" smtClean="0"/>
+              <a:t>required</a:t>
+            </a:r>
+            <a:r>
+              <a:rPr lang="de-DE" dirty="0" smtClean="0"/>
+              <a:t> </a:t>
+            </a:r>
+            <a:r>
+              <a:rPr lang="de-DE" dirty="0" err="1" smtClean="0"/>
+              <a:t>data</a:t>
+            </a:r>
+            <a:r>
+              <a:rPr lang="de-DE" dirty="0" smtClean="0"/>
+              <a:t>.</a:t>
+            </a:r>
+          </a:p>
+        </p:txBody>
+      </p:sp>
+      <p:sp>
+        <p:nvSpPr>
+          <p:cNvPr id="4" name="Datumsplatzhalter 3"/>
+          <p:cNvSpPr>
+            <a:spLocks noGrp="1"/>
+          </p:cNvSpPr>
+          <p:nvPr>
+            <p:ph type="dt" sz="half" idx="10"/>
+          </p:nvPr>
+        </p:nvSpPr>
+        <p:spPr/>
+        <p:txBody>
+          <a:bodyPr/>
+          <a:lstStyle/>
+          <a:p>
+            <a:r>
+              <a:rPr lang="de-DE" smtClean="0"/>
+              <a:t>21.01.2012</a:t>
+            </a:r>
+            <a:endParaRPr lang="de-DE" dirty="0"/>
+          </a:p>
+        </p:txBody>
+      </p:sp>
+      <p:sp>
+        <p:nvSpPr>
+          <p:cNvPr id="5" name="Fußzeilenplatzhalter 4"/>
+          <p:cNvSpPr>
+            <a:spLocks noGrp="1"/>
+          </p:cNvSpPr>
+          <p:nvPr>
+            <p:ph type="ftr" sz="quarter" idx="11"/>
+          </p:nvPr>
+        </p:nvSpPr>
+        <p:spPr/>
+        <p:txBody>
+          <a:bodyPr/>
+          <a:lstStyle/>
+          <a:p>
+            <a:r>
+              <a:rPr lang="de-DE" smtClean="0"/>
+              <a:t>Andreas Bug &amp; Manuel Caputo</a:t>
+            </a:r>
+            <a:endParaRPr lang="de-DE"/>
+          </a:p>
+        </p:txBody>
+      </p:sp>
+      <p:sp>
+        <p:nvSpPr>
+          <p:cNvPr id="6" name="Foliennummernplatzhalter 5"/>
+          <p:cNvSpPr>
+            <a:spLocks noGrp="1"/>
+          </p:cNvSpPr>
+          <p:nvPr>
+            <p:ph type="sldNum" sz="quarter" idx="12"/>
+          </p:nvPr>
+        </p:nvSpPr>
+        <p:spPr/>
+        <p:txBody>
+          <a:bodyPr/>
+          <a:lstStyle/>
+          <a:p>
+            <a:fld id="{0FBFDBBA-A472-422C-AD5C-37B74679DE82}" type="slidenum">
+              <a:rPr lang="de-DE" smtClean="0"/>
+              <a:pPr/>
+              <a:t>7</a:t>
+            </a:fld>
+            <a:endParaRPr lang="de-DE"/>
+          </a:p>
+        </p:txBody>
+      </p:sp>
+    </p:spTree>
+  </p:cSld>
+  <p:clrMapOvr>
+    <a:masterClrMapping/>
+  </p:clrMapOvr>
+</p:sld>
+</file>
+
+<file path=ppt/slides/slide8.xml><?xml version="1.0" encoding="utf-8"?>
+<p:sld xmlns:a="http://schemas.openxmlformats.org/drawingml/2006/main" xmlns:r="http://schemas.openxmlformats.org/officeDocument/2006/relationships" xmlns:p="http://schemas.openxmlformats.org/presentationml/2006/main">
+  <p:cSld>
+    <p:spTree>
+      <p:nvGrpSpPr>
+        <p:cNvPr id="1" name=""/>
+        <p:cNvGrpSpPr/>
+        <p:nvPr/>
+      </p:nvGrpSpPr>
+      <p:grpSpPr>
+        <a:xfrm>
+          <a:off x="0" y="0"/>
+          <a:ext cx="0" cy="0"/>
+          <a:chOff x="0" y="0"/>
+          <a:chExt cx="0" cy="0"/>
+        </a:xfrm>
+      </p:grpSpPr>
+      <p:sp>
+        <p:nvSpPr>
+          <p:cNvPr id="2" name="Titel 1"/>
+          <p:cNvSpPr>
+            <a:spLocks noGrp="1"/>
+          </p:cNvSpPr>
+          <p:nvPr>
+            <p:ph type="title"/>
+          </p:nvPr>
+        </p:nvSpPr>
+        <p:spPr/>
+        <p:txBody>
+          <a:bodyPr/>
+          <a:lstStyle/>
+          <a:p>
+            <a:r>
+              <a:rPr lang="de-DE" dirty="0" err="1" smtClean="0"/>
+              <a:t>Implementation</a:t>
+            </a:r>
+            <a:r>
+              <a:rPr lang="de-DE" dirty="0" smtClean="0"/>
+              <a:t> QIS (3)</a:t>
+            </a:r>
+            <a:endParaRPr lang="de-DE" dirty="0"/>
+          </a:p>
+        </p:txBody>
+      </p:sp>
+      <p:sp>
+        <p:nvSpPr>
+          <p:cNvPr id="3" name="Inhaltsplatzhalter 2"/>
+          <p:cNvSpPr>
+            <a:spLocks noGrp="1"/>
+          </p:cNvSpPr>
+          <p:nvPr>
+            <p:ph idx="1"/>
+          </p:nvPr>
+        </p:nvSpPr>
+        <p:spPr/>
+        <p:txBody>
+          <a:bodyPr>
+            <a:normAutofit fontScale="92500" lnSpcReduction="10000"/>
+          </a:bodyPr>
+          <a:lstStyle/>
+          <a:p>
+            <a:pPr>
+              <a:buNone/>
+            </a:pPr>
+            <a:r>
+              <a:rPr lang="de-DE" dirty="0" smtClean="0"/>
+              <a:t>Problem: </a:t>
+            </a:r>
+          </a:p>
+          <a:p>
+            <a:pPr>
+              <a:buNone/>
+            </a:pPr>
+            <a:r>
+              <a:rPr lang="de-DE" dirty="0" smtClean="0"/>
+              <a:t>	</a:t>
+            </a:r>
+            <a:r>
+              <a:rPr lang="de-DE" dirty="0" err="1" smtClean="0"/>
+              <a:t>How</a:t>
+            </a:r>
+            <a:r>
+              <a:rPr lang="de-DE" dirty="0" smtClean="0"/>
+              <a:t> </a:t>
+            </a:r>
+            <a:r>
+              <a:rPr lang="de-DE" dirty="0" err="1" smtClean="0"/>
+              <a:t>to</a:t>
+            </a:r>
+            <a:r>
+              <a:rPr lang="de-DE" dirty="0" smtClean="0"/>
+              <a:t> </a:t>
+            </a:r>
+            <a:r>
+              <a:rPr lang="de-DE" dirty="0" err="1" smtClean="0"/>
+              <a:t>extract</a:t>
+            </a:r>
+            <a:r>
+              <a:rPr lang="de-DE" dirty="0" smtClean="0"/>
+              <a:t> </a:t>
+            </a:r>
+            <a:r>
+              <a:rPr lang="de-DE" dirty="0" err="1" smtClean="0"/>
+              <a:t>the</a:t>
+            </a:r>
+            <a:r>
+              <a:rPr lang="de-DE" dirty="0" smtClean="0"/>
+              <a:t> </a:t>
+            </a:r>
+            <a:r>
+              <a:rPr lang="de-DE" dirty="0" err="1" smtClean="0"/>
+              <a:t>required</a:t>
+            </a:r>
+            <a:r>
+              <a:rPr lang="de-DE" dirty="0" smtClean="0"/>
+              <a:t> </a:t>
+            </a:r>
+            <a:r>
+              <a:rPr lang="de-DE" dirty="0" err="1" smtClean="0"/>
+              <a:t>data</a:t>
+            </a:r>
+            <a:r>
+              <a:rPr lang="de-DE" dirty="0" smtClean="0"/>
+              <a:t> out </a:t>
+            </a:r>
+            <a:r>
+              <a:rPr lang="de-DE" dirty="0" err="1" smtClean="0"/>
+              <a:t>of</a:t>
+            </a:r>
+            <a:r>
+              <a:rPr lang="de-DE" dirty="0" smtClean="0"/>
+              <a:t> </a:t>
+            </a:r>
+            <a:r>
+              <a:rPr lang="de-DE" dirty="0" err="1" smtClean="0"/>
+              <a:t>the</a:t>
+            </a:r>
+            <a:r>
+              <a:rPr lang="de-DE" dirty="0" smtClean="0"/>
+              <a:t> </a:t>
+            </a:r>
+            <a:r>
+              <a:rPr lang="de-DE" dirty="0" err="1" smtClean="0"/>
+              <a:t>received</a:t>
+            </a:r>
+            <a:r>
+              <a:rPr lang="de-DE" dirty="0" smtClean="0"/>
+              <a:t> HTML </a:t>
+            </a:r>
+            <a:r>
+              <a:rPr lang="de-DE" dirty="0" err="1" smtClean="0"/>
+              <a:t>files</a:t>
+            </a:r>
+            <a:r>
+              <a:rPr lang="de-DE" dirty="0" smtClean="0"/>
+              <a:t>?</a:t>
+            </a:r>
+          </a:p>
+          <a:p>
+            <a:pPr>
+              <a:buNone/>
+            </a:pPr>
+            <a:endParaRPr lang="de-DE" dirty="0" smtClean="0"/>
+          </a:p>
+          <a:p>
+            <a:pPr>
+              <a:buNone/>
+            </a:pPr>
+            <a:r>
+              <a:rPr lang="de-DE" dirty="0" smtClean="0"/>
+              <a:t>Solution 1:</a:t>
+            </a:r>
+          </a:p>
+          <a:p>
+            <a:pPr>
+              <a:buNone/>
+            </a:pPr>
+            <a:r>
+              <a:rPr lang="de-DE" dirty="0" smtClean="0"/>
+              <a:t>	</a:t>
+            </a:r>
+            <a:r>
+              <a:rPr lang="de-DE" dirty="0" smtClean="0"/>
+              <a:t>Parse XHTML </a:t>
+            </a:r>
+            <a:r>
+              <a:rPr lang="de-DE" dirty="0" err="1" smtClean="0"/>
+              <a:t>into</a:t>
+            </a:r>
+            <a:r>
+              <a:rPr lang="de-DE" dirty="0" smtClean="0"/>
+              <a:t> </a:t>
+            </a:r>
+            <a:r>
+              <a:rPr lang="de-DE" dirty="0" err="1" smtClean="0"/>
+              <a:t>tree</a:t>
+            </a:r>
+            <a:r>
+              <a:rPr lang="de-DE" dirty="0" smtClean="0"/>
+              <a:t> </a:t>
+            </a:r>
+            <a:r>
+              <a:rPr lang="de-DE" dirty="0" err="1" smtClean="0"/>
+              <a:t>and</a:t>
+            </a:r>
+            <a:r>
+              <a:rPr lang="de-DE" dirty="0" smtClean="0"/>
+              <a:t> </a:t>
+            </a:r>
+            <a:r>
+              <a:rPr lang="de-DE" dirty="0" err="1" smtClean="0"/>
+              <a:t>run</a:t>
+            </a:r>
+            <a:r>
+              <a:rPr lang="de-DE" dirty="0" smtClean="0"/>
+              <a:t> X-Path </a:t>
+            </a:r>
+            <a:r>
+              <a:rPr lang="de-DE" dirty="0" err="1" smtClean="0"/>
+              <a:t>queries</a:t>
+            </a:r>
+            <a:r>
+              <a:rPr lang="de-DE" dirty="0" smtClean="0"/>
+              <a:t>.</a:t>
+            </a:r>
+          </a:p>
+          <a:p>
+            <a:pPr>
+              <a:buNone/>
+            </a:pPr>
+            <a:r>
+              <a:rPr lang="de-DE" dirty="0" smtClean="0"/>
+              <a:t>	</a:t>
+            </a:r>
+            <a:r>
+              <a:rPr lang="de-DE" dirty="0" smtClean="0">
+                <a:solidFill>
+                  <a:srgbClr val="FF0000"/>
+                </a:solidFill>
+                <a:sym typeface="Wingdings" pitchFamily="2" charset="2"/>
+              </a:rPr>
+              <a:t>Fails </a:t>
+            </a:r>
+            <a:r>
+              <a:rPr lang="de-DE" dirty="0" err="1" smtClean="0">
+                <a:solidFill>
+                  <a:srgbClr val="FF0000"/>
+                </a:solidFill>
+                <a:sym typeface="Wingdings" pitchFamily="2" charset="2"/>
+              </a:rPr>
+              <a:t>because</a:t>
+            </a:r>
+            <a:r>
+              <a:rPr lang="de-DE" dirty="0" smtClean="0">
+                <a:solidFill>
+                  <a:srgbClr val="FF0000"/>
+                </a:solidFill>
+                <a:sym typeface="Wingdings" pitchFamily="2" charset="2"/>
+              </a:rPr>
+              <a:t> </a:t>
+            </a:r>
+            <a:r>
+              <a:rPr lang="de-DE" dirty="0" err="1" smtClean="0">
+                <a:solidFill>
+                  <a:srgbClr val="FF0000"/>
+                </a:solidFill>
+                <a:sym typeface="Wingdings" pitchFamily="2" charset="2"/>
+              </a:rPr>
+              <a:t>the</a:t>
+            </a:r>
+            <a:r>
+              <a:rPr lang="de-DE" dirty="0" smtClean="0">
+                <a:solidFill>
+                  <a:srgbClr val="FF0000"/>
+                </a:solidFill>
+                <a:sym typeface="Wingdings" pitchFamily="2" charset="2"/>
+              </a:rPr>
+              <a:t> HTML </a:t>
+            </a:r>
+            <a:r>
+              <a:rPr lang="de-DE" dirty="0" err="1" smtClean="0">
+                <a:solidFill>
+                  <a:srgbClr val="FF0000"/>
+                </a:solidFill>
+                <a:sym typeface="Wingdings" pitchFamily="2" charset="2"/>
+              </a:rPr>
+              <a:t>is</a:t>
+            </a:r>
+            <a:r>
+              <a:rPr lang="de-DE" dirty="0" smtClean="0">
+                <a:solidFill>
+                  <a:srgbClr val="FF0000"/>
+                </a:solidFill>
+                <a:sym typeface="Wingdings" pitchFamily="2" charset="2"/>
+              </a:rPr>
+              <a:t> </a:t>
+            </a:r>
+            <a:r>
+              <a:rPr lang="de-DE" dirty="0" err="1" smtClean="0">
+                <a:solidFill>
+                  <a:srgbClr val="FF0000"/>
+                </a:solidFill>
+                <a:sym typeface="Wingdings" pitchFamily="2" charset="2"/>
+              </a:rPr>
+              <a:t>no</a:t>
+            </a:r>
+            <a:r>
+              <a:rPr lang="de-DE" dirty="0" smtClean="0">
+                <a:solidFill>
+                  <a:srgbClr val="FF0000"/>
+                </a:solidFill>
+                <a:sym typeface="Wingdings" pitchFamily="2" charset="2"/>
+              </a:rPr>
+              <a:t> valid XHTML!</a:t>
+            </a:r>
+          </a:p>
+          <a:p>
+            <a:pPr>
+              <a:buNone/>
+            </a:pPr>
+            <a:r>
+              <a:rPr lang="de-DE" dirty="0" smtClean="0">
+                <a:sym typeface="Wingdings" pitchFamily="2" charset="2"/>
+              </a:rPr>
+              <a:t>Solution 2:</a:t>
+            </a:r>
+          </a:p>
+          <a:p>
+            <a:pPr>
+              <a:buNone/>
+            </a:pPr>
+            <a:r>
+              <a:rPr lang="de-DE" dirty="0" smtClean="0">
+                <a:sym typeface="Wingdings" pitchFamily="2" charset="2"/>
+              </a:rPr>
+              <a:t>	</a:t>
+            </a:r>
+            <a:r>
+              <a:rPr lang="de-DE" dirty="0" smtClean="0">
+                <a:sym typeface="Wingdings" pitchFamily="2" charset="2"/>
+              </a:rPr>
+              <a:t>Create a </a:t>
+            </a:r>
+            <a:r>
+              <a:rPr lang="de-DE" dirty="0" err="1" smtClean="0">
+                <a:sym typeface="Wingdings" pitchFamily="2" charset="2"/>
+              </a:rPr>
+              <a:t>bunch</a:t>
+            </a:r>
+            <a:r>
+              <a:rPr lang="de-DE" dirty="0" smtClean="0">
+                <a:sym typeface="Wingdings" pitchFamily="2" charset="2"/>
+              </a:rPr>
+              <a:t> </a:t>
+            </a:r>
+            <a:r>
+              <a:rPr lang="de-DE" dirty="0" err="1" smtClean="0">
+                <a:sym typeface="Wingdings" pitchFamily="2" charset="2"/>
+              </a:rPr>
+              <a:t>of</a:t>
+            </a:r>
+            <a:r>
+              <a:rPr lang="de-DE" dirty="0" smtClean="0">
+                <a:sym typeface="Wingdings" pitchFamily="2" charset="2"/>
+              </a:rPr>
+              <a:t> different </a:t>
+            </a:r>
+            <a:r>
+              <a:rPr lang="de-DE" dirty="0" err="1" smtClean="0">
+                <a:sym typeface="Wingdings" pitchFamily="2" charset="2"/>
+              </a:rPr>
+              <a:t>regular</a:t>
+            </a:r>
+            <a:r>
+              <a:rPr lang="de-DE" dirty="0" smtClean="0">
+                <a:sym typeface="Wingdings" pitchFamily="2" charset="2"/>
+              </a:rPr>
+              <a:t> </a:t>
+            </a:r>
+            <a:r>
+              <a:rPr lang="de-DE" dirty="0" err="1" smtClean="0">
+                <a:sym typeface="Wingdings" pitchFamily="2" charset="2"/>
+              </a:rPr>
+              <a:t>expressions</a:t>
+            </a:r>
+            <a:r>
+              <a:rPr lang="de-DE" dirty="0" smtClean="0">
+                <a:sym typeface="Wingdings" pitchFamily="2" charset="2"/>
+              </a:rPr>
+              <a:t>.</a:t>
+            </a:r>
+            <a:endParaRPr lang="de-DE" dirty="0"/>
+          </a:p>
+        </p:txBody>
+      </p:sp>
+      <p:sp>
+        <p:nvSpPr>
+          <p:cNvPr id="4" name="Datumsplatzhalter 3"/>
+          <p:cNvSpPr>
+            <a:spLocks noGrp="1"/>
+          </p:cNvSpPr>
+          <p:nvPr>
+            <p:ph type="dt" sz="half" idx="10"/>
+          </p:nvPr>
+        </p:nvSpPr>
+        <p:spPr/>
+        <p:txBody>
+          <a:bodyPr/>
+          <a:lstStyle/>
+          <a:p>
+            <a:r>
+              <a:rPr lang="de-DE" smtClean="0"/>
+              <a:t>21.01.2012</a:t>
+            </a:r>
+            <a:endParaRPr lang="de-DE" dirty="0"/>
+          </a:p>
+        </p:txBody>
+      </p:sp>
+      <p:sp>
+        <p:nvSpPr>
+          <p:cNvPr id="5" name="Fußzeilenplatzhalter 4"/>
+          <p:cNvSpPr>
+            <a:spLocks noGrp="1"/>
+          </p:cNvSpPr>
+          <p:nvPr>
+            <p:ph type="ftr" sz="quarter" idx="11"/>
+          </p:nvPr>
+        </p:nvSpPr>
+        <p:spPr/>
+        <p:txBody>
+          <a:bodyPr/>
+          <a:lstStyle/>
+          <a:p>
+            <a:r>
+              <a:rPr lang="de-DE" smtClean="0"/>
+              <a:t>Andreas Bug &amp; Manuel Caputo</a:t>
+            </a:r>
+            <a:endParaRPr lang="de-DE"/>
+          </a:p>
+        </p:txBody>
+      </p:sp>
+      <p:sp>
+        <p:nvSpPr>
+          <p:cNvPr id="6" name="Foliennummernplatzhalter 5"/>
+          <p:cNvSpPr>
+            <a:spLocks noGrp="1"/>
+          </p:cNvSpPr>
+          <p:nvPr>
+            <p:ph type="sldNum" sz="quarter" idx="12"/>
+          </p:nvPr>
+        </p:nvSpPr>
+        <p:spPr/>
+        <p:txBody>
+          <a:bodyPr/>
+          <a:lstStyle/>
+          <a:p>
+            <a:fld id="{0FBFDBBA-A472-422C-AD5C-37B74679DE82}" type="slidenum">
+              <a:rPr lang="de-DE" smtClean="0"/>
+              <a:pPr/>
+              <a:t>8</a:t>
+            </a:fld>
+            <a:endParaRPr lang="de-DE"/>
+          </a:p>
+        </p:txBody>
+      </p:sp>
+    </p:spTree>
+  </p:cSld>
+  <p:clrMapOvr>
+    <a:masterClrMapping/>
+  </p:clrMapOvr>
+</p:sld>
+</file>
+
+<file path=ppt/slides/slide9.xml><?xml version="1.0" encoding="utf-8"?>
+<p:sld xmlns:a="http://schemas.openxmlformats.org/drawingml/2006/main" xmlns:r="http://schemas.openxmlformats.org/officeDocument/2006/relationships" xmlns:p="http://schemas.openxmlformats.org/presentationml/2006/main">
+  <p:cSld>
+    <p:spTree>
+      <p:nvGrpSpPr>
+        <p:cNvPr id="1" name=""/>
+        <p:cNvGrpSpPr/>
+        <p:nvPr/>
+      </p:nvGrpSpPr>
+      <p:grpSpPr>
+        <a:xfrm>
+          <a:off x="0" y="0"/>
+          <a:ext cx="0" cy="0"/>
+          <a:chOff x="0" y="0"/>
+          <a:chExt cx="0" cy="0"/>
+        </a:xfrm>
+      </p:grpSpPr>
+      <p:sp>
+        <p:nvSpPr>
+          <p:cNvPr id="2" name="Titel 1"/>
+          <p:cNvSpPr>
+            <a:spLocks noGrp="1"/>
+          </p:cNvSpPr>
+          <p:nvPr>
+            <p:ph type="title"/>
+          </p:nvPr>
+        </p:nvSpPr>
+        <p:spPr/>
+        <p:txBody>
+          <a:bodyPr/>
+          <a:lstStyle/>
+          <a:p>
+            <a:r>
+              <a:rPr lang="de-DE" dirty="0" smtClean="0"/>
+              <a:t> </a:t>
+            </a:r>
+            <a:endParaRPr lang="de-DE" dirty="0"/>
+          </a:p>
+        </p:txBody>
+      </p:sp>
+      <p:sp>
+        <p:nvSpPr>
+          <p:cNvPr id="3" name="Inhaltsplatzhalter 2"/>
+          <p:cNvSpPr>
+            <a:spLocks noGrp="1"/>
+          </p:cNvSpPr>
+          <p:nvPr>
+            <p:ph idx="1"/>
+          </p:nvPr>
+        </p:nvSpPr>
+        <p:spPr/>
+        <p:txBody>
+          <a:bodyPr anchor="ctr">
+            <a:normAutofit/>
+          </a:bodyPr>
+          <a:lstStyle/>
+          <a:p>
+            <a:pPr marL="0" indent="0" algn="ctr">
+              <a:buNone/>
+            </a:pPr>
+            <a:r>
+              <a:rPr lang="de-DE" sz="9600" b="1" dirty="0" smtClean="0"/>
+              <a:t>D</a:t>
+            </a:r>
+            <a:r>
+              <a:rPr lang="de-DE" sz="9600" b="1" dirty="0" smtClean="0"/>
+              <a:t>emo</a:t>
+            </a:r>
+            <a:r>
+              <a:rPr lang="de-DE" sz="9600" b="1" dirty="0" smtClean="0"/>
+              <a:t>!</a:t>
+            </a:r>
+            <a:endParaRPr lang="de-DE" sz="9600" b="1" dirty="0"/>
+          </a:p>
+        </p:txBody>
+      </p:sp>
+      <p:sp>
+        <p:nvSpPr>
+          <p:cNvPr id="4" name="Datumsplatzhalter 3"/>
+          <p:cNvSpPr>
+            <a:spLocks noGrp="1"/>
+          </p:cNvSpPr>
+          <p:nvPr>
+            <p:ph type="dt" sz="half" idx="10"/>
+          </p:nvPr>
+        </p:nvSpPr>
+        <p:spPr/>
+        <p:txBody>
+          <a:bodyPr/>
+          <a:lstStyle/>
+          <a:p>
+            <a:r>
+              <a:rPr lang="de-DE" smtClean="0"/>
+              <a:t>21.01.2012</a:t>
+            </a:r>
+            <a:endParaRPr lang="de-DE"/>
+          </a:p>
+        </p:txBody>
+      </p:sp>
+      <p:sp>
+        <p:nvSpPr>
+          <p:cNvPr id="5" name="Fußzeilenplatzhalter 4"/>
+          <p:cNvSpPr>
+            <a:spLocks noGrp="1"/>
+          </p:cNvSpPr>
+          <p:nvPr>
+            <p:ph type="ftr" sz="quarter" idx="11"/>
+          </p:nvPr>
+        </p:nvSpPr>
+        <p:spPr/>
+        <p:txBody>
+          <a:bodyPr/>
+          <a:lstStyle/>
+          <a:p>
+            <a:r>
+              <a:rPr lang="de-DE" smtClean="0"/>
+              <a:t>Andreas Bug &amp; Manuel Caputo</a:t>
+            </a:r>
+            <a:endParaRPr lang="de-DE"/>
+          </a:p>
+        </p:txBody>
+      </p:sp>
+      <p:sp>
+        <p:nvSpPr>
+          <p:cNvPr id="6" name="Foliennummernplatzhalter 5"/>
+          <p:cNvSpPr>
+            <a:spLocks noGrp="1"/>
+          </p:cNvSpPr>
+          <p:nvPr>
+            <p:ph type="sldNum" sz="quarter" idx="12"/>
+          </p:nvPr>
+        </p:nvSpPr>
+        <p:spPr/>
+        <p:txBody>
+          <a:bodyPr/>
+          <a:lstStyle/>
+          <a:p>
+            <a:fld id="{0FBFDBBA-A472-422C-AD5C-37B74679DE82}" type="slidenum">
+              <a:rPr lang="de-DE" smtClean="0"/>
+              <a:pPr/>
+              <a:t>9</a:t>
+            </a:fld>
+            <a:endParaRPr lang="de-DE"/>
+          </a:p>
+        </p:txBody>
+      </p:sp>
+    </p:spTree>
+    <p:extLst>
+      <p:ext uri="{BB962C8B-B14F-4D97-AF65-F5344CB8AC3E}">
+        <p14:creationId xmlns:p14="http://schemas.microsoft.com/office/powerpoint/2010/main" xmlns="" val="2209468386"/>
+      </p:ext>
+    </p:extLst>
   </p:cSld>
   <p:clrMapOvr>
     <a:masterClrMapping/>

--- a/docs/notenapp-praesi.pptx
+++ b/docs/notenapp-praesi.pptx
@@ -377,7 +377,7 @@
     </p:spTree>
     <p:extLst>
       <p:ext uri="{BB962C8B-B14F-4D97-AF65-F5344CB8AC3E}">
-        <p14:creationId xmlns="" xmlns:p14="http://schemas.microsoft.com/office/powerpoint/2010/main" val="163652337"/>
+        <p14:creationId xmlns:p14="http://schemas.microsoft.com/office/powerpoint/2010/main" xmlns="" val="163652337"/>
       </p:ext>
     </p:extLst>
   </p:cSld>
@@ -687,17 +687,156 @@
           </a:bodyPr>
           <a:lstStyle/>
           <a:p>
+            <a:pPr marL="228600" indent="-228600">
+              <a:buAutoNum type="arabicPeriod"/>
+            </a:pPr>
             <a:r>
               <a:rPr lang="de-DE" dirty="0" smtClean="0"/>
-              <a:t>TODO: englisch + Text über </a:t>
-            </a:r>
-            <a:r>
-              <a:rPr lang="de-DE" dirty="0" err="1" smtClean="0"/>
-              <a:t>bildern</a:t>
-            </a:r>
+              <a:t>Refresh Button</a:t>
+            </a:r>
+          </a:p>
+          <a:p>
+            <a:pPr marL="228600" indent="-228600">
+              <a:buAutoNum type="arabicPeriod"/>
+            </a:pPr>
             <a:r>
               <a:rPr lang="de-DE" dirty="0" smtClean="0"/>
-              <a:t> anpassen</a:t>
+              <a:t>Settings</a:t>
+            </a:r>
+            <a:r>
+              <a:rPr lang="de-DE" baseline="0" dirty="0" smtClean="0"/>
+              <a:t> Button</a:t>
+            </a:r>
+          </a:p>
+          <a:p>
+            <a:pPr marL="228600" indent="-228600">
+              <a:buAutoNum type="arabicPeriod"/>
+            </a:pPr>
+            <a:r>
+              <a:rPr lang="de-DE" baseline="0" dirty="0" smtClean="0"/>
+              <a:t>Liste von </a:t>
+            </a:r>
+            <a:r>
+              <a:rPr lang="de-DE" baseline="0" dirty="0" err="1" smtClean="0"/>
+              <a:t>Degrees</a:t>
+            </a:r>
+            <a:r>
+              <a:rPr lang="de-DE" baseline="0" dirty="0" smtClean="0"/>
+              <a:t>/Abschlüssen</a:t>
+            </a:r>
+          </a:p>
+          <a:p>
+            <a:pPr marL="228600" indent="-228600">
+              <a:buAutoNum type="arabicPeriod"/>
+            </a:pPr>
+            <a:r>
+              <a:rPr lang="de-DE" baseline="0" dirty="0" smtClean="0"/>
+              <a:t>Home/Back Button</a:t>
+            </a:r>
+          </a:p>
+          <a:p>
+            <a:pPr marL="228600" indent="-228600">
+              <a:buAutoNum type="arabicPeriod"/>
+            </a:pPr>
+            <a:r>
+              <a:rPr lang="de-DE" baseline="0" dirty="0" err="1" smtClean="0"/>
+              <a:t>Search</a:t>
+            </a:r>
+            <a:r>
+              <a:rPr lang="de-DE" baseline="0" dirty="0" smtClean="0"/>
+              <a:t> </a:t>
+            </a:r>
+            <a:r>
+              <a:rPr lang="de-DE" baseline="0" dirty="0" err="1" smtClean="0"/>
+              <a:t>button</a:t>
+            </a:r>
+            <a:r>
+              <a:rPr lang="de-DE" baseline="0" dirty="0" smtClean="0"/>
+              <a:t> </a:t>
+            </a:r>
+            <a:r>
+              <a:rPr lang="de-DE" baseline="0" dirty="0" err="1" smtClean="0"/>
+              <a:t>which</a:t>
+            </a:r>
+            <a:r>
+              <a:rPr lang="de-DE" baseline="0" dirty="0" smtClean="0"/>
+              <a:t> </a:t>
+            </a:r>
+            <a:r>
+              <a:rPr lang="de-DE" baseline="0" dirty="0" err="1" smtClean="0"/>
+              <a:t>opens</a:t>
+            </a:r>
+            <a:r>
+              <a:rPr lang="de-DE" baseline="0" dirty="0" smtClean="0"/>
+              <a:t> </a:t>
+            </a:r>
+            <a:r>
+              <a:rPr lang="de-DE" baseline="0" dirty="0" err="1" smtClean="0"/>
+              <a:t>search</a:t>
+            </a:r>
+            <a:r>
+              <a:rPr lang="de-DE" baseline="0" dirty="0" smtClean="0"/>
+              <a:t> box</a:t>
+            </a:r>
+          </a:p>
+          <a:p>
+            <a:pPr marL="228600" indent="-228600">
+              <a:buAutoNum type="arabicPeriod"/>
+            </a:pPr>
+            <a:r>
+              <a:rPr lang="de-DE" baseline="0" dirty="0" smtClean="0"/>
+              <a:t>Filter-</a:t>
+            </a:r>
+            <a:r>
+              <a:rPr lang="de-DE" baseline="0" dirty="0" err="1" smtClean="0"/>
+              <a:t>drop</a:t>
+            </a:r>
+            <a:r>
+              <a:rPr lang="de-DE" baseline="0" dirty="0" smtClean="0"/>
+              <a:t>-down </a:t>
+            </a:r>
+            <a:r>
+              <a:rPr lang="de-DE" baseline="0" dirty="0" err="1" smtClean="0"/>
+              <a:t>menu</a:t>
+            </a:r>
+            <a:endParaRPr lang="de-DE" baseline="0" dirty="0" smtClean="0"/>
+          </a:p>
+          <a:p>
+            <a:pPr marL="228600" indent="-228600">
+              <a:buAutoNum type="arabicPeriod"/>
+            </a:pPr>
+            <a:r>
+              <a:rPr lang="de-DE" baseline="0" dirty="0" smtClean="0"/>
+              <a:t>List </a:t>
+            </a:r>
+            <a:r>
+              <a:rPr lang="de-DE" baseline="0" dirty="0" err="1" smtClean="0"/>
+              <a:t>with</a:t>
+            </a:r>
+            <a:r>
+              <a:rPr lang="de-DE" baseline="0" dirty="0" smtClean="0"/>
+              <a:t> </a:t>
+            </a:r>
+            <a:r>
+              <a:rPr lang="de-DE" baseline="0" dirty="0" err="1" smtClean="0"/>
+              <a:t>courses</a:t>
+            </a:r>
+            <a:r>
+              <a:rPr lang="de-DE" baseline="0" dirty="0" smtClean="0"/>
+              <a:t>/grades</a:t>
+            </a:r>
+          </a:p>
+          <a:p>
+            <a:pPr marL="228600" indent="-228600">
+              <a:buAutoNum type="arabicPeriod"/>
+            </a:pPr>
+            <a:r>
+              <a:rPr lang="de-DE" baseline="0" dirty="0" smtClean="0"/>
+              <a:t>Save </a:t>
+            </a:r>
+            <a:r>
+              <a:rPr lang="de-DE" baseline="0" dirty="0" err="1" smtClean="0"/>
+              <a:t>settings</a:t>
             </a:r>
             <a:endParaRPr lang="de-DE" dirty="0"/>
           </a:p>
@@ -783,13 +922,7 @@
           <a:p>
             <a:r>
               <a:rPr lang="de-DE" dirty="0" smtClean="0"/>
-              <a:t>TODO: englisch</a:t>
-            </a:r>
-          </a:p>
-          <a:p>
-            <a:r>
-              <a:rPr lang="de-DE" dirty="0" smtClean="0"/>
-              <a:t>+ Text dazu?</a:t>
+              <a:t>Text dazu?</a:t>
             </a:r>
             <a:endParaRPr lang="de-DE" dirty="0"/>
           </a:p>
@@ -1037,22 +1170,6 @@
           </a:bodyPr>
           <a:lstStyle/>
           <a:p>
-            <a:r>
-              <a:rPr lang="de-DE" dirty="0" smtClean="0"/>
-              <a:t>TODO: englisch </a:t>
-            </a:r>
-            <a:r>
-              <a:rPr lang="de-DE" dirty="0" err="1" smtClean="0"/>
-              <a:t>and</a:t>
-            </a:r>
-            <a:r>
-              <a:rPr lang="de-DE" dirty="0" smtClean="0"/>
-              <a:t> </a:t>
-            </a:r>
-            <a:r>
-              <a:rPr lang="de-DE" dirty="0" err="1" smtClean="0"/>
-              <a:t>beautifullization</a:t>
-            </a:r>
             <a:endParaRPr lang="de-DE" dirty="0"/>
           </a:p>
         </p:txBody>
@@ -1135,14 +1252,6 @@
           </a:bodyPr>
           <a:lstStyle/>
           <a:p>
-            <a:r>
-              <a:rPr lang="de-DE" dirty="0" smtClean="0"/>
-              <a:t>TODO: größer und box</a:t>
-            </a:r>
-            <a:r>
-              <a:rPr lang="de-DE" baseline="0" dirty="0" smtClean="0"/>
-              <a:t> weg</a:t>
-            </a:r>
             <a:endParaRPr lang="de-DE" dirty="0"/>
           </a:p>
         </p:txBody>
@@ -1480,10 +1589,6 @@
           </a:bodyPr>
           <a:lstStyle/>
           <a:p>
-            <a:r>
-              <a:rPr lang="de-DE" dirty="0" smtClean="0"/>
-              <a:t>TODO: englisch</a:t>
-            </a:r>
             <a:endParaRPr lang="de-DE" dirty="0"/>
           </a:p>
         </p:txBody>
@@ -1701,7 +1806,7 @@
           <a:p>
             <a:r>
               <a:rPr lang="de-DE" smtClean="0"/>
-              <a:t>21.01.2012</a:t>
+              <a:t>24.01.2012</a:t>
             </a:r>
             <a:endParaRPr lang="de-DE"/>
           </a:p>
@@ -1871,7 +1976,7 @@
           <a:p>
             <a:r>
               <a:rPr lang="de-DE" smtClean="0"/>
-              <a:t>21.01.2012</a:t>
+              <a:t>24.01.2012</a:t>
             </a:r>
             <a:endParaRPr lang="de-DE"/>
           </a:p>
@@ -2051,7 +2156,7 @@
           <a:p>
             <a:r>
               <a:rPr lang="de-DE" smtClean="0"/>
-              <a:t>21.01.2012</a:t>
+              <a:t>24.01.2012</a:t>
             </a:r>
             <a:endParaRPr lang="de-DE"/>
           </a:p>
@@ -2221,7 +2326,7 @@
           <a:p>
             <a:r>
               <a:rPr lang="de-DE" smtClean="0"/>
-              <a:t>21.01.2012</a:t>
+              <a:t>24.01.2012</a:t>
             </a:r>
             <a:endParaRPr lang="de-DE" dirty="0"/>
           </a:p>
@@ -2467,7 +2572,7 @@
           <a:p>
             <a:r>
               <a:rPr lang="de-DE" smtClean="0"/>
-              <a:t>21.01.2012</a:t>
+              <a:t>24.01.2012</a:t>
             </a:r>
             <a:endParaRPr lang="de-DE"/>
           </a:p>
@@ -2755,7 +2860,7 @@
           <a:p>
             <a:r>
               <a:rPr lang="de-DE" smtClean="0"/>
-              <a:t>21.01.2012</a:t>
+              <a:t>24.01.2012</a:t>
             </a:r>
             <a:endParaRPr lang="de-DE"/>
           </a:p>
@@ -3177,7 +3282,7 @@
           <a:p>
             <a:r>
               <a:rPr lang="de-DE" smtClean="0"/>
-              <a:t>21.01.2012</a:t>
+              <a:t>24.01.2012</a:t>
             </a:r>
             <a:endParaRPr lang="de-DE"/>
           </a:p>
@@ -3295,7 +3400,7 @@
           <a:p>
             <a:r>
               <a:rPr lang="de-DE" smtClean="0"/>
-              <a:t>21.01.2012</a:t>
+              <a:t>24.01.2012</a:t>
             </a:r>
             <a:endParaRPr lang="de-DE"/>
           </a:p>
@@ -3390,7 +3495,7 @@
           <a:p>
             <a:r>
               <a:rPr lang="de-DE" smtClean="0"/>
-              <a:t>21.01.2012</a:t>
+              <a:t>24.01.2012</a:t>
             </a:r>
             <a:endParaRPr lang="de-DE"/>
           </a:p>
@@ -3667,7 +3772,7 @@
           <a:p>
             <a:r>
               <a:rPr lang="de-DE" smtClean="0"/>
-              <a:t>21.01.2012</a:t>
+              <a:t>24.01.2012</a:t>
             </a:r>
             <a:endParaRPr lang="de-DE"/>
           </a:p>
@@ -3920,7 +4025,7 @@
           <a:p>
             <a:r>
               <a:rPr lang="de-DE" smtClean="0"/>
-              <a:t>21.01.2012</a:t>
+              <a:t>24.01.2012</a:t>
             </a:r>
             <a:endParaRPr lang="de-DE"/>
           </a:p>
@@ -4133,7 +4238,7 @@
           <a:p>
             <a:r>
               <a:rPr lang="de-DE" smtClean="0"/>
-              <a:t>21.01.2012</a:t>
+              <a:t>24.01.2012</a:t>
             </a:r>
             <a:endParaRPr lang="de-DE"/>
           </a:p>
@@ -4613,6 +4718,64 @@
           </a:p>
         </p:txBody>
       </p:sp>
+      <p:pic>
+        <p:nvPicPr>
+          <p:cNvPr id="24578" name="Picture 2" descr="http://aux.iconpedia.net/uploads/17209831951787883743.png"/>
+          <p:cNvPicPr>
+            <a:picLocks noChangeAspect="1" noChangeArrowheads="1"/>
+          </p:cNvPicPr>
+          <p:nvPr/>
+        </p:nvPicPr>
+        <p:blipFill>
+          <a:blip r:embed="rId3" cstate="print"/>
+          <a:srcRect/>
+          <a:stretch>
+            <a:fillRect/>
+          </a:stretch>
+        </p:blipFill>
+        <p:spPr bwMode="auto">
+          <a:xfrm>
+            <a:off x="3923928" y="5229200"/>
+            <a:ext cx="1187624" cy="1187624"/>
+          </a:xfrm>
+          <a:prstGeom prst="rect">
+            <a:avLst/>
+          </a:prstGeom>
+          <a:noFill/>
+        </p:spPr>
+      </p:pic>
+      <p:pic>
+        <p:nvPicPr>
+          <p:cNvPr id="24579" name="Picture 3"/>
+          <p:cNvPicPr>
+            <a:picLocks noChangeAspect="1" noChangeArrowheads="1"/>
+          </p:cNvPicPr>
+          <p:nvPr/>
+        </p:nvPicPr>
+        <p:blipFill>
+          <a:blip r:embed="rId4" cstate="print"/>
+          <a:srcRect/>
+          <a:stretch>
+            <a:fillRect/>
+          </a:stretch>
+        </p:blipFill>
+        <p:spPr bwMode="auto">
+          <a:xfrm>
+            <a:off x="3491880" y="404664"/>
+            <a:ext cx="2057400" cy="1876425"/>
+          </a:xfrm>
+          <a:prstGeom prst="rect">
+            <a:avLst/>
+          </a:prstGeom>
+          <a:noFill/>
+          <a:ln w="9525">
+            <a:noFill/>
+            <a:miter lim="800000"/>
+            <a:headEnd/>
+            <a:tailEnd/>
+          </a:ln>
+        </p:spPr>
+      </p:pic>
     </p:spTree>
   </p:cSld>
   <p:clrMapOvr>
@@ -4682,10 +4845,15 @@
             <p:ph idx="1"/>
           </p:nvPr>
         </p:nvSpPr>
-        <p:spPr/>
+        <p:spPr>
+          <a:xfrm>
+            <a:off x="755576" y="1556792"/>
+            <a:ext cx="7776864" cy="1468760"/>
+          </a:xfrm>
+        </p:spPr>
         <p:txBody>
           <a:bodyPr>
-            <a:normAutofit fontScale="92500" lnSpcReduction="10000"/>
+            <a:normAutofit/>
           </a:bodyPr>
           <a:lstStyle/>
           <a:p>
@@ -4693,323 +4861,111 @@
               <a:buNone/>
             </a:pPr>
             <a:r>
-              <a:rPr lang="de-DE" dirty="0" smtClean="0"/>
-              <a:t>Problem: </a:t>
-            </a:r>
+              <a:rPr lang="de-DE" sz="2400" b="1" dirty="0" smtClean="0"/>
+              <a:t>Problem</a:t>
+            </a:r>
+            <a:r>
+              <a:rPr lang="de-DE" sz="2400" b="1" dirty="0" smtClean="0"/>
+              <a:t>:</a:t>
+            </a:r>
+            <a:r>
+              <a:rPr lang="de-DE" sz="2400" dirty="0" smtClean="0"/>
+              <a:t> </a:t>
+            </a:r>
+            <a:endParaRPr lang="de-DE" sz="2400" dirty="0" smtClean="0"/>
           </a:p>
           <a:p>
             <a:pPr>
               <a:buNone/>
             </a:pPr>
             <a:r>
-              <a:rPr lang="de-DE" dirty="0" smtClean="0"/>
+              <a:rPr lang="de-DE" sz="2400" dirty="0" smtClean="0"/>
               <a:t>	</a:t>
             </a:r>
             <a:r>
-              <a:rPr lang="de-DE" dirty="0" err="1" smtClean="0"/>
+              <a:rPr lang="de-DE" sz="2400" dirty="0" err="1" smtClean="0"/>
               <a:t>How</a:t>
             </a:r>
             <a:r>
-              <a:rPr lang="de-DE" dirty="0" smtClean="0"/>
+              <a:rPr lang="de-DE" sz="2400" dirty="0" smtClean="0"/>
               <a:t> </a:t>
             </a:r>
             <a:r>
-              <a:rPr lang="de-DE" dirty="0" err="1" smtClean="0"/>
+              <a:rPr lang="de-DE" sz="2400" dirty="0" err="1" smtClean="0"/>
               <a:t>to</a:t>
             </a:r>
             <a:r>
-              <a:rPr lang="de-DE" dirty="0" smtClean="0"/>
+              <a:rPr lang="de-DE" sz="2400" dirty="0" smtClean="0"/>
               <a:t> </a:t>
             </a:r>
             <a:r>
-              <a:rPr lang="de-DE" dirty="0" err="1" smtClean="0"/>
+              <a:rPr lang="de-DE" sz="2400" dirty="0" err="1" smtClean="0"/>
               <a:t>extract</a:t>
             </a:r>
             <a:r>
-              <a:rPr lang="de-DE" dirty="0" smtClean="0"/>
+              <a:rPr lang="de-DE" sz="2400" dirty="0" smtClean="0"/>
               <a:t> </a:t>
             </a:r>
             <a:r>
-              <a:rPr lang="de-DE" dirty="0" err="1" smtClean="0"/>
+              <a:rPr lang="de-DE" sz="2400" dirty="0" err="1" smtClean="0"/>
               <a:t>the</a:t>
             </a:r>
             <a:r>
-              <a:rPr lang="de-DE" dirty="0" smtClean="0"/>
+              <a:rPr lang="de-DE" sz="2400" dirty="0" smtClean="0"/>
               <a:t> </a:t>
             </a:r>
             <a:r>
-              <a:rPr lang="de-DE" dirty="0" err="1" smtClean="0"/>
+              <a:rPr lang="de-DE" sz="2400" dirty="0" err="1" smtClean="0"/>
               <a:t>required</a:t>
             </a:r>
             <a:r>
-              <a:rPr lang="de-DE" dirty="0" smtClean="0"/>
+              <a:rPr lang="de-DE" sz="2400" dirty="0" smtClean="0"/>
               <a:t> </a:t>
             </a:r>
             <a:r>
-              <a:rPr lang="de-DE" dirty="0" err="1" smtClean="0"/>
+              <a:rPr lang="de-DE" sz="2400" dirty="0" err="1" smtClean="0"/>
               <a:t>data</a:t>
             </a:r>
             <a:r>
-              <a:rPr lang="de-DE" dirty="0" smtClean="0"/>
+              <a:rPr lang="de-DE" sz="2400" dirty="0" smtClean="0"/>
               <a:t> out </a:t>
             </a:r>
             <a:r>
-              <a:rPr lang="de-DE" dirty="0" err="1" smtClean="0"/>
+              <a:rPr lang="de-DE" sz="2400" dirty="0" err="1" smtClean="0"/>
               <a:t>of</a:t>
             </a:r>
             <a:r>
-              <a:rPr lang="de-DE" dirty="0" smtClean="0"/>
+              <a:rPr lang="de-DE" sz="2400" dirty="0" smtClean="0"/>
               <a:t> </a:t>
             </a:r>
             <a:r>
-              <a:rPr lang="de-DE" dirty="0" err="1" smtClean="0"/>
+              <a:rPr lang="de-DE" sz="2400" dirty="0" err="1" smtClean="0"/>
               <a:t>the</a:t>
             </a:r>
             <a:r>
-              <a:rPr lang="de-DE" dirty="0" smtClean="0"/>
+              <a:rPr lang="de-DE" sz="2400" dirty="0" smtClean="0"/>
               <a:t> </a:t>
             </a:r>
             <a:r>
-              <a:rPr lang="de-DE" dirty="0" err="1" smtClean="0"/>
+              <a:rPr lang="de-DE" sz="2400" dirty="0" err="1" smtClean="0"/>
               <a:t>received</a:t>
             </a:r>
             <a:r>
-              <a:rPr lang="de-DE" dirty="0" smtClean="0"/>
-              <a:t> HTML </a:t>
-            </a:r>
-            <a:r>
-              <a:rPr lang="de-DE" dirty="0" err="1" smtClean="0"/>
+              <a:rPr lang="de-DE" sz="2400" dirty="0" smtClean="0"/>
+              <a:t> </a:t>
+            </a:r>
+            <a:r>
+              <a:rPr lang="de-DE" sz="2400" dirty="0" smtClean="0"/>
+              <a:t>HTML </a:t>
+            </a:r>
+            <a:r>
+              <a:rPr lang="de-DE" sz="2400" dirty="0" err="1" smtClean="0"/>
               <a:t>files</a:t>
             </a:r>
             <a:r>
-              <a:rPr lang="de-DE" dirty="0" smtClean="0"/>
+              <a:rPr lang="de-DE" sz="2400" dirty="0" smtClean="0"/>
               <a:t>?</a:t>
             </a:r>
-          </a:p>
-          <a:p>
-            <a:pPr>
-              <a:buNone/>
-            </a:pPr>
-            <a:endParaRPr lang="de-DE" dirty="0" smtClean="0"/>
-          </a:p>
-          <a:p>
-            <a:pPr>
-              <a:buNone/>
-            </a:pPr>
-            <a:r>
-              <a:rPr lang="de-DE" dirty="0" smtClean="0"/>
-              <a:t>Solution 1:</a:t>
-            </a:r>
-          </a:p>
-          <a:p>
-            <a:pPr>
-              <a:buNone/>
-            </a:pPr>
-            <a:r>
-              <a:rPr lang="de-DE" dirty="0" smtClean="0"/>
-              <a:t>	Parse XHTML </a:t>
-            </a:r>
-            <a:r>
-              <a:rPr lang="de-DE" dirty="0" err="1" smtClean="0"/>
-              <a:t>into</a:t>
-            </a:r>
-            <a:r>
-              <a:rPr lang="de-DE" dirty="0" smtClean="0"/>
-              <a:t> </a:t>
-            </a:r>
-            <a:r>
-              <a:rPr lang="de-DE" dirty="0" err="1" smtClean="0"/>
-              <a:t>tree</a:t>
-            </a:r>
-            <a:r>
-              <a:rPr lang="de-DE" dirty="0" smtClean="0"/>
-              <a:t> </a:t>
-            </a:r>
-            <a:r>
-              <a:rPr lang="de-DE" dirty="0" err="1" smtClean="0"/>
-              <a:t>and</a:t>
-            </a:r>
-            <a:r>
-              <a:rPr lang="de-DE" dirty="0" smtClean="0"/>
-              <a:t> </a:t>
-            </a:r>
-            <a:r>
-              <a:rPr lang="de-DE" dirty="0" err="1" smtClean="0"/>
-              <a:t>run</a:t>
-            </a:r>
-            <a:r>
-              <a:rPr lang="de-DE" dirty="0" smtClean="0"/>
-              <a:t> X-Path </a:t>
-            </a:r>
-            <a:r>
-              <a:rPr lang="de-DE" dirty="0" err="1" smtClean="0"/>
-              <a:t>queries</a:t>
-            </a:r>
-            <a:r>
-              <a:rPr lang="de-DE" dirty="0" smtClean="0"/>
-              <a:t>.</a:t>
-            </a:r>
-          </a:p>
-          <a:p>
-            <a:pPr>
-              <a:buNone/>
-            </a:pPr>
-            <a:r>
-              <a:rPr lang="de-DE" dirty="0" smtClean="0"/>
-              <a:t>	</a:t>
-            </a:r>
-            <a:r>
-              <a:rPr lang="de-DE" dirty="0" smtClean="0">
-                <a:solidFill>
-                  <a:srgbClr val="FF0000"/>
-                </a:solidFill>
-                <a:sym typeface="Wingdings" pitchFamily="2" charset="2"/>
-              </a:rPr>
-              <a:t>Fails </a:t>
-            </a:r>
-            <a:r>
-              <a:rPr lang="de-DE" dirty="0" err="1" smtClean="0">
-                <a:solidFill>
-                  <a:srgbClr val="FF0000"/>
-                </a:solidFill>
-                <a:sym typeface="Wingdings" pitchFamily="2" charset="2"/>
-              </a:rPr>
-              <a:t>because</a:t>
-            </a:r>
-            <a:r>
-              <a:rPr lang="de-DE" dirty="0" smtClean="0">
-                <a:solidFill>
-                  <a:srgbClr val="FF0000"/>
-                </a:solidFill>
-                <a:sym typeface="Wingdings" pitchFamily="2" charset="2"/>
-              </a:rPr>
-              <a:t> </a:t>
-            </a:r>
-            <a:r>
-              <a:rPr lang="de-DE" dirty="0" err="1" smtClean="0">
-                <a:solidFill>
-                  <a:srgbClr val="FF0000"/>
-                </a:solidFill>
-                <a:sym typeface="Wingdings" pitchFamily="2" charset="2"/>
-              </a:rPr>
-              <a:t>the</a:t>
-            </a:r>
-            <a:r>
-              <a:rPr lang="de-DE" dirty="0" smtClean="0">
-                <a:solidFill>
-                  <a:srgbClr val="FF0000"/>
-                </a:solidFill>
-                <a:sym typeface="Wingdings" pitchFamily="2" charset="2"/>
-              </a:rPr>
-              <a:t> HTML </a:t>
-            </a:r>
-            <a:r>
-              <a:rPr lang="de-DE" dirty="0" err="1" smtClean="0">
-                <a:solidFill>
-                  <a:srgbClr val="FF0000"/>
-                </a:solidFill>
-                <a:sym typeface="Wingdings" pitchFamily="2" charset="2"/>
-              </a:rPr>
-              <a:t>is</a:t>
-            </a:r>
-            <a:r>
-              <a:rPr lang="de-DE" dirty="0" smtClean="0">
-                <a:solidFill>
-                  <a:srgbClr val="FF0000"/>
-                </a:solidFill>
-                <a:sym typeface="Wingdings" pitchFamily="2" charset="2"/>
-              </a:rPr>
-              <a:t> </a:t>
-            </a:r>
-            <a:r>
-              <a:rPr lang="de-DE" dirty="0" err="1" smtClean="0">
-                <a:solidFill>
-                  <a:srgbClr val="FF0000"/>
-                </a:solidFill>
-                <a:sym typeface="Wingdings" pitchFamily="2" charset="2"/>
-              </a:rPr>
-              <a:t>no</a:t>
-            </a:r>
-            <a:r>
-              <a:rPr lang="de-DE" dirty="0" smtClean="0">
-                <a:solidFill>
-                  <a:srgbClr val="FF0000"/>
-                </a:solidFill>
-                <a:sym typeface="Wingdings" pitchFamily="2" charset="2"/>
-              </a:rPr>
-              <a:t> valid XHTML!</a:t>
-            </a:r>
-          </a:p>
-          <a:p>
-            <a:pPr>
-              <a:buNone/>
-            </a:pPr>
-            <a:r>
-              <a:rPr lang="de-DE" dirty="0" smtClean="0">
-                <a:sym typeface="Wingdings" pitchFamily="2" charset="2"/>
-              </a:rPr>
-              <a:t>Solution 2:</a:t>
-            </a:r>
-          </a:p>
-          <a:p>
-            <a:pPr>
-              <a:buNone/>
-            </a:pPr>
-            <a:r>
-              <a:rPr lang="de-DE" dirty="0" smtClean="0">
-                <a:sym typeface="Wingdings" pitchFamily="2" charset="2"/>
-              </a:rPr>
-              <a:t>	Create a </a:t>
-            </a:r>
-            <a:r>
-              <a:rPr lang="de-DE" dirty="0" err="1" smtClean="0">
-                <a:sym typeface="Wingdings" pitchFamily="2" charset="2"/>
-              </a:rPr>
-              <a:t>bunch</a:t>
-            </a:r>
-            <a:r>
-              <a:rPr lang="de-DE" dirty="0" smtClean="0">
-                <a:sym typeface="Wingdings" pitchFamily="2" charset="2"/>
-              </a:rPr>
-              <a:t> </a:t>
-            </a:r>
-            <a:r>
-              <a:rPr lang="de-DE" dirty="0" err="1" smtClean="0">
-                <a:sym typeface="Wingdings" pitchFamily="2" charset="2"/>
-              </a:rPr>
-              <a:t>of</a:t>
-            </a:r>
-            <a:r>
-              <a:rPr lang="de-DE" dirty="0" smtClean="0">
-                <a:sym typeface="Wingdings" pitchFamily="2" charset="2"/>
-              </a:rPr>
-              <a:t> different </a:t>
-            </a:r>
-            <a:r>
-              <a:rPr lang="de-DE" dirty="0" err="1" smtClean="0">
-                <a:sym typeface="Wingdings" pitchFamily="2" charset="2"/>
-              </a:rPr>
-              <a:t>regular</a:t>
-            </a:r>
-            <a:r>
-              <a:rPr lang="de-DE" dirty="0" smtClean="0">
-                <a:sym typeface="Wingdings" pitchFamily="2" charset="2"/>
-              </a:rPr>
-              <a:t> </a:t>
-            </a:r>
-            <a:r>
-              <a:rPr lang="de-DE" dirty="0" err="1" smtClean="0">
-                <a:sym typeface="Wingdings" pitchFamily="2" charset="2"/>
-              </a:rPr>
-              <a:t>expressions</a:t>
-            </a:r>
-            <a:r>
-              <a:rPr lang="de-DE" dirty="0" smtClean="0">
-                <a:sym typeface="Wingdings" pitchFamily="2" charset="2"/>
-              </a:rPr>
-              <a:t>.</a:t>
-            </a:r>
-            <a:endParaRPr lang="de-DE" dirty="0"/>
           </a:p>
         </p:txBody>
       </p:sp>
@@ -5030,7 +4986,7 @@
           <a:p>
             <a:r>
               <a:rPr lang="de-DE" smtClean="0"/>
-              <a:t>21.01.2012</a:t>
+              <a:t>24.01.2012</a:t>
             </a:r>
             <a:endParaRPr lang="de-DE" dirty="0"/>
           </a:p>
@@ -5083,11 +5039,683 @@
           </a:p>
         </p:txBody>
       </p:sp>
+      <p:sp>
+        <p:nvSpPr>
+          <p:cNvPr id="7" name="Ellipse 6"/>
+          <p:cNvSpPr/>
+          <p:nvPr/>
+        </p:nvSpPr>
+        <p:spPr>
+          <a:xfrm>
+            <a:off x="395536" y="1628800"/>
+            <a:ext cx="360040" cy="360040"/>
+          </a:xfrm>
+          <a:prstGeom prst="ellipse">
+            <a:avLst/>
+          </a:prstGeom>
+          <a:solidFill>
+            <a:schemeClr val="accent2">
+              <a:lumMod val="60000"/>
+              <a:lumOff val="40000"/>
+            </a:schemeClr>
+          </a:solidFill>
+          <a:ln w="41275">
+            <a:solidFill>
+              <a:srgbClr val="C00000"/>
+            </a:solidFill>
+          </a:ln>
+          <a:effectLst>
+            <a:outerShdw blurRad="50800" dist="38100" dir="2700000" algn="tl" rotWithShape="0">
+              <a:prstClr val="black">
+                <a:alpha val="40000"/>
+              </a:prstClr>
+            </a:outerShdw>
+          </a:effectLst>
+        </p:spPr>
+        <p:style>
+          <a:lnRef idx="2">
+            <a:schemeClr val="accent1">
+              <a:shade val="50000"/>
+            </a:schemeClr>
+          </a:lnRef>
+          <a:fillRef idx="1">
+            <a:schemeClr val="accent1"/>
+          </a:fillRef>
+          <a:effectRef idx="0">
+            <a:schemeClr val="accent1"/>
+          </a:effectRef>
+          <a:fontRef idx="minor">
+            <a:schemeClr val="lt1"/>
+          </a:fontRef>
+        </p:style>
+        <p:txBody>
+          <a:bodyPr rtlCol="0" anchor="ctr"/>
+          <a:lstStyle/>
+          <a:p>
+            <a:pPr algn="ctr"/>
+            <a:r>
+              <a:rPr lang="de-DE" sz="2800" b="1" dirty="0" smtClean="0"/>
+              <a:t>?</a:t>
+            </a:r>
+            <a:endParaRPr lang="de-DE" sz="2800" b="1" dirty="0"/>
+          </a:p>
+        </p:txBody>
+      </p:sp>
+      <p:sp>
+        <p:nvSpPr>
+          <p:cNvPr id="8" name="Ellipse 7"/>
+          <p:cNvSpPr/>
+          <p:nvPr/>
+        </p:nvSpPr>
+        <p:spPr>
+          <a:xfrm>
+            <a:off x="395536" y="3284984"/>
+            <a:ext cx="360040" cy="360040"/>
+          </a:xfrm>
+          <a:prstGeom prst="ellipse">
+            <a:avLst/>
+          </a:prstGeom>
+          <a:solidFill>
+            <a:schemeClr val="accent3">
+              <a:lumMod val="60000"/>
+              <a:lumOff val="40000"/>
+            </a:schemeClr>
+          </a:solidFill>
+          <a:ln w="41275">
+            <a:solidFill>
+              <a:schemeClr val="accent3">
+                <a:lumMod val="75000"/>
+              </a:schemeClr>
+            </a:solidFill>
+          </a:ln>
+          <a:effectLst>
+            <a:outerShdw blurRad="50800" dist="38100" dir="2700000" algn="tl" rotWithShape="0">
+              <a:prstClr val="black">
+                <a:alpha val="40000"/>
+              </a:prstClr>
+            </a:outerShdw>
+          </a:effectLst>
+        </p:spPr>
+        <p:style>
+          <a:lnRef idx="2">
+            <a:schemeClr val="accent1">
+              <a:shade val="50000"/>
+            </a:schemeClr>
+          </a:lnRef>
+          <a:fillRef idx="1">
+            <a:schemeClr val="accent1"/>
+          </a:fillRef>
+          <a:effectRef idx="0">
+            <a:schemeClr val="accent1"/>
+          </a:effectRef>
+          <a:fontRef idx="minor">
+            <a:schemeClr val="lt1"/>
+          </a:fontRef>
+        </p:style>
+        <p:txBody>
+          <a:bodyPr rtlCol="0" anchor="ctr"/>
+          <a:lstStyle/>
+          <a:p>
+            <a:pPr algn="ctr"/>
+            <a:r>
+              <a:rPr lang="de-DE" sz="2800" b="1" dirty="0" smtClean="0"/>
+              <a:t>!</a:t>
+            </a:r>
+            <a:endParaRPr lang="de-DE" sz="2800" b="1" dirty="0"/>
+          </a:p>
+        </p:txBody>
+      </p:sp>
+      <p:sp>
+        <p:nvSpPr>
+          <p:cNvPr id="9" name="Ellipse 8"/>
+          <p:cNvSpPr/>
+          <p:nvPr/>
+        </p:nvSpPr>
+        <p:spPr>
+          <a:xfrm>
+            <a:off x="395536" y="5013176"/>
+            <a:ext cx="360040" cy="360040"/>
+          </a:xfrm>
+          <a:prstGeom prst="ellipse">
+            <a:avLst/>
+          </a:prstGeom>
+          <a:solidFill>
+            <a:schemeClr val="accent3">
+              <a:lumMod val="60000"/>
+              <a:lumOff val="40000"/>
+            </a:schemeClr>
+          </a:solidFill>
+          <a:ln w="41275">
+            <a:solidFill>
+              <a:schemeClr val="accent3">
+                <a:lumMod val="75000"/>
+              </a:schemeClr>
+            </a:solidFill>
+          </a:ln>
+          <a:effectLst>
+            <a:outerShdw blurRad="50800" dist="38100" dir="2700000" algn="tl" rotWithShape="0">
+              <a:prstClr val="black">
+                <a:alpha val="40000"/>
+              </a:prstClr>
+            </a:outerShdw>
+          </a:effectLst>
+        </p:spPr>
+        <p:style>
+          <a:lnRef idx="2">
+            <a:schemeClr val="accent1">
+              <a:shade val="50000"/>
+            </a:schemeClr>
+          </a:lnRef>
+          <a:fillRef idx="1">
+            <a:schemeClr val="accent1"/>
+          </a:fillRef>
+          <a:effectRef idx="0">
+            <a:schemeClr val="accent1"/>
+          </a:effectRef>
+          <a:fontRef idx="minor">
+            <a:schemeClr val="lt1"/>
+          </a:fontRef>
+        </p:style>
+        <p:txBody>
+          <a:bodyPr rtlCol="0" anchor="ctr"/>
+          <a:lstStyle/>
+          <a:p>
+            <a:pPr algn="ctr"/>
+            <a:r>
+              <a:rPr lang="de-DE" sz="2800" b="1" dirty="0" smtClean="0"/>
+              <a:t>!</a:t>
+            </a:r>
+            <a:endParaRPr lang="de-DE" sz="2800" b="1" dirty="0"/>
+          </a:p>
+        </p:txBody>
+      </p:sp>
+      <p:sp>
+        <p:nvSpPr>
+          <p:cNvPr id="10" name="Textfeld 9"/>
+          <p:cNvSpPr txBox="1"/>
+          <p:nvPr/>
+        </p:nvSpPr>
+        <p:spPr>
+          <a:xfrm>
+            <a:off x="755576" y="3212976"/>
+            <a:ext cx="8208912" cy="1200329"/>
+          </a:xfrm>
+          <a:prstGeom prst="rect">
+            <a:avLst/>
+          </a:prstGeom>
+          <a:noFill/>
+        </p:spPr>
+        <p:txBody>
+          <a:bodyPr wrap="square" rtlCol="0">
+            <a:spAutoFit/>
+          </a:bodyPr>
+          <a:lstStyle/>
+          <a:p>
+            <a:pPr>
+              <a:buNone/>
+            </a:pPr>
+            <a:r>
+              <a:rPr lang="de-DE" sz="2400" b="1" dirty="0" smtClean="0"/>
+              <a:t>Solution </a:t>
+            </a:r>
+            <a:r>
+              <a:rPr lang="de-DE" sz="2400" b="1" dirty="0" smtClean="0"/>
+              <a:t>1:</a:t>
+            </a:r>
+          </a:p>
+          <a:p>
+            <a:pPr lvl="1"/>
+            <a:r>
+              <a:rPr lang="de-DE" sz="2400" dirty="0" smtClean="0"/>
+              <a:t>Parse </a:t>
+            </a:r>
+            <a:r>
+              <a:rPr lang="de-DE" sz="2400" dirty="0" smtClean="0"/>
+              <a:t>XHTML </a:t>
+            </a:r>
+            <a:r>
+              <a:rPr lang="de-DE" sz="2400" dirty="0" err="1" smtClean="0"/>
+              <a:t>into</a:t>
+            </a:r>
+            <a:r>
+              <a:rPr lang="de-DE" sz="2400" dirty="0" smtClean="0"/>
+              <a:t> </a:t>
+            </a:r>
+            <a:r>
+              <a:rPr lang="de-DE" sz="2400" dirty="0" err="1" smtClean="0"/>
+              <a:t>tree</a:t>
+            </a:r>
+            <a:r>
+              <a:rPr lang="de-DE" sz="2400" dirty="0" smtClean="0"/>
+              <a:t> </a:t>
+            </a:r>
+            <a:r>
+              <a:rPr lang="de-DE" sz="2400" dirty="0" err="1" smtClean="0"/>
+              <a:t>and</a:t>
+            </a:r>
+            <a:r>
+              <a:rPr lang="de-DE" sz="2400" dirty="0" smtClean="0"/>
+              <a:t> </a:t>
+            </a:r>
+            <a:r>
+              <a:rPr lang="de-DE" sz="2400" dirty="0" err="1" smtClean="0"/>
+              <a:t>run</a:t>
+            </a:r>
+            <a:r>
+              <a:rPr lang="de-DE" sz="2400" dirty="0" smtClean="0"/>
+              <a:t> X-Path </a:t>
+            </a:r>
+            <a:r>
+              <a:rPr lang="de-DE" sz="2400" dirty="0" err="1" smtClean="0"/>
+              <a:t>queries</a:t>
+            </a:r>
+            <a:r>
+              <a:rPr lang="de-DE" sz="2400" dirty="0" smtClean="0"/>
+              <a:t>. </a:t>
+            </a:r>
+          </a:p>
+          <a:p>
+            <a:pPr lvl="1"/>
+            <a:r>
+              <a:rPr lang="de-DE" sz="2400" dirty="0" smtClean="0">
+                <a:solidFill>
+                  <a:srgbClr val="FF0000"/>
+                </a:solidFill>
+                <a:sym typeface="Wingdings" pitchFamily="2" charset="2"/>
+              </a:rPr>
+              <a:t></a:t>
+            </a:r>
+            <a:r>
+              <a:rPr lang="de-DE" sz="2400" dirty="0" smtClean="0">
+                <a:solidFill>
+                  <a:srgbClr val="FF0000"/>
+                </a:solidFill>
+                <a:sym typeface="Wingdings" pitchFamily="2" charset="2"/>
+              </a:rPr>
+              <a:t>Fails </a:t>
+            </a:r>
+            <a:r>
+              <a:rPr lang="de-DE" sz="2400" dirty="0" err="1" smtClean="0">
+                <a:solidFill>
+                  <a:srgbClr val="FF0000"/>
+                </a:solidFill>
+                <a:sym typeface="Wingdings" pitchFamily="2" charset="2"/>
+              </a:rPr>
+              <a:t>because</a:t>
+            </a:r>
+            <a:r>
+              <a:rPr lang="de-DE" sz="2400" dirty="0" smtClean="0">
+                <a:solidFill>
+                  <a:srgbClr val="FF0000"/>
+                </a:solidFill>
+                <a:sym typeface="Wingdings" pitchFamily="2" charset="2"/>
+              </a:rPr>
+              <a:t> </a:t>
+            </a:r>
+            <a:r>
+              <a:rPr lang="de-DE" sz="2400" dirty="0" err="1" smtClean="0">
+                <a:solidFill>
+                  <a:srgbClr val="FF0000"/>
+                </a:solidFill>
+                <a:sym typeface="Wingdings" pitchFamily="2" charset="2"/>
+              </a:rPr>
+              <a:t>the</a:t>
+            </a:r>
+            <a:r>
+              <a:rPr lang="de-DE" sz="2400" dirty="0" smtClean="0">
+                <a:solidFill>
+                  <a:srgbClr val="FF0000"/>
+                </a:solidFill>
+                <a:sym typeface="Wingdings" pitchFamily="2" charset="2"/>
+              </a:rPr>
+              <a:t> HTML </a:t>
+            </a:r>
+            <a:r>
+              <a:rPr lang="de-DE" sz="2400" dirty="0" err="1" smtClean="0">
+                <a:solidFill>
+                  <a:srgbClr val="FF0000"/>
+                </a:solidFill>
+                <a:sym typeface="Wingdings" pitchFamily="2" charset="2"/>
+              </a:rPr>
+              <a:t>is</a:t>
+            </a:r>
+            <a:r>
+              <a:rPr lang="de-DE" sz="2400" dirty="0" smtClean="0">
+                <a:solidFill>
+                  <a:srgbClr val="FF0000"/>
+                </a:solidFill>
+                <a:sym typeface="Wingdings" pitchFamily="2" charset="2"/>
+              </a:rPr>
+              <a:t> </a:t>
+            </a:r>
+            <a:r>
+              <a:rPr lang="de-DE" sz="2400" dirty="0" err="1" smtClean="0">
+                <a:solidFill>
+                  <a:srgbClr val="FF0000"/>
+                </a:solidFill>
+                <a:sym typeface="Wingdings" pitchFamily="2" charset="2"/>
+              </a:rPr>
+              <a:t>no</a:t>
+            </a:r>
+            <a:r>
+              <a:rPr lang="de-DE" sz="2400" dirty="0" smtClean="0">
+                <a:solidFill>
+                  <a:srgbClr val="FF0000"/>
+                </a:solidFill>
+                <a:sym typeface="Wingdings" pitchFamily="2" charset="2"/>
+              </a:rPr>
+              <a:t> valid XHTML</a:t>
+            </a:r>
+            <a:r>
+              <a:rPr lang="de-DE" sz="2400" dirty="0" smtClean="0">
+                <a:solidFill>
+                  <a:srgbClr val="FF0000"/>
+                </a:solidFill>
+                <a:sym typeface="Wingdings" pitchFamily="2" charset="2"/>
+              </a:rPr>
+              <a:t>!</a:t>
+            </a:r>
+            <a:endParaRPr lang="de-DE" sz="2400" dirty="0" smtClean="0">
+              <a:solidFill>
+                <a:srgbClr val="FF0000"/>
+              </a:solidFill>
+              <a:sym typeface="Wingdings" pitchFamily="2" charset="2"/>
+            </a:endParaRPr>
+          </a:p>
+        </p:txBody>
+      </p:sp>
+      <p:sp>
+        <p:nvSpPr>
+          <p:cNvPr id="11" name="Textfeld 10"/>
+          <p:cNvSpPr txBox="1"/>
+          <p:nvPr/>
+        </p:nvSpPr>
+        <p:spPr>
+          <a:xfrm>
+            <a:off x="755576" y="4941168"/>
+            <a:ext cx="8208912" cy="1200329"/>
+          </a:xfrm>
+          <a:prstGeom prst="rect">
+            <a:avLst/>
+          </a:prstGeom>
+          <a:noFill/>
+        </p:spPr>
+        <p:txBody>
+          <a:bodyPr wrap="square" rtlCol="0">
+            <a:spAutoFit/>
+          </a:bodyPr>
+          <a:lstStyle/>
+          <a:p>
+            <a:pPr>
+              <a:buNone/>
+            </a:pPr>
+            <a:r>
+              <a:rPr lang="de-DE" sz="2400" b="1" dirty="0" smtClean="0">
+                <a:sym typeface="Wingdings" pitchFamily="2" charset="2"/>
+              </a:rPr>
+              <a:t>Solution </a:t>
+            </a:r>
+            <a:r>
+              <a:rPr lang="de-DE" sz="2400" b="1" dirty="0" smtClean="0">
+                <a:sym typeface="Wingdings" pitchFamily="2" charset="2"/>
+              </a:rPr>
+              <a:t>2:</a:t>
+            </a:r>
+          </a:p>
+          <a:p>
+            <a:pPr lvl="1"/>
+            <a:r>
+              <a:rPr lang="de-DE" sz="2400" dirty="0" smtClean="0">
+                <a:sym typeface="Wingdings" pitchFamily="2" charset="2"/>
+              </a:rPr>
+              <a:t>Create </a:t>
+            </a:r>
+            <a:r>
+              <a:rPr lang="de-DE" sz="2400" dirty="0" smtClean="0">
+                <a:sym typeface="Wingdings" pitchFamily="2" charset="2"/>
+              </a:rPr>
+              <a:t>a </a:t>
+            </a:r>
+            <a:r>
+              <a:rPr lang="de-DE" sz="2400" dirty="0" err="1" smtClean="0">
+                <a:sym typeface="Wingdings" pitchFamily="2" charset="2"/>
+              </a:rPr>
+              <a:t>bunch</a:t>
+            </a:r>
+            <a:r>
+              <a:rPr lang="de-DE" sz="2400" dirty="0" smtClean="0">
+                <a:sym typeface="Wingdings" pitchFamily="2" charset="2"/>
+              </a:rPr>
+              <a:t> </a:t>
+            </a:r>
+            <a:r>
+              <a:rPr lang="de-DE" sz="2400" dirty="0" err="1" smtClean="0">
+                <a:sym typeface="Wingdings" pitchFamily="2" charset="2"/>
+              </a:rPr>
+              <a:t>of</a:t>
+            </a:r>
+            <a:r>
+              <a:rPr lang="de-DE" sz="2400" dirty="0" smtClean="0">
+                <a:sym typeface="Wingdings" pitchFamily="2" charset="2"/>
+              </a:rPr>
+              <a:t> different </a:t>
+            </a:r>
+            <a:r>
+              <a:rPr lang="de-DE" sz="2400" dirty="0" err="1" smtClean="0">
+                <a:sym typeface="Wingdings" pitchFamily="2" charset="2"/>
+              </a:rPr>
+              <a:t>regular</a:t>
+            </a:r>
+            <a:r>
+              <a:rPr lang="de-DE" sz="2400" dirty="0" smtClean="0">
+                <a:sym typeface="Wingdings" pitchFamily="2" charset="2"/>
+              </a:rPr>
+              <a:t> </a:t>
+            </a:r>
+            <a:r>
+              <a:rPr lang="de-DE" sz="2400" dirty="0" err="1" smtClean="0">
+                <a:sym typeface="Wingdings" pitchFamily="2" charset="2"/>
+              </a:rPr>
+              <a:t>expressions</a:t>
+            </a:r>
+            <a:r>
+              <a:rPr lang="de-DE" sz="2400" dirty="0" smtClean="0">
+                <a:sym typeface="Wingdings" pitchFamily="2" charset="2"/>
+              </a:rPr>
+              <a:t>.</a:t>
+            </a:r>
+            <a:endParaRPr lang="de-DE" sz="2400" dirty="0" smtClean="0"/>
+          </a:p>
+          <a:p>
+            <a:endParaRPr lang="de-DE" sz="2400" dirty="0"/>
+          </a:p>
+        </p:txBody>
+      </p:sp>
     </p:spTree>
   </p:cSld>
   <p:clrMapOvr>
     <a:masterClrMapping/>
   </p:clrMapOvr>
+  <p:timing>
+    <p:tnLst>
+      <p:par>
+        <p:cTn id="1" dur="indefinite" restart="never" nodeType="tmRoot">
+          <p:childTnLst>
+            <p:seq concurrent="1" nextAc="seek">
+              <p:cTn id="2" dur="indefinite" nodeType="mainSeq">
+                <p:childTnLst>
+                  <p:par>
+                    <p:cTn id="3" fill="hold">
+                      <p:stCondLst>
+                        <p:cond delay="indefinite"/>
+                      </p:stCondLst>
+                      <p:childTnLst>
+                        <p:par>
+                          <p:cTn id="4" fill="hold">
+                            <p:stCondLst>
+                              <p:cond delay="0"/>
+                            </p:stCondLst>
+                            <p:childTnLst>
+                              <p:par>
+                                <p:cTn id="5" presetID="1" presetClass="entr" presetSubtype="0" fill="hold" grpId="0" nodeType="clickEffect">
+                                  <p:stCondLst>
+                                    <p:cond delay="0"/>
+                                  </p:stCondLst>
+                                  <p:childTnLst>
+                                    <p:set>
+                                      <p:cBhvr>
+                                        <p:cTn id="6" dur="1" fill="hold">
+                                          <p:stCondLst>
+                                            <p:cond delay="0"/>
+                                          </p:stCondLst>
+                                        </p:cTn>
+                                        <p:tgtEl>
+                                          <p:spTgt spid="8"/>
+                                        </p:tgtEl>
+                                        <p:attrNameLst>
+                                          <p:attrName>style.visibility</p:attrName>
+                                        </p:attrNameLst>
+                                      </p:cBhvr>
+                                      <p:to>
+                                        <p:strVal val="visible"/>
+                                      </p:to>
+                                    </p:set>
+                                  </p:childTnLst>
+                                </p:cTn>
+                              </p:par>
+                              <p:par>
+                                <p:cTn id="7" presetID="1" presetClass="entr" presetSubtype="0" fill="hold" grpId="0" nodeType="withEffect">
+                                  <p:stCondLst>
+                                    <p:cond delay="0"/>
+                                  </p:stCondLst>
+                                  <p:childTnLst>
+                                    <p:set>
+                                      <p:cBhvr>
+                                        <p:cTn id="8" dur="1" fill="hold">
+                                          <p:stCondLst>
+                                            <p:cond delay="0"/>
+                                          </p:stCondLst>
+                                        </p:cTn>
+                                        <p:tgtEl>
+                                          <p:spTgt spid="10"/>
+                                        </p:tgtEl>
+                                        <p:attrNameLst>
+                                          <p:attrName>style.visibility</p:attrName>
+                                        </p:attrNameLst>
+                                      </p:cBhvr>
+                                      <p:to>
+                                        <p:strVal val="visible"/>
+                                      </p:to>
+                                    </p:set>
+                                  </p:childTnLst>
+                                </p:cTn>
+                              </p:par>
+                            </p:childTnLst>
+                          </p:cTn>
+                        </p:par>
+                      </p:childTnLst>
+                    </p:cTn>
+                  </p:par>
+                  <p:par>
+                    <p:cTn id="9" fill="hold">
+                      <p:stCondLst>
+                        <p:cond delay="indefinite"/>
+                      </p:stCondLst>
+                      <p:childTnLst>
+                        <p:par>
+                          <p:cTn id="10" fill="hold">
+                            <p:stCondLst>
+                              <p:cond delay="0"/>
+                            </p:stCondLst>
+                            <p:childTnLst>
+                              <p:par>
+                                <p:cTn id="11" presetID="1" presetClass="entr" presetSubtype="0" fill="hold" grpId="0" nodeType="clickEffect">
+                                  <p:stCondLst>
+                                    <p:cond delay="0"/>
+                                  </p:stCondLst>
+                                  <p:childTnLst>
+                                    <p:set>
+                                      <p:cBhvr>
+                                        <p:cTn id="12" dur="1" fill="hold">
+                                          <p:stCondLst>
+                                            <p:cond delay="0"/>
+                                          </p:stCondLst>
+                                        </p:cTn>
+                                        <p:tgtEl>
+                                          <p:spTgt spid="11"/>
+                                        </p:tgtEl>
+                                        <p:attrNameLst>
+                                          <p:attrName>style.visibility</p:attrName>
+                                        </p:attrNameLst>
+                                      </p:cBhvr>
+                                      <p:to>
+                                        <p:strVal val="visible"/>
+                                      </p:to>
+                                    </p:set>
+                                  </p:childTnLst>
+                                </p:cTn>
+                              </p:par>
+                              <p:par>
+                                <p:cTn id="13" presetID="1" presetClass="entr" presetSubtype="0" fill="hold" grpId="0" nodeType="withEffect">
+                                  <p:stCondLst>
+                                    <p:cond delay="0"/>
+                                  </p:stCondLst>
+                                  <p:childTnLst>
+                                    <p:set>
+                                      <p:cBhvr>
+                                        <p:cTn id="14" dur="1" fill="hold">
+                                          <p:stCondLst>
+                                            <p:cond delay="0"/>
+                                          </p:stCondLst>
+                                        </p:cTn>
+                                        <p:tgtEl>
+                                          <p:spTgt spid="9"/>
+                                        </p:tgtEl>
+                                        <p:attrNameLst>
+                                          <p:attrName>style.visibility</p:attrName>
+                                        </p:attrNameLst>
+                                      </p:cBhvr>
+                                      <p:to>
+                                        <p:strVal val="visible"/>
+                                      </p:to>
+                                    </p:set>
+                                  </p:childTnLst>
+                                </p:cTn>
+                              </p:par>
+                            </p:childTnLst>
+                          </p:cTn>
+                        </p:par>
+                      </p:childTnLst>
+                    </p:cTn>
+                  </p:par>
+                </p:childTnLst>
+              </p:cTn>
+              <p:prevCondLst>
+                <p:cond evt="onPrev" delay="0">
+                  <p:tgtEl>
+                    <p:sldTgt/>
+                  </p:tgtEl>
+                </p:cond>
+              </p:prevCondLst>
+              <p:nextCondLst>
+                <p:cond evt="onNext" delay="0">
+                  <p:tgtEl>
+                    <p:sldTgt/>
+                  </p:tgtEl>
+                </p:cond>
+              </p:nextCondLst>
+            </p:seq>
+          </p:childTnLst>
+        </p:cTn>
+      </p:par>
+    </p:tnLst>
+    <p:bldLst>
+      <p:bldP spid="8" grpId="0" animBg="1"/>
+      <p:bldP spid="9" grpId="0" animBg="1"/>
+      <p:bldP spid="10" grpId="0"/>
+      <p:bldP spid="11" grpId="0"/>
+    </p:bldLst>
+  </p:timing>
 </p:sld>
 </file>
 
@@ -5153,9 +5781,74 @@
             </a:pPr>
             <a:r>
               <a:rPr lang="de-DE" sz="9600" b="1" dirty="0" smtClean="0"/>
-              <a:t>Demo!</a:t>
-            </a:r>
-            <a:endParaRPr lang="de-DE" sz="9600" b="1" dirty="0"/>
+              <a:t>Demo</a:t>
+            </a:r>
+            <a:r>
+              <a:rPr lang="de-DE" sz="9600" b="1" dirty="0" smtClean="0"/>
+              <a:t>!</a:t>
+            </a:r>
+          </a:p>
+          <a:p>
+            <a:pPr marL="0" indent="0" algn="ctr">
+              <a:buNone/>
+            </a:pPr>
+            <a:r>
+              <a:rPr lang="de-DE" sz="1800" b="1" dirty="0" smtClean="0">
+                <a:solidFill>
+                  <a:schemeClr val="bg1">
+                    <a:lumMod val="50000"/>
+                  </a:schemeClr>
+                </a:solidFill>
+              </a:rPr>
+              <a:t>(</a:t>
+            </a:r>
+            <a:r>
+              <a:rPr lang="de-DE" sz="1800" b="1" dirty="0" err="1" smtClean="0">
+                <a:solidFill>
+                  <a:schemeClr val="bg1">
+                    <a:lumMod val="50000"/>
+                  </a:schemeClr>
+                </a:solidFill>
+              </a:rPr>
+              <a:t>or</a:t>
+            </a:r>
+            <a:r>
+              <a:rPr lang="de-DE" sz="1800" b="1" dirty="0" smtClean="0">
+                <a:solidFill>
+                  <a:schemeClr val="bg1">
+                    <a:lumMod val="50000"/>
+                  </a:schemeClr>
+                </a:solidFill>
+              </a:rPr>
+              <a:t> </a:t>
+            </a:r>
+            <a:r>
+              <a:rPr lang="de-DE" sz="1800" b="1" dirty="0" err="1" smtClean="0">
+                <a:solidFill>
+                  <a:schemeClr val="bg1">
+                    <a:lumMod val="50000"/>
+                  </a:schemeClr>
+                </a:solidFill>
+              </a:rPr>
+              <a:t>video</a:t>
+            </a:r>
+            <a:r>
+              <a:rPr lang="de-DE" sz="1800" b="1" dirty="0" smtClean="0">
+                <a:solidFill>
+                  <a:schemeClr val="bg1">
+                    <a:lumMod val="50000"/>
+                  </a:schemeClr>
+                </a:solidFill>
+              </a:rPr>
+              <a:t>…)</a:t>
+            </a:r>
+            <a:endParaRPr lang="de-DE" sz="1800" b="1" dirty="0">
+              <a:solidFill>
+                <a:schemeClr val="bg1">
+                  <a:lumMod val="50000"/>
+                </a:schemeClr>
+              </a:solidFill>
+            </a:endParaRPr>
           </a:p>
         </p:txBody>
       </p:sp>
@@ -5176,7 +5869,7 @@
           <a:p>
             <a:r>
               <a:rPr lang="de-DE" smtClean="0"/>
-              <a:t>21.01.2012</a:t>
+              <a:t>24.01.2012</a:t>
             </a:r>
             <a:endParaRPr lang="de-DE"/>
           </a:p>
@@ -5232,7 +5925,7 @@
     </p:spTree>
     <p:extLst>
       <p:ext uri="{BB962C8B-B14F-4D97-AF65-F5344CB8AC3E}">
-        <p14:creationId xmlns="" xmlns:p14="http://schemas.microsoft.com/office/powerpoint/2010/main" val="2209468386"/>
+        <p14:creationId xmlns:p14="http://schemas.microsoft.com/office/powerpoint/2010/main" xmlns="" val="2209468386"/>
       </p:ext>
     </p:extLst>
   </p:cSld>
@@ -5282,8 +5975,20 @@
           <a:lstStyle/>
           <a:p>
             <a:r>
+              <a:rPr lang="de-DE" dirty="0" err="1" smtClean="0"/>
+              <a:t>Possible</a:t>
+            </a:r>
+            <a:r>
               <a:rPr lang="de-DE" dirty="0" smtClean="0"/>
-              <a:t>Future </a:t>
+              <a:t> </a:t>
+            </a:r>
+            <a:r>
+              <a:rPr lang="de-DE" dirty="0" err="1" smtClean="0"/>
+              <a:t>future</a:t>
+            </a:r>
+            <a:r>
+              <a:rPr lang="de-DE" dirty="0" smtClean="0"/>
+              <a:t> </a:t>
             </a:r>
             <a:r>
               <a:rPr lang="de-DE" dirty="0" err="1" smtClean="0"/>
@@ -5305,42 +6010,310 @@
         </p:nvSpPr>
         <p:spPr/>
         <p:txBody>
-          <a:bodyPr/>
-          <a:lstStyle/>
-          <a:p>
+          <a:bodyPr>
+            <a:normAutofit fontScale="92500" lnSpcReduction="20000"/>
+          </a:bodyPr>
+          <a:lstStyle/>
+          <a:p>
+            <a:r>
+              <a:rPr lang="de-DE" dirty="0" err="1" smtClean="0"/>
+              <a:t>Sort</a:t>
+            </a:r>
             <a:r>
               <a:rPr lang="de-DE" dirty="0" smtClean="0"/>
-              <a:t>Notenanordnung und Sortierung</a:t>
-            </a:r>
-          </a:p>
-          <a:p>
+              <a:t> grades</a:t>
+            </a:r>
+          </a:p>
+          <a:p>
+            <a:pPr lvl="1"/>
+            <a:r>
+              <a:rPr lang="de-DE" dirty="0" err="1" smtClean="0"/>
+              <a:t>By</a:t>
+            </a:r>
             <a:r>
               <a:rPr lang="de-DE" dirty="0" smtClean="0"/>
-              <a:t>Speichern der Daten für Offlinebenutzung</a:t>
-            </a:r>
-          </a:p>
-          <a:p>
+              <a:t> </a:t>
+            </a:r>
+            <a:r>
+              <a:rPr lang="de-DE" dirty="0" err="1" smtClean="0"/>
+              <a:t>semester</a:t>
+            </a:r>
             <a:r>
               <a:rPr lang="de-DE" dirty="0" smtClean="0"/>
-              <a:t>Weitere Daten aus Studententerminal anzeigen (z.B. Notenspiegel oder Immatrikulationsbescheinigung)</a:t>
-            </a:r>
-          </a:p>
-          <a:p>
+              <a:t>, </a:t>
+            </a:r>
+            <a:r>
+              <a:rPr lang="de-DE" dirty="0" err="1" smtClean="0"/>
+              <a:t>module</a:t>
+            </a:r>
             <a:r>
               <a:rPr lang="de-DE" dirty="0" smtClean="0"/>
-              <a:t>Genauere Unterscheidung des Ausgabegeräts</a:t>
-            </a:r>
+              <a:t>, …</a:t>
+            </a:r>
+            <a:endParaRPr lang="de-DE" dirty="0" smtClean="0"/>
           </a:p>
           <a:p>
             <a:r>
               <a:rPr lang="de-DE" dirty="0" smtClean="0"/>
-              <a:t>Test-Login Funktion</a:t>
-            </a:r>
-          </a:p>
-          <a:p>
+              <a:t>Offline </a:t>
+            </a:r>
+            <a:r>
+              <a:rPr lang="de-DE" dirty="0" err="1" smtClean="0"/>
+              <a:t>mode</a:t>
+            </a:r>
             <a:r>
               <a:rPr lang="de-DE" dirty="0" smtClean="0"/>
-              <a:t>Notendurchschnitt berechnen</a:t>
+              <a:t> </a:t>
+            </a:r>
+            <a:r>
+              <a:rPr lang="de-DE" dirty="0" err="1" smtClean="0"/>
+              <a:t>using</a:t>
+            </a:r>
+            <a:r>
+              <a:rPr lang="de-DE" dirty="0" smtClean="0"/>
+              <a:t> a </a:t>
+            </a:r>
+            <a:r>
+              <a:rPr lang="de-DE" dirty="0" err="1" smtClean="0"/>
+              <a:t>SQLite</a:t>
+            </a:r>
+            <a:r>
+              <a:rPr lang="de-DE" dirty="0" smtClean="0"/>
+              <a:t> </a:t>
+            </a:r>
+            <a:r>
+              <a:rPr lang="de-DE" dirty="0" err="1" smtClean="0"/>
+              <a:t>database</a:t>
+            </a:r>
+            <a:endParaRPr lang="de-DE" dirty="0" smtClean="0"/>
+          </a:p>
+          <a:p>
+            <a:r>
+              <a:rPr lang="de-DE" dirty="0" err="1" smtClean="0"/>
+              <a:t>Include</a:t>
+            </a:r>
+            <a:r>
+              <a:rPr lang="de-DE" dirty="0" smtClean="0"/>
+              <a:t> </a:t>
+            </a:r>
+            <a:r>
+              <a:rPr lang="de-DE" dirty="0" err="1" smtClean="0"/>
+              <a:t>other</a:t>
+            </a:r>
+            <a:r>
+              <a:rPr lang="de-DE" dirty="0" smtClean="0"/>
+              <a:t> </a:t>
+            </a:r>
+            <a:r>
+              <a:rPr lang="de-DE" dirty="0" err="1" smtClean="0"/>
+              <a:t>services</a:t>
+            </a:r>
+            <a:r>
+              <a:rPr lang="de-DE" dirty="0" smtClean="0"/>
+              <a:t> </a:t>
+            </a:r>
+            <a:r>
+              <a:rPr lang="de-DE" dirty="0" err="1" smtClean="0"/>
+              <a:t>of</a:t>
+            </a:r>
+            <a:r>
+              <a:rPr lang="de-DE" dirty="0" smtClean="0"/>
+              <a:t> </a:t>
+            </a:r>
+            <a:r>
+              <a:rPr lang="de-DE" dirty="0" err="1" smtClean="0"/>
+              <a:t>the</a:t>
+            </a:r>
+            <a:r>
+              <a:rPr lang="de-DE" dirty="0" smtClean="0"/>
+              <a:t> </a:t>
+            </a:r>
+            <a:r>
+              <a:rPr lang="de-DE" dirty="0" err="1" smtClean="0"/>
+              <a:t>student</a:t>
+            </a:r>
+            <a:r>
+              <a:rPr lang="de-DE" dirty="0" smtClean="0"/>
+              <a:t> terminal</a:t>
+            </a:r>
+          </a:p>
+          <a:p>
+            <a:pPr lvl="1"/>
+            <a:r>
+              <a:rPr lang="de-DE" dirty="0" smtClean="0"/>
+              <a:t>Send </a:t>
+            </a:r>
+            <a:r>
+              <a:rPr lang="de-DE" dirty="0" err="1" smtClean="0"/>
+              <a:t>proof</a:t>
+            </a:r>
+            <a:r>
+              <a:rPr lang="de-DE" dirty="0" smtClean="0"/>
+              <a:t> </a:t>
+            </a:r>
+            <a:r>
+              <a:rPr lang="de-DE" dirty="0" err="1" smtClean="0"/>
+              <a:t>of</a:t>
+            </a:r>
+            <a:r>
+              <a:rPr lang="de-DE" dirty="0" smtClean="0"/>
+              <a:t> </a:t>
+            </a:r>
+            <a:r>
+              <a:rPr lang="de-DE" dirty="0" err="1" smtClean="0"/>
+              <a:t>immatriculation</a:t>
+            </a:r>
+            <a:r>
+              <a:rPr lang="de-DE" dirty="0" smtClean="0"/>
+              <a:t> PDF </a:t>
+            </a:r>
+            <a:r>
+              <a:rPr lang="de-DE" dirty="0" err="1" smtClean="0"/>
+              <a:t>as</a:t>
+            </a:r>
+            <a:r>
+              <a:rPr lang="de-DE" dirty="0" smtClean="0"/>
+              <a:t> Email</a:t>
+            </a:r>
+          </a:p>
+          <a:p>
+            <a:pPr lvl="1"/>
+            <a:r>
+              <a:rPr lang="de-DE" dirty="0" smtClean="0"/>
+              <a:t>Show registered </a:t>
+            </a:r>
+            <a:r>
+              <a:rPr lang="de-DE" dirty="0" err="1" smtClean="0"/>
+              <a:t>exams</a:t>
+            </a:r>
+            <a:endParaRPr lang="de-DE" dirty="0" smtClean="0"/>
+          </a:p>
+          <a:p>
+            <a:pPr lvl="1"/>
+            <a:r>
+              <a:rPr lang="de-DE" dirty="0" smtClean="0"/>
+              <a:t>Show open </a:t>
+            </a:r>
+            <a:r>
+              <a:rPr lang="de-DE" dirty="0" err="1" smtClean="0"/>
+              <a:t>payments</a:t>
+            </a:r>
+            <a:endParaRPr lang="de-DE" dirty="0" smtClean="0"/>
+          </a:p>
+          <a:p>
+            <a:r>
+              <a:rPr lang="de-DE" dirty="0" err="1" smtClean="0"/>
+              <a:t>Distinguish</a:t>
+            </a:r>
+            <a:r>
+              <a:rPr lang="de-DE" dirty="0" smtClean="0"/>
+              <a:t> </a:t>
+            </a:r>
+            <a:r>
+              <a:rPr lang="de-DE" dirty="0" err="1" smtClean="0"/>
+              <a:t>between</a:t>
+            </a:r>
+            <a:r>
+              <a:rPr lang="de-DE" dirty="0" smtClean="0"/>
+              <a:t> large </a:t>
+            </a:r>
+            <a:r>
+              <a:rPr lang="de-DE" dirty="0" err="1" smtClean="0"/>
+              <a:t>and</a:t>
+            </a:r>
+            <a:r>
+              <a:rPr lang="de-DE" dirty="0" smtClean="0"/>
+              <a:t> </a:t>
+            </a:r>
+            <a:r>
+              <a:rPr lang="de-DE" dirty="0" err="1" smtClean="0"/>
+              <a:t>small</a:t>
+            </a:r>
+            <a:r>
+              <a:rPr lang="de-DE" dirty="0" smtClean="0"/>
+              <a:t> </a:t>
+            </a:r>
+            <a:r>
+              <a:rPr lang="de-DE" dirty="0" err="1" smtClean="0"/>
+              <a:t>tablets</a:t>
+            </a:r>
+            <a:endParaRPr lang="de-DE" dirty="0" smtClean="0"/>
+          </a:p>
+          <a:p>
+            <a:r>
+              <a:rPr lang="de-DE" dirty="0" smtClean="0"/>
+              <a:t>Test </a:t>
+            </a:r>
+            <a:r>
+              <a:rPr lang="de-DE" dirty="0" err="1" smtClean="0"/>
+              <a:t>username</a:t>
+            </a:r>
+            <a:r>
+              <a:rPr lang="de-DE" dirty="0" smtClean="0"/>
+              <a:t> </a:t>
+            </a:r>
+            <a:r>
+              <a:rPr lang="de-DE" dirty="0" err="1" smtClean="0"/>
+              <a:t>and</a:t>
+            </a:r>
+            <a:r>
+              <a:rPr lang="de-DE" dirty="0" smtClean="0"/>
+              <a:t> </a:t>
+            </a:r>
+            <a:r>
+              <a:rPr lang="de-DE" dirty="0" err="1" smtClean="0"/>
+              <a:t>password</a:t>
+            </a:r>
+            <a:r>
+              <a:rPr lang="de-DE" dirty="0" smtClean="0"/>
+              <a:t> </a:t>
+            </a:r>
+            <a:r>
+              <a:rPr lang="de-DE" dirty="0" err="1" smtClean="0"/>
+              <a:t>before</a:t>
+            </a:r>
+            <a:r>
+              <a:rPr lang="de-DE" dirty="0" smtClean="0"/>
+              <a:t> </a:t>
+            </a:r>
+            <a:r>
+              <a:rPr lang="de-DE" dirty="0" err="1" smtClean="0"/>
+              <a:t>saving</a:t>
+            </a:r>
+            <a:endParaRPr lang="de-DE" dirty="0" smtClean="0"/>
+          </a:p>
+          <a:p>
+            <a:r>
+              <a:rPr lang="de-DE" dirty="0" err="1" smtClean="0"/>
+              <a:t>Calculate</a:t>
+            </a:r>
+            <a:r>
+              <a:rPr lang="de-DE" dirty="0" smtClean="0"/>
+              <a:t> </a:t>
+            </a:r>
+            <a:r>
+              <a:rPr lang="de-DE" dirty="0" err="1" smtClean="0"/>
+              <a:t>your</a:t>
+            </a:r>
+            <a:r>
+              <a:rPr lang="de-DE" dirty="0" smtClean="0"/>
+              <a:t> grade </a:t>
+            </a:r>
+            <a:r>
+              <a:rPr lang="de-DE" dirty="0" err="1" smtClean="0"/>
+              <a:t>average</a:t>
+            </a:r>
+            <a:r>
+              <a:rPr lang="de-DE" dirty="0" smtClean="0"/>
+              <a:t> </a:t>
+            </a:r>
+            <a:r>
+              <a:rPr lang="de-DE" dirty="0" err="1" smtClean="0"/>
+              <a:t>based</a:t>
+            </a:r>
+            <a:r>
+              <a:rPr lang="de-DE" dirty="0" smtClean="0"/>
+              <a:t> on ECTS</a:t>
             </a:r>
           </a:p>
         </p:txBody>
@@ -5362,7 +6335,7 @@
           <a:p>
             <a:r>
               <a:rPr lang="de-DE" smtClean="0"/>
-              <a:t>21.01.2012</a:t>
+              <a:t>24.01.2012</a:t>
             </a:r>
             <a:endParaRPr lang="de-DE" dirty="0"/>
           </a:p>
@@ -5420,6 +6393,13 @@
   <p:clrMapOvr>
     <a:masterClrMapping/>
   </p:clrMapOvr>
+  <p:timing>
+    <p:tnLst>
+      <p:par>
+        <p:cTn id="1" dur="indefinite" restart="never" nodeType="tmRoot"/>
+      </p:par>
+    </p:tnLst>
+  </p:timing>
 </p:sld>
 </file>
 
@@ -5476,66 +6456,24 @@
         <p:spPr/>
         <p:txBody>
           <a:bodyPr>
-            <a:normAutofit fontScale="92500" lnSpcReduction="10000"/>
+            <a:normAutofit fontScale="70000" lnSpcReduction="20000"/>
           </a:bodyPr>
           <a:lstStyle/>
           <a:p>
             <a:r>
-              <a:rPr lang="de-DE" dirty="0" smtClean="0"/>
-              <a:t>Anzeige von Abschlüssen, Kursen und Details</a:t>
-            </a:r>
-          </a:p>
-          <a:p>
-            <a:r>
-              <a:rPr lang="de-DE" dirty="0" smtClean="0"/>
-              <a:t>Such und Filterfunktion</a:t>
-            </a:r>
-          </a:p>
-          <a:p>
-            <a:r>
-              <a:rPr lang="de-DE" dirty="0" smtClean="0"/>
-              <a:t>Smartphone und </a:t>
-            </a:r>
+              <a:rPr lang="de-DE" b="1" dirty="0" err="1" smtClean="0"/>
+              <a:t>Planed</a:t>
+            </a:r>
+            <a:r>
+              <a:rPr lang="de-DE" b="1" dirty="0" smtClean="0"/>
+              <a:t> Features:</a:t>
+            </a:r>
+          </a:p>
+          <a:p>
+            <a:pPr lvl="1"/>
             <a:r>
               <a:rPr lang="de-DE" dirty="0" err="1" smtClean="0"/>
-              <a:t>Tablet</a:t>
-            </a:r>
-            <a:r>
-              <a:rPr lang="de-DE" dirty="0" smtClean="0"/>
-              <a:t> Modus</a:t>
-            </a:r>
-          </a:p>
-          <a:p>
-            <a:r>
-              <a:rPr lang="de-DE" dirty="0" smtClean="0"/>
-              <a:t>Zeitlicher Aufwand mehr als erwartet</a:t>
-            </a:r>
-          </a:p>
-          <a:p>
-            <a:r>
-              <a:rPr lang="de-DE" dirty="0" smtClean="0"/>
-              <a:t>Aufteilung etwa 50/50</a:t>
-            </a:r>
-          </a:p>
-          <a:p>
-            <a:r>
-              <a:rPr lang="de-DE" dirty="0" smtClean="0"/>
-              <a:t>Manuel: mehr </a:t>
-            </a:r>
-            <a:r>
-              <a:rPr lang="de-DE" dirty="0" err="1" smtClean="0"/>
-              <a:t>serververbindung</a:t>
-            </a:r>
-            <a:endParaRPr lang="de-DE" dirty="0" smtClean="0"/>
-          </a:p>
-          <a:p>
-            <a:r>
-              <a:rPr lang="de-DE" dirty="0" smtClean="0"/>
-              <a:t>Andreas: mehr </a:t>
-            </a:r>
-            <a:r>
-              <a:rPr lang="de-DE" dirty="0" err="1" smtClean="0"/>
-              <a:t>app</a:t>
+              <a:t>Our</a:t>
             </a:r>
             <a:r>
               <a:rPr lang="de-DE" dirty="0" smtClean="0"/>
@@ -5543,18 +6481,361 @@
             </a:r>
             <a:r>
               <a:rPr lang="de-DE" dirty="0" err="1" smtClean="0"/>
-              <a:t>strukturen</a:t>
-            </a:r>
+              <a:t>App</a:t>
+            </a:r>
+            <a:r>
+              <a:rPr lang="de-DE" dirty="0" smtClean="0"/>
+              <a:t> </a:t>
+            </a:r>
+            <a:r>
+              <a:rPr lang="de-DE" dirty="0" err="1" smtClean="0"/>
+              <a:t>can</a:t>
+            </a:r>
+            <a:r>
+              <a:rPr lang="de-DE" dirty="0" smtClean="0"/>
+              <a:t> </a:t>
+            </a:r>
+            <a:r>
+              <a:rPr lang="de-DE" dirty="0" err="1" smtClean="0"/>
+              <a:t>show</a:t>
+            </a:r>
+            <a:r>
+              <a:rPr lang="de-DE" dirty="0" smtClean="0"/>
+              <a:t> </a:t>
+            </a:r>
+            <a:r>
+              <a:rPr lang="de-DE" dirty="0" err="1" smtClean="0"/>
+              <a:t>your</a:t>
+            </a:r>
+            <a:r>
+              <a:rPr lang="de-DE" dirty="0" smtClean="0"/>
+              <a:t> </a:t>
+            </a:r>
+            <a:r>
+              <a:rPr lang="de-DE" dirty="0" err="1" smtClean="0"/>
+              <a:t>degrees</a:t>
+            </a:r>
+            <a:r>
+              <a:rPr lang="de-DE" dirty="0" smtClean="0"/>
+              <a:t> </a:t>
+            </a:r>
+            <a:r>
+              <a:rPr lang="de-DE" dirty="0" err="1" smtClean="0"/>
+              <a:t>and</a:t>
+            </a:r>
+            <a:r>
+              <a:rPr lang="de-DE" dirty="0" smtClean="0"/>
+              <a:t> grades. </a:t>
+            </a:r>
+            <a:r>
+              <a:rPr lang="de-DE" dirty="0" err="1" smtClean="0"/>
+              <a:t>Searching</a:t>
+            </a:r>
+            <a:r>
+              <a:rPr lang="de-DE" dirty="0" smtClean="0"/>
+              <a:t> </a:t>
+            </a:r>
+            <a:r>
+              <a:rPr lang="de-DE" dirty="0" err="1" smtClean="0"/>
+              <a:t>and</a:t>
+            </a:r>
+            <a:r>
+              <a:rPr lang="de-DE" dirty="0" smtClean="0"/>
+              <a:t> </a:t>
+            </a:r>
+            <a:r>
+              <a:rPr lang="de-DE" dirty="0" err="1" smtClean="0"/>
+              <a:t>filtering</a:t>
+            </a:r>
+            <a:r>
+              <a:rPr lang="de-DE" dirty="0" smtClean="0"/>
+              <a:t> </a:t>
+            </a:r>
+            <a:r>
+              <a:rPr lang="de-DE" dirty="0" err="1" smtClean="0"/>
+              <a:t>of</a:t>
+            </a:r>
+            <a:r>
+              <a:rPr lang="de-DE" dirty="0" smtClean="0"/>
+              <a:t> grades </a:t>
+            </a:r>
+            <a:r>
+              <a:rPr lang="de-DE" dirty="0" err="1" smtClean="0"/>
+              <a:t>is</a:t>
+            </a:r>
+            <a:r>
+              <a:rPr lang="de-DE" dirty="0" smtClean="0"/>
+              <a:t> also </a:t>
+            </a:r>
+            <a:r>
+              <a:rPr lang="de-DE" dirty="0" err="1" smtClean="0"/>
+              <a:t>possible</a:t>
+            </a:r>
+            <a:r>
+              <a:rPr lang="de-DE" dirty="0" smtClean="0"/>
+              <a:t>.</a:t>
+            </a:r>
+          </a:p>
+          <a:p>
+            <a:pPr lvl="1"/>
             <a:endParaRPr lang="de-DE" dirty="0" smtClean="0"/>
           </a:p>
           <a:p>
+            <a:r>
+              <a:rPr lang="de-DE" b="1" dirty="0" smtClean="0"/>
+              <a:t>Additional Features:</a:t>
+            </a:r>
+          </a:p>
+          <a:p>
+            <a:pPr lvl="1"/>
+            <a:r>
+              <a:rPr lang="de-DE" dirty="0" smtClean="0"/>
+              <a:t>Grade </a:t>
+            </a:r>
+            <a:r>
+              <a:rPr lang="de-DE" dirty="0" err="1" smtClean="0"/>
+              <a:t>details</a:t>
+            </a:r>
+            <a:r>
+              <a:rPr lang="de-DE" dirty="0" smtClean="0"/>
+              <a:t>, Share grades, Different </a:t>
+            </a:r>
+            <a:r>
+              <a:rPr lang="de-DE" dirty="0" err="1" smtClean="0"/>
+              <a:t>layout</a:t>
+            </a:r>
+            <a:r>
+              <a:rPr lang="de-DE" dirty="0" smtClean="0"/>
+              <a:t> </a:t>
+            </a:r>
+            <a:r>
+              <a:rPr lang="de-DE" dirty="0" err="1" smtClean="0"/>
+              <a:t>for</a:t>
+            </a:r>
+            <a:r>
+              <a:rPr lang="de-DE" dirty="0" smtClean="0"/>
+              <a:t> </a:t>
+            </a:r>
+            <a:r>
+              <a:rPr lang="de-DE" dirty="0" err="1" smtClean="0"/>
+              <a:t>Smartphones</a:t>
+            </a:r>
+            <a:r>
+              <a:rPr lang="de-DE" dirty="0" smtClean="0"/>
+              <a:t> </a:t>
+            </a:r>
+            <a:r>
+              <a:rPr lang="de-DE" dirty="0" err="1" smtClean="0"/>
+              <a:t>and</a:t>
+            </a:r>
+            <a:r>
+              <a:rPr lang="de-DE" dirty="0" smtClean="0"/>
+              <a:t> </a:t>
+            </a:r>
+            <a:r>
+              <a:rPr lang="de-DE" dirty="0" err="1" smtClean="0"/>
+              <a:t>Tablets</a:t>
+            </a:r>
+            <a:endParaRPr lang="de-DE" dirty="0" smtClean="0"/>
+          </a:p>
+          <a:p>
+            <a:endParaRPr lang="de-DE" dirty="0" smtClean="0"/>
+          </a:p>
+          <a:p>
+            <a:r>
+              <a:rPr lang="de-DE" dirty="0" err="1" smtClean="0"/>
+              <a:t>Invested</a:t>
+            </a:r>
+            <a:r>
+              <a:rPr lang="de-DE" dirty="0" smtClean="0"/>
+              <a:t> </a:t>
+            </a:r>
+            <a:r>
+              <a:rPr lang="de-DE" dirty="0" err="1" smtClean="0"/>
+              <a:t>more</a:t>
+            </a:r>
+            <a:r>
+              <a:rPr lang="de-DE" dirty="0" smtClean="0"/>
+              <a:t> time </a:t>
+            </a:r>
+            <a:r>
+              <a:rPr lang="de-DE" dirty="0" err="1" smtClean="0"/>
+              <a:t>than</a:t>
+            </a:r>
+            <a:r>
+              <a:rPr lang="de-DE" dirty="0" smtClean="0"/>
+              <a:t> </a:t>
+            </a:r>
+            <a:r>
+              <a:rPr lang="de-DE" dirty="0" err="1" smtClean="0"/>
+              <a:t>intended</a:t>
+            </a:r>
+            <a:r>
+              <a:rPr lang="de-DE" dirty="0" smtClean="0"/>
+              <a:t> </a:t>
+            </a:r>
+            <a:r>
+              <a:rPr lang="de-DE" dirty="0" smtClean="0">
+                <a:sym typeface="Wingdings" pitchFamily="2" charset="2"/>
+              </a:rPr>
+              <a:t></a:t>
+            </a:r>
+            <a:endParaRPr lang="de-DE" dirty="0" smtClean="0"/>
+          </a:p>
+          <a:p>
+            <a:r>
+              <a:rPr lang="de-DE" dirty="0" err="1" smtClean="0"/>
+              <a:t>Workload</a:t>
+            </a:r>
+            <a:r>
+              <a:rPr lang="de-DE" dirty="0" smtClean="0"/>
+              <a:t> </a:t>
+            </a:r>
+            <a:r>
+              <a:rPr lang="de-DE" dirty="0" err="1" smtClean="0"/>
+              <a:t>split</a:t>
+            </a:r>
+            <a:r>
+              <a:rPr lang="de-DE" dirty="0" smtClean="0"/>
+              <a:t>: </a:t>
+            </a:r>
+            <a:r>
+              <a:rPr lang="de-DE" dirty="0" err="1" smtClean="0"/>
+              <a:t>near</a:t>
+            </a:r>
+            <a:r>
+              <a:rPr lang="de-DE" dirty="0" smtClean="0"/>
+              <a:t> </a:t>
+            </a:r>
+            <a:r>
+              <a:rPr lang="de-DE" dirty="0" smtClean="0"/>
+              <a:t>50/50</a:t>
+            </a:r>
+            <a:endParaRPr lang="de-DE" dirty="0" smtClean="0"/>
+          </a:p>
+          <a:p>
+            <a:pPr lvl="1"/>
+            <a:r>
+              <a:rPr lang="de-DE" dirty="0" smtClean="0"/>
+              <a:t>Manuel: </a:t>
+            </a:r>
+            <a:r>
+              <a:rPr lang="de-DE" dirty="0" smtClean="0"/>
+              <a:t>More QIS-Server backend</a:t>
+            </a:r>
+            <a:endParaRPr lang="de-DE" dirty="0" smtClean="0"/>
+          </a:p>
+          <a:p>
+            <a:pPr lvl="1"/>
+            <a:r>
+              <a:rPr lang="de-DE" dirty="0" smtClean="0"/>
+              <a:t>Andreas: </a:t>
+            </a:r>
+            <a:r>
+              <a:rPr lang="de-DE" dirty="0" smtClean="0"/>
+              <a:t>More </a:t>
+            </a:r>
             <a:r>
               <a:rPr lang="de-DE" dirty="0" err="1" smtClean="0"/>
               <a:t>App</a:t>
             </a:r>
             <a:r>
               <a:rPr lang="de-DE" dirty="0" smtClean="0"/>
-              <a:t> könnte besser sein wenn Terminal eine API und somit genauere Ergebnisse zulassen würde</a:t>
+              <a:t> </a:t>
+            </a:r>
+            <a:r>
+              <a:rPr lang="de-DE" dirty="0" err="1" smtClean="0"/>
+              <a:t>and</a:t>
+            </a:r>
+            <a:r>
+              <a:rPr lang="de-DE" dirty="0" smtClean="0"/>
+              <a:t> GUI</a:t>
+            </a:r>
+            <a:endParaRPr lang="de-DE" dirty="0" smtClean="0"/>
+          </a:p>
+          <a:p>
+            <a:endParaRPr lang="de-DE" dirty="0" smtClean="0"/>
+          </a:p>
+          <a:p>
+            <a:r>
+              <a:rPr lang="de-DE" dirty="0" err="1" smtClean="0"/>
+              <a:t>App</a:t>
+            </a:r>
+            <a:r>
+              <a:rPr lang="de-DE" dirty="0" smtClean="0"/>
+              <a:t> </a:t>
+            </a:r>
+            <a:r>
+              <a:rPr lang="de-DE" dirty="0" err="1" smtClean="0"/>
+              <a:t>could</a:t>
+            </a:r>
+            <a:r>
+              <a:rPr lang="de-DE" dirty="0" smtClean="0"/>
+              <a:t> </a:t>
+            </a:r>
+            <a:r>
+              <a:rPr lang="de-DE" dirty="0" err="1" smtClean="0"/>
+              <a:t>be</a:t>
+            </a:r>
+            <a:r>
+              <a:rPr lang="de-DE" dirty="0" smtClean="0"/>
+              <a:t> </a:t>
+            </a:r>
+            <a:r>
+              <a:rPr lang="de-DE" dirty="0" err="1" smtClean="0"/>
+              <a:t>improved</a:t>
+            </a:r>
+            <a:r>
+              <a:rPr lang="de-DE" dirty="0" smtClean="0"/>
+              <a:t> </a:t>
+            </a:r>
+            <a:r>
+              <a:rPr lang="de-DE" dirty="0" err="1" smtClean="0"/>
+              <a:t>with</a:t>
+            </a:r>
+            <a:r>
+              <a:rPr lang="de-DE" dirty="0" smtClean="0"/>
+              <a:t> </a:t>
+            </a:r>
+            <a:r>
+              <a:rPr lang="de-DE" dirty="0" err="1" smtClean="0"/>
+              <a:t>more</a:t>
+            </a:r>
+            <a:r>
+              <a:rPr lang="de-DE" dirty="0" smtClean="0"/>
+              <a:t> </a:t>
+            </a:r>
+            <a:r>
+              <a:rPr lang="de-DE" dirty="0" err="1" smtClean="0"/>
+              <a:t>reliable</a:t>
+            </a:r>
+            <a:r>
+              <a:rPr lang="de-DE" dirty="0" smtClean="0"/>
+              <a:t> </a:t>
+            </a:r>
+            <a:r>
+              <a:rPr lang="de-DE" dirty="0" err="1" smtClean="0"/>
+              <a:t>data</a:t>
+            </a:r>
+            <a:r>
+              <a:rPr lang="de-DE" dirty="0" smtClean="0"/>
+              <a:t> </a:t>
+            </a:r>
+            <a:r>
+              <a:rPr lang="de-DE" dirty="0" err="1" smtClean="0"/>
+              <a:t>or</a:t>
+            </a:r>
+            <a:r>
+              <a:rPr lang="de-DE" dirty="0" smtClean="0"/>
+              <a:t> an </a:t>
+            </a:r>
+            <a:r>
+              <a:rPr lang="de-DE" dirty="0" err="1" smtClean="0"/>
+              <a:t>special</a:t>
+            </a:r>
+            <a:r>
+              <a:rPr lang="de-DE" dirty="0" smtClean="0"/>
+              <a:t> API</a:t>
             </a:r>
             <a:endParaRPr lang="de-DE" dirty="0"/>
           </a:p>
@@ -5577,7 +6858,7 @@
           <a:p>
             <a:r>
               <a:rPr lang="de-DE" smtClean="0"/>
-              <a:t>21.01.2012</a:t>
+              <a:t>24.01.2012</a:t>
             </a:r>
             <a:endParaRPr lang="de-DE" dirty="0"/>
           </a:p>
@@ -5635,6 +6916,13 @@
   <p:clrMapOvr>
     <a:masterClrMapping/>
   </p:clrMapOvr>
+  <p:timing>
+    <p:tnLst>
+      <p:par>
+        <p:cTn id="1" dur="indefinite" restart="never" nodeType="tmRoot"/>
+      </p:par>
+    </p:tnLst>
+  </p:timing>
 </p:sld>
 </file>
 
@@ -5721,38 +7009,7 @@
               <a:rPr lang="de-DE" dirty="0" smtClean="0"/>
               <a:t>?</a:t>
             </a:r>
-          </a:p>
-          <a:p>
             <a:endParaRPr lang="de-DE" dirty="0" smtClean="0"/>
-          </a:p>
-          <a:p>
-            <a:r>
-              <a:rPr lang="de-DE" dirty="0" smtClean="0"/>
-              <a:t>Link </a:t>
-            </a:r>
-            <a:r>
-              <a:rPr lang="de-DE" dirty="0" err="1" smtClean="0"/>
-              <a:t>to</a:t>
-            </a:r>
-            <a:r>
-              <a:rPr lang="de-DE" dirty="0" smtClean="0"/>
-              <a:t> </a:t>
-            </a:r>
-            <a:r>
-              <a:rPr lang="de-DE" dirty="0" err="1" smtClean="0"/>
-              <a:t>the</a:t>
-            </a:r>
-            <a:r>
-              <a:rPr lang="de-DE" dirty="0" smtClean="0"/>
-              <a:t> APK: </a:t>
-            </a:r>
-            <a:r>
-              <a:rPr lang="de-DE" dirty="0" smtClean="0">
-                <a:hlinkClick r:id="rId2"/>
-              </a:rPr>
-              <a:t>http://goo.gl/12345</a:t>
-            </a:r>
-            <a:endParaRPr lang="de-DE" dirty="0"/>
           </a:p>
         </p:txBody>
       </p:sp>
@@ -5821,14 +7078,54 @@
             <p:ph idx="1"/>
           </p:nvPr>
         </p:nvSpPr>
-        <p:spPr/>
+        <p:spPr>
+          <a:xfrm>
+            <a:off x="179512" y="1196752"/>
+            <a:ext cx="8229600" cy="676672"/>
+          </a:xfrm>
+        </p:spPr>
         <p:txBody>
           <a:bodyPr/>
           <a:lstStyle/>
           <a:p>
+            <a:pPr>
+              <a:buNone/>
+            </a:pPr>
             <a:r>
               <a:rPr lang="de-DE" dirty="0" smtClean="0"/>
-              <a:t>Einleitung (Was wollen Sie machen?)</a:t>
+              <a:t>UI </a:t>
+            </a:r>
+            <a:r>
+              <a:rPr lang="de-DE" dirty="0" err="1" smtClean="0"/>
+              <a:t>sketch</a:t>
+            </a:r>
+            <a:r>
+              <a:rPr lang="de-DE" dirty="0" smtClean="0"/>
+              <a:t> </a:t>
+            </a:r>
+            <a:r>
+              <a:rPr lang="de-DE" dirty="0" err="1" smtClean="0"/>
+              <a:t>of</a:t>
+            </a:r>
+            <a:r>
+              <a:rPr lang="de-DE" dirty="0" smtClean="0"/>
+              <a:t> </a:t>
+            </a:r>
+            <a:r>
+              <a:rPr lang="de-DE" dirty="0" err="1" smtClean="0"/>
+              <a:t>our</a:t>
+            </a:r>
+            <a:r>
+              <a:rPr lang="de-DE" dirty="0" smtClean="0"/>
+              <a:t> </a:t>
+            </a:r>
+            <a:r>
+              <a:rPr lang="de-DE" dirty="0" err="1" smtClean="0"/>
+              <a:t>proposal</a:t>
+            </a:r>
+            <a:r>
+              <a:rPr lang="de-DE" dirty="0" smtClean="0"/>
+              <a:t>:</a:t>
             </a:r>
             <a:endParaRPr lang="de-DE" dirty="0"/>
           </a:p>
@@ -5851,7 +7148,7 @@
           <a:p>
             <a:r>
               <a:rPr lang="de-DE" smtClean="0"/>
-              <a:t>21.01.2012</a:t>
+              <a:t>24.01.2012</a:t>
             </a:r>
             <a:endParaRPr lang="de-DE" dirty="0"/>
           </a:p>
@@ -5912,7 +7209,7 @@
         </p:nvSpPr>
         <p:spPr>
           <a:xfrm>
-            <a:off x="3203848" y="5013176"/>
+            <a:off x="3203848" y="4365104"/>
             <a:ext cx="2808312" cy="288032"/>
           </a:xfrm>
           <a:prstGeom prst="rect">
@@ -5961,7 +7258,7 @@
         </p:nvSpPr>
         <p:spPr>
           <a:xfrm>
-            <a:off x="3203848" y="4725144"/>
+            <a:off x="3203848" y="4077072"/>
             <a:ext cx="2808312" cy="288032"/>
           </a:xfrm>
           <a:prstGeom prst="rect">
@@ -6010,7 +7307,7 @@
         </p:nvSpPr>
         <p:spPr>
           <a:xfrm>
-            <a:off x="3203848" y="4149080"/>
+            <a:off x="3203848" y="3501008"/>
             <a:ext cx="2808312" cy="288032"/>
           </a:xfrm>
           <a:prstGeom prst="rect">
@@ -6059,7 +7356,7 @@
         </p:nvCxnSpPr>
         <p:spPr>
           <a:xfrm>
-            <a:off x="251520" y="3861048"/>
+            <a:off x="251520" y="3212976"/>
             <a:ext cx="2808312" cy="0"/>
           </a:xfrm>
           <a:prstGeom prst="line">
@@ -6096,7 +7393,7 @@
         </p:nvCxnSpPr>
         <p:spPr>
           <a:xfrm>
-            <a:off x="251520" y="4149080"/>
+            <a:off x="251520" y="3501008"/>
             <a:ext cx="2808312" cy="0"/>
           </a:xfrm>
           <a:prstGeom prst="line">
@@ -6133,7 +7430,7 @@
         </p:nvSpPr>
         <p:spPr>
           <a:xfrm>
-            <a:off x="3203848" y="3573016"/>
+            <a:off x="3203848" y="2924944"/>
             <a:ext cx="2808312" cy="288032"/>
           </a:xfrm>
           <a:prstGeom prst="rect">
@@ -6182,7 +7479,7 @@
         </p:nvCxnSpPr>
         <p:spPr>
           <a:xfrm>
-            <a:off x="3203848" y="4149080"/>
+            <a:off x="3203848" y="3501008"/>
             <a:ext cx="2808312" cy="0"/>
           </a:xfrm>
           <a:prstGeom prst="line">
@@ -6219,7 +7516,7 @@
         </p:nvCxnSpPr>
         <p:spPr>
           <a:xfrm>
-            <a:off x="3203848" y="4437112"/>
+            <a:off x="3203848" y="3789040"/>
             <a:ext cx="2808312" cy="0"/>
           </a:xfrm>
           <a:prstGeom prst="line">
@@ -6256,7 +7553,7 @@
         </p:nvCxnSpPr>
         <p:spPr>
           <a:xfrm>
-            <a:off x="3203848" y="4725144"/>
+            <a:off x="3203848" y="4077072"/>
             <a:ext cx="2808312" cy="0"/>
           </a:xfrm>
           <a:prstGeom prst="line">
@@ -6293,7 +7590,7 @@
         </p:nvCxnSpPr>
         <p:spPr>
           <a:xfrm>
-            <a:off x="3203848" y="5013176"/>
+            <a:off x="3203848" y="4365104"/>
             <a:ext cx="2808312" cy="0"/>
           </a:xfrm>
           <a:prstGeom prst="line">
@@ -6330,7 +7627,7 @@
         </p:nvCxnSpPr>
         <p:spPr>
           <a:xfrm>
-            <a:off x="3203848" y="5301208"/>
+            <a:off x="3203848" y="4653136"/>
             <a:ext cx="2808312" cy="0"/>
           </a:xfrm>
           <a:prstGeom prst="line">
@@ -6367,7 +7664,7 @@
         </p:nvCxnSpPr>
         <p:spPr>
           <a:xfrm>
-            <a:off x="3203848" y="3861048"/>
+            <a:off x="3203848" y="3212976"/>
             <a:ext cx="2808312" cy="0"/>
           </a:xfrm>
           <a:prstGeom prst="line">
@@ -6404,7 +7701,7 @@
         </p:nvSpPr>
         <p:spPr>
           <a:xfrm>
-            <a:off x="251520" y="3284984"/>
+            <a:off x="251520" y="2636912"/>
             <a:ext cx="2808312" cy="288032"/>
           </a:xfrm>
           <a:prstGeom prst="rect">
@@ -6453,7 +7750,7 @@
         </p:nvSpPr>
         <p:spPr>
           <a:xfrm>
-            <a:off x="251520" y="2924944"/>
+            <a:off x="251520" y="2276872"/>
             <a:ext cx="2808312" cy="360040"/>
           </a:xfrm>
           <a:prstGeom prst="rect">
@@ -6502,7 +7799,7 @@
         </p:nvSpPr>
         <p:spPr>
           <a:xfrm>
-            <a:off x="251520" y="2924944"/>
+            <a:off x="251520" y="2276872"/>
             <a:ext cx="2808312" cy="3168352"/>
           </a:xfrm>
           <a:prstGeom prst="rect">
@@ -6557,7 +7854,7 @@
         </p:blipFill>
         <p:spPr bwMode="auto">
           <a:xfrm>
-            <a:off x="323528" y="2996952"/>
+            <a:off x="323528" y="2348880"/>
             <a:ext cx="864096" cy="231096"/>
           </a:xfrm>
           <a:prstGeom prst="rect">
@@ -6574,7 +7871,7 @@
         </p:nvGrpSpPr>
         <p:grpSpPr>
           <a:xfrm>
-            <a:off x="2874859" y="3344706"/>
+            <a:off x="2874859" y="2696634"/>
             <a:ext cx="45719" cy="175350"/>
             <a:chOff x="3419872" y="930248"/>
             <a:chExt cx="45719" cy="175350"/>
@@ -6736,7 +8033,7 @@
         </p:nvSpPr>
         <p:spPr>
           <a:xfrm>
-            <a:off x="2574085" y="3337444"/>
+            <a:off x="2574085" y="2689372"/>
             <a:ext cx="178667" cy="182612"/>
           </a:xfrm>
           <a:prstGeom prst="circularArrow">
@@ -6795,7 +8092,7 @@
         </p:nvCxnSpPr>
         <p:spPr>
           <a:xfrm>
-            <a:off x="2771800" y="3321277"/>
+            <a:off x="2771800" y="2673205"/>
             <a:ext cx="0" cy="216024"/>
           </a:xfrm>
           <a:prstGeom prst="line">
@@ -6832,7 +8129,7 @@
         </p:nvCxnSpPr>
         <p:spPr>
           <a:xfrm>
-            <a:off x="2555776" y="3323658"/>
+            <a:off x="2555776" y="2675586"/>
             <a:ext cx="0" cy="216024"/>
           </a:xfrm>
           <a:prstGeom prst="line">
@@ -6869,7 +8166,7 @@
         </p:nvSpPr>
         <p:spPr>
           <a:xfrm>
-            <a:off x="253190" y="3573016"/>
+            <a:off x="253190" y="2924944"/>
             <a:ext cx="1173719" cy="338554"/>
           </a:xfrm>
           <a:prstGeom prst="rect">
@@ -6899,7 +8196,7 @@
         </p:nvSpPr>
         <p:spPr>
           <a:xfrm>
-            <a:off x="251520" y="3861048"/>
+            <a:off x="251520" y="3212976"/>
             <a:ext cx="1031373" cy="338554"/>
           </a:xfrm>
           <a:prstGeom prst="rect">
@@ -6929,7 +8226,7 @@
         </p:nvSpPr>
         <p:spPr>
           <a:xfrm rot="5400000">
-            <a:off x="2807804" y="3681028"/>
+            <a:off x="2807804" y="3032956"/>
             <a:ext cx="144016" cy="72008"/>
           </a:xfrm>
           <a:prstGeom prst="triangle">
@@ -6977,7 +8274,7 @@
         </p:nvSpPr>
         <p:spPr>
           <a:xfrm rot="5400000">
-            <a:off x="2807804" y="3969060"/>
+            <a:off x="2807804" y="3320988"/>
             <a:ext cx="144016" cy="72008"/>
           </a:xfrm>
           <a:prstGeom prst="triangle">
@@ -7025,7 +8322,7 @@
         </p:nvSpPr>
         <p:spPr>
           <a:xfrm>
-            <a:off x="3203848" y="3284984"/>
+            <a:off x="3203848" y="2636912"/>
             <a:ext cx="2808312" cy="288032"/>
           </a:xfrm>
           <a:prstGeom prst="rect">
@@ -7074,7 +8371,7 @@
         </p:nvSpPr>
         <p:spPr>
           <a:xfrm>
-            <a:off x="3203848" y="2924944"/>
+            <a:off x="3203848" y="2276872"/>
             <a:ext cx="2808312" cy="360040"/>
           </a:xfrm>
           <a:prstGeom prst="rect">
@@ -7123,7 +8420,7 @@
         </p:nvSpPr>
         <p:spPr>
           <a:xfrm>
-            <a:off x="3203848" y="2924944"/>
+            <a:off x="3203848" y="2276872"/>
             <a:ext cx="2808312" cy="3168352"/>
           </a:xfrm>
           <a:prstGeom prst="rect">
@@ -7178,7 +8475,7 @@
         </p:blipFill>
         <p:spPr bwMode="auto">
           <a:xfrm>
-            <a:off x="3275856" y="2996952"/>
+            <a:off x="3275856" y="2348880"/>
             <a:ext cx="864096" cy="231096"/>
           </a:xfrm>
           <a:prstGeom prst="rect">
@@ -7195,7 +8492,7 @@
         </p:nvGrpSpPr>
         <p:grpSpPr>
           <a:xfrm>
-            <a:off x="5827187" y="3344706"/>
+            <a:off x="5827187" y="2696634"/>
             <a:ext cx="45719" cy="175350"/>
             <a:chOff x="3419872" y="930248"/>
             <a:chExt cx="45719" cy="175350"/>
@@ -7357,7 +8654,7 @@
         </p:nvSpPr>
         <p:spPr>
           <a:xfrm>
-            <a:off x="5526413" y="3337444"/>
+            <a:off x="5526413" y="2689372"/>
             <a:ext cx="178667" cy="182612"/>
           </a:xfrm>
           <a:prstGeom prst="circularArrow">
@@ -7416,7 +8713,7 @@
         </p:nvCxnSpPr>
         <p:spPr>
           <a:xfrm>
-            <a:off x="5724128" y="3321277"/>
+            <a:off x="5724128" y="2673205"/>
             <a:ext cx="0" cy="216024"/>
           </a:xfrm>
           <a:prstGeom prst="line">
@@ -7453,7 +8750,7 @@
         </p:nvCxnSpPr>
         <p:spPr>
           <a:xfrm>
-            <a:off x="5508104" y="3323658"/>
+            <a:off x="5508104" y="2675586"/>
             <a:ext cx="0" cy="216024"/>
           </a:xfrm>
           <a:prstGeom prst="line">
@@ -7490,7 +8787,7 @@
         </p:nvSpPr>
         <p:spPr>
           <a:xfrm>
-            <a:off x="3205518" y="3573016"/>
+            <a:off x="3205518" y="2924944"/>
             <a:ext cx="1352614" cy="338554"/>
           </a:xfrm>
           <a:prstGeom prst="rect">
@@ -7520,7 +8817,7 @@
         </p:nvSpPr>
         <p:spPr>
           <a:xfrm>
-            <a:off x="3203848" y="3861048"/>
+            <a:off x="3203848" y="3212976"/>
             <a:ext cx="1618713" cy="338554"/>
           </a:xfrm>
           <a:prstGeom prst="rect">
@@ -7550,7 +8847,7 @@
         </p:nvSpPr>
         <p:spPr>
           <a:xfrm>
-            <a:off x="3203848" y="4149080"/>
+            <a:off x="3203848" y="3501008"/>
             <a:ext cx="1321324" cy="338554"/>
           </a:xfrm>
           <a:prstGeom prst="rect">
@@ -7580,7 +8877,7 @@
         </p:nvSpPr>
         <p:spPr>
           <a:xfrm>
-            <a:off x="3203848" y="4437112"/>
+            <a:off x="3203848" y="3789040"/>
             <a:ext cx="1587422" cy="338554"/>
           </a:xfrm>
           <a:prstGeom prst="rect">
@@ -7610,7 +8907,7 @@
         </p:nvSpPr>
         <p:spPr>
           <a:xfrm>
-            <a:off x="3203848" y="4725144"/>
+            <a:off x="3203848" y="4077072"/>
             <a:ext cx="2100447" cy="338554"/>
           </a:xfrm>
           <a:prstGeom prst="rect">
@@ -7640,7 +8937,7 @@
         </p:nvSpPr>
         <p:spPr>
           <a:xfrm>
-            <a:off x="3203848" y="5013176"/>
+            <a:off x="3203848" y="4365104"/>
             <a:ext cx="1713098" cy="338554"/>
           </a:xfrm>
           <a:prstGeom prst="rect">
@@ -7670,7 +8967,7 @@
         </p:nvSpPr>
         <p:spPr>
           <a:xfrm>
-            <a:off x="5437766" y="3573016"/>
+            <a:off x="5437766" y="2924944"/>
             <a:ext cx="444352" cy="338554"/>
           </a:xfrm>
           <a:prstGeom prst="rect">
@@ -7700,7 +8997,7 @@
         </p:nvSpPr>
         <p:spPr>
           <a:xfrm>
-            <a:off x="5436096" y="3861048"/>
+            <a:off x="5436096" y="3212976"/>
             <a:ext cx="592726" cy="338554"/>
           </a:xfrm>
           <a:prstGeom prst="rect">
@@ -7752,7 +9049,7 @@
         </p:nvSpPr>
         <p:spPr>
           <a:xfrm>
-            <a:off x="5436096" y="4149080"/>
+            <a:off x="5436096" y="3501008"/>
             <a:ext cx="444352" cy="338554"/>
           </a:xfrm>
           <a:prstGeom prst="rect">
@@ -7782,7 +9079,7 @@
         </p:nvSpPr>
         <p:spPr>
           <a:xfrm>
-            <a:off x="5436096" y="4437112"/>
+            <a:off x="5436096" y="3789040"/>
             <a:ext cx="592726" cy="338554"/>
           </a:xfrm>
           <a:prstGeom prst="rect">
@@ -7834,7 +9131,7 @@
         </p:nvSpPr>
         <p:spPr>
           <a:xfrm>
-            <a:off x="5436096" y="4725144"/>
+            <a:off x="5436096" y="4077072"/>
             <a:ext cx="444352" cy="338554"/>
           </a:xfrm>
           <a:prstGeom prst="rect">
@@ -7864,7 +9161,7 @@
         </p:nvSpPr>
         <p:spPr>
           <a:xfrm>
-            <a:off x="5436096" y="5013176"/>
+            <a:off x="5436096" y="4365104"/>
             <a:ext cx="444352" cy="338554"/>
           </a:xfrm>
           <a:prstGeom prst="rect">
@@ -7894,7 +9191,7 @@
         </p:nvCxnSpPr>
         <p:spPr>
           <a:xfrm>
-            <a:off x="3491880" y="3318892"/>
+            <a:off x="3491880" y="2670820"/>
             <a:ext cx="0" cy="216024"/>
           </a:xfrm>
           <a:prstGeom prst="line">
@@ -7931,7 +9228,7 @@
         </p:nvSpPr>
         <p:spPr>
           <a:xfrm rot="16200000" flipH="1">
-            <a:off x="3284302" y="3392996"/>
+            <a:off x="3284302" y="2744924"/>
             <a:ext cx="144016" cy="72008"/>
           </a:xfrm>
           <a:prstGeom prst="triangle">
@@ -7979,7 +9276,7 @@
         </p:nvSpPr>
         <p:spPr>
           <a:xfrm>
-            <a:off x="6156176" y="3284984"/>
+            <a:off x="6156176" y="2636912"/>
             <a:ext cx="2808312" cy="288032"/>
           </a:xfrm>
           <a:prstGeom prst="rect">
@@ -8028,7 +9325,7 @@
         </p:nvSpPr>
         <p:spPr>
           <a:xfrm>
-            <a:off x="6156176" y="2924944"/>
+            <a:off x="6156176" y="2276872"/>
             <a:ext cx="2808312" cy="360040"/>
           </a:xfrm>
           <a:prstGeom prst="rect">
@@ -8077,7 +9374,7 @@
         </p:nvSpPr>
         <p:spPr>
           <a:xfrm>
-            <a:off x="6156176" y="2924944"/>
+            <a:off x="6156176" y="2276872"/>
             <a:ext cx="2808312" cy="3168352"/>
           </a:xfrm>
           <a:prstGeom prst="rect">
@@ -8132,7 +9429,7 @@
         </p:blipFill>
         <p:spPr bwMode="auto">
           <a:xfrm>
-            <a:off x="6228184" y="2996952"/>
+            <a:off x="6228184" y="2348880"/>
             <a:ext cx="864096" cy="231096"/>
           </a:xfrm>
           <a:prstGeom prst="rect">
@@ -8149,7 +9446,7 @@
         </p:nvCxnSpPr>
         <p:spPr>
           <a:xfrm>
-            <a:off x="6444208" y="3318892"/>
+            <a:off x="6444208" y="2670820"/>
             <a:ext cx="0" cy="216024"/>
           </a:xfrm>
           <a:prstGeom prst="line">
@@ -8186,7 +9483,7 @@
         </p:nvSpPr>
         <p:spPr>
           <a:xfrm rot="16200000" flipH="1">
-            <a:off x="6236630" y="3392996"/>
+            <a:off x="6236630" y="2744924"/>
             <a:ext cx="144016" cy="72008"/>
           </a:xfrm>
           <a:prstGeom prst="triangle">
@@ -8234,7 +9531,7 @@
         </p:nvSpPr>
         <p:spPr>
           <a:xfrm>
-            <a:off x="6303756" y="3933056"/>
+            <a:off x="6303756" y="3284984"/>
             <a:ext cx="1872208" cy="288032"/>
           </a:xfrm>
           <a:prstGeom prst="rect">
@@ -8293,7 +9590,7 @@
         </p:nvSpPr>
         <p:spPr>
           <a:xfrm>
-            <a:off x="6303756" y="4941168"/>
+            <a:off x="6303756" y="4293096"/>
             <a:ext cx="1872208" cy="288032"/>
           </a:xfrm>
           <a:prstGeom prst="rect">
@@ -8340,7 +9637,7 @@
         </p:nvSpPr>
         <p:spPr>
           <a:xfrm>
-            <a:off x="6228184" y="3645024"/>
+            <a:off x="6228184" y="2996952"/>
             <a:ext cx="1731756" cy="338554"/>
           </a:xfrm>
           <a:prstGeom prst="rect">
@@ -8370,7 +9667,7 @@
         </p:nvSpPr>
         <p:spPr>
           <a:xfrm>
-            <a:off x="6303756" y="4509120"/>
+            <a:off x="6303756" y="3861048"/>
             <a:ext cx="1872208" cy="288032"/>
           </a:xfrm>
           <a:prstGeom prst="rect">
@@ -8429,7 +9726,7 @@
         </p:nvSpPr>
         <p:spPr>
           <a:xfrm>
-            <a:off x="6228184" y="4221088"/>
+            <a:off x="6228184" y="3573016"/>
             <a:ext cx="1264129" cy="338554"/>
           </a:xfrm>
           <a:prstGeom prst="rect">
@@ -8470,7 +9767,7 @@
         </p:blipFill>
         <p:spPr bwMode="auto">
           <a:xfrm>
-            <a:off x="4605908" y="3325242"/>
+            <a:off x="4605908" y="2677170"/>
             <a:ext cx="216024" cy="216024"/>
           </a:xfrm>
           <a:prstGeom prst="rect">
@@ -8487,7 +9784,7 @@
         </p:nvCxnSpPr>
         <p:spPr>
           <a:xfrm>
-            <a:off x="4860032" y="3320699"/>
+            <a:off x="4860032" y="2672627"/>
             <a:ext cx="0" cy="216024"/>
           </a:xfrm>
           <a:prstGeom prst="line">
@@ -8524,7 +9821,7 @@
         </p:nvSpPr>
         <p:spPr>
           <a:xfrm>
-            <a:off x="4847802" y="3272284"/>
+            <a:off x="4847802" y="2624212"/>
             <a:ext cx="613694" cy="338554"/>
           </a:xfrm>
           <a:prstGeom prst="rect">
@@ -8566,7 +9863,7 @@
         </p:nvSpPr>
         <p:spPr>
           <a:xfrm flipH="1">
-            <a:off x="5394031" y="3448048"/>
+            <a:off x="5394031" y="2799976"/>
             <a:ext cx="64294" cy="62513"/>
           </a:xfrm>
           <a:prstGeom prst="rtTriangle">
@@ -8614,7 +9911,7 @@
         </p:nvCxnSpPr>
         <p:spPr>
           <a:xfrm>
-            <a:off x="4572000" y="3316734"/>
+            <a:off x="4572000" y="2668662"/>
             <a:ext cx="0" cy="216024"/>
           </a:xfrm>
           <a:prstGeom prst="line">
@@ -8645,107 +9942,13 @@
       </p:cxnSp>
       <p:sp>
         <p:nvSpPr>
-          <p:cNvPr id="154" name="Textfeld 153"/>
-          <p:cNvSpPr txBox="1"/>
-          <p:nvPr/>
-        </p:nvSpPr>
-        <p:spPr>
-          <a:xfrm>
-            <a:off x="179512" y="2420888"/>
-            <a:ext cx="1369349" cy="523220"/>
-          </a:xfrm>
-          <a:prstGeom prst="rect">
-            <a:avLst/>
-          </a:prstGeom>
-          <a:noFill/>
-        </p:spPr>
-        <p:txBody>
-          <a:bodyPr wrap="none" rtlCol="0">
-            <a:spAutoFit/>
-          </a:bodyPr>
-          <a:lstStyle/>
-          <a:p>
-            <a:r>
-              <a:rPr lang="de-DE" sz="2800" dirty="0" err="1" smtClean="0"/>
-              <a:t>Degree</a:t>
-            </a:r>
-            <a:r>
-              <a:rPr lang="de-DE" sz="2800" dirty="0" err="1" smtClean="0"/>
-              <a:t>s</a:t>
-            </a:r>
-            <a:endParaRPr lang="de-DE" sz="2800" dirty="0"/>
-          </a:p>
-        </p:txBody>
-      </p:sp>
-      <p:sp>
-        <p:nvSpPr>
-          <p:cNvPr id="155" name="Textfeld 154"/>
-          <p:cNvSpPr txBox="1"/>
-          <p:nvPr/>
-        </p:nvSpPr>
-        <p:spPr>
-          <a:xfrm>
-            <a:off x="3131840" y="2420888"/>
-            <a:ext cx="1208023" cy="523220"/>
-          </a:xfrm>
-          <a:prstGeom prst="rect">
-            <a:avLst/>
-          </a:prstGeom>
-          <a:noFill/>
-        </p:spPr>
-        <p:txBody>
-          <a:bodyPr wrap="none" rtlCol="0">
-            <a:spAutoFit/>
-          </a:bodyPr>
-          <a:lstStyle/>
-          <a:p>
-            <a:r>
-              <a:rPr lang="de-DE" sz="2800" dirty="0" smtClean="0"/>
-              <a:t>Grades</a:t>
-            </a:r>
-            <a:endParaRPr lang="de-DE" sz="2800" dirty="0"/>
-          </a:p>
-        </p:txBody>
-      </p:sp>
-      <p:sp>
-        <p:nvSpPr>
-          <p:cNvPr id="156" name="Textfeld 155"/>
-          <p:cNvSpPr txBox="1"/>
-          <p:nvPr/>
-        </p:nvSpPr>
-        <p:spPr>
-          <a:xfrm>
-            <a:off x="6084168" y="2420888"/>
-            <a:ext cx="1341457" cy="523220"/>
-          </a:xfrm>
-          <a:prstGeom prst="rect">
-            <a:avLst/>
-          </a:prstGeom>
-          <a:noFill/>
-        </p:spPr>
-        <p:txBody>
-          <a:bodyPr wrap="none" rtlCol="0">
-            <a:spAutoFit/>
-          </a:bodyPr>
-          <a:lstStyle/>
-          <a:p>
-            <a:r>
-              <a:rPr lang="de-DE" sz="2800" dirty="0" smtClean="0"/>
-              <a:t>Settings</a:t>
-            </a:r>
-            <a:endParaRPr lang="de-DE" sz="2800" dirty="0"/>
-          </a:p>
-        </p:txBody>
-      </p:sp>
-      <p:sp>
-        <p:nvSpPr>
           <p:cNvPr id="157" name="Ellipse 156"/>
           <p:cNvSpPr/>
           <p:nvPr/>
         </p:nvSpPr>
         <p:spPr>
           <a:xfrm>
-            <a:off x="2411760" y="2924944"/>
+            <a:off x="1979712" y="1844824"/>
             <a:ext cx="288032" cy="288032"/>
           </a:xfrm>
           <a:prstGeom prst="ellipse">
@@ -8803,7 +10006,7 @@
         </p:nvSpPr>
         <p:spPr>
           <a:xfrm>
-            <a:off x="2699792" y="2924944"/>
+            <a:off x="2699792" y="1844824"/>
             <a:ext cx="288032" cy="288032"/>
           </a:xfrm>
           <a:prstGeom prst="ellipse">
@@ -8861,7 +10064,7 @@
         </p:nvSpPr>
         <p:spPr>
           <a:xfrm>
-            <a:off x="1259632" y="3645024"/>
+            <a:off x="755576" y="3645024"/>
             <a:ext cx="288032" cy="288032"/>
           </a:xfrm>
           <a:prstGeom prst="ellipse">
@@ -8914,7 +10117,7 @@
         </p:nvSpPr>
         <p:spPr>
           <a:xfrm>
-            <a:off x="3347864" y="3212976"/>
+            <a:off x="3347864" y="1844824"/>
             <a:ext cx="288032" cy="288032"/>
           </a:xfrm>
           <a:prstGeom prst="ellipse">
@@ -8967,7 +10170,7 @@
         </p:nvSpPr>
         <p:spPr>
           <a:xfrm>
-            <a:off x="4499992" y="2924944"/>
+            <a:off x="4572000" y="1844824"/>
             <a:ext cx="288032" cy="288032"/>
           </a:xfrm>
           <a:prstGeom prst="ellipse">
@@ -9020,7 +10223,7 @@
         </p:nvSpPr>
         <p:spPr>
           <a:xfrm>
-            <a:off x="5004048" y="2924944"/>
+            <a:off x="5076056" y="1844824"/>
             <a:ext cx="288032" cy="288032"/>
           </a:xfrm>
           <a:prstGeom prst="ellipse">
@@ -9078,7 +10281,7 @@
         </p:nvSpPr>
         <p:spPr>
           <a:xfrm>
-            <a:off x="4716016" y="3645024"/>
+            <a:off x="4211960" y="4725144"/>
             <a:ext cx="288032" cy="288032"/>
           </a:xfrm>
           <a:prstGeom prst="ellipse">
@@ -9136,7 +10339,7 @@
         </p:nvSpPr>
         <p:spPr>
           <a:xfrm>
-            <a:off x="8100392" y="5085184"/>
+            <a:off x="8316416" y="4293096"/>
             <a:ext cx="288032" cy="288032"/>
           </a:xfrm>
           <a:prstGeom prst="ellipse">
@@ -9183,6 +10386,290 @@
                 <a:srgbClr val="FF0000"/>
               </a:solidFill>
             </a:endParaRPr>
+          </a:p>
+        </p:txBody>
+      </p:sp>
+      <p:cxnSp>
+        <p:nvCxnSpPr>
+          <p:cNvPr id="166" name="Gerade Verbindung 165"/>
+          <p:cNvCxnSpPr>
+            <a:stCxn id="157" idx="4"/>
+          </p:cNvCxnSpPr>
+          <p:nvPr/>
+        </p:nvCxnSpPr>
+        <p:spPr>
+          <a:xfrm>
+            <a:off x="2123728" y="2132856"/>
+            <a:ext cx="432048" cy="432048"/>
+          </a:xfrm>
+          <a:prstGeom prst="line">
+            <a:avLst/>
+          </a:prstGeom>
+          <a:ln w="25400">
+            <a:solidFill>
+              <a:srgbClr val="FF0000"/>
+            </a:solidFill>
+            <a:tailEnd type="triangle" w="lg" len="lg"/>
+          </a:ln>
+        </p:spPr>
+        <p:style>
+          <a:lnRef idx="1">
+            <a:schemeClr val="accent1"/>
+          </a:lnRef>
+          <a:fillRef idx="0">
+            <a:schemeClr val="accent1"/>
+          </a:fillRef>
+          <a:effectRef idx="0">
+            <a:schemeClr val="accent1"/>
+          </a:effectRef>
+          <a:fontRef idx="minor">
+            <a:schemeClr val="tx1"/>
+          </a:fontRef>
+        </p:style>
+      </p:cxnSp>
+      <p:cxnSp>
+        <p:nvCxnSpPr>
+          <p:cNvPr id="167" name="Gerade Verbindung 166"/>
+          <p:cNvCxnSpPr>
+            <a:stCxn id="158" idx="4"/>
+          </p:cNvCxnSpPr>
+          <p:nvPr/>
+        </p:nvCxnSpPr>
+        <p:spPr>
+          <a:xfrm>
+            <a:off x="2843808" y="2132856"/>
+            <a:ext cx="0" cy="432048"/>
+          </a:xfrm>
+          <a:prstGeom prst="line">
+            <a:avLst/>
+          </a:prstGeom>
+          <a:ln w="25400">
+            <a:solidFill>
+              <a:srgbClr val="FF0000"/>
+            </a:solidFill>
+            <a:tailEnd type="triangle" w="lg" len="lg"/>
+          </a:ln>
+        </p:spPr>
+        <p:style>
+          <a:lnRef idx="1">
+            <a:schemeClr val="accent1"/>
+          </a:lnRef>
+          <a:fillRef idx="0">
+            <a:schemeClr val="accent1"/>
+          </a:fillRef>
+          <a:effectRef idx="0">
+            <a:schemeClr val="accent1"/>
+          </a:effectRef>
+          <a:fontRef idx="minor">
+            <a:schemeClr val="tx1"/>
+          </a:fontRef>
+        </p:style>
+      </p:cxnSp>
+      <p:cxnSp>
+        <p:nvCxnSpPr>
+          <p:cNvPr id="170" name="Gerade Verbindung 169"/>
+          <p:cNvCxnSpPr>
+            <a:stCxn id="160" idx="4"/>
+          </p:cNvCxnSpPr>
+          <p:nvPr/>
+        </p:nvCxnSpPr>
+        <p:spPr>
+          <a:xfrm flipH="1">
+            <a:off x="3347864" y="2132856"/>
+            <a:ext cx="144016" cy="504056"/>
+          </a:xfrm>
+          <a:prstGeom prst="line">
+            <a:avLst/>
+          </a:prstGeom>
+          <a:ln w="25400">
+            <a:solidFill>
+              <a:srgbClr val="FF0000"/>
+            </a:solidFill>
+            <a:tailEnd type="triangle" w="lg" len="lg"/>
+          </a:ln>
+        </p:spPr>
+        <p:style>
+          <a:lnRef idx="1">
+            <a:schemeClr val="accent1"/>
+          </a:lnRef>
+          <a:fillRef idx="0">
+            <a:schemeClr val="accent1"/>
+          </a:fillRef>
+          <a:effectRef idx="0">
+            <a:schemeClr val="accent1"/>
+          </a:effectRef>
+          <a:fontRef idx="minor">
+            <a:schemeClr val="tx1"/>
+          </a:fontRef>
+        </p:style>
+      </p:cxnSp>
+      <p:cxnSp>
+        <p:nvCxnSpPr>
+          <p:cNvPr id="173" name="Gerade Verbindung 172"/>
+          <p:cNvCxnSpPr>
+            <a:stCxn id="161" idx="4"/>
+          </p:cNvCxnSpPr>
+          <p:nvPr/>
+        </p:nvCxnSpPr>
+        <p:spPr>
+          <a:xfrm>
+            <a:off x="4716016" y="2132856"/>
+            <a:ext cx="0" cy="504056"/>
+          </a:xfrm>
+          <a:prstGeom prst="line">
+            <a:avLst/>
+          </a:prstGeom>
+          <a:ln w="25400">
+            <a:solidFill>
+              <a:srgbClr val="FF0000"/>
+            </a:solidFill>
+            <a:tailEnd type="triangle" w="lg" len="lg"/>
+          </a:ln>
+        </p:spPr>
+        <p:style>
+          <a:lnRef idx="1">
+            <a:schemeClr val="accent1"/>
+          </a:lnRef>
+          <a:fillRef idx="0">
+            <a:schemeClr val="accent1"/>
+          </a:fillRef>
+          <a:effectRef idx="0">
+            <a:schemeClr val="accent1"/>
+          </a:effectRef>
+          <a:fontRef idx="minor">
+            <a:schemeClr val="tx1"/>
+          </a:fontRef>
+        </p:style>
+      </p:cxnSp>
+      <p:cxnSp>
+        <p:nvCxnSpPr>
+          <p:cNvPr id="176" name="Gerade Verbindung 175"/>
+          <p:cNvCxnSpPr>
+            <a:stCxn id="162" idx="4"/>
+            <a:endCxn id="151" idx="0"/>
+          </p:cNvCxnSpPr>
+          <p:nvPr/>
+        </p:nvCxnSpPr>
+        <p:spPr>
+          <a:xfrm flipH="1">
+            <a:off x="5154649" y="2132856"/>
+            <a:ext cx="65423" cy="491356"/>
+          </a:xfrm>
+          <a:prstGeom prst="line">
+            <a:avLst/>
+          </a:prstGeom>
+          <a:ln w="25400">
+            <a:solidFill>
+              <a:srgbClr val="FF0000"/>
+            </a:solidFill>
+            <a:tailEnd type="triangle" w="lg" len="lg"/>
+          </a:ln>
+        </p:spPr>
+        <p:style>
+          <a:lnRef idx="1">
+            <a:schemeClr val="accent1"/>
+          </a:lnRef>
+          <a:fillRef idx="0">
+            <a:schemeClr val="accent1"/>
+          </a:fillRef>
+          <a:effectRef idx="0">
+            <a:schemeClr val="accent1"/>
+          </a:effectRef>
+          <a:fontRef idx="minor">
+            <a:schemeClr val="tx1"/>
+          </a:fontRef>
+        </p:style>
+      </p:cxnSp>
+      <p:sp>
+        <p:nvSpPr>
+          <p:cNvPr id="182" name="Textfeld 181"/>
+          <p:cNvSpPr txBox="1"/>
+          <p:nvPr/>
+        </p:nvSpPr>
+        <p:spPr>
+          <a:xfrm>
+            <a:off x="179512" y="5498068"/>
+            <a:ext cx="2880320" cy="523220"/>
+          </a:xfrm>
+          <a:prstGeom prst="rect">
+            <a:avLst/>
+          </a:prstGeom>
+          <a:noFill/>
+        </p:spPr>
+        <p:txBody>
+          <a:bodyPr wrap="square" rtlCol="0">
+            <a:spAutoFit/>
+          </a:bodyPr>
+          <a:lstStyle/>
+          <a:p>
+            <a:pPr algn="ctr"/>
+            <a:r>
+              <a:rPr lang="de-DE" sz="2800" dirty="0" err="1" smtClean="0"/>
+              <a:t>Degrees</a:t>
+            </a:r>
+            <a:endParaRPr lang="de-DE" sz="2800" dirty="0"/>
+          </a:p>
+        </p:txBody>
+      </p:sp>
+      <p:sp>
+        <p:nvSpPr>
+          <p:cNvPr id="183" name="Textfeld 182"/>
+          <p:cNvSpPr txBox="1"/>
+          <p:nvPr/>
+        </p:nvSpPr>
+        <p:spPr>
+          <a:xfrm>
+            <a:off x="3131840" y="5498068"/>
+            <a:ext cx="2880320" cy="523220"/>
+          </a:xfrm>
+          <a:prstGeom prst="rect">
+            <a:avLst/>
+          </a:prstGeom>
+          <a:noFill/>
+        </p:spPr>
+        <p:txBody>
+          <a:bodyPr wrap="square" rtlCol="0">
+            <a:spAutoFit/>
+          </a:bodyPr>
+          <a:lstStyle/>
+          <a:p>
+            <a:pPr algn="ctr"/>
+            <a:r>
+              <a:rPr lang="de-DE" sz="2800" dirty="0" smtClean="0"/>
+              <a:t>Grades</a:t>
+            </a:r>
+            <a:endParaRPr lang="de-DE" sz="2800" dirty="0"/>
+          </a:p>
+        </p:txBody>
+      </p:sp>
+      <p:sp>
+        <p:nvSpPr>
+          <p:cNvPr id="184" name="Textfeld 183"/>
+          <p:cNvSpPr txBox="1"/>
+          <p:nvPr/>
+        </p:nvSpPr>
+        <p:spPr>
+          <a:xfrm>
+            <a:off x="6084168" y="5498068"/>
+            <a:ext cx="2808312" cy="523220"/>
+          </a:xfrm>
+          <a:prstGeom prst="rect">
+            <a:avLst/>
+          </a:prstGeom>
+          <a:noFill/>
+        </p:spPr>
+        <p:txBody>
+          <a:bodyPr wrap="square" rtlCol="0">
+            <a:spAutoFit/>
+          </a:bodyPr>
+          <a:lstStyle/>
+          <a:p>
+            <a:pPr algn="ctr"/>
+            <a:r>
+              <a:rPr lang="de-DE" sz="2800" dirty="0" smtClean="0"/>
+              <a:t>Settings</a:t>
+            </a:r>
+            <a:endParaRPr lang="de-DE" sz="2800" dirty="0"/>
           </a:p>
         </p:txBody>
       </p:sp>
@@ -9266,7 +10753,7 @@
           <a:p>
             <a:r>
               <a:rPr lang="de-DE" smtClean="0"/>
-              <a:t>21.01.2012</a:t>
+              <a:t>24.01.2012</a:t>
             </a:r>
             <a:endParaRPr lang="de-DE" dirty="0"/>
           </a:p>
@@ -9413,7 +10900,15 @@
                   <a:schemeClr val="tx1"/>
                 </a:solidFill>
               </a:rPr>
-              <a:t>Abschlüsse anzeigen</a:t>
+              <a:t>Show </a:t>
+            </a:r>
+            <a:r>
+              <a:rPr lang="de-DE" dirty="0" err="1" smtClean="0">
+                <a:solidFill>
+                  <a:schemeClr val="tx1"/>
+                </a:solidFill>
+              </a:rPr>
+              <a:t>degrees</a:t>
             </a:r>
             <a:endParaRPr lang="de-DE" dirty="0">
               <a:solidFill>
@@ -9471,7 +10966,39 @@
                   <a:schemeClr val="tx1"/>
                 </a:solidFill>
               </a:rPr>
-              <a:t>Kurse/Noten anzeigen</a:t>
+              <a:t>Show </a:t>
+            </a:r>
+            <a:r>
+              <a:rPr lang="de-DE" dirty="0" err="1" smtClean="0">
+                <a:solidFill>
+                  <a:schemeClr val="tx1"/>
+                </a:solidFill>
+              </a:rPr>
+              <a:t>courses</a:t>
+            </a:r>
+            <a:r>
+              <a:rPr lang="de-DE" dirty="0" smtClean="0">
+                <a:solidFill>
+                  <a:schemeClr val="tx1"/>
+                </a:solidFill>
+              </a:rPr>
+              <a:t> </a:t>
+            </a:r>
+            <a:r>
+              <a:rPr lang="de-DE" dirty="0" err="1" smtClean="0">
+                <a:solidFill>
+                  <a:schemeClr val="tx1"/>
+                </a:solidFill>
+              </a:rPr>
+              <a:t>and</a:t>
+            </a:r>
+            <a:r>
+              <a:rPr lang="de-DE" dirty="0" smtClean="0">
+                <a:solidFill>
+                  <a:schemeClr val="tx1"/>
+                </a:solidFill>
+              </a:rPr>
+              <a:t> grades</a:t>
             </a:r>
             <a:endParaRPr lang="de-DE" dirty="0">
               <a:solidFill>
@@ -9532,7 +11059,37 @@
                   </a:schemeClr>
                 </a:solidFill>
               </a:rPr>
-              <a:t>Kursdetails anzeigen</a:t>
+              <a:t>Show </a:t>
+            </a:r>
+            <a:r>
+              <a:rPr lang="de-DE" dirty="0" err="1" smtClean="0">
+                <a:solidFill>
+                  <a:schemeClr val="bg1">
+                    <a:lumMod val="50000"/>
+                  </a:schemeClr>
+                </a:solidFill>
+              </a:rPr>
+              <a:t>course</a:t>
+            </a:r>
+            <a:r>
+              <a:rPr lang="de-DE" dirty="0" smtClean="0">
+                <a:solidFill>
+                  <a:schemeClr val="bg1">
+                    <a:lumMod val="50000"/>
+                  </a:schemeClr>
+                </a:solidFill>
+              </a:rPr>
+              <a:t>/grade </a:t>
+            </a:r>
+            <a:r>
+              <a:rPr lang="de-DE" dirty="0" err="1" smtClean="0">
+                <a:solidFill>
+                  <a:schemeClr val="bg1">
+                    <a:lumMod val="50000"/>
+                  </a:schemeClr>
+                </a:solidFill>
+              </a:rPr>
+              <a:t>details</a:t>
             </a:r>
             <a:endParaRPr lang="de-DE" dirty="0">
               <a:solidFill>
@@ -9587,12 +11144,52 @@
           <a:p>
             <a:pPr algn="ctr"/>
             <a:r>
+              <a:rPr lang="de-DE" dirty="0" err="1" smtClean="0">
+                <a:solidFill>
+                  <a:schemeClr val="tx1"/>
+                </a:solidFill>
+              </a:rPr>
+              <a:t>Search</a:t>
+            </a:r>
+            <a:r>
               <a:rPr lang="de-DE" dirty="0" smtClean="0">
                 <a:solidFill>
                   <a:schemeClr val="tx1"/>
                 </a:solidFill>
               </a:rPr>
-              <a:t>Kurse suchen und filtern</a:t>
+              <a:t> </a:t>
+            </a:r>
+            <a:r>
+              <a:rPr lang="de-DE" dirty="0" err="1" smtClean="0">
+                <a:solidFill>
+                  <a:schemeClr val="tx1"/>
+                </a:solidFill>
+              </a:rPr>
+              <a:t>and</a:t>
+            </a:r>
+            <a:r>
+              <a:rPr lang="de-DE" dirty="0" smtClean="0">
+                <a:solidFill>
+                  <a:schemeClr val="tx1"/>
+                </a:solidFill>
+              </a:rPr>
+              <a:t> filter </a:t>
+            </a:r>
+            <a:r>
+              <a:rPr lang="de-DE" dirty="0" err="1" smtClean="0">
+                <a:solidFill>
+                  <a:schemeClr val="tx1"/>
+                </a:solidFill>
+              </a:rPr>
+              <a:t>courses</a:t>
+            </a:r>
+            <a:r>
+              <a:rPr lang="de-DE" dirty="0" smtClean="0">
+                <a:solidFill>
+                  <a:schemeClr val="tx1"/>
+                </a:solidFill>
+              </a:rPr>
+              <a:t>/grades</a:t>
             </a:r>
             <a:endParaRPr lang="de-DE" dirty="0">
               <a:solidFill>
@@ -9653,7 +11250,7 @@
                   </a:schemeClr>
                 </a:solidFill>
               </a:rPr>
-              <a:t>Noten „teilen“</a:t>
+              <a:t>Share grades</a:t>
             </a:r>
             <a:endParaRPr lang="de-DE" dirty="0">
               <a:solidFill>
@@ -10073,9 +11670,10 @@
           </a:bodyPr>
           <a:lstStyle/>
           <a:p>
+            <a:pPr algn="ctr"/>
             <a:r>
               <a:rPr lang="de-DE" sz="2000" dirty="0" smtClean="0"/>
-              <a:t>Benutzer</a:t>
+              <a:t>User</a:t>
             </a:r>
             <a:endParaRPr lang="de-DE" sz="2000" dirty="0"/>
           </a:p>
@@ -10303,8 +11901,25 @@
             </a:r>
             <a:r>
               <a:rPr lang="de-DE" dirty="0" smtClean="0"/>
-              <a:t> grades</a:t>
-            </a:r>
+              <a:t> </a:t>
+            </a:r>
+            <a:r>
+              <a:rPr lang="de-DE" dirty="0" smtClean="0"/>
+              <a:t>grades </a:t>
+            </a:r>
+            <a:r>
+              <a:rPr lang="de-DE" dirty="0" err="1" smtClean="0"/>
+              <a:t>with</a:t>
+            </a:r>
+            <a:r>
+              <a:rPr lang="de-DE" dirty="0" smtClean="0"/>
+              <a:t> </a:t>
+            </a:r>
+            <a:r>
+              <a:rPr lang="de-DE" dirty="0" err="1" smtClean="0"/>
+              <a:t>friends</a:t>
+            </a:r>
+            <a:endParaRPr lang="de-DE" dirty="0" smtClean="0"/>
           </a:p>
           <a:p>
             <a:r>
@@ -10491,7 +12106,7 @@
           <a:p>
             <a:r>
               <a:rPr lang="de-DE" smtClean="0"/>
-              <a:t>21.01.2012</a:t>
+              <a:t>24.01.2012</a:t>
             </a:r>
             <a:endParaRPr lang="de-DE" dirty="0"/>
           </a:p>
@@ -10620,7 +12235,7 @@
           <a:p>
             <a:r>
               <a:rPr lang="de-DE" smtClean="0"/>
-              <a:t>21.01.2012</a:t>
+              <a:t>24.01.2012</a:t>
             </a:r>
             <a:endParaRPr lang="de-DE"/>
           </a:p>
@@ -11025,12 +12640,28 @@
               <a:buNone/>
             </a:pPr>
             <a:r>
+              <a:rPr lang="de-DE" sz="2400" b="1" dirty="0" smtClean="0">
+                <a:solidFill>
+                  <a:schemeClr val="tx1"/>
+                </a:solidFill>
+              </a:rPr>
+              <a:t>Additional (</a:t>
+            </a:r>
+            <a:r>
               <a:rPr lang="de-DE" sz="2400" b="1" dirty="0" err="1" smtClean="0">
                 <a:solidFill>
                   <a:schemeClr val="tx1"/>
                 </a:solidFill>
               </a:rPr>
-              <a:t>Helping</a:t>
+              <a:t>h</a:t>
+            </a:r>
+            <a:r>
+              <a:rPr lang="de-DE" sz="2400" b="1" dirty="0" err="1" smtClean="0">
+                <a:solidFill>
+                  <a:schemeClr val="tx1"/>
+                </a:solidFill>
+              </a:rPr>
+              <a:t>elper</a:t>
             </a:r>
             <a:r>
               <a:rPr lang="de-DE" sz="2400" b="1" dirty="0" smtClean="0">
@@ -11038,7 +12669,7 @@
                   <a:schemeClr val="tx1"/>
                 </a:solidFill>
               </a:rPr>
-              <a:t> </a:t>
+              <a:t>) </a:t>
             </a:r>
             <a:r>
               <a:rPr lang="de-DE" sz="2400" b="1" dirty="0" err="1" smtClean="0">
@@ -11077,6 +12708,28 @@
               </a:rPr>
               <a:t> GradeListAdapter</a:t>
             </a:r>
+          </a:p>
+          <a:p>
+            <a:pPr>
+              <a:buFont typeface="Arial" pitchFamily="34" charset="0"/>
+              <a:buChar char="•"/>
+            </a:pPr>
+            <a:r>
+              <a:rPr lang="de-DE" sz="2400" dirty="0" smtClean="0">
+                <a:solidFill>
+                  <a:schemeClr val="tx1"/>
+                </a:solidFill>
+              </a:rPr>
+              <a:t> </a:t>
+            </a:r>
+            <a:r>
+              <a:rPr lang="de-DE" sz="2400" dirty="0" err="1" smtClean="0">
+                <a:solidFill>
+                  <a:schemeClr val="tx1"/>
+                </a:solidFill>
+              </a:rPr>
+              <a:t>GradeDetailsAdapter</a:t>
+            </a:r>
             <a:endParaRPr lang="de-DE" sz="2400" dirty="0" smtClean="0">
               <a:solidFill>
                 <a:schemeClr val="tx1"/>
@@ -11094,6 +12747,20 @@
                   <a:schemeClr val="tx1"/>
                 </a:solidFill>
               </a:rPr>
+              <a:t> Content</a:t>
+            </a:r>
+          </a:p>
+          <a:p>
+            <a:pPr>
+              <a:buFont typeface="Arial" pitchFamily="34" charset="0"/>
+              <a:buChar char="•"/>
+            </a:pPr>
+            <a:r>
+              <a:rPr lang="de-DE" sz="2400" dirty="0" smtClean="0">
+                <a:solidFill>
+                  <a:schemeClr val="tx1"/>
+                </a:solidFill>
+              </a:rPr>
               <a:t> </a:t>
             </a:r>
             <a:r>
@@ -11102,7 +12769,7 @@
                   <a:schemeClr val="tx1"/>
                 </a:solidFill>
               </a:rPr>
-              <a:t>GradeDetailsAdapter</a:t>
+              <a:t>QisRequest</a:t>
             </a:r>
             <a:endParaRPr lang="de-DE" sz="2400" dirty="0" smtClean="0">
               <a:solidFill>
@@ -11121,59 +12788,8 @@
                   <a:schemeClr val="tx1"/>
                 </a:solidFill>
               </a:rPr>
-              <a:t> Content</a:t>
-            </a:r>
-            <a:endParaRPr lang="de-DE" sz="2400" dirty="0" smtClean="0">
-              <a:solidFill>
-                <a:schemeClr val="tx1"/>
-              </a:solidFill>
-            </a:endParaRPr>
-          </a:p>
-          <a:p>
-            <a:pPr>
-              <a:buFont typeface="Arial" pitchFamily="34" charset="0"/>
-              <a:buChar char="•"/>
-            </a:pPr>
-            <a:r>
-              <a:rPr lang="de-DE" sz="2400" dirty="0" smtClean="0">
-                <a:solidFill>
-                  <a:schemeClr val="tx1"/>
-                </a:solidFill>
-              </a:rPr>
-              <a:t> </a:t>
-            </a:r>
-            <a:r>
-              <a:rPr lang="de-DE" sz="2400" dirty="0" err="1" smtClean="0">
-                <a:solidFill>
-                  <a:schemeClr val="tx1"/>
-                </a:solidFill>
-              </a:rPr>
-              <a:t>QisRequest</a:t>
-            </a:r>
-            <a:endParaRPr lang="de-DE" sz="2400" dirty="0" smtClean="0">
-              <a:solidFill>
-                <a:schemeClr val="tx1"/>
-              </a:solidFill>
-            </a:endParaRPr>
-          </a:p>
-          <a:p>
-            <a:pPr>
-              <a:buFont typeface="Arial" pitchFamily="34" charset="0"/>
-              <a:buChar char="•"/>
-            </a:pPr>
-            <a:r>
-              <a:rPr lang="de-DE" sz="2400" dirty="0" smtClean="0">
-                <a:solidFill>
-                  <a:schemeClr val="tx1"/>
-                </a:solidFill>
-              </a:rPr>
               <a:t> …</a:t>
             </a:r>
-            <a:endParaRPr lang="de-DE" sz="2400" dirty="0" smtClean="0">
-              <a:solidFill>
-                <a:schemeClr val="tx1"/>
-              </a:solidFill>
-            </a:endParaRPr>
           </a:p>
         </p:txBody>
       </p:sp>
@@ -11225,8 +12841,36 @@
           <a:lstStyle/>
           <a:p>
             <a:r>
+              <a:rPr lang="de-DE" dirty="0" smtClean="0"/>
+              <a:t>Simple </a:t>
+            </a:r>
+            <a:r>
               <a:rPr lang="de-DE" dirty="0" err="1" smtClean="0"/>
-              <a:t>Flowchart</a:t>
+              <a:t>flowchart</a:t>
+            </a:r>
+            <a:r>
+              <a:rPr lang="de-DE" dirty="0" smtClean="0"/>
+              <a:t> </a:t>
+            </a:r>
+            <a:r>
+              <a:rPr lang="de-DE" dirty="0" err="1" smtClean="0"/>
+              <a:t>of</a:t>
+            </a:r>
+            <a:r>
+              <a:rPr lang="de-DE" dirty="0" smtClean="0"/>
+              <a:t> </a:t>
+            </a:r>
+            <a:r>
+              <a:rPr lang="de-DE" dirty="0" err="1" smtClean="0"/>
+              <a:t>our</a:t>
+            </a:r>
+            <a:r>
+              <a:rPr lang="de-DE" dirty="0" smtClean="0"/>
+              <a:t> </a:t>
+            </a:r>
+            <a:r>
+              <a:rPr lang="de-DE" dirty="0" err="1" smtClean="0"/>
+              <a:t>App</a:t>
             </a:r>
             <a:endParaRPr lang="de-DE" dirty="0"/>
           </a:p>
@@ -11249,7 +12893,7 @@
           <a:p>
             <a:r>
               <a:rPr lang="de-DE" smtClean="0"/>
-              <a:t>21.01.2012</a:t>
+              <a:t>24.01.2012</a:t>
             </a:r>
             <a:endParaRPr lang="de-DE" dirty="0"/>
           </a:p>
@@ -11317,13 +12961,23 @@
             <a:avLst/>
           </a:prstGeom>
           <a:solidFill>
-            <a:schemeClr val="bg1"/>
+            <a:schemeClr val="accent1">
+              <a:lumMod val="20000"/>
+              <a:lumOff val="80000"/>
+            </a:schemeClr>
           </a:solidFill>
           <a:ln w="19050">
             <a:solidFill>
               <a:schemeClr val="tx1"/>
             </a:solidFill>
           </a:ln>
+          <a:effectLst>
+            <a:outerShdw blurRad="76200" dir="18900000" sy="23000" kx="-1200000" algn="bl" rotWithShape="0">
+              <a:prstClr val="black">
+                <a:alpha val="20000"/>
+              </a:prstClr>
+            </a:outerShdw>
+          </a:effectLst>
         </p:spPr>
         <p:style>
           <a:lnRef idx="2">
@@ -11446,7 +13100,23 @@
                   <a:schemeClr val="tx1"/>
                 </a:solidFill>
               </a:rPr>
-              <a:t>Initialisiere Abschlüsse-</a:t>
+              <a:t>Initialize </a:t>
+            </a:r>
+            <a:r>
+              <a:rPr lang="de-DE" sz="1200" dirty="0" err="1" smtClean="0">
+                <a:solidFill>
+                  <a:schemeClr val="tx1"/>
+                </a:solidFill>
+              </a:rPr>
+              <a:t>Degrees</a:t>
+            </a:r>
+            <a:r>
+              <a:rPr lang="de-DE" sz="1200" dirty="0" smtClean="0">
+                <a:solidFill>
+                  <a:schemeClr val="tx1"/>
+                </a:solidFill>
+              </a:rPr>
+              <a:t> </a:t>
             </a:r>
             <a:r>
               <a:rPr lang="de-DE" sz="1200" dirty="0" err="1" smtClean="0">
@@ -11479,13 +13149,23 @@
             <a:avLst/>
           </a:prstGeom>
           <a:solidFill>
-            <a:schemeClr val="bg1"/>
+            <a:schemeClr val="accent3">
+              <a:lumMod val="20000"/>
+              <a:lumOff val="80000"/>
+            </a:schemeClr>
           </a:solidFill>
           <a:ln w="19050">
             <a:solidFill>
               <a:schemeClr val="tx1"/>
             </a:solidFill>
           </a:ln>
+          <a:effectLst>
+            <a:outerShdw blurRad="76200" dir="18900000" sy="23000" kx="-1200000" algn="bl" rotWithShape="0">
+              <a:prstClr val="black">
+                <a:alpha val="20000"/>
+              </a:prstClr>
+            </a:outerShdw>
+          </a:effectLst>
         </p:spPr>
         <p:style>
           <a:lnRef idx="2">
@@ -11608,7 +13288,39 @@
                   <a:schemeClr val="tx1"/>
                 </a:solidFill>
               </a:rPr>
-              <a:t>Nutzer &amp; Passwort vorhanden</a:t>
+              <a:t>User &amp; </a:t>
+            </a:r>
+            <a:r>
+              <a:rPr lang="de-DE" sz="1200" dirty="0" err="1" smtClean="0">
+                <a:solidFill>
+                  <a:schemeClr val="tx1"/>
+                </a:solidFill>
+              </a:rPr>
+              <a:t>Passw</a:t>
+            </a:r>
+            <a:r>
+              <a:rPr lang="de-DE" sz="1200" dirty="0" smtClean="0">
+                <a:solidFill>
+                  <a:schemeClr val="tx1"/>
+                </a:solidFill>
+              </a:rPr>
+              <a:t>. </a:t>
+            </a:r>
+            <a:r>
+              <a:rPr lang="de-DE" sz="1200" dirty="0" err="1" smtClean="0">
+                <a:solidFill>
+                  <a:schemeClr val="tx1"/>
+                </a:solidFill>
+              </a:rPr>
+              <a:t>available</a:t>
+            </a:r>
+            <a:r>
+              <a:rPr lang="de-DE" sz="1200" dirty="0" smtClean="0">
+                <a:solidFill>
+                  <a:schemeClr val="tx1"/>
+                </a:solidFill>
+              </a:rPr>
+              <a:t>?</a:t>
             </a:r>
             <a:endParaRPr lang="de-DE" sz="1200" dirty="0">
               <a:solidFill>
@@ -11674,13 +13386,23 @@
             <a:avLst/>
           </a:prstGeom>
           <a:solidFill>
-            <a:schemeClr val="bg1"/>
+            <a:schemeClr val="accent1">
+              <a:lumMod val="20000"/>
+              <a:lumOff val="80000"/>
+            </a:schemeClr>
           </a:solidFill>
           <a:ln w="19050">
             <a:solidFill>
               <a:schemeClr val="tx1"/>
             </a:solidFill>
           </a:ln>
+          <a:effectLst>
+            <a:outerShdw blurRad="76200" dir="18900000" sy="23000" kx="-1200000" algn="bl" rotWithShape="0">
+              <a:prstClr val="black">
+                <a:alpha val="20000"/>
+              </a:prstClr>
+            </a:outerShdw>
+          </a:effectLst>
         </p:spPr>
         <p:style>
           <a:lnRef idx="2">
@@ -11803,7 +13525,7 @@
                   <a:schemeClr val="tx1"/>
                 </a:solidFill>
               </a:rPr>
-              <a:t>Aktualisieren</a:t>
+              <a:t>Refresh</a:t>
             </a:r>
             <a:endParaRPr lang="de-DE" sz="1200" dirty="0">
               <a:solidFill>
@@ -11863,19 +13585,29 @@
         <p:spPr>
           <a:xfrm>
             <a:off x="5769646" y="2379065"/>
-            <a:ext cx="1838275" cy="395963"/>
+            <a:ext cx="1970706" cy="395963"/>
           </a:xfrm>
           <a:prstGeom prst="flowChartPredefinedProcess">
             <a:avLst/>
           </a:prstGeom>
           <a:solidFill>
-            <a:schemeClr val="bg1"/>
+            <a:schemeClr val="accent1">
+              <a:lumMod val="20000"/>
+              <a:lumOff val="80000"/>
+            </a:schemeClr>
           </a:solidFill>
           <a:ln w="19050">
             <a:solidFill>
               <a:schemeClr val="tx1"/>
             </a:solidFill>
           </a:ln>
+          <a:effectLst>
+            <a:outerShdw blurRad="76200" dir="18900000" sy="23000" kx="-1200000" algn="bl" rotWithShape="0">
+              <a:prstClr val="black">
+                <a:alpha val="20000"/>
+              </a:prstClr>
+            </a:outerShdw>
+          </a:effectLst>
         </p:spPr>
         <p:style>
           <a:lnRef idx="2">
@@ -11993,23 +13725,28 @@
           <a:p>
             <a:pPr algn="ctr"/>
             <a:r>
+              <a:rPr lang="de-DE" sz="1200" dirty="0" err="1" smtClean="0">
+                <a:solidFill>
+                  <a:schemeClr val="tx1"/>
+                </a:solidFill>
+              </a:rPr>
+              <a:t>Asynchronous</a:t>
+            </a:r>
+            <a:endParaRPr lang="de-DE" sz="1200" dirty="0" smtClean="0">
+              <a:solidFill>
+                <a:schemeClr val="tx1"/>
+              </a:solidFill>
+            </a:endParaRPr>
+          </a:p>
+          <a:p>
+            <a:pPr algn="ctr"/>
+            <a:r>
               <a:rPr lang="de-DE" sz="1200" dirty="0" smtClean="0">
                 <a:solidFill>
                   <a:schemeClr val="tx1"/>
                 </a:solidFill>
               </a:rPr>
-              <a:t>Asynchrone</a:t>
-            </a:r>
-          </a:p>
-          <a:p>
-            <a:pPr algn="ctr"/>
-            <a:r>
-              <a:rPr lang="de-DE" sz="1200" dirty="0" smtClean="0">
-                <a:solidFill>
-                  <a:schemeClr val="tx1"/>
-                </a:solidFill>
-              </a:rPr>
-              <a:t>QIS-Server-Anfrage</a:t>
+              <a:t>QIS-Server-Request</a:t>
             </a:r>
             <a:endParaRPr lang="de-DE" sz="1200" dirty="0">
               <a:solidFill>
@@ -12075,13 +13812,23 @@
             <a:avLst/>
           </a:prstGeom>
           <a:solidFill>
-            <a:schemeClr val="bg1"/>
+            <a:schemeClr val="accent1">
+              <a:lumMod val="20000"/>
+              <a:lumOff val="80000"/>
+            </a:schemeClr>
           </a:solidFill>
           <a:ln w="19050">
             <a:solidFill>
               <a:schemeClr val="tx1"/>
             </a:solidFill>
           </a:ln>
+          <a:effectLst>
+            <a:outerShdw blurRad="76200" dir="18900000" sy="23000" kx="-1200000" algn="bl" rotWithShape="0">
+              <a:prstClr val="black">
+                <a:alpha val="20000"/>
+              </a:prstClr>
+            </a:outerShdw>
+          </a:effectLst>
         </p:spPr>
         <p:style>
           <a:lnRef idx="2">
@@ -12204,7 +13951,7 @@
                   <a:schemeClr val="tx1"/>
                 </a:solidFill>
               </a:rPr>
-              <a:t>Aktiviere Einstellungs-</a:t>
+              <a:t>Show Settings </a:t>
             </a:r>
             <a:r>
               <a:rPr lang="de-DE" sz="1200" dirty="0" err="1" smtClean="0">
@@ -12421,9 +14168,10 @@
           </a:lstStyle>
           <a:p>
             <a:r>
-              <a:rPr lang="de-DE" sz="1200" dirty="0" smtClean="0"/>
-              <a:t>nein</a:t>
-            </a:r>
+              <a:rPr lang="de-DE" sz="1200" i="1" dirty="0" err="1" smtClean="0"/>
+              <a:t>no</a:t>
+            </a:r>
+            <a:endParaRPr lang="de-DE" sz="1200" i="1" dirty="0" smtClean="0"/>
           </a:p>
         </p:txBody>
       </p:sp>
@@ -12435,8 +14183,8 @@
         </p:nvSpPr>
         <p:spPr>
           <a:xfrm>
-            <a:off x="3575473" y="2543795"/>
-            <a:ext cx="360040" cy="276999"/>
+            <a:off x="3575472" y="2543795"/>
+            <a:ext cx="420463" cy="276999"/>
           </a:xfrm>
           <a:prstGeom prst="rect">
             <a:avLst/>
@@ -12544,10 +14292,10 @@
           </a:lstStyle>
           <a:p>
             <a:r>
-              <a:rPr lang="de-DE" sz="1200" dirty="0" smtClean="0"/>
-              <a:t>ja</a:t>
-            </a:r>
-            <a:endParaRPr lang="de-DE" sz="1200" dirty="0"/>
+              <a:rPr lang="de-DE" sz="1200" i="1" dirty="0" err="1" smtClean="0"/>
+              <a:t>yes</a:t>
+            </a:r>
+            <a:endParaRPr lang="de-DE" sz="1200" i="1" dirty="0"/>
           </a:p>
         </p:txBody>
       </p:sp>
@@ -12566,13 +14314,23 @@
             <a:avLst/>
           </a:prstGeom>
           <a:solidFill>
-            <a:schemeClr val="bg1"/>
+            <a:schemeClr val="accent3">
+              <a:lumMod val="20000"/>
+              <a:lumOff val="80000"/>
+            </a:schemeClr>
           </a:solidFill>
           <a:ln w="19050">
             <a:solidFill>
               <a:schemeClr val="tx1"/>
             </a:solidFill>
           </a:ln>
+          <a:effectLst>
+            <a:outerShdw blurRad="76200" dir="18900000" sy="23000" kx="-1200000" algn="bl" rotWithShape="0">
+              <a:prstClr val="black">
+                <a:alpha val="20000"/>
+              </a:prstClr>
+            </a:outerShdw>
+          </a:effectLst>
         </p:spPr>
         <p:style>
           <a:lnRef idx="2">
@@ -12695,7 +14453,15 @@
                   <a:schemeClr val="tx1"/>
                 </a:solidFill>
               </a:rPr>
-              <a:t>Daten gefunden</a:t>
+              <a:t>Data </a:t>
+            </a:r>
+            <a:r>
+              <a:rPr lang="de-DE" sz="1200" dirty="0" err="1" smtClean="0">
+                <a:solidFill>
+                  <a:schemeClr val="tx1"/>
+                </a:solidFill>
+              </a:rPr>
+              <a:t>available</a:t>
             </a:r>
             <a:endParaRPr lang="de-DE" sz="1200" dirty="0">
               <a:solidFill>
@@ -12904,10 +14670,10 @@
           </a:lstStyle>
           <a:p>
             <a:r>
-              <a:rPr lang="de-DE" sz="1200" dirty="0" smtClean="0"/>
-              <a:t>ja</a:t>
-            </a:r>
-            <a:endParaRPr lang="de-DE" sz="1200" dirty="0"/>
+              <a:rPr lang="de-DE" sz="1200" i="1" dirty="0" err="1" smtClean="0"/>
+              <a:t>yes</a:t>
+            </a:r>
+            <a:endParaRPr lang="de-DE" sz="1200" i="1" dirty="0"/>
           </a:p>
         </p:txBody>
       </p:sp>
@@ -12926,13 +14692,23 @@
             <a:avLst/>
           </a:prstGeom>
           <a:solidFill>
-            <a:schemeClr val="bg1"/>
+            <a:schemeClr val="accent1">
+              <a:lumMod val="20000"/>
+              <a:lumOff val="80000"/>
+            </a:schemeClr>
           </a:solidFill>
           <a:ln w="19050">
             <a:solidFill>
               <a:schemeClr val="tx1"/>
             </a:solidFill>
           </a:ln>
+          <a:effectLst>
+            <a:outerShdw blurRad="76200" dir="18900000" sy="23000" kx="-1200000" algn="bl" rotWithShape="0">
+              <a:prstClr val="black">
+                <a:alpha val="20000"/>
+              </a:prstClr>
+            </a:outerShdw>
+          </a:effectLst>
         </p:spPr>
         <p:style>
           <a:lnRef idx="2">
@@ -13055,7 +14831,15 @@
                   <a:schemeClr val="tx1"/>
                 </a:solidFill>
               </a:rPr>
-              <a:t>Aktualisierungs-Fragment anzeigen</a:t>
+              <a:t>Show Refresh </a:t>
+            </a:r>
+            <a:r>
+              <a:rPr lang="de-DE" sz="1200" dirty="0" err="1" smtClean="0">
+                <a:solidFill>
+                  <a:schemeClr val="tx1"/>
+                </a:solidFill>
+              </a:rPr>
+              <a:t>Frament</a:t>
             </a:r>
             <a:endParaRPr lang="de-DE" sz="1200" dirty="0">
               <a:solidFill>
@@ -13223,9 +15007,10 @@
           </a:lstStyle>
           <a:p>
             <a:r>
-              <a:rPr lang="de-DE" sz="1200" dirty="0" smtClean="0"/>
-              <a:t>nein</a:t>
-            </a:r>
+              <a:rPr lang="de-DE" sz="1200" i="1" dirty="0" err="1" smtClean="0"/>
+              <a:t>no</a:t>
+            </a:r>
+            <a:endParaRPr lang="de-DE" sz="1200" i="1" dirty="0" smtClean="0"/>
           </a:p>
         </p:txBody>
       </p:sp>
@@ -13244,13 +15029,23 @@
             <a:avLst/>
           </a:prstGeom>
           <a:solidFill>
-            <a:schemeClr val="bg1"/>
+            <a:schemeClr val="accent1">
+              <a:lumMod val="20000"/>
+              <a:lumOff val="80000"/>
+            </a:schemeClr>
           </a:solidFill>
           <a:ln w="19050">
             <a:solidFill>
               <a:schemeClr val="tx1"/>
             </a:solidFill>
           </a:ln>
+          <a:effectLst>
+            <a:outerShdw blurRad="76200" dir="18900000" sy="23000" kx="-1200000" algn="bl" rotWithShape="0">
+              <a:prstClr val="black">
+                <a:alpha val="20000"/>
+              </a:prstClr>
+            </a:outerShdw>
+          </a:effectLst>
         </p:spPr>
         <p:style>
           <a:lnRef idx="2">
@@ -13373,7 +15168,31 @@
                   <a:schemeClr val="tx1"/>
                 </a:solidFill>
               </a:rPr>
-              <a:t>Zeige gefundene Daten</a:t>
+              <a:t>Show </a:t>
+            </a:r>
+            <a:r>
+              <a:rPr lang="de-DE" sz="1200" dirty="0" err="1" smtClean="0">
+                <a:solidFill>
+                  <a:schemeClr val="tx1"/>
+                </a:solidFill>
+              </a:rPr>
+              <a:t>available</a:t>
+            </a:r>
+            <a:r>
+              <a:rPr lang="de-DE" sz="1200" dirty="0" smtClean="0">
+                <a:solidFill>
+                  <a:schemeClr val="tx1"/>
+                </a:solidFill>
+              </a:rPr>
+              <a:t> </a:t>
+            </a:r>
+            <a:r>
+              <a:rPr lang="de-DE" sz="1200" dirty="0" err="1" smtClean="0">
+                <a:solidFill>
+                  <a:schemeClr val="tx1"/>
+                </a:solidFill>
+              </a:rPr>
+              <a:t>data</a:t>
             </a:r>
             <a:endParaRPr lang="de-DE" sz="1200" dirty="0">
               <a:solidFill>
@@ -13398,13 +15217,23 @@
             <a:avLst/>
           </a:prstGeom>
           <a:solidFill>
-            <a:schemeClr val="bg1"/>
+            <a:schemeClr val="accent3">
+              <a:lumMod val="20000"/>
+              <a:lumOff val="80000"/>
+            </a:schemeClr>
           </a:solidFill>
           <a:ln w="19050">
             <a:solidFill>
               <a:schemeClr val="tx1"/>
             </a:solidFill>
           </a:ln>
+          <a:effectLst>
+            <a:outerShdw blurRad="76200" dir="18900000" sy="23000" kx="-1200000" algn="bl" rotWithShape="0">
+              <a:prstClr val="black">
+                <a:alpha val="20000"/>
+              </a:prstClr>
+            </a:outerShdw>
+          </a:effectLst>
         </p:spPr>
         <p:style>
           <a:lnRef idx="2">
@@ -13527,7 +15356,7 @@
                   <a:schemeClr val="tx1"/>
                 </a:solidFill>
               </a:rPr>
-              <a:t>2-Fragment-Ansicht</a:t>
+              <a:t>2-Fragment-Layout</a:t>
             </a:r>
             <a:endParaRPr lang="de-DE" sz="1200" dirty="0">
               <a:solidFill>
@@ -13593,13 +15422,23 @@
             <a:avLst/>
           </a:prstGeom>
           <a:solidFill>
-            <a:schemeClr val="bg1"/>
+            <a:schemeClr val="accent1">
+              <a:lumMod val="20000"/>
+              <a:lumOff val="80000"/>
+            </a:schemeClr>
           </a:solidFill>
           <a:ln w="19050">
             <a:solidFill>
               <a:schemeClr val="tx1"/>
             </a:solidFill>
           </a:ln>
+          <a:effectLst>
+            <a:outerShdw blurRad="76200" dir="18900000" sy="23000" kx="-1200000" algn="bl" rotWithShape="0">
+              <a:prstClr val="black">
+                <a:alpha val="20000"/>
+              </a:prstClr>
+            </a:outerShdw>
+          </a:effectLst>
         </p:spPr>
         <p:style>
           <a:lnRef idx="2">
@@ -13722,7 +15561,231 @@
                   <a:schemeClr val="tx1"/>
                 </a:solidFill>
               </a:rPr>
-              <a:t>Abschlüsse und Notenliste anzeigen. Markiere und zeige ersten gefundenen Abschluss</a:t>
+              <a:t>Show </a:t>
+            </a:r>
+            <a:r>
+              <a:rPr lang="de-DE" sz="1200" dirty="0" err="1" smtClean="0">
+                <a:solidFill>
+                  <a:schemeClr val="tx1"/>
+                </a:solidFill>
+              </a:rPr>
+              <a:t>both</a:t>
+            </a:r>
+            <a:r>
+              <a:rPr lang="de-DE" sz="1200" dirty="0" smtClean="0">
+                <a:solidFill>
+                  <a:schemeClr val="tx1"/>
+                </a:solidFill>
+              </a:rPr>
+              <a:t> </a:t>
+            </a:r>
+            <a:r>
+              <a:rPr lang="de-DE" sz="1200" dirty="0" err="1" smtClean="0">
+                <a:solidFill>
+                  <a:schemeClr val="tx1"/>
+                </a:solidFill>
+              </a:rPr>
+              <a:t>fragments</a:t>
+            </a:r>
+            <a:r>
+              <a:rPr lang="de-DE" sz="1200" dirty="0" smtClean="0">
+                <a:solidFill>
+                  <a:schemeClr val="tx1"/>
+                </a:solidFill>
+              </a:rPr>
+              <a:t> </a:t>
+            </a:r>
+            <a:r>
+              <a:rPr lang="de-DE" sz="1200" dirty="0" err="1" smtClean="0">
+                <a:solidFill>
+                  <a:schemeClr val="tx1"/>
+                </a:solidFill>
+              </a:rPr>
+              <a:t>for</a:t>
+            </a:r>
+            <a:r>
+              <a:rPr lang="de-DE" sz="1200" dirty="0" smtClean="0">
+                <a:solidFill>
+                  <a:schemeClr val="tx1"/>
+                </a:solidFill>
+              </a:rPr>
+              <a:t> </a:t>
+            </a:r>
+            <a:r>
+              <a:rPr lang="de-DE" sz="1200" dirty="0" err="1" smtClean="0">
+                <a:solidFill>
+                  <a:schemeClr val="tx1"/>
+                </a:solidFill>
+              </a:rPr>
+              <a:t>degrees</a:t>
+            </a:r>
+            <a:r>
+              <a:rPr lang="de-DE" sz="1200" dirty="0" smtClean="0">
+                <a:solidFill>
+                  <a:schemeClr val="tx1"/>
+                </a:solidFill>
+              </a:rPr>
+              <a:t> </a:t>
+            </a:r>
+            <a:r>
+              <a:rPr lang="de-DE" sz="1200" dirty="0" err="1" smtClean="0">
+                <a:solidFill>
+                  <a:schemeClr val="tx1"/>
+                </a:solidFill>
+              </a:rPr>
+              <a:t>and</a:t>
+            </a:r>
+            <a:r>
+              <a:rPr lang="de-DE" sz="1200" dirty="0" smtClean="0">
+                <a:solidFill>
+                  <a:schemeClr val="tx1"/>
+                </a:solidFill>
+              </a:rPr>
+              <a:t> grades, </a:t>
+            </a:r>
+            <a:r>
+              <a:rPr lang="de-DE" sz="1200" dirty="0" err="1" smtClean="0">
+                <a:solidFill>
+                  <a:schemeClr val="tx1"/>
+                </a:solidFill>
+              </a:rPr>
+              <a:t>then</a:t>
+            </a:r>
+            <a:r>
+              <a:rPr lang="de-DE" sz="1200" dirty="0" smtClean="0">
+                <a:solidFill>
+                  <a:schemeClr val="tx1"/>
+                </a:solidFill>
+              </a:rPr>
+              <a:t> </a:t>
+            </a:r>
+            <a:r>
+              <a:rPr lang="de-DE" sz="1200" dirty="0" err="1" smtClean="0">
+                <a:solidFill>
+                  <a:schemeClr val="tx1"/>
+                </a:solidFill>
+              </a:rPr>
+              <a:t>select</a:t>
+            </a:r>
+            <a:r>
+              <a:rPr lang="de-DE" sz="1200" dirty="0" smtClean="0">
+                <a:solidFill>
+                  <a:schemeClr val="tx1"/>
+                </a:solidFill>
+              </a:rPr>
+              <a:t> </a:t>
+            </a:r>
+            <a:r>
+              <a:rPr lang="de-DE" sz="1200" dirty="0" err="1" smtClean="0">
+                <a:solidFill>
+                  <a:schemeClr val="tx1"/>
+                </a:solidFill>
+              </a:rPr>
+              <a:t>and</a:t>
+            </a:r>
+            <a:r>
+              <a:rPr lang="de-DE" sz="1200" dirty="0" smtClean="0">
+                <a:solidFill>
+                  <a:schemeClr val="tx1"/>
+                </a:solidFill>
+              </a:rPr>
+              <a:t> </a:t>
+            </a:r>
+            <a:r>
+              <a:rPr lang="de-DE" sz="1200" dirty="0" err="1" smtClean="0">
+                <a:solidFill>
+                  <a:schemeClr val="tx1"/>
+                </a:solidFill>
+              </a:rPr>
+              <a:t>show</a:t>
+            </a:r>
+            <a:r>
+              <a:rPr lang="de-DE" sz="1200" dirty="0" smtClean="0">
+                <a:solidFill>
+                  <a:schemeClr val="tx1"/>
+                </a:solidFill>
+              </a:rPr>
+              <a:t> </a:t>
+            </a:r>
+            <a:r>
+              <a:rPr lang="de-DE" sz="1200" dirty="0" err="1" smtClean="0">
+                <a:solidFill>
+                  <a:schemeClr val="tx1"/>
+                </a:solidFill>
+              </a:rPr>
+              <a:t>content</a:t>
+            </a:r>
+            <a:r>
+              <a:rPr lang="de-DE" sz="1200" dirty="0" smtClean="0">
+                <a:solidFill>
+                  <a:schemeClr val="tx1"/>
+                </a:solidFill>
+              </a:rPr>
+              <a:t> </a:t>
+            </a:r>
+            <a:r>
+              <a:rPr lang="de-DE" sz="1200" dirty="0" err="1" smtClean="0">
+                <a:solidFill>
+                  <a:schemeClr val="tx1"/>
+                </a:solidFill>
+              </a:rPr>
+              <a:t>of</a:t>
+            </a:r>
+            <a:r>
+              <a:rPr lang="de-DE" sz="1200" dirty="0" smtClean="0">
+                <a:solidFill>
+                  <a:schemeClr val="tx1"/>
+                </a:solidFill>
+              </a:rPr>
+              <a:t> </a:t>
+            </a:r>
+            <a:r>
+              <a:rPr lang="de-DE" sz="1200" dirty="0" err="1" smtClean="0">
+                <a:solidFill>
+                  <a:schemeClr val="tx1"/>
+                </a:solidFill>
+              </a:rPr>
+              <a:t>the</a:t>
+            </a:r>
+            <a:r>
+              <a:rPr lang="de-DE" sz="1200" dirty="0" smtClean="0">
+                <a:solidFill>
+                  <a:schemeClr val="tx1"/>
+                </a:solidFill>
+              </a:rPr>
+              <a:t> </a:t>
+            </a:r>
+            <a:r>
+              <a:rPr lang="de-DE" sz="1200" dirty="0" err="1" smtClean="0">
+                <a:solidFill>
+                  <a:schemeClr val="tx1"/>
+                </a:solidFill>
+              </a:rPr>
+              <a:t>first</a:t>
+            </a:r>
+            <a:r>
+              <a:rPr lang="de-DE" sz="1200" dirty="0" smtClean="0">
+                <a:solidFill>
+                  <a:schemeClr val="tx1"/>
+                </a:solidFill>
+              </a:rPr>
+              <a:t> </a:t>
+            </a:r>
+            <a:r>
+              <a:rPr lang="de-DE" sz="1200" dirty="0" err="1" smtClean="0">
+                <a:solidFill>
+                  <a:schemeClr val="tx1"/>
+                </a:solidFill>
+              </a:rPr>
+              <a:t>degree</a:t>
+            </a:r>
+            <a:r>
+              <a:rPr lang="de-DE" sz="1200" dirty="0" err="1" smtClean="0">
+                <a:solidFill>
+                  <a:schemeClr val="tx1"/>
+                </a:solidFill>
+              </a:rPr>
+              <a:t>e</a:t>
             </a:r>
             <a:endParaRPr lang="de-DE" sz="1200" dirty="0">
               <a:solidFill>
@@ -13747,13 +15810,23 @@
             <a:avLst/>
           </a:prstGeom>
           <a:solidFill>
-            <a:schemeClr val="bg1"/>
+            <a:schemeClr val="accent1">
+              <a:lumMod val="20000"/>
+              <a:lumOff val="80000"/>
+            </a:schemeClr>
           </a:solidFill>
           <a:ln w="19050">
             <a:solidFill>
               <a:schemeClr val="tx1"/>
             </a:solidFill>
           </a:ln>
+          <a:effectLst>
+            <a:outerShdw blurRad="76200" dir="18900000" sy="23000" kx="-1200000" algn="bl" rotWithShape="0">
+              <a:prstClr val="black">
+                <a:alpha val="20000"/>
+              </a:prstClr>
+            </a:outerShdw>
+          </a:effectLst>
         </p:spPr>
         <p:style>
           <a:lnRef idx="2">
@@ -13876,7 +15949,63 @@
                   <a:schemeClr val="tx1"/>
                 </a:solidFill>
               </a:rPr>
-              <a:t>Zeige Liste gefundener Abschlüsse</a:t>
+              <a:t>Show </a:t>
+            </a:r>
+            <a:r>
+              <a:rPr lang="de-DE" sz="1200" dirty="0" err="1" smtClean="0">
+                <a:solidFill>
+                  <a:schemeClr val="tx1"/>
+                </a:solidFill>
+              </a:rPr>
+              <a:t>list</a:t>
+            </a:r>
+            <a:r>
+              <a:rPr lang="de-DE" sz="1200" dirty="0" smtClean="0">
+                <a:solidFill>
+                  <a:schemeClr val="tx1"/>
+                </a:solidFill>
+              </a:rPr>
+              <a:t> </a:t>
+            </a:r>
+            <a:r>
+              <a:rPr lang="de-DE" sz="1200" dirty="0" err="1" smtClean="0">
+                <a:solidFill>
+                  <a:schemeClr val="tx1"/>
+                </a:solidFill>
+              </a:rPr>
+              <a:t>with</a:t>
+            </a:r>
+            <a:r>
+              <a:rPr lang="de-DE" sz="1200" dirty="0" smtClean="0">
+                <a:solidFill>
+                  <a:schemeClr val="tx1"/>
+                </a:solidFill>
+              </a:rPr>
+              <a:t> </a:t>
+            </a:r>
+            <a:r>
+              <a:rPr lang="de-DE" sz="1200" dirty="0" err="1" smtClean="0">
+                <a:solidFill>
+                  <a:schemeClr val="tx1"/>
+                </a:solidFill>
+              </a:rPr>
+              <a:t>found</a:t>
+            </a:r>
+            <a:r>
+              <a:rPr lang="de-DE" sz="1200" dirty="0" smtClean="0">
+                <a:solidFill>
+                  <a:schemeClr val="tx1"/>
+                </a:solidFill>
+              </a:rPr>
+              <a:t> </a:t>
+            </a:r>
+            <a:r>
+              <a:rPr lang="de-DE" sz="1200" dirty="0" err="1" smtClean="0">
+                <a:solidFill>
+                  <a:schemeClr val="tx1"/>
+                </a:solidFill>
+              </a:rPr>
+              <a:t>degrees</a:t>
             </a:r>
             <a:endParaRPr lang="de-DE" sz="1200" dirty="0">
               <a:solidFill>
@@ -14081,9 +16210,10 @@
           </a:lstStyle>
           <a:p>
             <a:r>
-              <a:rPr lang="de-DE" sz="1200" dirty="0" smtClean="0"/>
-              <a:t>nein</a:t>
-            </a:r>
+              <a:rPr lang="de-DE" sz="1200" i="1" dirty="0" err="1" smtClean="0"/>
+              <a:t>no</a:t>
+            </a:r>
+            <a:endParaRPr lang="de-DE" sz="1200" i="1" dirty="0" smtClean="0"/>
           </a:p>
         </p:txBody>
       </p:sp>
@@ -14204,10 +16334,10 @@
           </a:lstStyle>
           <a:p>
             <a:r>
-              <a:rPr lang="de-DE" sz="1200" dirty="0" smtClean="0"/>
-              <a:t>ja</a:t>
-            </a:r>
-            <a:endParaRPr lang="de-DE" sz="1200" dirty="0"/>
+              <a:rPr lang="de-DE" sz="1200" i="1" dirty="0" err="1" smtClean="0"/>
+              <a:t>yes</a:t>
+            </a:r>
+            <a:endParaRPr lang="de-DE" sz="1200" i="1" dirty="0"/>
           </a:p>
         </p:txBody>
       </p:sp>
@@ -14268,36 +16398,9 @@
             </a:r>
             <a:r>
               <a:rPr lang="de-DE" dirty="0" smtClean="0"/>
-              <a:t>GUI</a:t>
+              <a:t>UI</a:t>
             </a:r>
             <a:endParaRPr lang="de-DE" dirty="0"/>
-          </a:p>
-        </p:txBody>
-      </p:sp>
-      <p:sp>
-        <p:nvSpPr>
-          <p:cNvPr id="10" name="Inhaltsplatzhalter 9"/>
-          <p:cNvSpPr>
-            <a:spLocks noGrp="1"/>
-          </p:cNvSpPr>
-          <p:nvPr>
-            <p:ph idx="1"/>
-          </p:nvPr>
-        </p:nvSpPr>
-        <p:spPr>
-          <a:xfrm>
-            <a:off x="457200" y="4077072"/>
-            <a:ext cx="8229600" cy="2049091"/>
-          </a:xfrm>
-        </p:spPr>
-        <p:txBody>
-          <a:bodyPr/>
-          <a:lstStyle/>
-          <a:p>
-            <a:pPr>
-              <a:buNone/>
-            </a:pPr>
-            <a:endParaRPr lang="de-DE" dirty="0" smtClean="0"/>
           </a:p>
         </p:txBody>
       </p:sp>
@@ -14318,7 +16421,7 @@
           <a:p>
             <a:r>
               <a:rPr lang="de-DE" smtClean="0"/>
-              <a:t>21.01.2012</a:t>
+              <a:t>24.01.2012</a:t>
             </a:r>
             <a:endParaRPr lang="de-DE" dirty="0"/>
           </a:p>
@@ -14373,16 +16476,16 @@
       </p:sp>
       <p:grpSp>
         <p:nvGrpSpPr>
-          <p:cNvPr id="31" name="Gruppieren 30"/>
+          <p:cNvPr id="16" name="Gruppieren 15"/>
           <p:cNvGrpSpPr/>
           <p:nvPr/>
         </p:nvGrpSpPr>
         <p:grpSpPr>
           <a:xfrm>
-            <a:off x="4644008" y="1412776"/>
-            <a:ext cx="3456384" cy="2448272"/>
-            <a:chOff x="4499992" y="2204864"/>
-            <a:chExt cx="3456384" cy="2448272"/>
+            <a:off x="4355976" y="1700808"/>
+            <a:ext cx="4608512" cy="3744416"/>
+            <a:chOff x="4355976" y="1700808"/>
+            <a:chExt cx="4608512" cy="3744416"/>
           </a:xfrm>
         </p:grpSpPr>
         <p:sp>
@@ -14393,8 +16496,8 @@
           </p:nvSpPr>
           <p:spPr>
             <a:xfrm>
-              <a:off x="4499992" y="2204864"/>
-              <a:ext cx="3456384" cy="2448272"/>
+              <a:off x="4355976" y="1700808"/>
+              <a:ext cx="4608512" cy="3744416"/>
             </a:xfrm>
             <a:prstGeom prst="rect">
               <a:avLst/>
@@ -14406,7 +16509,9 @@
             </a:solidFill>
             <a:ln w="12700">
               <a:solidFill>
-                <a:schemeClr val="tx1"/>
+                <a:schemeClr val="bg1">
+                  <a:lumMod val="75000"/>
+                </a:schemeClr>
               </a:solidFill>
             </a:ln>
           </p:spPr>
@@ -14430,6 +16535,7 @@
             <a:bodyPr rtlCol="0" anchor="t" anchorCtr="0"/>
             <a:lstStyle/>
             <a:p>
+              <a:pPr algn="ctr"/>
               <a:r>
                 <a:rPr lang="de-DE" sz="1400" dirty="0" smtClean="0">
                   <a:solidFill>
@@ -14470,8 +16576,8 @@
           </p:nvSpPr>
           <p:spPr>
             <a:xfrm>
-              <a:off x="4644008" y="2636912"/>
-              <a:ext cx="1152128" cy="1872208"/>
+              <a:off x="4547997" y="2361587"/>
+              <a:ext cx="1536171" cy="2863377"/>
             </a:xfrm>
             <a:prstGeom prst="rect">
               <a:avLst/>
@@ -14514,8 +16620,8 @@
           </p:nvSpPr>
           <p:spPr>
             <a:xfrm>
-              <a:off x="5796136" y="2636912"/>
-              <a:ext cx="2016224" cy="1872208"/>
+              <a:off x="6084168" y="2361587"/>
+              <a:ext cx="2688299" cy="2863377"/>
             </a:xfrm>
             <a:prstGeom prst="rect">
               <a:avLst/>
@@ -14553,16 +16659,16 @@
       </p:grpSp>
       <p:grpSp>
         <p:nvGrpSpPr>
-          <p:cNvPr id="30" name="Gruppieren 29"/>
+          <p:cNvPr id="17" name="Gruppieren 16"/>
           <p:cNvGrpSpPr/>
           <p:nvPr/>
         </p:nvGrpSpPr>
         <p:grpSpPr>
           <a:xfrm>
-            <a:off x="971600" y="1412776"/>
-            <a:ext cx="3024336" cy="2448272"/>
-            <a:chOff x="395536" y="2204864"/>
-            <a:chExt cx="3024336" cy="2448272"/>
+            <a:off x="179512" y="1700808"/>
+            <a:ext cx="4032448" cy="3744416"/>
+            <a:chOff x="179512" y="1700808"/>
+            <a:chExt cx="4032448" cy="3744416"/>
           </a:xfrm>
         </p:grpSpPr>
         <p:sp>
@@ -14573,8 +16679,8 @@
           </p:nvSpPr>
           <p:spPr>
             <a:xfrm>
-              <a:off x="395536" y="2204864"/>
-              <a:ext cx="3024336" cy="2448272"/>
+              <a:off x="179512" y="1700808"/>
+              <a:ext cx="4032448" cy="3744416"/>
             </a:xfrm>
             <a:prstGeom prst="rect">
               <a:avLst/>
@@ -14586,7 +16692,9 @@
             </a:solidFill>
             <a:ln w="12700">
               <a:solidFill>
-                <a:schemeClr val="tx1"/>
+                <a:schemeClr val="bg1">
+                  <a:lumMod val="75000"/>
+                </a:schemeClr>
               </a:solidFill>
             </a:ln>
           </p:spPr>
@@ -14610,6 +16718,7 @@
             <a:bodyPr rtlCol="0" anchor="t" anchorCtr="0"/>
             <a:lstStyle/>
             <a:p>
+              <a:pPr algn="ctr"/>
               <a:r>
                 <a:rPr lang="de-DE" sz="1400" dirty="0" smtClean="0">
                   <a:solidFill>
@@ -14634,8 +16743,8 @@
           </p:nvSpPr>
           <p:spPr>
             <a:xfrm>
-              <a:off x="539552" y="2636912"/>
-              <a:ext cx="1152128" cy="1872208"/>
+              <a:off x="441359" y="2361587"/>
+              <a:ext cx="1536171" cy="2863377"/>
             </a:xfrm>
             <a:prstGeom prst="rect">
               <a:avLst/>
@@ -14678,8 +16787,8 @@
           </p:nvSpPr>
           <p:spPr>
             <a:xfrm>
-              <a:off x="2123728" y="2636912"/>
-              <a:ext cx="1152128" cy="1872208"/>
+              <a:off x="2553593" y="2361587"/>
+              <a:ext cx="1536171" cy="2863377"/>
             </a:xfrm>
             <a:prstGeom prst="rect">
               <a:avLst/>
@@ -14722,8 +16831,8 @@
           </p:nvCxnSpPr>
           <p:spPr>
             <a:xfrm>
-              <a:off x="1763688" y="3573016"/>
-              <a:ext cx="288032" cy="0"/>
+              <a:off x="2073540" y="3793276"/>
+              <a:ext cx="384043" cy="0"/>
             </a:xfrm>
             <a:prstGeom prst="straightConnector1">
               <a:avLst/>
@@ -14820,10 +16929,15 @@
             <p:ph idx="1"/>
           </p:nvPr>
         </p:nvSpPr>
-        <p:spPr/>
+        <p:spPr>
+          <a:xfrm>
+            <a:off x="457200" y="1700808"/>
+            <a:ext cx="8229600" cy="2260848"/>
+          </a:xfrm>
+        </p:spPr>
         <p:txBody>
           <a:bodyPr>
-            <a:normAutofit lnSpcReduction="10000"/>
+            <a:normAutofit fontScale="70000" lnSpcReduction="20000"/>
           </a:bodyPr>
           <a:lstStyle/>
           <a:p>
@@ -14831,144 +16945,157 @@
               <a:buNone/>
             </a:pPr>
             <a:r>
-              <a:rPr lang="de-DE" dirty="0" smtClean="0"/>
-              <a:t>Problem: </a:t>
-            </a:r>
-          </a:p>
-          <a:p>
-            <a:pPr>
+              <a:rPr lang="de-DE" sz="4000" dirty="0" smtClean="0"/>
+              <a:t>	</a:t>
+            </a:r>
+            <a:r>
+              <a:rPr lang="de-DE" sz="4000" b="1" dirty="0" smtClean="0"/>
+              <a:t>Problem</a:t>
+            </a:r>
+            <a:r>
+              <a:rPr lang="de-DE" sz="4000" b="1" dirty="0" smtClean="0"/>
+              <a:t>:</a:t>
+            </a:r>
+            <a:r>
+              <a:rPr lang="de-DE" sz="4000" dirty="0" smtClean="0"/>
+              <a:t> </a:t>
+            </a:r>
+            <a:endParaRPr lang="de-DE" sz="4000" dirty="0" smtClean="0"/>
+          </a:p>
+          <a:p>
+            <a:pPr lvl="1">
               <a:buNone/>
             </a:pPr>
             <a:r>
-              <a:rPr lang="de-DE" dirty="0" smtClean="0"/>
+              <a:rPr lang="de-DE" sz="4000" dirty="0" smtClean="0"/>
               <a:t>	</a:t>
             </a:r>
             <a:r>
-              <a:rPr lang="de-DE" dirty="0" err="1" smtClean="0"/>
+              <a:rPr lang="de-DE" sz="4000" dirty="0" err="1" smtClean="0"/>
               <a:t>How</a:t>
             </a:r>
             <a:r>
-              <a:rPr lang="de-DE" dirty="0" smtClean="0"/>
+              <a:rPr lang="de-DE" sz="4000" dirty="0" smtClean="0"/>
               <a:t> </a:t>
             </a:r>
             <a:r>
-              <a:rPr lang="de-DE" dirty="0" err="1" smtClean="0"/>
+              <a:rPr lang="de-DE" sz="4000" dirty="0" err="1" smtClean="0"/>
               <a:t>to</a:t>
             </a:r>
             <a:r>
-              <a:rPr lang="de-DE" dirty="0" smtClean="0"/>
+              <a:rPr lang="de-DE" sz="4000" dirty="0" smtClean="0"/>
               <a:t> </a:t>
             </a:r>
             <a:r>
-              <a:rPr lang="de-DE" dirty="0" err="1" smtClean="0"/>
+              <a:rPr lang="de-DE" sz="4000" dirty="0" err="1" smtClean="0"/>
               <a:t>get</a:t>
             </a:r>
             <a:r>
-              <a:rPr lang="de-DE" dirty="0" smtClean="0"/>
+              <a:rPr lang="de-DE" sz="4000" dirty="0" smtClean="0"/>
               <a:t> </a:t>
             </a:r>
             <a:r>
-              <a:rPr lang="de-DE" dirty="0" err="1" smtClean="0"/>
+              <a:rPr lang="de-DE" sz="4000" dirty="0" err="1" smtClean="0"/>
               <a:t>the</a:t>
             </a:r>
             <a:r>
-              <a:rPr lang="de-DE" dirty="0" smtClean="0"/>
+              <a:rPr lang="de-DE" sz="4000" dirty="0" smtClean="0"/>
               <a:t> </a:t>
             </a:r>
             <a:r>
-              <a:rPr lang="de-DE" dirty="0" err="1" smtClean="0"/>
+              <a:rPr lang="de-DE" sz="4000" dirty="0" err="1" smtClean="0"/>
               <a:t>required</a:t>
             </a:r>
             <a:r>
-              <a:rPr lang="de-DE" dirty="0" smtClean="0"/>
+              <a:rPr lang="de-DE" sz="4000" dirty="0" smtClean="0"/>
               <a:t> </a:t>
             </a:r>
             <a:r>
-              <a:rPr lang="de-DE" dirty="0" err="1" smtClean="0"/>
+              <a:rPr lang="de-DE" sz="4000" dirty="0" err="1" smtClean="0"/>
               <a:t>data</a:t>
             </a:r>
             <a:r>
-              <a:rPr lang="de-DE" dirty="0" smtClean="0"/>
+              <a:rPr lang="de-DE" sz="4000" dirty="0" smtClean="0"/>
               <a:t> out </a:t>
             </a:r>
             <a:r>
-              <a:rPr lang="de-DE" dirty="0" err="1" smtClean="0"/>
+              <a:rPr lang="de-DE" sz="4000" dirty="0" err="1" smtClean="0"/>
               <a:t>of</a:t>
             </a:r>
             <a:r>
-              <a:rPr lang="de-DE" dirty="0" smtClean="0"/>
+              <a:rPr lang="de-DE" sz="4000" dirty="0" smtClean="0"/>
               <a:t> </a:t>
             </a:r>
             <a:r>
-              <a:rPr lang="de-DE" dirty="0" err="1" smtClean="0"/>
+              <a:rPr lang="de-DE" sz="4000" dirty="0" err="1" smtClean="0"/>
               <a:t>the</a:t>
             </a:r>
             <a:r>
-              <a:rPr lang="de-DE" dirty="0" smtClean="0"/>
+              <a:rPr lang="de-DE" sz="4000" dirty="0" smtClean="0"/>
               <a:t> QIS-Software </a:t>
             </a:r>
             <a:r>
-              <a:rPr lang="de-DE" dirty="0" err="1" smtClean="0"/>
+              <a:rPr lang="de-DE" sz="4000" dirty="0" err="1" smtClean="0"/>
               <a:t>a.k.a</a:t>
             </a:r>
             <a:r>
-              <a:rPr lang="de-DE" dirty="0" smtClean="0"/>
+              <a:rPr lang="de-DE" sz="4000" dirty="0" smtClean="0"/>
               <a:t> „Student terminal“ </a:t>
             </a:r>
             <a:r>
-              <a:rPr lang="de-DE" dirty="0" err="1" smtClean="0"/>
+              <a:rPr lang="de-DE" sz="4000" dirty="0" err="1" smtClean="0"/>
               <a:t>without</a:t>
             </a:r>
             <a:r>
-              <a:rPr lang="de-DE" dirty="0" smtClean="0"/>
+              <a:rPr lang="de-DE" sz="4000" dirty="0" smtClean="0"/>
               <a:t> </a:t>
             </a:r>
             <a:r>
-              <a:rPr lang="de-DE" dirty="0" err="1" smtClean="0"/>
+              <a:rPr lang="de-DE" sz="4000" dirty="0" err="1" smtClean="0"/>
               <a:t>any</a:t>
             </a:r>
             <a:r>
-              <a:rPr lang="de-DE" dirty="0" smtClean="0"/>
+              <a:rPr lang="de-DE" sz="4000" dirty="0" smtClean="0"/>
               <a:t> API </a:t>
             </a:r>
             <a:r>
-              <a:rPr lang="de-DE" dirty="0" err="1" smtClean="0"/>
+              <a:rPr lang="de-DE" sz="4000" dirty="0" err="1" smtClean="0"/>
               <a:t>or</a:t>
             </a:r>
             <a:r>
-              <a:rPr lang="de-DE" dirty="0" smtClean="0"/>
+              <a:rPr lang="de-DE" sz="4000" dirty="0" smtClean="0"/>
               <a:t> </a:t>
             </a:r>
             <a:r>
-              <a:rPr lang="de-DE" dirty="0" err="1" smtClean="0"/>
+              <a:rPr lang="de-DE" sz="4000" dirty="0" err="1" smtClean="0"/>
               <a:t>other</a:t>
             </a:r>
             <a:r>
-              <a:rPr lang="de-DE" dirty="0" smtClean="0"/>
+              <a:rPr lang="de-DE" sz="4000" dirty="0" smtClean="0"/>
               <a:t> </a:t>
             </a:r>
             <a:r>
-              <a:rPr lang="de-DE" dirty="0" err="1" smtClean="0"/>
+              <a:rPr lang="de-DE" sz="4000" dirty="0" err="1" smtClean="0"/>
               <a:t>interface</a:t>
             </a:r>
             <a:r>
-              <a:rPr lang="de-DE" dirty="0" smtClean="0"/>
+              <a:rPr lang="de-DE" sz="4000" dirty="0" smtClean="0"/>
               <a:t> </a:t>
             </a:r>
             <a:r>
-              <a:rPr lang="de-DE" dirty="0" err="1" smtClean="0"/>
+              <a:rPr lang="de-DE" sz="4000" dirty="0" err="1" smtClean="0"/>
               <a:t>to</a:t>
             </a:r>
             <a:r>
-              <a:rPr lang="de-DE" dirty="0" smtClean="0"/>
+              <a:rPr lang="de-DE" sz="4000" dirty="0" smtClean="0"/>
               <a:t> do </a:t>
             </a:r>
             <a:r>
-              <a:rPr lang="de-DE" dirty="0" err="1" smtClean="0"/>
+              <a:rPr lang="de-DE" sz="4000" dirty="0" err="1" smtClean="0"/>
               <a:t>this</a:t>
             </a:r>
             <a:r>
-              <a:rPr lang="de-DE" dirty="0" smtClean="0"/>
+              <a:rPr lang="de-DE" sz="4000" dirty="0" smtClean="0"/>
               <a:t>?</a:t>
             </a:r>
           </a:p>
@@ -14984,152 +17111,7 @@
             </a:pPr>
             <a:r>
               <a:rPr lang="de-DE" dirty="0" smtClean="0"/>
-              <a:t>Solution:</a:t>
-            </a:r>
-          </a:p>
-          <a:p>
-            <a:pPr>
-              <a:buNone/>
-            </a:pPr>
-            <a:r>
-              <a:rPr lang="de-DE" dirty="0" smtClean="0"/>
               <a:t>	</a:t>
-            </a:r>
-            <a:r>
-              <a:rPr lang="de-DE" dirty="0" err="1" smtClean="0"/>
-              <a:t>Fake</a:t>
-            </a:r>
-            <a:r>
-              <a:rPr lang="de-DE" dirty="0" smtClean="0"/>
-              <a:t> a web </a:t>
-            </a:r>
-            <a:r>
-              <a:rPr lang="de-DE" dirty="0" err="1" smtClean="0"/>
-              <a:t>browser</a:t>
-            </a:r>
-            <a:r>
-              <a:rPr lang="de-DE" dirty="0" smtClean="0"/>
-              <a:t>! </a:t>
-            </a:r>
-            <a:r>
-              <a:rPr lang="de-DE" dirty="0" err="1" smtClean="0"/>
-              <a:t>We</a:t>
-            </a:r>
-            <a:r>
-              <a:rPr lang="de-DE" dirty="0" smtClean="0"/>
-              <a:t> </a:t>
-            </a:r>
-            <a:r>
-              <a:rPr lang="de-DE" dirty="0" err="1" smtClean="0"/>
-              <a:t>need</a:t>
-            </a:r>
-            <a:r>
-              <a:rPr lang="de-DE" dirty="0" smtClean="0"/>
-              <a:t> </a:t>
-            </a:r>
-            <a:r>
-              <a:rPr lang="de-DE" dirty="0" err="1" smtClean="0"/>
-              <a:t>to</a:t>
-            </a:r>
-            <a:r>
-              <a:rPr lang="de-DE" dirty="0" smtClean="0"/>
-              <a:t> </a:t>
-            </a:r>
-            <a:r>
-              <a:rPr lang="de-DE" dirty="0" err="1" smtClean="0"/>
-              <a:t>simulate</a:t>
-            </a:r>
-            <a:r>
-              <a:rPr lang="de-DE" dirty="0" smtClean="0"/>
-              <a:t> all </a:t>
-            </a:r>
-            <a:r>
-              <a:rPr lang="de-DE" dirty="0" err="1" smtClean="0"/>
-              <a:t>clicks</a:t>
-            </a:r>
-            <a:r>
-              <a:rPr lang="de-DE" dirty="0" smtClean="0"/>
-              <a:t> </a:t>
-            </a:r>
-            <a:r>
-              <a:rPr lang="de-DE" dirty="0" err="1" smtClean="0"/>
-              <a:t>and</a:t>
-            </a:r>
-            <a:r>
-              <a:rPr lang="de-DE" dirty="0" smtClean="0"/>
-              <a:t> </a:t>
-            </a:r>
-            <a:r>
-              <a:rPr lang="de-DE" dirty="0" err="1" smtClean="0"/>
-              <a:t>actions</a:t>
-            </a:r>
-            <a:r>
-              <a:rPr lang="de-DE" dirty="0" smtClean="0"/>
-              <a:t> </a:t>
-            </a:r>
-            <a:r>
-              <a:rPr lang="de-DE" dirty="0" err="1" smtClean="0"/>
-              <a:t>and</a:t>
-            </a:r>
-            <a:r>
-              <a:rPr lang="de-DE" dirty="0" smtClean="0"/>
-              <a:t> </a:t>
-            </a:r>
-            <a:r>
-              <a:rPr lang="de-DE" dirty="0" err="1" smtClean="0"/>
-              <a:t>extract</a:t>
-            </a:r>
-            <a:r>
-              <a:rPr lang="de-DE" dirty="0" smtClean="0"/>
-              <a:t> </a:t>
-            </a:r>
-            <a:r>
-              <a:rPr lang="de-DE" dirty="0" err="1" smtClean="0"/>
-              <a:t>the</a:t>
-            </a:r>
-            <a:r>
-              <a:rPr lang="de-DE" dirty="0" smtClean="0"/>
-              <a:t> </a:t>
-            </a:r>
-            <a:r>
-              <a:rPr lang="de-DE" dirty="0" err="1" smtClean="0"/>
-              <a:t>data</a:t>
-            </a:r>
-            <a:r>
-              <a:rPr lang="de-DE" dirty="0" smtClean="0"/>
-              <a:t> out </a:t>
-            </a:r>
-            <a:r>
-              <a:rPr lang="de-DE" dirty="0" err="1" smtClean="0"/>
-              <a:t>of</a:t>
-            </a:r>
-            <a:r>
-              <a:rPr lang="de-DE" dirty="0" smtClean="0"/>
-              <a:t> </a:t>
-            </a:r>
-            <a:r>
-              <a:rPr lang="de-DE" dirty="0" err="1" smtClean="0"/>
-              <a:t>the</a:t>
-            </a:r>
-            <a:r>
-              <a:rPr lang="de-DE" dirty="0" smtClean="0"/>
-              <a:t> </a:t>
-            </a:r>
-            <a:r>
-              <a:rPr lang="de-DE" dirty="0" err="1" smtClean="0"/>
-              <a:t>delivered</a:t>
-            </a:r>
-            <a:r>
-              <a:rPr lang="de-DE" dirty="0" smtClean="0"/>
-              <a:t> HTML </a:t>
-            </a:r>
-            <a:r>
-              <a:rPr lang="de-DE" dirty="0" err="1" smtClean="0"/>
-              <a:t>files</a:t>
-            </a:r>
-            <a:r>
-              <a:rPr lang="de-DE" dirty="0" smtClean="0"/>
-              <a:t>.</a:t>
             </a:r>
             <a:endParaRPr lang="de-DE" dirty="0"/>
           </a:p>
@@ -15152,7 +17134,7 @@
           <a:p>
             <a:r>
               <a:rPr lang="de-DE" smtClean="0"/>
-              <a:t>21.01.2012</a:t>
+              <a:t>24.01.2012</a:t>
             </a:r>
             <a:endParaRPr lang="de-DE" dirty="0"/>
           </a:p>
@@ -15205,11 +17187,948 @@
           </a:p>
         </p:txBody>
       </p:sp>
+      <p:sp>
+        <p:nvSpPr>
+          <p:cNvPr id="10" name="Ellipse 9"/>
+          <p:cNvSpPr/>
+          <p:nvPr/>
+        </p:nvSpPr>
+        <p:spPr>
+          <a:xfrm>
+            <a:off x="395536" y="1700808"/>
+            <a:ext cx="360040" cy="360040"/>
+          </a:xfrm>
+          <a:prstGeom prst="ellipse">
+            <a:avLst/>
+          </a:prstGeom>
+          <a:solidFill>
+            <a:schemeClr val="accent2">
+              <a:lumMod val="60000"/>
+              <a:lumOff val="40000"/>
+            </a:schemeClr>
+          </a:solidFill>
+          <a:ln w="41275">
+            <a:solidFill>
+              <a:srgbClr val="C00000"/>
+            </a:solidFill>
+          </a:ln>
+          <a:effectLst>
+            <a:outerShdw blurRad="50800" dist="38100" dir="2700000" algn="tl" rotWithShape="0">
+              <a:prstClr val="black">
+                <a:alpha val="40000"/>
+              </a:prstClr>
+            </a:outerShdw>
+          </a:effectLst>
+        </p:spPr>
+        <p:style>
+          <a:lnRef idx="2">
+            <a:schemeClr val="accent1">
+              <a:shade val="50000"/>
+            </a:schemeClr>
+          </a:lnRef>
+          <a:fillRef idx="1">
+            <a:schemeClr val="accent1"/>
+          </a:fillRef>
+          <a:effectRef idx="0">
+            <a:schemeClr val="accent1"/>
+          </a:effectRef>
+          <a:fontRef idx="minor">
+            <a:schemeClr val="lt1"/>
+          </a:fontRef>
+        </p:style>
+        <p:txBody>
+          <a:bodyPr rtlCol="0" anchor="ctr"/>
+          <a:lstStyle/>
+          <a:p>
+            <a:pPr algn="ctr"/>
+            <a:r>
+              <a:rPr lang="de-DE" sz="2800" b="1" dirty="0" smtClean="0"/>
+              <a:t>?</a:t>
+            </a:r>
+            <a:endParaRPr lang="de-DE" sz="2800" b="1" dirty="0"/>
+          </a:p>
+        </p:txBody>
+      </p:sp>
+      <p:sp>
+        <p:nvSpPr>
+          <p:cNvPr id="11" name="Ellipse 10"/>
+          <p:cNvSpPr/>
+          <p:nvPr/>
+        </p:nvSpPr>
+        <p:spPr>
+          <a:xfrm>
+            <a:off x="395536" y="3861048"/>
+            <a:ext cx="360040" cy="360040"/>
+          </a:xfrm>
+          <a:prstGeom prst="ellipse">
+            <a:avLst/>
+          </a:prstGeom>
+          <a:solidFill>
+            <a:schemeClr val="accent3">
+              <a:lumMod val="60000"/>
+              <a:lumOff val="40000"/>
+            </a:schemeClr>
+          </a:solidFill>
+          <a:ln w="41275">
+            <a:solidFill>
+              <a:schemeClr val="accent3">
+                <a:lumMod val="75000"/>
+              </a:schemeClr>
+            </a:solidFill>
+          </a:ln>
+          <a:effectLst>
+            <a:outerShdw blurRad="50800" dist="38100" dir="2700000" algn="tl" rotWithShape="0">
+              <a:prstClr val="black">
+                <a:alpha val="40000"/>
+              </a:prstClr>
+            </a:outerShdw>
+          </a:effectLst>
+        </p:spPr>
+        <p:style>
+          <a:lnRef idx="2">
+            <a:schemeClr val="accent1">
+              <a:shade val="50000"/>
+            </a:schemeClr>
+          </a:lnRef>
+          <a:fillRef idx="1">
+            <a:schemeClr val="accent1"/>
+          </a:fillRef>
+          <a:effectRef idx="0">
+            <a:schemeClr val="accent1"/>
+          </a:effectRef>
+          <a:fontRef idx="minor">
+            <a:schemeClr val="lt1"/>
+          </a:fontRef>
+        </p:style>
+        <p:txBody>
+          <a:bodyPr rtlCol="0" anchor="ctr"/>
+          <a:lstStyle/>
+          <a:p>
+            <a:pPr algn="ctr"/>
+            <a:r>
+              <a:rPr lang="de-DE" sz="2800" b="1" dirty="0" smtClean="0"/>
+              <a:t>!</a:t>
+            </a:r>
+            <a:endParaRPr lang="de-DE" sz="2800" b="1" dirty="0"/>
+          </a:p>
+        </p:txBody>
+      </p:sp>
+      <p:sp>
+        <p:nvSpPr>
+          <p:cNvPr id="12" name="Inhaltsplatzhalter 2"/>
+          <p:cNvSpPr txBox="1">
+            <a:spLocks/>
+          </p:cNvSpPr>
+          <p:nvPr/>
+        </p:nvSpPr>
+        <p:spPr>
+          <a:xfrm>
+            <a:off x="446856" y="3789040"/>
+            <a:ext cx="8229600" cy="2232248"/>
+          </a:xfrm>
+          <a:prstGeom prst="rect">
+            <a:avLst/>
+          </a:prstGeom>
+        </p:spPr>
+        <p:txBody>
+          <a:bodyPr vert="horz" lIns="91440" tIns="45720" rIns="91440" bIns="45720" rtlCol="0">
+            <a:normAutofit/>
+          </a:bodyPr>
+          <a:lstStyle/>
+          <a:p>
+            <a:pPr marL="342900" marR="0" lvl="0" indent="-342900" algn="l" defTabSz="914400" rtl="0" eaLnBrk="1" fontAlgn="auto" latinLnBrk="0" hangingPunct="1">
+              <a:lnSpc>
+                <a:spcPct val="100000"/>
+              </a:lnSpc>
+              <a:spcBef>
+                <a:spcPct val="20000"/>
+              </a:spcBef>
+              <a:spcAft>
+                <a:spcPts val="0"/>
+              </a:spcAft>
+              <a:buClrTx/>
+              <a:buSzTx/>
+              <a:buFont typeface="Arial" pitchFamily="34" charset="0"/>
+              <a:buNone/>
+              <a:tabLst/>
+              <a:defRPr/>
+            </a:pPr>
+            <a:r>
+              <a:rPr kumimoji="0" lang="de-DE" sz="2800" b="0" i="0" u="none" strike="noStrike" kern="1200" cap="none" spc="0" normalizeH="0" baseline="0" noProof="0" dirty="0" smtClean="0">
+                <a:ln>
+                  <a:noFill/>
+                </a:ln>
+                <a:solidFill>
+                  <a:schemeClr val="tx1"/>
+                </a:solidFill>
+                <a:effectLst/>
+                <a:uLnTx/>
+                <a:uFillTx/>
+                <a:latin typeface="+mn-lt"/>
+                <a:ea typeface="+mn-ea"/>
+                <a:cs typeface="+mn-cs"/>
+              </a:rPr>
+              <a:t>	</a:t>
+            </a:r>
+            <a:r>
+              <a:rPr kumimoji="0" lang="de-DE" sz="2800" b="1" i="0" u="none" strike="noStrike" kern="1200" cap="none" spc="0" normalizeH="0" baseline="0" noProof="0" dirty="0" smtClean="0">
+                <a:ln>
+                  <a:noFill/>
+                </a:ln>
+                <a:solidFill>
+                  <a:schemeClr val="tx1"/>
+                </a:solidFill>
+                <a:effectLst/>
+                <a:uLnTx/>
+                <a:uFillTx/>
+                <a:latin typeface="+mn-lt"/>
+                <a:ea typeface="+mn-ea"/>
+                <a:cs typeface="+mn-cs"/>
+              </a:rPr>
+              <a:t>Solution:</a:t>
+            </a:r>
+          </a:p>
+          <a:p>
+            <a:pPr marL="742950" marR="0" lvl="1" indent="-285750" algn="l" defTabSz="914400" rtl="0" eaLnBrk="1" fontAlgn="auto" latinLnBrk="0" hangingPunct="1">
+              <a:lnSpc>
+                <a:spcPct val="100000"/>
+              </a:lnSpc>
+              <a:spcBef>
+                <a:spcPct val="20000"/>
+              </a:spcBef>
+              <a:spcAft>
+                <a:spcPts val="0"/>
+              </a:spcAft>
+              <a:buClrTx/>
+              <a:buSzTx/>
+              <a:buFont typeface="Arial" pitchFamily="34" charset="0"/>
+              <a:buNone/>
+              <a:tabLst/>
+              <a:defRPr/>
+            </a:pPr>
+            <a:r>
+              <a:rPr kumimoji="0" lang="de-DE" sz="2800" b="0" i="0" u="none" strike="noStrike" kern="1200" cap="none" spc="0" normalizeH="0" baseline="0" noProof="0" dirty="0" smtClean="0">
+                <a:ln>
+                  <a:noFill/>
+                </a:ln>
+                <a:solidFill>
+                  <a:schemeClr val="tx1"/>
+                </a:solidFill>
+                <a:effectLst/>
+                <a:uLnTx/>
+                <a:uFillTx/>
+                <a:latin typeface="+mn-lt"/>
+                <a:ea typeface="+mn-ea"/>
+                <a:cs typeface="+mn-cs"/>
+              </a:rPr>
+              <a:t>	</a:t>
+            </a:r>
+            <a:r>
+              <a:rPr kumimoji="0" lang="de-DE" sz="2800" b="0" i="0" u="none" strike="noStrike" kern="1200" cap="none" spc="0" normalizeH="0" baseline="0" noProof="0" dirty="0" err="1" smtClean="0">
+                <a:ln>
+                  <a:noFill/>
+                </a:ln>
+                <a:solidFill>
+                  <a:schemeClr val="tx1"/>
+                </a:solidFill>
+                <a:effectLst/>
+                <a:uLnTx/>
+                <a:uFillTx/>
+                <a:latin typeface="+mn-lt"/>
+                <a:ea typeface="+mn-ea"/>
+                <a:cs typeface="+mn-cs"/>
+              </a:rPr>
+              <a:t>Fake</a:t>
+            </a:r>
+            <a:r>
+              <a:rPr kumimoji="0" lang="de-DE" sz="2800" b="0" i="0" u="none" strike="noStrike" kern="1200" cap="none" spc="0" normalizeH="0" baseline="0" noProof="0" dirty="0" smtClean="0">
+                <a:ln>
+                  <a:noFill/>
+                </a:ln>
+                <a:solidFill>
+                  <a:schemeClr val="tx1"/>
+                </a:solidFill>
+                <a:effectLst/>
+                <a:uLnTx/>
+                <a:uFillTx/>
+                <a:latin typeface="+mn-lt"/>
+                <a:ea typeface="+mn-ea"/>
+                <a:cs typeface="+mn-cs"/>
+              </a:rPr>
+              <a:t> a web </a:t>
+            </a:r>
+            <a:r>
+              <a:rPr kumimoji="0" lang="de-DE" sz="2800" b="0" i="0" u="none" strike="noStrike" kern="1200" cap="none" spc="0" normalizeH="0" baseline="0" noProof="0" dirty="0" err="1" smtClean="0">
+                <a:ln>
+                  <a:noFill/>
+                </a:ln>
+                <a:solidFill>
+                  <a:schemeClr val="tx1"/>
+                </a:solidFill>
+                <a:effectLst/>
+                <a:uLnTx/>
+                <a:uFillTx/>
+                <a:latin typeface="+mn-lt"/>
+                <a:ea typeface="+mn-ea"/>
+                <a:cs typeface="+mn-cs"/>
+              </a:rPr>
+              <a:t>browser</a:t>
+            </a:r>
+            <a:r>
+              <a:rPr kumimoji="0" lang="de-DE" sz="2800" b="0" i="0" u="none" strike="noStrike" kern="1200" cap="none" spc="0" normalizeH="0" baseline="0" noProof="0" dirty="0" smtClean="0">
+                <a:ln>
+                  <a:noFill/>
+                </a:ln>
+                <a:solidFill>
+                  <a:schemeClr val="tx1"/>
+                </a:solidFill>
+                <a:effectLst/>
+                <a:uLnTx/>
+                <a:uFillTx/>
+                <a:latin typeface="+mn-lt"/>
+                <a:ea typeface="+mn-ea"/>
+                <a:cs typeface="+mn-cs"/>
+              </a:rPr>
+              <a:t>! </a:t>
+            </a:r>
+            <a:r>
+              <a:rPr kumimoji="0" lang="de-DE" sz="2800" b="0" i="0" u="none" strike="noStrike" kern="1200" cap="none" spc="0" normalizeH="0" baseline="0" noProof="0" dirty="0" err="1" smtClean="0">
+                <a:ln>
+                  <a:noFill/>
+                </a:ln>
+                <a:solidFill>
+                  <a:schemeClr val="tx1"/>
+                </a:solidFill>
+                <a:effectLst/>
+                <a:uLnTx/>
+                <a:uFillTx/>
+                <a:latin typeface="+mn-lt"/>
+                <a:ea typeface="+mn-ea"/>
+                <a:cs typeface="+mn-cs"/>
+              </a:rPr>
+              <a:t>We</a:t>
+            </a:r>
+            <a:r>
+              <a:rPr kumimoji="0" lang="de-DE" sz="2800" b="0" i="0" u="none" strike="noStrike" kern="1200" cap="none" spc="0" normalizeH="0" baseline="0" noProof="0" dirty="0" smtClean="0">
+                <a:ln>
+                  <a:noFill/>
+                </a:ln>
+                <a:solidFill>
+                  <a:schemeClr val="tx1"/>
+                </a:solidFill>
+                <a:effectLst/>
+                <a:uLnTx/>
+                <a:uFillTx/>
+                <a:latin typeface="+mn-lt"/>
+                <a:ea typeface="+mn-ea"/>
+                <a:cs typeface="+mn-cs"/>
+              </a:rPr>
+              <a:t> </a:t>
+            </a:r>
+            <a:r>
+              <a:rPr kumimoji="0" lang="de-DE" sz="2800" b="0" i="0" u="none" strike="noStrike" kern="1200" cap="none" spc="0" normalizeH="0" baseline="0" noProof="0" dirty="0" err="1" smtClean="0">
+                <a:ln>
+                  <a:noFill/>
+                </a:ln>
+                <a:solidFill>
+                  <a:schemeClr val="tx1"/>
+                </a:solidFill>
+                <a:effectLst/>
+                <a:uLnTx/>
+                <a:uFillTx/>
+                <a:latin typeface="+mn-lt"/>
+                <a:ea typeface="+mn-ea"/>
+                <a:cs typeface="+mn-cs"/>
+              </a:rPr>
+              <a:t>need</a:t>
+            </a:r>
+            <a:r>
+              <a:rPr kumimoji="0" lang="de-DE" sz="2800" b="0" i="0" u="none" strike="noStrike" kern="1200" cap="none" spc="0" normalizeH="0" baseline="0" noProof="0" dirty="0" smtClean="0">
+                <a:ln>
+                  <a:noFill/>
+                </a:ln>
+                <a:solidFill>
+                  <a:schemeClr val="tx1"/>
+                </a:solidFill>
+                <a:effectLst/>
+                <a:uLnTx/>
+                <a:uFillTx/>
+                <a:latin typeface="+mn-lt"/>
+                <a:ea typeface="+mn-ea"/>
+                <a:cs typeface="+mn-cs"/>
+              </a:rPr>
+              <a:t> </a:t>
+            </a:r>
+            <a:r>
+              <a:rPr kumimoji="0" lang="de-DE" sz="2800" b="0" i="0" u="none" strike="noStrike" kern="1200" cap="none" spc="0" normalizeH="0" baseline="0" noProof="0" dirty="0" err="1" smtClean="0">
+                <a:ln>
+                  <a:noFill/>
+                </a:ln>
+                <a:solidFill>
+                  <a:schemeClr val="tx1"/>
+                </a:solidFill>
+                <a:effectLst/>
+                <a:uLnTx/>
+                <a:uFillTx/>
+                <a:latin typeface="+mn-lt"/>
+                <a:ea typeface="+mn-ea"/>
+                <a:cs typeface="+mn-cs"/>
+              </a:rPr>
+              <a:t>to</a:t>
+            </a:r>
+            <a:r>
+              <a:rPr kumimoji="0" lang="de-DE" sz="2800" b="0" i="0" u="none" strike="noStrike" kern="1200" cap="none" spc="0" normalizeH="0" baseline="0" noProof="0" dirty="0" smtClean="0">
+                <a:ln>
+                  <a:noFill/>
+                </a:ln>
+                <a:solidFill>
+                  <a:schemeClr val="tx1"/>
+                </a:solidFill>
+                <a:effectLst/>
+                <a:uLnTx/>
+                <a:uFillTx/>
+                <a:latin typeface="+mn-lt"/>
+                <a:ea typeface="+mn-ea"/>
+                <a:cs typeface="+mn-cs"/>
+              </a:rPr>
+              <a:t> </a:t>
+            </a:r>
+            <a:r>
+              <a:rPr kumimoji="0" lang="de-DE" sz="2800" b="0" i="0" u="none" strike="noStrike" kern="1200" cap="none" spc="0" normalizeH="0" baseline="0" noProof="0" dirty="0" err="1" smtClean="0">
+                <a:ln>
+                  <a:noFill/>
+                </a:ln>
+                <a:solidFill>
+                  <a:schemeClr val="tx1"/>
+                </a:solidFill>
+                <a:effectLst/>
+                <a:uLnTx/>
+                <a:uFillTx/>
+                <a:latin typeface="+mn-lt"/>
+                <a:ea typeface="+mn-ea"/>
+                <a:cs typeface="+mn-cs"/>
+              </a:rPr>
+              <a:t>simulate</a:t>
+            </a:r>
+            <a:r>
+              <a:rPr kumimoji="0" lang="de-DE" sz="2800" b="0" i="0" u="none" strike="noStrike" kern="1200" cap="none" spc="0" normalizeH="0" baseline="0" noProof="0" dirty="0" smtClean="0">
+                <a:ln>
+                  <a:noFill/>
+                </a:ln>
+                <a:solidFill>
+                  <a:schemeClr val="tx1"/>
+                </a:solidFill>
+                <a:effectLst/>
+                <a:uLnTx/>
+                <a:uFillTx/>
+                <a:latin typeface="+mn-lt"/>
+                <a:ea typeface="+mn-ea"/>
+                <a:cs typeface="+mn-cs"/>
+              </a:rPr>
+              <a:t> all </a:t>
+            </a:r>
+            <a:r>
+              <a:rPr kumimoji="0" lang="de-DE" sz="2800" b="0" i="0" u="none" strike="noStrike" kern="1200" cap="none" spc="0" normalizeH="0" baseline="0" noProof="0" dirty="0" err="1" smtClean="0">
+                <a:ln>
+                  <a:noFill/>
+                </a:ln>
+                <a:solidFill>
+                  <a:schemeClr val="tx1"/>
+                </a:solidFill>
+                <a:effectLst/>
+                <a:uLnTx/>
+                <a:uFillTx/>
+                <a:latin typeface="+mn-lt"/>
+                <a:ea typeface="+mn-ea"/>
+                <a:cs typeface="+mn-cs"/>
+              </a:rPr>
+              <a:t>clicks</a:t>
+            </a:r>
+            <a:r>
+              <a:rPr kumimoji="0" lang="de-DE" sz="2800" b="0" i="0" u="none" strike="noStrike" kern="1200" cap="none" spc="0" normalizeH="0" baseline="0" noProof="0" dirty="0" smtClean="0">
+                <a:ln>
+                  <a:noFill/>
+                </a:ln>
+                <a:solidFill>
+                  <a:schemeClr val="tx1"/>
+                </a:solidFill>
+                <a:effectLst/>
+                <a:uLnTx/>
+                <a:uFillTx/>
+                <a:latin typeface="+mn-lt"/>
+                <a:ea typeface="+mn-ea"/>
+                <a:cs typeface="+mn-cs"/>
+              </a:rPr>
+              <a:t> </a:t>
+            </a:r>
+            <a:r>
+              <a:rPr kumimoji="0" lang="de-DE" sz="2800" b="0" i="0" u="none" strike="noStrike" kern="1200" cap="none" spc="0" normalizeH="0" baseline="0" noProof="0" dirty="0" err="1" smtClean="0">
+                <a:ln>
+                  <a:noFill/>
+                </a:ln>
+                <a:solidFill>
+                  <a:schemeClr val="tx1"/>
+                </a:solidFill>
+                <a:effectLst/>
+                <a:uLnTx/>
+                <a:uFillTx/>
+                <a:latin typeface="+mn-lt"/>
+                <a:ea typeface="+mn-ea"/>
+                <a:cs typeface="+mn-cs"/>
+              </a:rPr>
+              <a:t>and</a:t>
+            </a:r>
+            <a:r>
+              <a:rPr kumimoji="0" lang="de-DE" sz="2800" b="0" i="0" u="none" strike="noStrike" kern="1200" cap="none" spc="0" normalizeH="0" baseline="0" noProof="0" dirty="0" smtClean="0">
+                <a:ln>
+                  <a:noFill/>
+                </a:ln>
+                <a:solidFill>
+                  <a:schemeClr val="tx1"/>
+                </a:solidFill>
+                <a:effectLst/>
+                <a:uLnTx/>
+                <a:uFillTx/>
+                <a:latin typeface="+mn-lt"/>
+                <a:ea typeface="+mn-ea"/>
+                <a:cs typeface="+mn-cs"/>
+              </a:rPr>
+              <a:t> </a:t>
+            </a:r>
+            <a:r>
+              <a:rPr kumimoji="0" lang="de-DE" sz="2800" b="0" i="0" u="none" strike="noStrike" kern="1200" cap="none" spc="0" normalizeH="0" baseline="0" noProof="0" dirty="0" err="1" smtClean="0">
+                <a:ln>
+                  <a:noFill/>
+                </a:ln>
+                <a:solidFill>
+                  <a:schemeClr val="tx1"/>
+                </a:solidFill>
+                <a:effectLst/>
+                <a:uLnTx/>
+                <a:uFillTx/>
+                <a:latin typeface="+mn-lt"/>
+                <a:ea typeface="+mn-ea"/>
+                <a:cs typeface="+mn-cs"/>
+              </a:rPr>
+              <a:t>actions</a:t>
+            </a:r>
+            <a:r>
+              <a:rPr kumimoji="0" lang="de-DE" sz="2800" b="0" i="0" u="none" strike="noStrike" kern="1200" cap="none" spc="0" normalizeH="0" baseline="0" noProof="0" dirty="0" smtClean="0">
+                <a:ln>
+                  <a:noFill/>
+                </a:ln>
+                <a:solidFill>
+                  <a:schemeClr val="tx1"/>
+                </a:solidFill>
+                <a:effectLst/>
+                <a:uLnTx/>
+                <a:uFillTx/>
+                <a:latin typeface="+mn-lt"/>
+                <a:ea typeface="+mn-ea"/>
+                <a:cs typeface="+mn-cs"/>
+              </a:rPr>
+              <a:t> </a:t>
+            </a:r>
+            <a:r>
+              <a:rPr kumimoji="0" lang="de-DE" sz="2800" b="0" i="0" u="none" strike="noStrike" kern="1200" cap="none" spc="0" normalizeH="0" baseline="0" noProof="0" dirty="0" err="1" smtClean="0">
+                <a:ln>
+                  <a:noFill/>
+                </a:ln>
+                <a:solidFill>
+                  <a:schemeClr val="tx1"/>
+                </a:solidFill>
+                <a:effectLst/>
+                <a:uLnTx/>
+                <a:uFillTx/>
+                <a:latin typeface="+mn-lt"/>
+                <a:ea typeface="+mn-ea"/>
+                <a:cs typeface="+mn-cs"/>
+              </a:rPr>
+              <a:t>and</a:t>
+            </a:r>
+            <a:r>
+              <a:rPr kumimoji="0" lang="de-DE" sz="2800" b="0" i="0" u="none" strike="noStrike" kern="1200" cap="none" spc="0" normalizeH="0" baseline="0" noProof="0" dirty="0" smtClean="0">
+                <a:ln>
+                  <a:noFill/>
+                </a:ln>
+                <a:solidFill>
+                  <a:schemeClr val="tx1"/>
+                </a:solidFill>
+                <a:effectLst/>
+                <a:uLnTx/>
+                <a:uFillTx/>
+                <a:latin typeface="+mn-lt"/>
+                <a:ea typeface="+mn-ea"/>
+                <a:cs typeface="+mn-cs"/>
+              </a:rPr>
+              <a:t> </a:t>
+            </a:r>
+            <a:r>
+              <a:rPr kumimoji="0" lang="de-DE" sz="2800" b="0" i="0" u="none" strike="noStrike" kern="1200" cap="none" spc="0" normalizeH="0" baseline="0" noProof="0" dirty="0" err="1" smtClean="0">
+                <a:ln>
+                  <a:noFill/>
+                </a:ln>
+                <a:solidFill>
+                  <a:schemeClr val="tx1"/>
+                </a:solidFill>
+                <a:effectLst/>
+                <a:uLnTx/>
+                <a:uFillTx/>
+                <a:latin typeface="+mn-lt"/>
+                <a:ea typeface="+mn-ea"/>
+                <a:cs typeface="+mn-cs"/>
+              </a:rPr>
+              <a:t>extract</a:t>
+            </a:r>
+            <a:r>
+              <a:rPr kumimoji="0" lang="de-DE" sz="2800" b="0" i="0" u="none" strike="noStrike" kern="1200" cap="none" spc="0" normalizeH="0" baseline="0" noProof="0" dirty="0" smtClean="0">
+                <a:ln>
+                  <a:noFill/>
+                </a:ln>
+                <a:solidFill>
+                  <a:schemeClr val="tx1"/>
+                </a:solidFill>
+                <a:effectLst/>
+                <a:uLnTx/>
+                <a:uFillTx/>
+                <a:latin typeface="+mn-lt"/>
+                <a:ea typeface="+mn-ea"/>
+                <a:cs typeface="+mn-cs"/>
+              </a:rPr>
+              <a:t> </a:t>
+            </a:r>
+            <a:r>
+              <a:rPr kumimoji="0" lang="de-DE" sz="2800" b="0" i="0" u="none" strike="noStrike" kern="1200" cap="none" spc="0" normalizeH="0" baseline="0" noProof="0" dirty="0" err="1" smtClean="0">
+                <a:ln>
+                  <a:noFill/>
+                </a:ln>
+                <a:solidFill>
+                  <a:schemeClr val="tx1"/>
+                </a:solidFill>
+                <a:effectLst/>
+                <a:uLnTx/>
+                <a:uFillTx/>
+                <a:latin typeface="+mn-lt"/>
+                <a:ea typeface="+mn-ea"/>
+                <a:cs typeface="+mn-cs"/>
+              </a:rPr>
+              <a:t>the</a:t>
+            </a:r>
+            <a:r>
+              <a:rPr kumimoji="0" lang="de-DE" sz="2800" b="0" i="0" u="none" strike="noStrike" kern="1200" cap="none" spc="0" normalizeH="0" baseline="0" noProof="0" dirty="0" smtClean="0">
+                <a:ln>
+                  <a:noFill/>
+                </a:ln>
+                <a:solidFill>
+                  <a:schemeClr val="tx1"/>
+                </a:solidFill>
+                <a:effectLst/>
+                <a:uLnTx/>
+                <a:uFillTx/>
+                <a:latin typeface="+mn-lt"/>
+                <a:ea typeface="+mn-ea"/>
+                <a:cs typeface="+mn-cs"/>
+              </a:rPr>
+              <a:t> </a:t>
+            </a:r>
+            <a:r>
+              <a:rPr kumimoji="0" lang="de-DE" sz="2800" b="0" i="0" u="none" strike="noStrike" kern="1200" cap="none" spc="0" normalizeH="0" baseline="0" noProof="0" dirty="0" err="1" smtClean="0">
+                <a:ln>
+                  <a:noFill/>
+                </a:ln>
+                <a:solidFill>
+                  <a:schemeClr val="tx1"/>
+                </a:solidFill>
+                <a:effectLst/>
+                <a:uLnTx/>
+                <a:uFillTx/>
+                <a:latin typeface="+mn-lt"/>
+                <a:ea typeface="+mn-ea"/>
+                <a:cs typeface="+mn-cs"/>
+              </a:rPr>
+              <a:t>data</a:t>
+            </a:r>
+            <a:r>
+              <a:rPr kumimoji="0" lang="de-DE" sz="2800" b="0" i="0" u="none" strike="noStrike" kern="1200" cap="none" spc="0" normalizeH="0" baseline="0" noProof="0" dirty="0" smtClean="0">
+                <a:ln>
+                  <a:noFill/>
+                </a:ln>
+                <a:solidFill>
+                  <a:schemeClr val="tx1"/>
+                </a:solidFill>
+                <a:effectLst/>
+                <a:uLnTx/>
+                <a:uFillTx/>
+                <a:latin typeface="+mn-lt"/>
+                <a:ea typeface="+mn-ea"/>
+                <a:cs typeface="+mn-cs"/>
+              </a:rPr>
+              <a:t> out </a:t>
+            </a:r>
+            <a:r>
+              <a:rPr kumimoji="0" lang="de-DE" sz="2800" b="0" i="0" u="none" strike="noStrike" kern="1200" cap="none" spc="0" normalizeH="0" baseline="0" noProof="0" dirty="0" err="1" smtClean="0">
+                <a:ln>
+                  <a:noFill/>
+                </a:ln>
+                <a:solidFill>
+                  <a:schemeClr val="tx1"/>
+                </a:solidFill>
+                <a:effectLst/>
+                <a:uLnTx/>
+                <a:uFillTx/>
+                <a:latin typeface="+mn-lt"/>
+                <a:ea typeface="+mn-ea"/>
+                <a:cs typeface="+mn-cs"/>
+              </a:rPr>
+              <a:t>of</a:t>
+            </a:r>
+            <a:r>
+              <a:rPr kumimoji="0" lang="de-DE" sz="2800" b="0" i="0" u="none" strike="noStrike" kern="1200" cap="none" spc="0" normalizeH="0" baseline="0" noProof="0" dirty="0" smtClean="0">
+                <a:ln>
+                  <a:noFill/>
+                </a:ln>
+                <a:solidFill>
+                  <a:schemeClr val="tx1"/>
+                </a:solidFill>
+                <a:effectLst/>
+                <a:uLnTx/>
+                <a:uFillTx/>
+                <a:latin typeface="+mn-lt"/>
+                <a:ea typeface="+mn-ea"/>
+                <a:cs typeface="+mn-cs"/>
+              </a:rPr>
+              <a:t> </a:t>
+            </a:r>
+            <a:r>
+              <a:rPr kumimoji="0" lang="de-DE" sz="2800" b="0" i="0" u="none" strike="noStrike" kern="1200" cap="none" spc="0" normalizeH="0" baseline="0" noProof="0" dirty="0" err="1" smtClean="0">
+                <a:ln>
+                  <a:noFill/>
+                </a:ln>
+                <a:solidFill>
+                  <a:schemeClr val="tx1"/>
+                </a:solidFill>
+                <a:effectLst/>
+                <a:uLnTx/>
+                <a:uFillTx/>
+                <a:latin typeface="+mn-lt"/>
+                <a:ea typeface="+mn-ea"/>
+                <a:cs typeface="+mn-cs"/>
+              </a:rPr>
+              <a:t>the</a:t>
+            </a:r>
+            <a:r>
+              <a:rPr kumimoji="0" lang="de-DE" sz="2800" b="0" i="0" u="none" strike="noStrike" kern="1200" cap="none" spc="0" normalizeH="0" baseline="0" noProof="0" dirty="0" smtClean="0">
+                <a:ln>
+                  <a:noFill/>
+                </a:ln>
+                <a:solidFill>
+                  <a:schemeClr val="tx1"/>
+                </a:solidFill>
+                <a:effectLst/>
+                <a:uLnTx/>
+                <a:uFillTx/>
+                <a:latin typeface="+mn-lt"/>
+                <a:ea typeface="+mn-ea"/>
+                <a:cs typeface="+mn-cs"/>
+              </a:rPr>
+              <a:t> </a:t>
+            </a:r>
+            <a:r>
+              <a:rPr kumimoji="0" lang="de-DE" sz="2800" b="0" i="0" u="none" strike="noStrike" kern="1200" cap="none" spc="0" normalizeH="0" baseline="0" noProof="0" dirty="0" err="1" smtClean="0">
+                <a:ln>
+                  <a:noFill/>
+                </a:ln>
+                <a:solidFill>
+                  <a:schemeClr val="tx1"/>
+                </a:solidFill>
+                <a:effectLst/>
+                <a:uLnTx/>
+                <a:uFillTx/>
+                <a:latin typeface="+mn-lt"/>
+                <a:ea typeface="+mn-ea"/>
+                <a:cs typeface="+mn-cs"/>
+              </a:rPr>
+              <a:t>delivered</a:t>
+            </a:r>
+            <a:r>
+              <a:rPr kumimoji="0" lang="de-DE" sz="2800" b="0" i="0" u="none" strike="noStrike" kern="1200" cap="none" spc="0" normalizeH="0" baseline="0" noProof="0" dirty="0" smtClean="0">
+                <a:ln>
+                  <a:noFill/>
+                </a:ln>
+                <a:solidFill>
+                  <a:schemeClr val="tx1"/>
+                </a:solidFill>
+                <a:effectLst/>
+                <a:uLnTx/>
+                <a:uFillTx/>
+                <a:latin typeface="+mn-lt"/>
+                <a:ea typeface="+mn-ea"/>
+                <a:cs typeface="+mn-cs"/>
+              </a:rPr>
+              <a:t> HTML </a:t>
+            </a:r>
+            <a:r>
+              <a:rPr kumimoji="0" lang="de-DE" sz="2800" b="0" i="0" u="none" strike="noStrike" kern="1200" cap="none" spc="0" normalizeH="0" baseline="0" noProof="0" dirty="0" err="1" smtClean="0">
+                <a:ln>
+                  <a:noFill/>
+                </a:ln>
+                <a:solidFill>
+                  <a:schemeClr val="tx1"/>
+                </a:solidFill>
+                <a:effectLst/>
+                <a:uLnTx/>
+                <a:uFillTx/>
+                <a:latin typeface="+mn-lt"/>
+                <a:ea typeface="+mn-ea"/>
+                <a:cs typeface="+mn-cs"/>
+              </a:rPr>
+              <a:t>files</a:t>
+            </a:r>
+            <a:r>
+              <a:rPr kumimoji="0" lang="de-DE" sz="2800" b="0" i="0" u="none" strike="noStrike" kern="1200" cap="none" spc="0" normalizeH="0" baseline="0" noProof="0" dirty="0" smtClean="0">
+                <a:ln>
+                  <a:noFill/>
+                </a:ln>
+                <a:solidFill>
+                  <a:schemeClr val="tx1"/>
+                </a:solidFill>
+                <a:effectLst/>
+                <a:uLnTx/>
+                <a:uFillTx/>
+                <a:latin typeface="+mn-lt"/>
+                <a:ea typeface="+mn-ea"/>
+                <a:cs typeface="+mn-cs"/>
+              </a:rPr>
+              <a:t>.</a:t>
+            </a:r>
+            <a:endParaRPr kumimoji="0" lang="de-DE" sz="2800" b="0" i="0" u="none" strike="noStrike" kern="1200" cap="none" spc="0" normalizeH="0" baseline="0" noProof="0" dirty="0">
+              <a:ln>
+                <a:noFill/>
+              </a:ln>
+              <a:solidFill>
+                <a:schemeClr val="tx1"/>
+              </a:solidFill>
+              <a:effectLst/>
+              <a:uLnTx/>
+              <a:uFillTx/>
+              <a:latin typeface="+mn-lt"/>
+              <a:ea typeface="+mn-ea"/>
+              <a:cs typeface="+mn-cs"/>
+            </a:endParaRPr>
+          </a:p>
+        </p:txBody>
+      </p:sp>
     </p:spTree>
   </p:cSld>
   <p:clrMapOvr>
     <a:masterClrMapping/>
   </p:clrMapOvr>
+  <p:timing>
+    <p:tnLst>
+      <p:par>
+        <p:cTn id="1" dur="indefinite" restart="never" nodeType="tmRoot">
+          <p:childTnLst>
+            <p:seq concurrent="1" nextAc="seek">
+              <p:cTn id="2" dur="indefinite" nodeType="mainSeq">
+                <p:childTnLst>
+                  <p:par>
+                    <p:cTn id="3" fill="hold">
+                      <p:stCondLst>
+                        <p:cond delay="indefinite"/>
+                      </p:stCondLst>
+                      <p:childTnLst>
+                        <p:par>
+                          <p:cTn id="4" fill="hold">
+                            <p:stCondLst>
+                              <p:cond delay="0"/>
+                            </p:stCondLst>
+                            <p:childTnLst>
+                              <p:par>
+                                <p:cTn id="5" presetID="1" presetClass="entr" presetSubtype="0" fill="hold" grpId="0" nodeType="clickEffect">
+                                  <p:stCondLst>
+                                    <p:cond delay="0"/>
+                                  </p:stCondLst>
+                                  <p:childTnLst>
+                                    <p:set>
+                                      <p:cBhvr>
+                                        <p:cTn id="6" dur="1" fill="hold">
+                                          <p:stCondLst>
+                                            <p:cond delay="0"/>
+                                          </p:stCondLst>
+                                        </p:cTn>
+                                        <p:tgtEl>
+                                          <p:spTgt spid="11"/>
+                                        </p:tgtEl>
+                                        <p:attrNameLst>
+                                          <p:attrName>style.visibility</p:attrName>
+                                        </p:attrNameLst>
+                                      </p:cBhvr>
+                                      <p:to>
+                                        <p:strVal val="visible"/>
+                                      </p:to>
+                                    </p:set>
+                                  </p:childTnLst>
+                                </p:cTn>
+                              </p:par>
+                              <p:par>
+                                <p:cTn id="7" presetID="1" presetClass="entr" presetSubtype="0" fill="hold" grpId="0" nodeType="withEffect">
+                                  <p:stCondLst>
+                                    <p:cond delay="0"/>
+                                  </p:stCondLst>
+                                  <p:childTnLst>
+                                    <p:set>
+                                      <p:cBhvr>
+                                        <p:cTn id="8" dur="1" fill="hold">
+                                          <p:stCondLst>
+                                            <p:cond delay="0"/>
+                                          </p:stCondLst>
+                                        </p:cTn>
+                                        <p:tgtEl>
+                                          <p:spTgt spid="12"/>
+                                        </p:tgtEl>
+                                        <p:attrNameLst>
+                                          <p:attrName>style.visibility</p:attrName>
+                                        </p:attrNameLst>
+                                      </p:cBhvr>
+                                      <p:to>
+                                        <p:strVal val="visible"/>
+                                      </p:to>
+                                    </p:set>
+                                  </p:childTnLst>
+                                </p:cTn>
+                              </p:par>
+                            </p:childTnLst>
+                          </p:cTn>
+                        </p:par>
+                      </p:childTnLst>
+                    </p:cTn>
+                  </p:par>
+                </p:childTnLst>
+              </p:cTn>
+              <p:prevCondLst>
+                <p:cond evt="onPrev" delay="0">
+                  <p:tgtEl>
+                    <p:sldTgt/>
+                  </p:tgtEl>
+                </p:cond>
+              </p:prevCondLst>
+              <p:nextCondLst>
+                <p:cond evt="onNext" delay="0">
+                  <p:tgtEl>
+                    <p:sldTgt/>
+                  </p:tgtEl>
+                </p:cond>
+              </p:nextCondLst>
+            </p:seq>
+          </p:childTnLst>
+        </p:cTn>
+      </p:par>
+    </p:tnLst>
+    <p:bldLst>
+      <p:bldP spid="11" grpId="0" animBg="1"/>
+      <p:bldP spid="12" grpId="0"/>
+    </p:bldLst>
+  </p:timing>
 </p:sld>
 </file>
 
@@ -15267,10 +18186,15 @@
             <p:ph idx="1"/>
           </p:nvPr>
         </p:nvSpPr>
-        <p:spPr/>
+        <p:spPr>
+          <a:xfrm>
+            <a:off x="457200" y="1600201"/>
+            <a:ext cx="8229600" cy="1108720"/>
+          </a:xfrm>
+        </p:spPr>
         <p:txBody>
           <a:bodyPr>
-            <a:normAutofit fontScale="92500" lnSpcReduction="10000"/>
+            <a:noAutofit/>
           </a:bodyPr>
           <a:lstStyle/>
           <a:p>
@@ -15278,8 +18202,16 @@
               <a:buNone/>
             </a:pPr>
             <a:r>
-              <a:rPr lang="de-DE" dirty="0" smtClean="0"/>
-              <a:t>Problem: </a:t>
+              <a:rPr lang="de-DE" sz="2400" dirty="0" smtClean="0"/>
+              <a:t>	</a:t>
+            </a:r>
+            <a:r>
+              <a:rPr lang="de-DE" sz="2400" b="1" dirty="0" smtClean="0"/>
+              <a:t>Problem</a:t>
+            </a:r>
+            <a:r>
+              <a:rPr lang="de-DE" sz="2400" b="1" dirty="0" smtClean="0"/>
+              <a:t>: </a:t>
             </a:r>
           </a:p>
           <a:p>
@@ -15287,349 +18219,62 @@
               <a:buNone/>
             </a:pPr>
             <a:r>
-              <a:rPr lang="de-DE" dirty="0" smtClean="0"/>
+              <a:rPr lang="de-DE" sz="2400" dirty="0" smtClean="0"/>
               <a:t>	</a:t>
             </a:r>
             <a:r>
-              <a:rPr lang="de-DE" dirty="0" err="1" smtClean="0"/>
+              <a:rPr lang="de-DE" sz="2400" dirty="0" smtClean="0"/>
+              <a:t>	</a:t>
+            </a:r>
+            <a:r>
+              <a:rPr lang="de-DE" sz="2400" dirty="0" err="1" smtClean="0"/>
               <a:t>How</a:t>
             </a:r>
             <a:r>
-              <a:rPr lang="de-DE" dirty="0" smtClean="0"/>
-              <a:t> do </a:t>
-            </a:r>
-            <a:r>
-              <a:rPr lang="de-DE" dirty="0" err="1" smtClean="0"/>
+              <a:rPr lang="de-DE" sz="2400" dirty="0" smtClean="0"/>
+              <a:t> </a:t>
+            </a:r>
+            <a:r>
+              <a:rPr lang="de-DE" sz="2400" dirty="0" smtClean="0"/>
+              <a:t>do </a:t>
+            </a:r>
+            <a:r>
+              <a:rPr lang="de-DE" sz="2400" dirty="0" err="1" smtClean="0"/>
               <a:t>we</a:t>
             </a:r>
             <a:r>
-              <a:rPr lang="de-DE" dirty="0" smtClean="0"/>
+              <a:rPr lang="de-DE" sz="2400" dirty="0" smtClean="0"/>
               <a:t> </a:t>
             </a:r>
             <a:r>
-              <a:rPr lang="de-DE" dirty="0" err="1" smtClean="0"/>
+              <a:rPr lang="de-DE" sz="2400" dirty="0" err="1" smtClean="0"/>
               <a:t>fake</a:t>
             </a:r>
             <a:r>
-              <a:rPr lang="de-DE" dirty="0" smtClean="0"/>
+              <a:rPr lang="de-DE" sz="2400" dirty="0" smtClean="0"/>
               <a:t> a web </a:t>
             </a:r>
             <a:r>
-              <a:rPr lang="de-DE" dirty="0" err="1" smtClean="0"/>
+              <a:rPr lang="de-DE" sz="2400" dirty="0" err="1" smtClean="0"/>
               <a:t>browser</a:t>
             </a:r>
             <a:r>
-              <a:rPr lang="de-DE" dirty="0" smtClean="0"/>
+              <a:rPr lang="de-DE" sz="2400" dirty="0" smtClean="0"/>
               <a:t> </a:t>
             </a:r>
             <a:r>
-              <a:rPr lang="de-DE" dirty="0" err="1" smtClean="0"/>
+              <a:rPr lang="de-DE" sz="2400" dirty="0" err="1" smtClean="0"/>
               <a:t>with</a:t>
             </a:r>
             <a:r>
-              <a:rPr lang="de-DE" dirty="0" smtClean="0"/>
-              <a:t> HTTPS?</a:t>
-            </a:r>
-          </a:p>
-          <a:p>
-            <a:pPr>
-              <a:buNone/>
-            </a:pPr>
-            <a:endParaRPr lang="de-DE" dirty="0" smtClean="0"/>
-          </a:p>
-          <a:p>
-            <a:pPr>
-              <a:buNone/>
-            </a:pPr>
-            <a:r>
-              <a:rPr lang="de-DE" dirty="0" smtClean="0"/>
-              <a:t>Solution:</a:t>
-            </a:r>
-          </a:p>
-          <a:p>
-            <a:pPr lvl="1"/>
-            <a:r>
-              <a:rPr lang="de-DE" dirty="0" err="1" smtClean="0"/>
-              <a:t>Use</a:t>
-            </a:r>
-            <a:r>
-              <a:rPr lang="de-DE" dirty="0" smtClean="0"/>
-              <a:t> </a:t>
-            </a:r>
-            <a:r>
-              <a:rPr lang="de-DE" dirty="0" err="1" smtClean="0"/>
-              <a:t>the</a:t>
-            </a:r>
-            <a:r>
-              <a:rPr lang="de-DE" dirty="0" smtClean="0"/>
-              <a:t> </a:t>
-            </a:r>
-            <a:r>
-              <a:rPr lang="de-DE" dirty="0" err="1" smtClean="0"/>
-              <a:t>class</a:t>
-            </a:r>
-            <a:r>
-              <a:rPr lang="de-DE" dirty="0" smtClean="0"/>
-              <a:t> </a:t>
-            </a:r>
-            <a:r>
-              <a:rPr lang="de-DE" i="1" dirty="0" err="1" smtClean="0"/>
-              <a:t>HttpsURLConnection</a:t>
-            </a:r>
-            <a:r>
-              <a:rPr lang="de-DE" dirty="0" smtClean="0"/>
-              <a:t> </a:t>
-            </a:r>
-            <a:r>
-              <a:rPr lang="de-DE" dirty="0" err="1" smtClean="0"/>
-              <a:t>from</a:t>
-            </a:r>
-            <a:r>
-              <a:rPr lang="de-DE" dirty="0" smtClean="0"/>
-              <a:t> </a:t>
-            </a:r>
-            <a:r>
-              <a:rPr lang="de-DE" dirty="0" err="1" smtClean="0"/>
-              <a:t>the</a:t>
-            </a:r>
-            <a:r>
-              <a:rPr lang="de-DE" dirty="0" smtClean="0"/>
-              <a:t> </a:t>
-            </a:r>
-            <a:r>
-              <a:rPr lang="de-DE" dirty="0" err="1" smtClean="0"/>
-              <a:t>standard</a:t>
-            </a:r>
-            <a:r>
-              <a:rPr lang="de-DE" dirty="0" smtClean="0"/>
-              <a:t> Java </a:t>
-            </a:r>
-            <a:r>
-              <a:rPr lang="de-DE" dirty="0" err="1" smtClean="0"/>
-              <a:t>library</a:t>
-            </a:r>
-            <a:r>
-              <a:rPr lang="de-DE" dirty="0" smtClean="0"/>
-              <a:t>! </a:t>
-            </a:r>
-            <a:r>
-              <a:rPr lang="de-DE" dirty="0" err="1" smtClean="0"/>
-              <a:t>It</a:t>
-            </a:r>
-            <a:r>
-              <a:rPr lang="de-DE" dirty="0" smtClean="0"/>
-              <a:t> </a:t>
-            </a:r>
-            <a:r>
-              <a:rPr lang="de-DE" dirty="0" err="1" smtClean="0"/>
-              <a:t>provides</a:t>
-            </a:r>
-            <a:r>
-              <a:rPr lang="de-DE" dirty="0" smtClean="0"/>
-              <a:t> all </a:t>
-            </a:r>
-            <a:r>
-              <a:rPr lang="de-DE" dirty="0" err="1" smtClean="0"/>
-              <a:t>basic</a:t>
-            </a:r>
-            <a:r>
-              <a:rPr lang="de-DE" dirty="0" smtClean="0"/>
-              <a:t> HTTP </a:t>
-            </a:r>
-            <a:r>
-              <a:rPr lang="de-DE" dirty="0" err="1" smtClean="0"/>
-              <a:t>features</a:t>
-            </a:r>
-            <a:r>
-              <a:rPr lang="de-DE" dirty="0" smtClean="0"/>
-              <a:t>.</a:t>
-            </a:r>
-          </a:p>
-          <a:p>
-            <a:pPr lvl="1"/>
-            <a:r>
-              <a:rPr lang="de-DE" dirty="0" smtClean="0"/>
-              <a:t>Send a POST </a:t>
-            </a:r>
-            <a:r>
-              <a:rPr lang="de-DE" dirty="0" err="1" smtClean="0"/>
-              <a:t>request</a:t>
-            </a:r>
-            <a:r>
-              <a:rPr lang="de-DE" dirty="0" smtClean="0"/>
-              <a:t> </a:t>
-            </a:r>
-            <a:r>
-              <a:rPr lang="de-DE" dirty="0" err="1" smtClean="0"/>
-              <a:t>for</a:t>
-            </a:r>
-            <a:r>
-              <a:rPr lang="de-DE" dirty="0" smtClean="0"/>
-              <a:t> </a:t>
-            </a:r>
-            <a:r>
-              <a:rPr lang="de-DE" dirty="0" err="1" smtClean="0"/>
-              <a:t>the</a:t>
-            </a:r>
-            <a:r>
-              <a:rPr lang="de-DE" dirty="0" smtClean="0"/>
-              <a:t> </a:t>
-            </a:r>
-            <a:r>
-              <a:rPr lang="de-DE" dirty="0" err="1" smtClean="0"/>
-              <a:t>login</a:t>
-            </a:r>
-            <a:r>
-              <a:rPr lang="de-DE" dirty="0" smtClean="0"/>
-              <a:t> </a:t>
-            </a:r>
-            <a:r>
-              <a:rPr lang="de-DE" dirty="0" err="1" smtClean="0"/>
-              <a:t>and</a:t>
-            </a:r>
-            <a:r>
-              <a:rPr lang="de-DE" dirty="0" smtClean="0"/>
-              <a:t> </a:t>
-            </a:r>
-            <a:r>
-              <a:rPr lang="de-DE" dirty="0" err="1" smtClean="0"/>
-              <a:t>receive</a:t>
-            </a:r>
-            <a:r>
-              <a:rPr lang="de-DE" dirty="0" smtClean="0"/>
-              <a:t> </a:t>
-            </a:r>
-            <a:r>
-              <a:rPr lang="de-DE" dirty="0" err="1" smtClean="0"/>
-              <a:t>the</a:t>
-            </a:r>
-            <a:r>
-              <a:rPr lang="de-DE" dirty="0" smtClean="0"/>
-              <a:t> </a:t>
-            </a:r>
-            <a:r>
-              <a:rPr lang="de-DE" dirty="0" err="1" smtClean="0"/>
-              <a:t>session</a:t>
-            </a:r>
-            <a:r>
-              <a:rPr lang="de-DE" dirty="0" smtClean="0"/>
-              <a:t> </a:t>
-            </a:r>
-            <a:r>
-              <a:rPr lang="de-DE" dirty="0" err="1" smtClean="0"/>
-              <a:t>cookie</a:t>
-            </a:r>
-            <a:r>
-              <a:rPr lang="de-DE" dirty="0" smtClean="0"/>
-              <a:t>.</a:t>
-            </a:r>
-          </a:p>
-          <a:p>
-            <a:pPr lvl="1"/>
-            <a:r>
-              <a:rPr lang="de-DE" dirty="0" err="1" smtClean="0"/>
-              <a:t>Then</a:t>
-            </a:r>
-            <a:r>
-              <a:rPr lang="de-DE" dirty="0" smtClean="0"/>
-              <a:t> </a:t>
-            </a:r>
-            <a:r>
-              <a:rPr lang="de-DE" dirty="0" err="1" smtClean="0"/>
-              <a:t>use</a:t>
-            </a:r>
-            <a:r>
-              <a:rPr lang="de-DE" dirty="0" smtClean="0"/>
-              <a:t> </a:t>
-            </a:r>
-            <a:r>
-              <a:rPr lang="de-DE" dirty="0" err="1" smtClean="0"/>
-              <a:t>the</a:t>
-            </a:r>
-            <a:r>
-              <a:rPr lang="de-DE" dirty="0" smtClean="0"/>
-              <a:t> </a:t>
-            </a:r>
-            <a:r>
-              <a:rPr lang="de-DE" dirty="0" err="1" smtClean="0"/>
-              <a:t>session</a:t>
-            </a:r>
-            <a:r>
-              <a:rPr lang="de-DE" dirty="0" smtClean="0"/>
-              <a:t> </a:t>
-            </a:r>
-            <a:r>
-              <a:rPr lang="de-DE" dirty="0" err="1" smtClean="0"/>
-              <a:t>cookie</a:t>
-            </a:r>
-            <a:r>
-              <a:rPr lang="de-DE" dirty="0" smtClean="0"/>
-              <a:t> </a:t>
-            </a:r>
-            <a:r>
-              <a:rPr lang="de-DE" dirty="0" err="1" smtClean="0"/>
-              <a:t>to</a:t>
-            </a:r>
-            <a:r>
-              <a:rPr lang="de-DE" dirty="0" smtClean="0"/>
-              <a:t> </a:t>
-            </a:r>
-            <a:r>
-              <a:rPr lang="de-DE" dirty="0" err="1" smtClean="0"/>
-              <a:t>retrieve</a:t>
-            </a:r>
-            <a:r>
-              <a:rPr lang="de-DE" dirty="0" smtClean="0"/>
-              <a:t> </a:t>
-            </a:r>
-            <a:r>
-              <a:rPr lang="de-DE" dirty="0" err="1" smtClean="0"/>
-              <a:t>the</a:t>
-            </a:r>
-            <a:r>
-              <a:rPr lang="de-DE" dirty="0" smtClean="0"/>
-              <a:t> </a:t>
-            </a:r>
-            <a:r>
-              <a:rPr lang="de-DE" dirty="0" err="1" smtClean="0"/>
-              <a:t>pages</a:t>
-            </a:r>
-            <a:r>
-              <a:rPr lang="de-DE" dirty="0" smtClean="0"/>
-              <a:t> </a:t>
-            </a:r>
-            <a:r>
-              <a:rPr lang="de-DE" dirty="0" err="1" smtClean="0"/>
-              <a:t>with</a:t>
-            </a:r>
-            <a:r>
-              <a:rPr lang="de-DE" dirty="0" smtClean="0"/>
-              <a:t> </a:t>
-            </a:r>
-            <a:r>
-              <a:rPr lang="de-DE" dirty="0" err="1" smtClean="0"/>
-              <a:t>the</a:t>
-            </a:r>
-            <a:r>
-              <a:rPr lang="de-DE" dirty="0" smtClean="0"/>
-              <a:t> </a:t>
-            </a:r>
-            <a:r>
-              <a:rPr lang="de-DE" dirty="0" err="1" smtClean="0"/>
-              <a:t>required</a:t>
-            </a:r>
-            <a:r>
-              <a:rPr lang="de-DE" dirty="0" smtClean="0"/>
-              <a:t> </a:t>
-            </a:r>
-            <a:r>
-              <a:rPr lang="de-DE" dirty="0" err="1" smtClean="0"/>
-              <a:t>data</a:t>
-            </a:r>
-            <a:r>
-              <a:rPr lang="de-DE" dirty="0" smtClean="0"/>
-              <a:t>.</a:t>
-            </a:r>
+              <a:rPr lang="de-DE" sz="2400" dirty="0" smtClean="0"/>
+              <a:t> HTTPS</a:t>
+            </a:r>
+            <a:r>
+              <a:rPr lang="de-DE" sz="2400" dirty="0" smtClean="0"/>
+              <a:t>?</a:t>
+            </a:r>
+            <a:endParaRPr lang="de-DE" sz="2400" dirty="0" smtClean="0"/>
           </a:p>
         </p:txBody>
       </p:sp>
@@ -15650,7 +18295,7 @@
           <a:p>
             <a:r>
               <a:rPr lang="de-DE" smtClean="0"/>
-              <a:t>21.01.2012</a:t>
+              <a:t>24.01.2012</a:t>
             </a:r>
             <a:endParaRPr lang="de-DE" dirty="0"/>
           </a:p>
@@ -15703,11 +18348,560 @@
           </a:p>
         </p:txBody>
       </p:sp>
+      <p:sp>
+        <p:nvSpPr>
+          <p:cNvPr id="7" name="Ellipse 6"/>
+          <p:cNvSpPr/>
+          <p:nvPr/>
+        </p:nvSpPr>
+        <p:spPr>
+          <a:xfrm>
+            <a:off x="395536" y="1664660"/>
+            <a:ext cx="360040" cy="360040"/>
+          </a:xfrm>
+          <a:prstGeom prst="ellipse">
+            <a:avLst/>
+          </a:prstGeom>
+          <a:solidFill>
+            <a:schemeClr val="accent2">
+              <a:lumMod val="60000"/>
+              <a:lumOff val="40000"/>
+            </a:schemeClr>
+          </a:solidFill>
+          <a:ln w="41275">
+            <a:solidFill>
+              <a:srgbClr val="C00000"/>
+            </a:solidFill>
+          </a:ln>
+          <a:effectLst>
+            <a:outerShdw blurRad="50800" dist="38100" dir="2700000" algn="tl" rotWithShape="0">
+              <a:prstClr val="black">
+                <a:alpha val="40000"/>
+              </a:prstClr>
+            </a:outerShdw>
+          </a:effectLst>
+        </p:spPr>
+        <p:style>
+          <a:lnRef idx="2">
+            <a:schemeClr val="accent1">
+              <a:shade val="50000"/>
+            </a:schemeClr>
+          </a:lnRef>
+          <a:fillRef idx="1">
+            <a:schemeClr val="accent1"/>
+          </a:fillRef>
+          <a:effectRef idx="0">
+            <a:schemeClr val="accent1"/>
+          </a:effectRef>
+          <a:fontRef idx="minor">
+            <a:schemeClr val="lt1"/>
+          </a:fontRef>
+        </p:style>
+        <p:txBody>
+          <a:bodyPr rtlCol="0" anchor="ctr"/>
+          <a:lstStyle/>
+          <a:p>
+            <a:pPr algn="ctr"/>
+            <a:r>
+              <a:rPr lang="de-DE" sz="2800" b="1" dirty="0" smtClean="0"/>
+              <a:t>?</a:t>
+            </a:r>
+            <a:endParaRPr lang="de-DE" sz="2800" b="1" dirty="0"/>
+          </a:p>
+        </p:txBody>
+      </p:sp>
+      <p:sp>
+        <p:nvSpPr>
+          <p:cNvPr id="8" name="Ellipse 7"/>
+          <p:cNvSpPr/>
+          <p:nvPr/>
+        </p:nvSpPr>
+        <p:spPr>
+          <a:xfrm>
+            <a:off x="395536" y="3042065"/>
+            <a:ext cx="360040" cy="360040"/>
+          </a:xfrm>
+          <a:prstGeom prst="ellipse">
+            <a:avLst/>
+          </a:prstGeom>
+          <a:solidFill>
+            <a:schemeClr val="accent3">
+              <a:lumMod val="60000"/>
+              <a:lumOff val="40000"/>
+            </a:schemeClr>
+          </a:solidFill>
+          <a:ln w="41275">
+            <a:solidFill>
+              <a:schemeClr val="accent3">
+                <a:lumMod val="75000"/>
+              </a:schemeClr>
+            </a:solidFill>
+          </a:ln>
+          <a:effectLst>
+            <a:outerShdw blurRad="50800" dist="38100" dir="2700000" algn="tl" rotWithShape="0">
+              <a:prstClr val="black">
+                <a:alpha val="40000"/>
+              </a:prstClr>
+            </a:outerShdw>
+          </a:effectLst>
+        </p:spPr>
+        <p:style>
+          <a:lnRef idx="2">
+            <a:schemeClr val="accent1">
+              <a:shade val="50000"/>
+            </a:schemeClr>
+          </a:lnRef>
+          <a:fillRef idx="1">
+            <a:schemeClr val="accent1"/>
+          </a:fillRef>
+          <a:effectRef idx="0">
+            <a:schemeClr val="accent1"/>
+          </a:effectRef>
+          <a:fontRef idx="minor">
+            <a:schemeClr val="lt1"/>
+          </a:fontRef>
+        </p:style>
+        <p:txBody>
+          <a:bodyPr rtlCol="0" anchor="ctr"/>
+          <a:lstStyle/>
+          <a:p>
+            <a:pPr algn="ctr"/>
+            <a:r>
+              <a:rPr lang="de-DE" sz="2800" b="1" dirty="0" smtClean="0"/>
+              <a:t>!</a:t>
+            </a:r>
+            <a:endParaRPr lang="de-DE" sz="2800" b="1" dirty="0"/>
+          </a:p>
+        </p:txBody>
+      </p:sp>
+      <p:sp>
+        <p:nvSpPr>
+          <p:cNvPr id="9" name="Textfeld 8"/>
+          <p:cNvSpPr txBox="1"/>
+          <p:nvPr/>
+        </p:nvSpPr>
+        <p:spPr>
+          <a:xfrm>
+            <a:off x="755576" y="2996952"/>
+            <a:ext cx="8064896" cy="2585323"/>
+          </a:xfrm>
+          <a:prstGeom prst="rect">
+            <a:avLst/>
+          </a:prstGeom>
+          <a:noFill/>
+        </p:spPr>
+        <p:txBody>
+          <a:bodyPr wrap="square" rtlCol="0">
+            <a:spAutoFit/>
+          </a:bodyPr>
+          <a:lstStyle/>
+          <a:p>
+            <a:pPr>
+              <a:buNone/>
+            </a:pPr>
+            <a:r>
+              <a:rPr lang="de-DE" sz="2400" b="1" dirty="0" smtClean="0"/>
+              <a:t>Solution:</a:t>
+            </a:r>
+          </a:p>
+          <a:p>
+            <a:pPr lvl="1"/>
+            <a:r>
+              <a:rPr lang="de-DE" sz="2400" dirty="0" err="1" smtClean="0"/>
+              <a:t>Use</a:t>
+            </a:r>
+            <a:r>
+              <a:rPr lang="de-DE" sz="2400" dirty="0" smtClean="0"/>
+              <a:t> </a:t>
+            </a:r>
+            <a:r>
+              <a:rPr lang="de-DE" sz="2400" dirty="0" err="1" smtClean="0"/>
+              <a:t>the</a:t>
+            </a:r>
+            <a:r>
+              <a:rPr lang="de-DE" sz="2400" dirty="0" smtClean="0"/>
+              <a:t> </a:t>
+            </a:r>
+            <a:r>
+              <a:rPr lang="de-DE" sz="2400" dirty="0" err="1" smtClean="0"/>
+              <a:t>class</a:t>
+            </a:r>
+            <a:r>
+              <a:rPr lang="de-DE" sz="2400" dirty="0" smtClean="0"/>
+              <a:t> </a:t>
+            </a:r>
+            <a:r>
+              <a:rPr lang="de-DE" sz="2400" i="1" dirty="0" err="1" smtClean="0"/>
+              <a:t>HttpsURLConnection</a:t>
+            </a:r>
+            <a:r>
+              <a:rPr lang="de-DE" sz="2400" dirty="0" smtClean="0"/>
+              <a:t> </a:t>
+            </a:r>
+            <a:r>
+              <a:rPr lang="de-DE" sz="2400" dirty="0" err="1" smtClean="0"/>
+              <a:t>from</a:t>
+            </a:r>
+            <a:r>
+              <a:rPr lang="de-DE" sz="2400" dirty="0" smtClean="0"/>
+              <a:t> </a:t>
+            </a:r>
+            <a:r>
+              <a:rPr lang="de-DE" sz="2400" dirty="0" err="1" smtClean="0"/>
+              <a:t>the</a:t>
+            </a:r>
+            <a:r>
+              <a:rPr lang="de-DE" sz="2400" dirty="0" smtClean="0"/>
+              <a:t> </a:t>
+            </a:r>
+            <a:r>
+              <a:rPr lang="de-DE" sz="2400" dirty="0" err="1" smtClean="0"/>
+              <a:t>standard</a:t>
+            </a:r>
+            <a:r>
+              <a:rPr lang="de-DE" sz="2400" dirty="0" smtClean="0"/>
+              <a:t> Java </a:t>
+            </a:r>
+            <a:r>
+              <a:rPr lang="de-DE" sz="2400" dirty="0" err="1" smtClean="0"/>
+              <a:t>library</a:t>
+            </a:r>
+            <a:r>
+              <a:rPr lang="de-DE" sz="2400" dirty="0" smtClean="0"/>
+              <a:t>! </a:t>
+            </a:r>
+            <a:r>
+              <a:rPr lang="de-DE" sz="2400" dirty="0" err="1" smtClean="0"/>
+              <a:t>It</a:t>
+            </a:r>
+            <a:r>
+              <a:rPr lang="de-DE" sz="2400" dirty="0" smtClean="0"/>
+              <a:t> </a:t>
+            </a:r>
+            <a:r>
+              <a:rPr lang="de-DE" sz="2400" dirty="0" err="1" smtClean="0"/>
+              <a:t>provides</a:t>
+            </a:r>
+            <a:r>
+              <a:rPr lang="de-DE" sz="2400" dirty="0" smtClean="0"/>
+              <a:t> all </a:t>
+            </a:r>
+            <a:r>
+              <a:rPr lang="de-DE" sz="2400" dirty="0" err="1" smtClean="0"/>
+              <a:t>basic</a:t>
+            </a:r>
+            <a:r>
+              <a:rPr lang="de-DE" sz="2400" dirty="0" smtClean="0"/>
+              <a:t> HTTP </a:t>
+            </a:r>
+            <a:r>
+              <a:rPr lang="de-DE" sz="2400" dirty="0" err="1" smtClean="0"/>
+              <a:t>features</a:t>
+            </a:r>
+            <a:r>
+              <a:rPr lang="de-DE" sz="2400" dirty="0" smtClean="0"/>
+              <a:t>.</a:t>
+            </a:r>
+          </a:p>
+          <a:p>
+            <a:pPr lvl="1"/>
+            <a:r>
+              <a:rPr lang="de-DE" sz="2400" dirty="0" smtClean="0"/>
+              <a:t>Send a POST </a:t>
+            </a:r>
+            <a:r>
+              <a:rPr lang="de-DE" sz="2400" dirty="0" err="1" smtClean="0"/>
+              <a:t>request</a:t>
+            </a:r>
+            <a:r>
+              <a:rPr lang="de-DE" sz="2400" dirty="0" smtClean="0"/>
+              <a:t> </a:t>
+            </a:r>
+            <a:r>
+              <a:rPr lang="de-DE" sz="2400" dirty="0" err="1" smtClean="0"/>
+              <a:t>for</a:t>
+            </a:r>
+            <a:r>
+              <a:rPr lang="de-DE" sz="2400" dirty="0" smtClean="0"/>
+              <a:t> </a:t>
+            </a:r>
+            <a:r>
+              <a:rPr lang="de-DE" sz="2400" dirty="0" err="1" smtClean="0"/>
+              <a:t>the</a:t>
+            </a:r>
+            <a:r>
+              <a:rPr lang="de-DE" sz="2400" dirty="0" smtClean="0"/>
+              <a:t> </a:t>
+            </a:r>
+            <a:r>
+              <a:rPr lang="de-DE" sz="2400" dirty="0" err="1" smtClean="0"/>
+              <a:t>login</a:t>
+            </a:r>
+            <a:r>
+              <a:rPr lang="de-DE" sz="2400" dirty="0" smtClean="0"/>
+              <a:t> </a:t>
+            </a:r>
+            <a:r>
+              <a:rPr lang="de-DE" sz="2400" dirty="0" err="1" smtClean="0"/>
+              <a:t>and</a:t>
+            </a:r>
+            <a:r>
+              <a:rPr lang="de-DE" sz="2400" dirty="0" smtClean="0"/>
+              <a:t> </a:t>
+            </a:r>
+            <a:r>
+              <a:rPr lang="de-DE" sz="2400" dirty="0" err="1" smtClean="0"/>
+              <a:t>receive</a:t>
+            </a:r>
+            <a:r>
+              <a:rPr lang="de-DE" sz="2400" dirty="0" smtClean="0"/>
+              <a:t> </a:t>
+            </a:r>
+            <a:r>
+              <a:rPr lang="de-DE" sz="2400" dirty="0" err="1" smtClean="0"/>
+              <a:t>the</a:t>
+            </a:r>
+            <a:r>
+              <a:rPr lang="de-DE" sz="2400" dirty="0" smtClean="0"/>
+              <a:t> </a:t>
+            </a:r>
+            <a:r>
+              <a:rPr lang="de-DE" sz="2400" dirty="0" err="1" smtClean="0"/>
+              <a:t>session</a:t>
+            </a:r>
+            <a:r>
+              <a:rPr lang="de-DE" sz="2400" dirty="0" smtClean="0"/>
+              <a:t> </a:t>
+            </a:r>
+            <a:r>
+              <a:rPr lang="de-DE" sz="2400" dirty="0" err="1" smtClean="0"/>
+              <a:t>cookie</a:t>
+            </a:r>
+            <a:r>
+              <a:rPr lang="de-DE" sz="2400" dirty="0" smtClean="0"/>
+              <a:t>. </a:t>
+            </a:r>
+            <a:r>
+              <a:rPr lang="de-DE" sz="2400" dirty="0" err="1" smtClean="0"/>
+              <a:t>Then</a:t>
+            </a:r>
+            <a:r>
+              <a:rPr lang="de-DE" sz="2400" dirty="0" smtClean="0"/>
+              <a:t> </a:t>
+            </a:r>
+            <a:r>
+              <a:rPr lang="de-DE" sz="2400" dirty="0" err="1" smtClean="0"/>
+              <a:t>use</a:t>
+            </a:r>
+            <a:r>
+              <a:rPr lang="de-DE" sz="2400" dirty="0" smtClean="0"/>
+              <a:t> </a:t>
+            </a:r>
+            <a:r>
+              <a:rPr lang="de-DE" sz="2400" dirty="0" err="1" smtClean="0"/>
+              <a:t>the</a:t>
+            </a:r>
+            <a:r>
+              <a:rPr lang="de-DE" sz="2400" dirty="0" smtClean="0"/>
+              <a:t> </a:t>
+            </a:r>
+            <a:r>
+              <a:rPr lang="de-DE" sz="2400" dirty="0" err="1" smtClean="0"/>
+              <a:t>session</a:t>
+            </a:r>
+            <a:r>
+              <a:rPr lang="de-DE" sz="2400" dirty="0" smtClean="0"/>
+              <a:t> </a:t>
+            </a:r>
+            <a:r>
+              <a:rPr lang="de-DE" sz="2400" dirty="0" err="1" smtClean="0"/>
+              <a:t>cookie</a:t>
+            </a:r>
+            <a:r>
+              <a:rPr lang="de-DE" sz="2400" dirty="0" smtClean="0"/>
+              <a:t> </a:t>
+            </a:r>
+            <a:r>
+              <a:rPr lang="de-DE" sz="2400" dirty="0" err="1" smtClean="0"/>
+              <a:t>to</a:t>
+            </a:r>
+            <a:r>
+              <a:rPr lang="de-DE" sz="2400" dirty="0" smtClean="0"/>
+              <a:t> </a:t>
+            </a:r>
+            <a:r>
+              <a:rPr lang="de-DE" sz="2400" dirty="0" err="1" smtClean="0"/>
+              <a:t>retrieve</a:t>
+            </a:r>
+            <a:r>
+              <a:rPr lang="de-DE" sz="2400" dirty="0" smtClean="0"/>
+              <a:t> </a:t>
+            </a:r>
+            <a:r>
+              <a:rPr lang="de-DE" sz="2400" dirty="0" err="1" smtClean="0"/>
+              <a:t>the</a:t>
+            </a:r>
+            <a:r>
+              <a:rPr lang="de-DE" sz="2400" dirty="0" smtClean="0"/>
+              <a:t> </a:t>
+            </a:r>
+            <a:r>
+              <a:rPr lang="de-DE" sz="2400" dirty="0" err="1" smtClean="0"/>
+              <a:t>pages</a:t>
+            </a:r>
+            <a:r>
+              <a:rPr lang="de-DE" sz="2400" dirty="0" smtClean="0"/>
+              <a:t> </a:t>
+            </a:r>
+            <a:r>
+              <a:rPr lang="de-DE" sz="2400" dirty="0" err="1" smtClean="0"/>
+              <a:t>with</a:t>
+            </a:r>
+            <a:r>
+              <a:rPr lang="de-DE" sz="2400" dirty="0" smtClean="0"/>
+              <a:t> </a:t>
+            </a:r>
+            <a:r>
+              <a:rPr lang="de-DE" sz="2400" dirty="0" err="1" smtClean="0"/>
+              <a:t>the</a:t>
+            </a:r>
+            <a:r>
+              <a:rPr lang="de-DE" sz="2400" dirty="0" smtClean="0"/>
+              <a:t> </a:t>
+            </a:r>
+            <a:r>
+              <a:rPr lang="de-DE" sz="2400" dirty="0" err="1" smtClean="0"/>
+              <a:t>required</a:t>
+            </a:r>
+            <a:r>
+              <a:rPr lang="de-DE" sz="2400" dirty="0" smtClean="0"/>
+              <a:t> </a:t>
+            </a:r>
+            <a:r>
+              <a:rPr lang="de-DE" sz="2400" dirty="0" err="1" smtClean="0"/>
+              <a:t>data</a:t>
+            </a:r>
+            <a:r>
+              <a:rPr lang="de-DE" sz="2400" dirty="0" smtClean="0"/>
+              <a:t>.</a:t>
+            </a:r>
+          </a:p>
+          <a:p>
+            <a:endParaRPr lang="de-DE" dirty="0"/>
+          </a:p>
+        </p:txBody>
+      </p:sp>
     </p:spTree>
   </p:cSld>
   <p:clrMapOvr>
     <a:masterClrMapping/>
   </p:clrMapOvr>
+  <p:timing>
+    <p:tnLst>
+      <p:par>
+        <p:cTn id="1" dur="indefinite" restart="never" nodeType="tmRoot">
+          <p:childTnLst>
+            <p:seq concurrent="1" nextAc="seek">
+              <p:cTn id="2" dur="indefinite" nodeType="mainSeq">
+                <p:childTnLst>
+                  <p:par>
+                    <p:cTn id="3" fill="hold">
+                      <p:stCondLst>
+                        <p:cond delay="indefinite"/>
+                      </p:stCondLst>
+                      <p:childTnLst>
+                        <p:par>
+                          <p:cTn id="4" fill="hold">
+                            <p:stCondLst>
+                              <p:cond delay="0"/>
+                            </p:stCondLst>
+                            <p:childTnLst>
+                              <p:par>
+                                <p:cTn id="5" presetID="1" presetClass="entr" presetSubtype="0" fill="hold" grpId="0" nodeType="clickEffect">
+                                  <p:stCondLst>
+                                    <p:cond delay="0"/>
+                                  </p:stCondLst>
+                                  <p:childTnLst>
+                                    <p:set>
+                                      <p:cBhvr>
+                                        <p:cTn id="6" dur="1" fill="hold">
+                                          <p:stCondLst>
+                                            <p:cond delay="0"/>
+                                          </p:stCondLst>
+                                        </p:cTn>
+                                        <p:tgtEl>
+                                          <p:spTgt spid="9"/>
+                                        </p:tgtEl>
+                                        <p:attrNameLst>
+                                          <p:attrName>style.visibility</p:attrName>
+                                        </p:attrNameLst>
+                                      </p:cBhvr>
+                                      <p:to>
+                                        <p:strVal val="visible"/>
+                                      </p:to>
+                                    </p:set>
+                                  </p:childTnLst>
+                                </p:cTn>
+                              </p:par>
+                              <p:par>
+                                <p:cTn id="7" presetID="1" presetClass="entr" presetSubtype="0" fill="hold" grpId="0" nodeType="withEffect">
+                                  <p:stCondLst>
+                                    <p:cond delay="0"/>
+                                  </p:stCondLst>
+                                  <p:childTnLst>
+                                    <p:set>
+                                      <p:cBhvr>
+                                        <p:cTn id="8" dur="1" fill="hold">
+                                          <p:stCondLst>
+                                            <p:cond delay="0"/>
+                                          </p:stCondLst>
+                                        </p:cTn>
+                                        <p:tgtEl>
+                                          <p:spTgt spid="8"/>
+                                        </p:tgtEl>
+                                        <p:attrNameLst>
+                                          <p:attrName>style.visibility</p:attrName>
+                                        </p:attrNameLst>
+                                      </p:cBhvr>
+                                      <p:to>
+                                        <p:strVal val="visible"/>
+                                      </p:to>
+                                    </p:set>
+                                  </p:childTnLst>
+                                </p:cTn>
+                              </p:par>
+                            </p:childTnLst>
+                          </p:cTn>
+                        </p:par>
+                      </p:childTnLst>
+                    </p:cTn>
+                  </p:par>
+                </p:childTnLst>
+              </p:cTn>
+              <p:prevCondLst>
+                <p:cond evt="onPrev" delay="0">
+                  <p:tgtEl>
+                    <p:sldTgt/>
+                  </p:tgtEl>
+                </p:cond>
+              </p:prevCondLst>
+              <p:nextCondLst>
+                <p:cond evt="onNext" delay="0">
+                  <p:tgtEl>
+                    <p:sldTgt/>
+                  </p:tgtEl>
+                </p:cond>
+              </p:nextCondLst>
+            </p:seq>
+          </p:childTnLst>
+        </p:cTn>
+      </p:par>
+    </p:tnLst>
+    <p:bldLst>
+      <p:bldP spid="8" grpId="0" animBg="1"/>
+      <p:bldP spid="9" grpId="0"/>
+    </p:bldLst>
+  </p:timing>
 </p:sld>
 </file>
 

--- a/docs/notenapp-praesi.pptx
+++ b/docs/notenapp-praesi.pptx
@@ -206,7 +206,7 @@
             <a:fld id="{433F66C5-ED08-47C6-B5C9-779C66E0356B}" type="datetimeFigureOut">
               <a:rPr lang="de-DE" smtClean="0"/>
               <a:pPr/>
-              <a:t>14.01.2013</a:t>
+              <a:t>20.01.2013</a:t>
             </a:fld>
             <a:endParaRPr lang="de-DE"/>
           </a:p>
@@ -377,7 +377,7 @@
     </p:spTree>
     <p:extLst>
       <p:ext uri="{BB962C8B-B14F-4D97-AF65-F5344CB8AC3E}">
-        <p14:creationId xmlns:p14="http://schemas.microsoft.com/office/powerpoint/2010/main" xmlns="" val="163652337"/>
+        <p14:creationId xmlns="" xmlns:p14="http://schemas.microsoft.com/office/powerpoint/2010/main" val="163652337"/>
       </p:ext>
     </p:extLst>
   </p:cSld>
@@ -4862,17 +4862,12 @@
             </a:pPr>
             <a:r>
               <a:rPr lang="de-DE" sz="2400" b="1" dirty="0" smtClean="0"/>
-              <a:t>Problem</a:t>
-            </a:r>
-            <a:r>
-              <a:rPr lang="de-DE" sz="2400" b="1" dirty="0" smtClean="0"/>
-              <a:t>:</a:t>
+              <a:t>Problem:</a:t>
             </a:r>
             <a:r>
               <a:rPr lang="de-DE" sz="2400" dirty="0" smtClean="0"/>
               <a:t> </a:t>
             </a:r>
-            <a:endParaRPr lang="de-DE" sz="2400" dirty="0" smtClean="0"/>
           </a:p>
           <a:p>
             <a:pPr>
@@ -4952,11 +4947,7 @@
             </a:r>
             <a:r>
               <a:rPr lang="de-DE" sz="2400" dirty="0" smtClean="0"/>
-              <a:t> </a:t>
-            </a:r>
-            <a:r>
-              <a:rPr lang="de-DE" sz="2400" dirty="0" smtClean="0"/>
-              <a:t>HTML </a:t>
+              <a:t> HTML </a:t>
             </a:r>
             <a:r>
               <a:rPr lang="de-DE" sz="2400" dirty="0" err="1" smtClean="0"/>
@@ -5256,22 +5247,14 @@
             </a:pPr>
             <a:r>
               <a:rPr lang="de-DE" sz="2400" b="1" dirty="0" smtClean="0"/>
-              <a:t>Solution </a:t>
-            </a:r>
-            <a:r>
-              <a:rPr lang="de-DE" sz="2400" b="1" dirty="0" smtClean="0"/>
-              <a:t>1:</a:t>
+              <a:t>Solution 1:</a:t>
             </a:r>
           </a:p>
           <a:p>
             <a:pPr lvl="1"/>
             <a:r>
               <a:rPr lang="de-DE" sz="2400" dirty="0" smtClean="0"/>
-              <a:t>Parse </a:t>
-            </a:r>
-            <a:r>
-              <a:rPr lang="de-DE" sz="2400" dirty="0" smtClean="0"/>
-              <a:t>XHTML </a:t>
+              <a:t>Parse XHTML </a:t>
             </a:r>
             <a:r>
               <a:rPr lang="de-DE" sz="2400" dirty="0" err="1" smtClean="0"/>
@@ -5323,16 +5306,7 @@
                 </a:solidFill>
                 <a:sym typeface="Wingdings" pitchFamily="2" charset="2"/>
               </a:rPr>
-              <a:t></a:t>
-            </a:r>
-            <a:r>
-              <a:rPr lang="de-DE" sz="2400" dirty="0" smtClean="0">
-                <a:solidFill>
-                  <a:srgbClr val="FF0000"/>
-                </a:solidFill>
-                <a:sym typeface="Wingdings" pitchFamily="2" charset="2"/>
-              </a:rPr>
-              <a:t>Fails </a:t>
+              <a:t>Fails </a:t>
             </a:r>
             <a:r>
               <a:rPr lang="de-DE" sz="2400" dirty="0" err="1" smtClean="0">
@@ -5404,23 +5378,8 @@
                 </a:solidFill>
                 <a:sym typeface="Wingdings" pitchFamily="2" charset="2"/>
               </a:rPr>
-              <a:t> valid XHTML</a:t>
-            </a:r>
-            <a:r>
-              <a:rPr lang="de-DE" sz="2400" dirty="0" smtClean="0">
-                <a:solidFill>
-                  <a:srgbClr val="FF0000"/>
-                </a:solidFill>
-                <a:sym typeface="Wingdings" pitchFamily="2" charset="2"/>
-              </a:rPr>
-              <a:t>!</a:t>
-            </a:r>
-            <a:endParaRPr lang="de-DE" sz="2400" dirty="0" smtClean="0">
-              <a:solidFill>
-                <a:srgbClr val="FF0000"/>
-              </a:solidFill>
-              <a:sym typeface="Wingdings" pitchFamily="2" charset="2"/>
-            </a:endParaRPr>
+              <a:t> valid XHTML!</a:t>
+            </a:r>
           </a:p>
         </p:txBody>
       </p:sp>
@@ -5453,13 +5412,7 @@
               <a:rPr lang="de-DE" sz="2400" b="1" dirty="0" smtClean="0">
                 <a:sym typeface="Wingdings" pitchFamily="2" charset="2"/>
               </a:rPr>
-              <a:t>Solution </a:t>
-            </a:r>
-            <a:r>
-              <a:rPr lang="de-DE" sz="2400" b="1" dirty="0" smtClean="0">
-                <a:sym typeface="Wingdings" pitchFamily="2" charset="2"/>
-              </a:rPr>
-              <a:t>2:</a:t>
+              <a:t>Solution 2:</a:t>
             </a:r>
           </a:p>
           <a:p>
@@ -5468,13 +5421,7 @@
               <a:rPr lang="de-DE" sz="2400" dirty="0" smtClean="0">
                 <a:sym typeface="Wingdings" pitchFamily="2" charset="2"/>
               </a:rPr>
-              <a:t>Create </a:t>
-            </a:r>
-            <a:r>
-              <a:rPr lang="de-DE" sz="2400" dirty="0" smtClean="0">
-                <a:sym typeface="Wingdings" pitchFamily="2" charset="2"/>
-              </a:rPr>
-              <a:t>a </a:t>
+              <a:t>Create a </a:t>
             </a:r>
             <a:r>
               <a:rPr lang="de-DE" sz="2400" dirty="0" err="1" smtClean="0">
@@ -5781,11 +5728,7 @@
             </a:pPr>
             <a:r>
               <a:rPr lang="de-DE" sz="9600" b="1" dirty="0" smtClean="0"/>
-              <a:t>Demo</a:t>
-            </a:r>
-            <a:r>
-              <a:rPr lang="de-DE" sz="9600" b="1" dirty="0" smtClean="0"/>
-              <a:t>!</a:t>
+              <a:t>Demo!</a:t>
             </a:r>
           </a:p>
           <a:p>
@@ -5925,7 +5868,7 @@
     </p:spTree>
     <p:extLst>
       <p:ext uri="{BB962C8B-B14F-4D97-AF65-F5344CB8AC3E}">
-        <p14:creationId xmlns:p14="http://schemas.microsoft.com/office/powerpoint/2010/main" xmlns="" val="2209468386"/>
+        <p14:creationId xmlns="" xmlns:p14="http://schemas.microsoft.com/office/powerpoint/2010/main" val="2209468386"/>
       </p:ext>
     </p:extLst>
   </p:cSld>
@@ -6050,7 +5993,6 @@
               <a:rPr lang="de-DE" dirty="0" smtClean="0"/>
               <a:t>, …</a:t>
             </a:r>
-            <a:endParaRPr lang="de-DE" dirty="0" smtClean="0"/>
           </a:p>
           <a:p>
             <a:r>
@@ -6705,35 +6647,21 @@
             </a:r>
             <a:r>
               <a:rPr lang="de-DE" dirty="0" smtClean="0"/>
-              <a:t> </a:t>
-            </a:r>
+              <a:t> 50/50</a:t>
+            </a:r>
+          </a:p>
+          <a:p>
+            <a:pPr lvl="1"/>
             <a:r>
               <a:rPr lang="de-DE" dirty="0" smtClean="0"/>
-              <a:t>50/50</a:t>
-            </a:r>
-            <a:endParaRPr lang="de-DE" dirty="0" smtClean="0"/>
+              <a:t>Manuel: More QIS-Server backend</a:t>
+            </a:r>
           </a:p>
           <a:p>
             <a:pPr lvl="1"/>
             <a:r>
               <a:rPr lang="de-DE" dirty="0" smtClean="0"/>
-              <a:t>Manuel: </a:t>
-            </a:r>
-            <a:r>
-              <a:rPr lang="de-DE" dirty="0" smtClean="0"/>
-              <a:t>More QIS-Server backend</a:t>
-            </a:r>
-            <a:endParaRPr lang="de-DE" dirty="0" smtClean="0"/>
-          </a:p>
-          <a:p>
-            <a:pPr lvl="1"/>
-            <a:r>
-              <a:rPr lang="de-DE" dirty="0" smtClean="0"/>
-              <a:t>Andreas: </a:t>
-            </a:r>
-            <a:r>
-              <a:rPr lang="de-DE" dirty="0" smtClean="0"/>
-              <a:t>More </a:t>
+              <a:t>Andreas: More </a:t>
             </a:r>
             <a:r>
               <a:rPr lang="de-DE" dirty="0" err="1" smtClean="0"/>
@@ -6751,7 +6679,6 @@
               <a:rPr lang="de-DE" dirty="0" smtClean="0"/>
               <a:t> GUI</a:t>
             </a:r>
-            <a:endParaRPr lang="de-DE" dirty="0" smtClean="0"/>
           </a:p>
           <a:p>
             <a:endParaRPr lang="de-DE" dirty="0" smtClean="0"/>
@@ -7009,7 +6936,6 @@
               <a:rPr lang="de-DE" dirty="0" smtClean="0"/>
               <a:t>?</a:t>
             </a:r>
-            <a:endParaRPr lang="de-DE" dirty="0" smtClean="0"/>
           </a:p>
         </p:txBody>
       </p:sp>
@@ -9622,8 +9548,8 @@
           <a:p>
             <a:pPr algn="ctr"/>
             <a:r>
-              <a:rPr lang="de-DE" dirty="0" smtClean="0"/>
-              <a:t>Speichern</a:t>
+              <a:rPr lang="de-DE" smtClean="0"/>
+              <a:t>Save</a:t>
             </a:r>
             <a:endParaRPr lang="de-DE" dirty="0"/>
           </a:p>
@@ -9638,7 +9564,7 @@
         <p:spPr>
           <a:xfrm>
             <a:off x="6228184" y="2996952"/>
-            <a:ext cx="1731756" cy="338554"/>
+            <a:ext cx="880369" cy="338554"/>
           </a:xfrm>
           <a:prstGeom prst="rect">
             <a:avLst/>
@@ -9653,7 +9579,7 @@
           <a:p>
             <a:r>
               <a:rPr lang="de-DE" sz="1600" dirty="0" smtClean="0"/>
-              <a:t>RZ-Benutzername:</a:t>
+              <a:t>RZ User:</a:t>
             </a:r>
             <a:endParaRPr lang="de-DE" sz="1600" dirty="0"/>
           </a:p>
@@ -9727,7 +9653,7 @@
         <p:spPr>
           <a:xfrm>
             <a:off x="6228184" y="3573016"/>
-            <a:ext cx="1264129" cy="338554"/>
+            <a:ext cx="1283749" cy="338554"/>
           </a:xfrm>
           <a:prstGeom prst="rect">
             <a:avLst/>
@@ -9742,7 +9668,7 @@
           <a:p>
             <a:r>
               <a:rPr lang="de-DE" sz="1600" dirty="0" smtClean="0"/>
-              <a:t>RZ-Passwort:</a:t>
+              <a:t>RZ Password:</a:t>
             </a:r>
             <a:endParaRPr lang="de-DE" sz="1600" dirty="0"/>
           </a:p>
@@ -11901,11 +11827,7 @@
             </a:r>
             <a:r>
               <a:rPr lang="de-DE" dirty="0" smtClean="0"/>
-              <a:t> </a:t>
-            </a:r>
-            <a:r>
-              <a:rPr lang="de-DE" dirty="0" smtClean="0"/>
-              <a:t>grades </a:t>
+              <a:t> grades </a:t>
             </a:r>
             <a:r>
               <a:rPr lang="de-DE" dirty="0" err="1" smtClean="0"/>
@@ -12653,15 +12575,7 @@
                   <a:schemeClr val="tx1"/>
                 </a:solidFill>
               </a:rPr>
-              <a:t>h</a:t>
-            </a:r>
-            <a:r>
-              <a:rPr lang="de-DE" sz="2400" b="1" dirty="0" err="1" smtClean="0">
-                <a:solidFill>
-                  <a:schemeClr val="tx1"/>
-                </a:solidFill>
-              </a:rPr>
-              <a:t>elper</a:t>
+              <a:t>helper</a:t>
             </a:r>
             <a:r>
               <a:rPr lang="de-DE" sz="2400" b="1" dirty="0" smtClean="0">
@@ -15777,15 +15691,7 @@
                   <a:schemeClr val="tx1"/>
                 </a:solidFill>
               </a:rPr>
-              <a:t>degree</a:t>
-            </a:r>
-            <a:r>
-              <a:rPr lang="de-DE" sz="1200" dirty="0" err="1" smtClean="0">
-                <a:solidFill>
-                  <a:schemeClr val="tx1"/>
-                </a:solidFill>
-              </a:rPr>
-              <a:t>e</a:t>
+              <a:t>degreee</a:t>
             </a:r>
             <a:endParaRPr lang="de-DE" sz="1200" dirty="0">
               <a:solidFill>
@@ -16394,11 +16300,7 @@
             </a:r>
             <a:r>
               <a:rPr lang="de-DE" dirty="0" smtClean="0"/>
-              <a:t> </a:t>
-            </a:r>
-            <a:r>
-              <a:rPr lang="de-DE" dirty="0" smtClean="0"/>
-              <a:t>UI</a:t>
+              <a:t> UI</a:t>
             </a:r>
             <a:endParaRPr lang="de-DE" dirty="0"/>
           </a:p>
@@ -16950,17 +16852,12 @@
             </a:r>
             <a:r>
               <a:rPr lang="de-DE" sz="4000" b="1" dirty="0" smtClean="0"/>
-              <a:t>Problem</a:t>
-            </a:r>
-            <a:r>
-              <a:rPr lang="de-DE" sz="4000" b="1" dirty="0" smtClean="0"/>
-              <a:t>:</a:t>
+              <a:t>Problem:</a:t>
             </a:r>
             <a:r>
               <a:rPr lang="de-DE" sz="4000" dirty="0" smtClean="0"/>
               <a:t> </a:t>
             </a:r>
-            <a:endParaRPr lang="de-DE" sz="4000" dirty="0" smtClean="0"/>
           </a:p>
           <a:p>
             <a:pPr lvl="1">
@@ -18207,11 +18104,7 @@
             </a:r>
             <a:r>
               <a:rPr lang="de-DE" sz="2400" b="1" dirty="0" smtClean="0"/>
-              <a:t>Problem</a:t>
-            </a:r>
-            <a:r>
-              <a:rPr lang="de-DE" sz="2400" b="1" dirty="0" smtClean="0"/>
-              <a:t>: </a:t>
+              <a:t>Problem: </a:t>
             </a:r>
           </a:p>
           <a:p>
@@ -18220,11 +18113,7 @@
             </a:pPr>
             <a:r>
               <a:rPr lang="de-DE" sz="2400" dirty="0" smtClean="0"/>
-              <a:t>	</a:t>
-            </a:r>
-            <a:r>
-              <a:rPr lang="de-DE" sz="2400" dirty="0" smtClean="0"/>
-              <a:t>	</a:t>
+              <a:t>		</a:t>
             </a:r>
             <a:r>
               <a:rPr lang="de-DE" sz="2400" dirty="0" err="1" smtClean="0"/>
@@ -18232,11 +18121,7 @@
             </a:r>
             <a:r>
               <a:rPr lang="de-DE" sz="2400" dirty="0" smtClean="0"/>
-              <a:t> </a:t>
-            </a:r>
-            <a:r>
-              <a:rPr lang="de-DE" sz="2400" dirty="0" smtClean="0"/>
-              <a:t>do </a:t>
+              <a:t> do </a:t>
             </a:r>
             <a:r>
               <a:rPr lang="de-DE" sz="2400" dirty="0" err="1" smtClean="0"/>
@@ -18268,13 +18153,8 @@
             </a:r>
             <a:r>
               <a:rPr lang="de-DE" sz="2400" dirty="0" smtClean="0"/>
-              <a:t> HTTPS</a:t>
-            </a:r>
-            <a:r>
-              <a:rPr lang="de-DE" sz="2400" dirty="0" smtClean="0"/>
-              <a:t>?</a:t>
-            </a:r>
-            <a:endParaRPr lang="de-DE" sz="2400" dirty="0" smtClean="0"/>
+              <a:t> HTTPS?</a:t>
+            </a:r>
           </a:p>
         </p:txBody>
       </p:sp>

--- a/docs/notenapp-praesi.pptx
+++ b/docs/notenapp-praesi.pptx
@@ -206,7 +206,7 @@
             <a:fld id="{433F66C5-ED08-47C6-B5C9-779C66E0356B}" type="datetimeFigureOut">
               <a:rPr lang="de-DE" smtClean="0"/>
               <a:pPr/>
-              <a:t>20.01.2013</a:t>
+              <a:t>21.01.2013</a:t>
             </a:fld>
             <a:endParaRPr lang="de-DE"/>
           </a:p>
@@ -377,7 +377,7 @@
     </p:spTree>
     <p:extLst>
       <p:ext uri="{BB962C8B-B14F-4D97-AF65-F5344CB8AC3E}">
-        <p14:creationId xmlns="" xmlns:p14="http://schemas.microsoft.com/office/powerpoint/2010/main" val="163652337"/>
+        <p14:creationId xmlns:p14="http://schemas.microsoft.com/office/powerpoint/2010/main" xmlns="" val="163652337"/>
       </p:ext>
     </p:extLst>
   </p:cSld>
@@ -5743,17 +5743,17 @@
                   </a:schemeClr>
                 </a:solidFill>
               </a:rPr>
-              <a:t>(</a:t>
-            </a:r>
-            <a:r>
-              <a:rPr lang="de-DE" sz="1800" b="1" dirty="0" err="1" smtClean="0">
+              <a:t>Smartphone</a:t>
+            </a:r>
+            <a:r>
+              <a:rPr lang="de-DE" sz="2000" b="1" dirty="0" smtClean="0">
                 <a:solidFill>
                   <a:schemeClr val="bg1">
                     <a:lumMod val="50000"/>
                   </a:schemeClr>
                 </a:solidFill>
               </a:rPr>
-              <a:t>or</a:t>
+              <a:t>: </a:t>
             </a:r>
             <a:r>
               <a:rPr lang="de-DE" sz="1800" b="1" dirty="0" smtClean="0">
@@ -5762,18 +5762,20 @@
                     <a:lumMod val="50000"/>
                   </a:schemeClr>
                 </a:solidFill>
+                <a:hlinkClick r:id="rId3"/>
               </a:rPr>
-              <a:t> </a:t>
-            </a:r>
-            <a:r>
-              <a:rPr lang="de-DE" sz="1800" b="1" dirty="0" err="1" smtClean="0">
+              <a:t>http</a:t>
+            </a:r>
+            <a:r>
+              <a:rPr lang="de-DE" sz="1800" b="1" dirty="0" smtClean="0">
                 <a:solidFill>
                   <a:schemeClr val="bg1">
                     <a:lumMod val="50000"/>
                   </a:schemeClr>
                 </a:solidFill>
+                <a:hlinkClick r:id="rId3"/>
               </a:rPr>
-              <a:t>video</a:t>
+              <a:t>://</a:t>
             </a:r>
             <a:r>
               <a:rPr lang="de-DE" sz="1800" b="1" dirty="0" smtClean="0">
@@ -5782,10 +5784,86 @@
                     <a:lumMod val="50000"/>
                   </a:schemeClr>
                 </a:solidFill>
+                <a:hlinkClick r:id="rId3"/>
               </a:rPr>
-              <a:t>…)</a:t>
-            </a:r>
-            <a:endParaRPr lang="de-DE" sz="1800" b="1" dirty="0">
+              <a:t>www.youtube.com/watch?v=ltlYKTPnJ2c</a:t>
+            </a:r>
+            <a:endParaRPr lang="de-DE" sz="1800" b="1" dirty="0" smtClean="0">
+              <a:solidFill>
+                <a:schemeClr val="bg1">
+                  <a:lumMod val="50000"/>
+                </a:schemeClr>
+              </a:solidFill>
+            </a:endParaRPr>
+          </a:p>
+          <a:p>
+            <a:pPr marL="0" indent="0" algn="ctr">
+              <a:buNone/>
+            </a:pPr>
+            <a:r>
+              <a:rPr lang="de-DE" sz="1800" b="1" dirty="0" smtClean="0">
+                <a:solidFill>
+                  <a:schemeClr val="bg1">
+                    <a:lumMod val="50000"/>
+                  </a:schemeClr>
+                </a:solidFill>
+              </a:rPr>
+              <a:t> </a:t>
+            </a:r>
+            <a:r>
+              <a:rPr lang="de-DE" sz="1800" b="1" dirty="0" err="1" smtClean="0">
+                <a:solidFill>
+                  <a:schemeClr val="bg1">
+                    <a:lumMod val="50000"/>
+                  </a:schemeClr>
+                </a:solidFill>
+              </a:rPr>
+              <a:t>Tablet</a:t>
+            </a:r>
+            <a:r>
+              <a:rPr lang="de-DE" sz="1800" b="1" dirty="0" smtClean="0">
+                <a:solidFill>
+                  <a:schemeClr val="bg1">
+                    <a:lumMod val="50000"/>
+                  </a:schemeClr>
+                </a:solidFill>
+              </a:rPr>
+              <a:t>: </a:t>
+            </a:r>
+            <a:r>
+              <a:rPr lang="de-DE" sz="1800" b="1" dirty="0" smtClean="0">
+                <a:solidFill>
+                  <a:schemeClr val="bg1">
+                    <a:lumMod val="50000"/>
+                  </a:schemeClr>
+                </a:solidFill>
+                <a:hlinkClick r:id="rId4"/>
+              </a:rPr>
+              <a:t>http</a:t>
+            </a:r>
+            <a:r>
+              <a:rPr lang="de-DE" sz="1800" b="1" dirty="0" smtClean="0">
+                <a:solidFill>
+                  <a:schemeClr val="bg1">
+                    <a:lumMod val="50000"/>
+                  </a:schemeClr>
+                </a:solidFill>
+                <a:hlinkClick r:id="rId4"/>
+              </a:rPr>
+              <a:t>://</a:t>
+            </a:r>
+            <a:r>
+              <a:rPr lang="de-DE" sz="1800" b="1" dirty="0" smtClean="0">
+                <a:solidFill>
+                  <a:schemeClr val="bg1">
+                    <a:lumMod val="50000"/>
+                  </a:schemeClr>
+                </a:solidFill>
+                <a:hlinkClick r:id="rId4"/>
+              </a:rPr>
+              <a:t>www.youtube.com/watch?v=yNRsmIQvbq8</a:t>
+            </a:r>
+            <a:endParaRPr lang="de-DE" sz="1800" b="1" dirty="0" smtClean="0">
               <a:solidFill>
                 <a:schemeClr val="bg1">
                   <a:lumMod val="50000"/>
@@ -5868,7 +5946,7 @@
     </p:spTree>
     <p:extLst>
       <p:ext uri="{BB962C8B-B14F-4D97-AF65-F5344CB8AC3E}">
-        <p14:creationId xmlns="" xmlns:p14="http://schemas.microsoft.com/office/powerpoint/2010/main" val="2209468386"/>
+        <p14:creationId xmlns:p14="http://schemas.microsoft.com/office/powerpoint/2010/main" xmlns="" val="2209468386"/>
       </p:ext>
     </p:extLst>
   </p:cSld>

--- a/docs/notenapp-praesi.pptx
+++ b/docs/notenapp-praesi.pptx
@@ -206,7 +206,7 @@
             <a:fld id="{433F66C5-ED08-47C6-B5C9-779C66E0356B}" type="datetimeFigureOut">
               <a:rPr lang="de-DE" smtClean="0"/>
               <a:pPr/>
-              <a:t>21.01.2013</a:t>
+              <a:t>22.01.2013</a:t>
             </a:fld>
             <a:endParaRPr lang="de-DE"/>
           </a:p>
@@ -377,7 +377,7 @@
     </p:spTree>
     <p:extLst>
       <p:ext uri="{BB962C8B-B14F-4D97-AF65-F5344CB8AC3E}">
-        <p14:creationId xmlns:p14="http://schemas.microsoft.com/office/powerpoint/2010/main" xmlns="" val="163652337"/>
+        <p14:creationId xmlns="" xmlns:p14="http://schemas.microsoft.com/office/powerpoint/2010/main" val="163652337"/>
       </p:ext>
     </p:extLst>
   </p:cSld>
@@ -523,6 +523,81 @@
           </a:bodyPr>
           <a:lstStyle/>
           <a:p>
+            <a:r>
+              <a:rPr lang="de-DE" dirty="0" smtClean="0"/>
+              <a:t>Andi</a:t>
+            </a:r>
+          </a:p>
+          <a:p>
+            <a:endParaRPr lang="de-DE" dirty="0" smtClean="0"/>
+          </a:p>
+          <a:p>
+            <a:pPr>
+              <a:buFontTx/>
+              <a:buChar char="-"/>
+            </a:pPr>
+            <a:r>
+              <a:rPr lang="de-DE" dirty="0" smtClean="0"/>
+              <a:t> </a:t>
+            </a:r>
+            <a:r>
+              <a:rPr lang="de-DE" dirty="0" err="1" smtClean="0"/>
+              <a:t>Introduction</a:t>
+            </a:r>
+            <a:r>
+              <a:rPr lang="de-DE" baseline="0" dirty="0" smtClean="0"/>
+              <a:t> </a:t>
+            </a:r>
+            <a:r>
+              <a:rPr lang="de-DE" baseline="0" dirty="0" err="1" smtClean="0"/>
+              <a:t>of</a:t>
+            </a:r>
+            <a:r>
+              <a:rPr lang="de-DE" baseline="0" dirty="0" smtClean="0"/>
+              <a:t> </a:t>
+            </a:r>
+            <a:r>
+              <a:rPr lang="de-DE" baseline="0" dirty="0" err="1" smtClean="0"/>
+              <a:t>Names</a:t>
+            </a:r>
+            <a:r>
+              <a:rPr lang="de-DE" baseline="0" dirty="0" smtClean="0"/>
+              <a:t>, Project</a:t>
+            </a:r>
+          </a:p>
+          <a:p>
+            <a:pPr>
+              <a:buFontTx/>
+              <a:buNone/>
+            </a:pPr>
+            <a:r>
+              <a:rPr lang="de-DE" baseline="0" dirty="0" smtClean="0"/>
+              <a:t>- I </a:t>
+            </a:r>
+            <a:r>
+              <a:rPr lang="de-DE" baseline="0" dirty="0" err="1" smtClean="0"/>
+              <a:t>begin</a:t>
+            </a:r>
+            <a:r>
+              <a:rPr lang="de-DE" baseline="0" dirty="0" smtClean="0"/>
+              <a:t> </a:t>
+            </a:r>
+            <a:r>
+              <a:rPr lang="de-DE" baseline="0" dirty="0" err="1" smtClean="0"/>
+              <a:t>and</a:t>
+            </a:r>
+            <a:r>
+              <a:rPr lang="de-DE" baseline="0" dirty="0" smtClean="0"/>
+              <a:t> Manuel </a:t>
+            </a:r>
+            <a:r>
+              <a:rPr lang="de-DE" baseline="0" dirty="0" err="1" smtClean="0"/>
+              <a:t>goes</a:t>
+            </a:r>
+            <a:r>
+              <a:rPr lang="de-DE" baseline="0" dirty="0" smtClean="0"/>
+              <a:t> on…</a:t>
+            </a:r>
             <a:endParaRPr lang="de-DE" dirty="0"/>
           </a:p>
         </p:txBody>
@@ -605,7 +680,27 @@
           </a:bodyPr>
           <a:lstStyle/>
           <a:p>
-            <a:endParaRPr lang="de-DE" dirty="0"/>
+            <a:pPr marL="0" marR="0" indent="0" algn="l" defTabSz="914400" rtl="0" eaLnBrk="1" fontAlgn="auto" latinLnBrk="0" hangingPunct="1">
+              <a:lnSpc>
+                <a:spcPct val="100000"/>
+              </a:lnSpc>
+              <a:spcBef>
+                <a:spcPts val="0"/>
+              </a:spcBef>
+              <a:spcAft>
+                <a:spcPts val="0"/>
+              </a:spcAft>
+              <a:buClrTx/>
+              <a:buSzTx/>
+              <a:buFontTx/>
+              <a:buNone/>
+              <a:tabLst/>
+              <a:defRPr/>
+            </a:pPr>
+            <a:r>
+              <a:rPr lang="de-DE" dirty="0" smtClean="0"/>
+              <a:t>Manuel</a:t>
+            </a:r>
           </a:p>
         </p:txBody>
       </p:sp>
@@ -627,7 +722,568 @@
             <a:fld id="{F353E27D-98AC-48F6-A766-1ED74A768EDF}" type="slidenum">
               <a:rPr lang="de-DE" smtClean="0"/>
               <a:pPr/>
+              <a:t>10</a:t>
+            </a:fld>
+            <a:endParaRPr lang="de-DE"/>
+          </a:p>
+        </p:txBody>
+      </p:sp>
+    </p:spTree>
+  </p:cSld>
+  <p:clrMapOvr>
+    <a:masterClrMapping/>
+  </p:clrMapOvr>
+</p:notes>
+</file>
+
+<file path=ppt/notesSlides/notesSlide11.xml><?xml version="1.0" encoding="utf-8"?>
+<p:notes xmlns:a="http://schemas.openxmlformats.org/drawingml/2006/main" xmlns:r="http://schemas.openxmlformats.org/officeDocument/2006/relationships" xmlns:p="http://schemas.openxmlformats.org/presentationml/2006/main">
+  <p:cSld>
+    <p:spTree>
+      <p:nvGrpSpPr>
+        <p:cNvPr id="1" name=""/>
+        <p:cNvGrpSpPr/>
+        <p:nvPr/>
+      </p:nvGrpSpPr>
+      <p:grpSpPr>
+        <a:xfrm>
+          <a:off x="0" y="0"/>
+          <a:ext cx="0" cy="0"/>
+          <a:chOff x="0" y="0"/>
+          <a:chExt cx="0" cy="0"/>
+        </a:xfrm>
+      </p:grpSpPr>
+      <p:sp>
+        <p:nvSpPr>
+          <p:cNvPr id="2" name="Folienbildplatzhalter 1"/>
+          <p:cNvSpPr>
+            <a:spLocks noGrp="1" noRot="1" noChangeAspect="1"/>
+          </p:cNvSpPr>
+          <p:nvPr>
+            <p:ph type="sldImg"/>
+          </p:nvPr>
+        </p:nvSpPr>
+        <p:spPr/>
+      </p:sp>
+      <p:sp>
+        <p:nvSpPr>
+          <p:cNvPr id="3" name="Notizenplatzhalter 2"/>
+          <p:cNvSpPr>
+            <a:spLocks noGrp="1"/>
+          </p:cNvSpPr>
+          <p:nvPr>
+            <p:ph type="body" idx="1"/>
+          </p:nvPr>
+        </p:nvSpPr>
+        <p:spPr/>
+        <p:txBody>
+          <a:bodyPr>
+            <a:normAutofit/>
+          </a:bodyPr>
+          <a:lstStyle/>
+          <a:p>
+            <a:r>
+              <a:rPr lang="de-DE" dirty="0" smtClean="0"/>
+              <a:t>1.</a:t>
+            </a:r>
+            <a:r>
+              <a:rPr lang="de-DE" baseline="0" dirty="0" smtClean="0"/>
+              <a:t> Beim ersten Start wird Einstellungs-</a:t>
+            </a:r>
+            <a:r>
+              <a:rPr lang="de-DE" baseline="0" dirty="0" err="1" smtClean="0"/>
+              <a:t>Activity</a:t>
+            </a:r>
+            <a:r>
+              <a:rPr lang="de-DE" baseline="0" dirty="0" smtClean="0"/>
+              <a:t> angezeigt da keine Daten vorliegen -&gt; RZ-Benutzerdaten eintragen!</a:t>
+            </a:r>
+          </a:p>
+          <a:p>
+            <a:r>
+              <a:rPr lang="de-DE" baseline="0" dirty="0" smtClean="0"/>
+              <a:t>2. Zurück zu Haupt-</a:t>
+            </a:r>
+            <a:r>
+              <a:rPr lang="de-DE" baseline="0" dirty="0" err="1" smtClean="0"/>
+              <a:t>Activity</a:t>
+            </a:r>
+            <a:endParaRPr lang="de-DE" baseline="0" dirty="0" smtClean="0"/>
+          </a:p>
+          <a:p>
+            <a:r>
+              <a:rPr lang="de-DE" baseline="0" dirty="0" smtClean="0"/>
+              <a:t>3. Noch nichts geladen, wird aktualisierungs-</a:t>
+            </a:r>
+            <a:r>
+              <a:rPr lang="de-DE" baseline="0" dirty="0" err="1" smtClean="0"/>
+              <a:t>activity</a:t>
+            </a:r>
+            <a:r>
+              <a:rPr lang="de-DE" baseline="0" dirty="0" smtClean="0"/>
+              <a:t> angezeigt</a:t>
+            </a:r>
+          </a:p>
+          <a:p>
+            <a:r>
+              <a:rPr lang="de-DE" baseline="0" dirty="0" smtClean="0"/>
+              <a:t>4. Aktualisieren! </a:t>
+            </a:r>
+            <a:r>
+              <a:rPr lang="de-DE" baseline="0" dirty="0" err="1" smtClean="0"/>
+              <a:t>Läd</a:t>
+            </a:r>
+            <a:r>
+              <a:rPr lang="de-DE" baseline="0" dirty="0" smtClean="0"/>
+              <a:t> Daten (schnitt wegen zu langer </a:t>
+            </a:r>
+            <a:r>
+              <a:rPr lang="de-DE" baseline="0" dirty="0" err="1" smtClean="0"/>
+              <a:t>ladezeiten</a:t>
+            </a:r>
+            <a:r>
+              <a:rPr lang="de-DE" baseline="0" dirty="0" smtClean="0"/>
+              <a:t> des Emulators)</a:t>
+            </a:r>
+          </a:p>
+          <a:p>
+            <a:r>
+              <a:rPr lang="de-DE" dirty="0" smtClean="0"/>
+              <a:t>STOP 5. Gefundene</a:t>
+            </a:r>
+            <a:r>
+              <a:rPr lang="de-DE" baseline="0" dirty="0" smtClean="0"/>
+              <a:t> Daten präsentieren</a:t>
+            </a:r>
+          </a:p>
+          <a:p>
+            <a:r>
+              <a:rPr lang="de-DE" baseline="0" dirty="0" smtClean="0"/>
+              <a:t>6. Bachelor-Abschluss anzeigen</a:t>
+            </a:r>
+          </a:p>
+          <a:p>
+            <a:r>
+              <a:rPr lang="de-DE" baseline="0" dirty="0" smtClean="0"/>
+              <a:t>STOP 7. </a:t>
+            </a:r>
+            <a:r>
+              <a:rPr lang="de-DE" baseline="0" dirty="0" err="1" smtClean="0"/>
+              <a:t>farben</a:t>
+            </a:r>
+            <a:r>
+              <a:rPr lang="de-DE" baseline="0" dirty="0" smtClean="0"/>
+              <a:t> erklären und was angezeigt wird</a:t>
+            </a:r>
+          </a:p>
+          <a:p>
+            <a:r>
+              <a:rPr lang="de-DE" baseline="0" dirty="0" smtClean="0"/>
+              <a:t>8. Filter zeigen</a:t>
+            </a:r>
+          </a:p>
+          <a:p>
+            <a:r>
+              <a:rPr lang="de-DE" baseline="0" dirty="0" smtClean="0"/>
+              <a:t>9. Suche nach Mathe</a:t>
+            </a:r>
+          </a:p>
+          <a:p>
+            <a:r>
+              <a:rPr lang="de-DE" baseline="0" dirty="0" smtClean="0"/>
+              <a:t>STOP 10. Clear </a:t>
+            </a:r>
+            <a:r>
+              <a:rPr lang="de-DE" baseline="0" dirty="0" err="1" smtClean="0"/>
+              <a:t>Search</a:t>
+            </a:r>
+            <a:r>
+              <a:rPr lang="de-DE" baseline="0" dirty="0" smtClean="0"/>
+              <a:t> </a:t>
+            </a:r>
+            <a:r>
+              <a:rPr lang="de-DE" baseline="0" dirty="0" err="1" smtClean="0"/>
+              <a:t>History</a:t>
+            </a:r>
+            <a:r>
+              <a:rPr lang="de-DE" baseline="0" dirty="0" smtClean="0"/>
+              <a:t> 	Was genau wurde wo hinterlegt und wird gelöscht</a:t>
+            </a:r>
+          </a:p>
+          <a:p>
+            <a:r>
+              <a:rPr lang="de-DE" dirty="0" smtClean="0"/>
+              <a:t>11. Details zeigen</a:t>
+            </a:r>
+          </a:p>
+          <a:p>
+            <a:r>
+              <a:rPr lang="de-DE" dirty="0" smtClean="0"/>
+              <a:t>STOP 12. und </a:t>
+            </a:r>
+            <a:r>
+              <a:rPr lang="de-DE" dirty="0" err="1" smtClean="0"/>
+              <a:t>share</a:t>
+            </a:r>
+            <a:r>
+              <a:rPr lang="de-DE" baseline="0" dirty="0" smtClean="0"/>
+              <a:t> erklären</a:t>
+            </a:r>
+          </a:p>
+          <a:p>
+            <a:r>
+              <a:rPr lang="de-DE" baseline="0" dirty="0" smtClean="0"/>
+              <a:t>13. Zurück auf </a:t>
+            </a:r>
+            <a:r>
+              <a:rPr lang="de-DE" baseline="0" dirty="0" err="1" smtClean="0"/>
+              <a:t>home</a:t>
+            </a:r>
+            <a:r>
+              <a:rPr lang="de-DE" baseline="0" dirty="0" smtClean="0"/>
+              <a:t>… </a:t>
+            </a:r>
+            <a:r>
+              <a:rPr lang="de-DE" baseline="0" dirty="0" err="1" smtClean="0"/>
+              <a:t>refresh</a:t>
+            </a:r>
+            <a:r>
+              <a:rPr lang="de-DE" baseline="0" dirty="0" smtClean="0"/>
+              <a:t> mit „anderen“ </a:t>
+            </a:r>
+            <a:r>
+              <a:rPr lang="de-DE" baseline="0" dirty="0" err="1" smtClean="0"/>
+              <a:t>daten</a:t>
+            </a:r>
+            <a:endParaRPr lang="de-DE" dirty="0"/>
+          </a:p>
+        </p:txBody>
+      </p:sp>
+      <p:sp>
+        <p:nvSpPr>
+          <p:cNvPr id="4" name="Foliennummernplatzhalter 3"/>
+          <p:cNvSpPr>
+            <a:spLocks noGrp="1"/>
+          </p:cNvSpPr>
+          <p:nvPr>
+            <p:ph type="sldNum" sz="quarter" idx="10"/>
+          </p:nvPr>
+        </p:nvSpPr>
+        <p:spPr/>
+        <p:txBody>
+          <a:bodyPr/>
+          <a:lstStyle/>
+          <a:p>
+            <a:fld id="{F353E27D-98AC-48F6-A766-1ED74A768EDF}" type="slidenum">
+              <a:rPr lang="de-DE" smtClean="0"/>
+              <a:pPr/>
+              <a:t>11</a:t>
+            </a:fld>
+            <a:endParaRPr lang="de-DE"/>
+          </a:p>
+        </p:txBody>
+      </p:sp>
+    </p:spTree>
+  </p:cSld>
+  <p:clrMapOvr>
+    <a:masterClrMapping/>
+  </p:clrMapOvr>
+</p:notes>
+</file>
+
+<file path=ppt/notesSlides/notesSlide12.xml><?xml version="1.0" encoding="utf-8"?>
+<p:notes xmlns:a="http://schemas.openxmlformats.org/drawingml/2006/main" xmlns:r="http://schemas.openxmlformats.org/officeDocument/2006/relationships" xmlns:p="http://schemas.openxmlformats.org/presentationml/2006/main">
+  <p:cSld>
+    <p:spTree>
+      <p:nvGrpSpPr>
+        <p:cNvPr id="1" name=""/>
+        <p:cNvGrpSpPr/>
+        <p:nvPr/>
+      </p:nvGrpSpPr>
+      <p:grpSpPr>
+        <a:xfrm>
+          <a:off x="0" y="0"/>
+          <a:ext cx="0" cy="0"/>
+          <a:chOff x="0" y="0"/>
+          <a:chExt cx="0" cy="0"/>
+        </a:xfrm>
+      </p:grpSpPr>
+      <p:sp>
+        <p:nvSpPr>
+          <p:cNvPr id="2" name="Folienbildplatzhalter 1"/>
+          <p:cNvSpPr>
+            <a:spLocks noGrp="1" noRot="1" noChangeAspect="1"/>
+          </p:cNvSpPr>
+          <p:nvPr>
+            <p:ph type="sldImg"/>
+          </p:nvPr>
+        </p:nvSpPr>
+        <p:spPr/>
+      </p:sp>
+      <p:sp>
+        <p:nvSpPr>
+          <p:cNvPr id="3" name="Notizenplatzhalter 2"/>
+          <p:cNvSpPr>
+            <a:spLocks noGrp="1"/>
+          </p:cNvSpPr>
+          <p:nvPr>
+            <p:ph type="body" idx="1"/>
+          </p:nvPr>
+        </p:nvSpPr>
+        <p:spPr/>
+        <p:txBody>
+          <a:bodyPr>
+            <a:normAutofit/>
+          </a:bodyPr>
+          <a:lstStyle/>
+          <a:p>
+            <a:pPr marL="0" marR="0" indent="0" algn="l" defTabSz="914400" rtl="0" eaLnBrk="1" fontAlgn="auto" latinLnBrk="0" hangingPunct="1">
+              <a:lnSpc>
+                <a:spcPct val="100000"/>
+              </a:lnSpc>
+              <a:spcBef>
+                <a:spcPts val="0"/>
+              </a:spcBef>
+              <a:spcAft>
+                <a:spcPts val="0"/>
+              </a:spcAft>
+              <a:buClrTx/>
+              <a:buSzTx/>
+              <a:buFontTx/>
+              <a:buNone/>
+              <a:tabLst/>
+              <a:defRPr/>
+            </a:pPr>
+            <a:r>
+              <a:rPr lang="de-DE" dirty="0" smtClean="0"/>
+              <a:t>Manuel</a:t>
+            </a:r>
+          </a:p>
+        </p:txBody>
+      </p:sp>
+      <p:sp>
+        <p:nvSpPr>
+          <p:cNvPr id="4" name="Foliennummernplatzhalter 3"/>
+          <p:cNvSpPr>
+            <a:spLocks noGrp="1"/>
+          </p:cNvSpPr>
+          <p:nvPr>
+            <p:ph type="sldNum" sz="quarter" idx="10"/>
+          </p:nvPr>
+        </p:nvSpPr>
+        <p:spPr/>
+        <p:txBody>
+          <a:bodyPr/>
+          <a:lstStyle/>
+          <a:p>
+            <a:fld id="{F353E27D-98AC-48F6-A766-1ED74A768EDF}" type="slidenum">
+              <a:rPr lang="de-DE" smtClean="0"/>
+              <a:pPr/>
+              <a:t>12</a:t>
+            </a:fld>
+            <a:endParaRPr lang="de-DE"/>
+          </a:p>
+        </p:txBody>
+      </p:sp>
+    </p:spTree>
+  </p:cSld>
+  <p:clrMapOvr>
+    <a:masterClrMapping/>
+  </p:clrMapOvr>
+</p:notes>
+</file>
+
+<file path=ppt/notesSlides/notesSlide13.xml><?xml version="1.0" encoding="utf-8"?>
+<p:notes xmlns:a="http://schemas.openxmlformats.org/drawingml/2006/main" xmlns:r="http://schemas.openxmlformats.org/officeDocument/2006/relationships" xmlns:p="http://schemas.openxmlformats.org/presentationml/2006/main">
+  <p:cSld>
+    <p:spTree>
+      <p:nvGrpSpPr>
+        <p:cNvPr id="1" name=""/>
+        <p:cNvGrpSpPr/>
+        <p:nvPr/>
+      </p:nvGrpSpPr>
+      <p:grpSpPr>
+        <a:xfrm>
+          <a:off x="0" y="0"/>
+          <a:ext cx="0" cy="0"/>
+          <a:chOff x="0" y="0"/>
+          <a:chExt cx="0" cy="0"/>
+        </a:xfrm>
+      </p:grpSpPr>
+      <p:sp>
+        <p:nvSpPr>
+          <p:cNvPr id="2" name="Folienbildplatzhalter 1"/>
+          <p:cNvSpPr>
+            <a:spLocks noGrp="1" noRot="1" noChangeAspect="1"/>
+          </p:cNvSpPr>
+          <p:nvPr>
+            <p:ph type="sldImg"/>
+          </p:nvPr>
+        </p:nvSpPr>
+        <p:spPr/>
+      </p:sp>
+      <p:sp>
+        <p:nvSpPr>
+          <p:cNvPr id="3" name="Notizenplatzhalter 2"/>
+          <p:cNvSpPr>
+            <a:spLocks noGrp="1"/>
+          </p:cNvSpPr>
+          <p:nvPr>
+            <p:ph type="body" idx="1"/>
+          </p:nvPr>
+        </p:nvSpPr>
+        <p:spPr/>
+        <p:txBody>
+          <a:bodyPr>
+            <a:normAutofit/>
+          </a:bodyPr>
+          <a:lstStyle/>
+          <a:p>
+            <a:pPr marL="0" marR="0" indent="0" algn="l" defTabSz="914400" rtl="0" eaLnBrk="1" fontAlgn="auto" latinLnBrk="0" hangingPunct="1">
+              <a:lnSpc>
+                <a:spcPct val="100000"/>
+              </a:lnSpc>
+              <a:spcBef>
+                <a:spcPts val="0"/>
+              </a:spcBef>
+              <a:spcAft>
+                <a:spcPts val="0"/>
+              </a:spcAft>
+              <a:buClrTx/>
+              <a:buSzTx/>
+              <a:buFontTx/>
+              <a:buNone/>
+              <a:tabLst/>
+              <a:defRPr/>
+            </a:pPr>
+            <a:r>
+              <a:rPr lang="de-DE" dirty="0" smtClean="0"/>
+              <a:t>Manuel</a:t>
+            </a:r>
+          </a:p>
+        </p:txBody>
+      </p:sp>
+      <p:sp>
+        <p:nvSpPr>
+          <p:cNvPr id="4" name="Foliennummernplatzhalter 3"/>
+          <p:cNvSpPr>
+            <a:spLocks noGrp="1"/>
+          </p:cNvSpPr>
+          <p:nvPr>
+            <p:ph type="sldNum" sz="quarter" idx="10"/>
+          </p:nvPr>
+        </p:nvSpPr>
+        <p:spPr/>
+        <p:txBody>
+          <a:bodyPr/>
+          <a:lstStyle/>
+          <a:p>
+            <a:fld id="{F353E27D-98AC-48F6-A766-1ED74A768EDF}" type="slidenum">
+              <a:rPr lang="de-DE" smtClean="0"/>
+              <a:pPr/>
               <a:t>13</a:t>
+            </a:fld>
+            <a:endParaRPr lang="de-DE"/>
+          </a:p>
+        </p:txBody>
+      </p:sp>
+    </p:spTree>
+  </p:cSld>
+  <p:clrMapOvr>
+    <a:masterClrMapping/>
+  </p:clrMapOvr>
+</p:notes>
+</file>
+
+<file path=ppt/notesSlides/notesSlide14.xml><?xml version="1.0" encoding="utf-8"?>
+<p:notes xmlns:a="http://schemas.openxmlformats.org/drawingml/2006/main" xmlns:r="http://schemas.openxmlformats.org/officeDocument/2006/relationships" xmlns:p="http://schemas.openxmlformats.org/presentationml/2006/main">
+  <p:cSld>
+    <p:spTree>
+      <p:nvGrpSpPr>
+        <p:cNvPr id="1" name=""/>
+        <p:cNvGrpSpPr/>
+        <p:nvPr/>
+      </p:nvGrpSpPr>
+      <p:grpSpPr>
+        <a:xfrm>
+          <a:off x="0" y="0"/>
+          <a:ext cx="0" cy="0"/>
+          <a:chOff x="0" y="0"/>
+          <a:chExt cx="0" cy="0"/>
+        </a:xfrm>
+      </p:grpSpPr>
+      <p:sp>
+        <p:nvSpPr>
+          <p:cNvPr id="2" name="Folienbildplatzhalter 1"/>
+          <p:cNvSpPr>
+            <a:spLocks noGrp="1" noRot="1" noChangeAspect="1"/>
+          </p:cNvSpPr>
+          <p:nvPr>
+            <p:ph type="sldImg"/>
+          </p:nvPr>
+        </p:nvSpPr>
+        <p:spPr/>
+      </p:sp>
+      <p:sp>
+        <p:nvSpPr>
+          <p:cNvPr id="3" name="Notizenplatzhalter 2"/>
+          <p:cNvSpPr>
+            <a:spLocks noGrp="1"/>
+          </p:cNvSpPr>
+          <p:nvPr>
+            <p:ph type="body" idx="1"/>
+          </p:nvPr>
+        </p:nvSpPr>
+        <p:spPr/>
+        <p:txBody>
+          <a:bodyPr>
+            <a:normAutofit/>
+          </a:bodyPr>
+          <a:lstStyle/>
+          <a:p>
+            <a:pPr marL="0" marR="0" indent="0" algn="l" defTabSz="914400" rtl="0" eaLnBrk="1" fontAlgn="auto" latinLnBrk="0" hangingPunct="1">
+              <a:lnSpc>
+                <a:spcPct val="100000"/>
+              </a:lnSpc>
+              <a:spcBef>
+                <a:spcPts val="0"/>
+              </a:spcBef>
+              <a:spcAft>
+                <a:spcPts val="0"/>
+              </a:spcAft>
+              <a:buClrTx/>
+              <a:buSzTx/>
+              <a:buFontTx/>
+              <a:buNone/>
+              <a:tabLst/>
+              <a:defRPr/>
+            </a:pPr>
+            <a:r>
+              <a:rPr lang="de-DE" dirty="0" smtClean="0"/>
+              <a:t>Manuel</a:t>
+            </a:r>
+          </a:p>
+        </p:txBody>
+      </p:sp>
+      <p:sp>
+        <p:nvSpPr>
+          <p:cNvPr id="4" name="Foliennummernplatzhalter 3"/>
+          <p:cNvSpPr>
+            <a:spLocks noGrp="1"/>
+          </p:cNvSpPr>
+          <p:nvPr>
+            <p:ph type="sldNum" sz="quarter" idx="10"/>
+          </p:nvPr>
+        </p:nvSpPr>
+        <p:spPr/>
+        <p:txBody>
+          <a:bodyPr/>
+          <a:lstStyle/>
+          <a:p>
+            <a:fld id="{F353E27D-98AC-48F6-A766-1ED74A768EDF}" type="slidenum">
+              <a:rPr lang="de-DE" smtClean="0"/>
+              <a:pPr/>
+              <a:t>14</a:t>
             </a:fld>
             <a:endParaRPr lang="de-DE"/>
           </a:p>
@@ -687,12 +1343,91 @@
           </a:bodyPr>
           <a:lstStyle/>
           <a:p>
+            <a:pPr marL="228600" marR="0" indent="-228600" algn="l" defTabSz="914400" rtl="0" eaLnBrk="1" fontAlgn="auto" latinLnBrk="0" hangingPunct="1">
+              <a:lnSpc>
+                <a:spcPct val="100000"/>
+              </a:lnSpc>
+              <a:spcBef>
+                <a:spcPts val="0"/>
+              </a:spcBef>
+              <a:spcAft>
+                <a:spcPts val="0"/>
+              </a:spcAft>
+              <a:buClrTx/>
+              <a:buSzTx/>
+              <a:buFontTx/>
+              <a:buNone/>
+              <a:tabLst/>
+              <a:defRPr/>
+            </a:pPr>
+            <a:r>
+              <a:rPr lang="de-DE" dirty="0" smtClean="0"/>
+              <a:t>Andi</a:t>
+            </a:r>
+          </a:p>
+          <a:p>
+            <a:pPr marL="228600" indent="-228600">
+              <a:buNone/>
+            </a:pPr>
+            <a:r>
+              <a:rPr lang="de-DE" dirty="0" smtClean="0"/>
+              <a:t>- First </a:t>
+            </a:r>
+            <a:r>
+              <a:rPr lang="de-DE" dirty="0" err="1" smtClean="0"/>
+              <a:t>proposal</a:t>
+            </a:r>
+            <a:r>
+              <a:rPr lang="de-DE" baseline="0" dirty="0" smtClean="0"/>
+              <a:t> </a:t>
+            </a:r>
+            <a:r>
+              <a:rPr lang="de-DE" baseline="0" dirty="0" err="1" smtClean="0"/>
+              <a:t>added</a:t>
+            </a:r>
+            <a:r>
+              <a:rPr lang="de-DE" baseline="0" dirty="0" smtClean="0"/>
+              <a:t> </a:t>
+            </a:r>
+            <a:r>
+              <a:rPr lang="de-DE" baseline="0" dirty="0" err="1" smtClean="0"/>
+              <a:t>to</a:t>
+            </a:r>
+            <a:r>
+              <a:rPr lang="de-DE" baseline="0" dirty="0" smtClean="0"/>
+              <a:t> </a:t>
+            </a:r>
+            <a:r>
+              <a:rPr lang="de-DE" baseline="0" dirty="0" err="1" smtClean="0"/>
+              <a:t>short</a:t>
+            </a:r>
+            <a:r>
+              <a:rPr lang="de-DE" baseline="0" dirty="0" smtClean="0"/>
+              <a:t> </a:t>
+            </a:r>
+            <a:r>
+              <a:rPr lang="de-DE" baseline="0" dirty="0" err="1" smtClean="0"/>
+              <a:t>description</a:t>
+            </a:r>
+            <a:endParaRPr lang="de-DE" dirty="0" smtClean="0"/>
+          </a:p>
+          <a:p>
+            <a:pPr marL="228600" indent="-228600">
+              <a:buNone/>
+            </a:pPr>
+            <a:endParaRPr lang="de-DE" dirty="0" smtClean="0"/>
+          </a:p>
+          <a:p>
             <a:pPr marL="228600" indent="-228600">
               <a:buAutoNum type="arabicPeriod"/>
             </a:pPr>
             <a:r>
               <a:rPr lang="de-DE" dirty="0" smtClean="0"/>
-              <a:t>Refresh Button</a:t>
+              <a:t>Refresh </a:t>
+            </a:r>
+            <a:r>
+              <a:rPr lang="de-DE" dirty="0" smtClean="0"/>
+              <a:t>Button</a:t>
             </a:r>
           </a:p>
           <a:p>
@@ -920,9 +1655,39 @@
           </a:bodyPr>
           <a:lstStyle/>
           <a:p>
+            <a:pPr marL="0" marR="0" indent="0" algn="l" defTabSz="914400" rtl="0" eaLnBrk="1" fontAlgn="auto" latinLnBrk="0" hangingPunct="1">
+              <a:lnSpc>
+                <a:spcPct val="100000"/>
+              </a:lnSpc>
+              <a:spcBef>
+                <a:spcPts val="0"/>
+              </a:spcBef>
+              <a:spcAft>
+                <a:spcPts val="0"/>
+              </a:spcAft>
+              <a:buClrTx/>
+              <a:buSzTx/>
+              <a:buFontTx/>
+              <a:buNone/>
+              <a:tabLst/>
+              <a:defRPr/>
+            </a:pPr>
             <a:r>
               <a:rPr lang="de-DE" dirty="0" smtClean="0"/>
-              <a:t>Text dazu?</a:t>
+              <a:t>Andi</a:t>
+            </a:r>
+          </a:p>
+          <a:p>
+            <a:endParaRPr lang="de-DE" dirty="0" smtClean="0"/>
+          </a:p>
+          <a:p>
+            <a:r>
+              <a:rPr lang="de-DE" dirty="0" smtClean="0"/>
+              <a:t>- TODO: </a:t>
+            </a:r>
+            <a:r>
+              <a:rPr lang="de-DE" dirty="0" err="1" smtClean="0"/>
+              <a:t>formulierung</a:t>
             </a:r>
             <a:endParaRPr lang="de-DE" dirty="0"/>
           </a:p>
@@ -1006,7 +1771,162 @@
           </a:bodyPr>
           <a:lstStyle/>
           <a:p>
-            <a:endParaRPr lang="de-DE" dirty="0"/>
+            <a:pPr marL="0" marR="0" indent="0" algn="l" defTabSz="914400" rtl="0" eaLnBrk="1" fontAlgn="auto" latinLnBrk="0" hangingPunct="1">
+              <a:lnSpc>
+                <a:spcPct val="100000"/>
+              </a:lnSpc>
+              <a:spcBef>
+                <a:spcPts val="0"/>
+              </a:spcBef>
+              <a:spcAft>
+                <a:spcPts val="0"/>
+              </a:spcAft>
+              <a:buClrTx/>
+              <a:buSzTx/>
+              <a:buFontTx/>
+              <a:buNone/>
+              <a:tabLst/>
+              <a:defRPr/>
+            </a:pPr>
+            <a:r>
+              <a:rPr lang="de-DE" dirty="0" smtClean="0"/>
+              <a:t>Andi</a:t>
+            </a:r>
+          </a:p>
+          <a:p>
+            <a:pPr marL="0" marR="0" indent="0" algn="l" defTabSz="914400" rtl="0" eaLnBrk="1" fontAlgn="auto" latinLnBrk="0" hangingPunct="1">
+              <a:lnSpc>
+                <a:spcPct val="100000"/>
+              </a:lnSpc>
+              <a:spcBef>
+                <a:spcPts val="0"/>
+              </a:spcBef>
+              <a:spcAft>
+                <a:spcPts val="0"/>
+              </a:spcAft>
+              <a:buClrTx/>
+              <a:buSzTx/>
+              <a:buFontTx/>
+              <a:buNone/>
+              <a:tabLst/>
+              <a:defRPr/>
+            </a:pPr>
+            <a:endParaRPr lang="de-DE" dirty="0" smtClean="0"/>
+          </a:p>
+          <a:p>
+            <a:pPr marL="0" marR="0" indent="0" algn="l" defTabSz="914400" rtl="0" eaLnBrk="1" fontAlgn="auto" latinLnBrk="0" hangingPunct="1">
+              <a:lnSpc>
+                <a:spcPct val="100000"/>
+              </a:lnSpc>
+              <a:spcBef>
+                <a:spcPts val="0"/>
+              </a:spcBef>
+              <a:spcAft>
+                <a:spcPts val="0"/>
+              </a:spcAft>
+              <a:buClrTx/>
+              <a:buSzTx/>
+              <a:buFontTx/>
+              <a:buNone/>
+              <a:tabLst/>
+              <a:defRPr/>
+            </a:pPr>
+            <a:r>
+              <a:rPr lang="de-DE" dirty="0" smtClean="0"/>
+              <a:t>TODO: Die</a:t>
+            </a:r>
+            <a:r>
+              <a:rPr lang="de-DE" baseline="0" dirty="0" smtClean="0"/>
+              <a:t> </a:t>
+            </a:r>
+            <a:r>
+              <a:rPr lang="de-DE" baseline="0" dirty="0" err="1" smtClean="0"/>
+              <a:t>features</a:t>
+            </a:r>
+            <a:r>
+              <a:rPr lang="de-DE" baseline="0" dirty="0" smtClean="0"/>
+              <a:t> welche die </a:t>
+            </a:r>
+            <a:r>
+              <a:rPr lang="de-DE" baseline="0" dirty="0" err="1" smtClean="0"/>
+              <a:t>Use</a:t>
+            </a:r>
+            <a:r>
+              <a:rPr lang="de-DE" baseline="0" dirty="0" smtClean="0"/>
+              <a:t> </a:t>
+            </a:r>
+            <a:r>
+              <a:rPr lang="de-DE" baseline="0" dirty="0" err="1" smtClean="0"/>
+              <a:t>Cases</a:t>
+            </a:r>
+            <a:r>
+              <a:rPr lang="de-DE" baseline="0" dirty="0" smtClean="0"/>
+              <a:t> abbilden/umsetzen…</a:t>
+            </a:r>
+          </a:p>
+          <a:p>
+            <a:pPr marL="0" marR="0" indent="0" algn="l" defTabSz="914400" rtl="0" eaLnBrk="1" fontAlgn="auto" latinLnBrk="0" hangingPunct="1">
+              <a:lnSpc>
+                <a:spcPct val="100000"/>
+              </a:lnSpc>
+              <a:spcBef>
+                <a:spcPts val="0"/>
+              </a:spcBef>
+              <a:spcAft>
+                <a:spcPts val="0"/>
+              </a:spcAft>
+              <a:buClrTx/>
+              <a:buSzTx/>
+              <a:buFontTx/>
+              <a:buNone/>
+              <a:tabLst/>
+              <a:defRPr/>
+            </a:pPr>
+            <a:endParaRPr lang="de-DE" dirty="0" smtClean="0"/>
+          </a:p>
+          <a:p>
+            <a:pPr marL="0" marR="0" indent="0" algn="l" defTabSz="914400" rtl="0" eaLnBrk="1" fontAlgn="auto" latinLnBrk="0" hangingPunct="1">
+              <a:lnSpc>
+                <a:spcPct val="100000"/>
+              </a:lnSpc>
+              <a:spcBef>
+                <a:spcPts val="0"/>
+              </a:spcBef>
+              <a:spcAft>
+                <a:spcPts val="0"/>
+              </a:spcAft>
+              <a:buClrTx/>
+              <a:buSzTx/>
+              <a:buFontTx/>
+              <a:buNone/>
+              <a:tabLst/>
+              <a:defRPr/>
+            </a:pPr>
+            <a:r>
+              <a:rPr lang="de-DE" dirty="0" err="1" smtClean="0"/>
+              <a:t>developed</a:t>
+            </a:r>
+            <a:r>
+              <a:rPr lang="de-DE" dirty="0" smtClean="0"/>
+              <a:t> </a:t>
+            </a:r>
+            <a:r>
+              <a:rPr lang="de-DE" dirty="0" err="1" smtClean="0"/>
+              <a:t>features</a:t>
+            </a:r>
+            <a:r>
+              <a:rPr lang="de-DE" dirty="0" smtClean="0"/>
+              <a:t> in</a:t>
+            </a:r>
+            <a:r>
+              <a:rPr lang="de-DE" baseline="0" dirty="0" smtClean="0"/>
+              <a:t> </a:t>
+            </a:r>
+            <a:r>
+              <a:rPr lang="de-DE" baseline="0" dirty="0" err="1" smtClean="0"/>
+              <a:t>practice</a:t>
+            </a:r>
+            <a:endParaRPr lang="de-DE" dirty="0" smtClean="0"/>
           </a:p>
         </p:txBody>
       </p:sp>
@@ -1088,7 +2008,119 @@
           </a:bodyPr>
           <a:lstStyle/>
           <a:p>
-            <a:endParaRPr lang="de-DE" dirty="0"/>
+            <a:pPr marL="0" marR="0" indent="0" algn="l" defTabSz="914400" rtl="0" eaLnBrk="1" fontAlgn="auto" latinLnBrk="0" hangingPunct="1">
+              <a:lnSpc>
+                <a:spcPct val="100000"/>
+              </a:lnSpc>
+              <a:spcBef>
+                <a:spcPts val="0"/>
+              </a:spcBef>
+              <a:spcAft>
+                <a:spcPts val="0"/>
+              </a:spcAft>
+              <a:buClrTx/>
+              <a:buSzTx/>
+              <a:buFontTx/>
+              <a:buNone/>
+              <a:tabLst/>
+              <a:defRPr/>
+            </a:pPr>
+            <a:r>
+              <a:rPr lang="de-DE" dirty="0" smtClean="0"/>
+              <a:t>Andi</a:t>
+            </a:r>
+          </a:p>
+          <a:p>
+            <a:pPr marL="0" marR="0" indent="0" algn="l" defTabSz="914400" rtl="0" eaLnBrk="1" fontAlgn="auto" latinLnBrk="0" hangingPunct="1">
+              <a:lnSpc>
+                <a:spcPct val="100000"/>
+              </a:lnSpc>
+              <a:spcBef>
+                <a:spcPts val="0"/>
+              </a:spcBef>
+              <a:spcAft>
+                <a:spcPts val="0"/>
+              </a:spcAft>
+              <a:buClrTx/>
+              <a:buSzTx/>
+              <a:buFontTx/>
+              <a:buNone/>
+              <a:tabLst/>
+              <a:defRPr/>
+            </a:pPr>
+            <a:endParaRPr lang="de-DE" dirty="0" smtClean="0"/>
+          </a:p>
+          <a:p>
+            <a:pPr marL="0" marR="0" indent="0" algn="l" defTabSz="914400" rtl="0" eaLnBrk="1" fontAlgn="auto" latinLnBrk="0" hangingPunct="1">
+              <a:lnSpc>
+                <a:spcPct val="100000"/>
+              </a:lnSpc>
+              <a:spcBef>
+                <a:spcPts val="0"/>
+              </a:spcBef>
+              <a:spcAft>
+                <a:spcPts val="0"/>
+              </a:spcAft>
+              <a:buClrTx/>
+              <a:buSzTx/>
+              <a:buFontTx/>
+              <a:buNone/>
+              <a:tabLst/>
+              <a:defRPr/>
+            </a:pPr>
+            <a:r>
+              <a:rPr lang="de-DE" dirty="0" smtClean="0"/>
+              <a:t>Main</a:t>
+            </a:r>
+            <a:r>
+              <a:rPr lang="de-DE" baseline="0" dirty="0" smtClean="0"/>
+              <a:t> </a:t>
+            </a:r>
+            <a:r>
+              <a:rPr lang="de-DE" baseline="0" dirty="0" err="1" smtClean="0"/>
+              <a:t>implemented</a:t>
+            </a:r>
+            <a:r>
+              <a:rPr lang="de-DE" baseline="0" dirty="0" smtClean="0"/>
+              <a:t> </a:t>
+            </a:r>
+            <a:r>
+              <a:rPr lang="de-DE" baseline="0" dirty="0" err="1" smtClean="0"/>
+              <a:t>classes</a:t>
+            </a:r>
+            <a:endParaRPr lang="de-DE" baseline="0" dirty="0" smtClean="0"/>
+          </a:p>
+          <a:p>
+            <a:pPr marL="0" marR="0" indent="0" algn="l" defTabSz="914400" rtl="0" eaLnBrk="1" fontAlgn="auto" latinLnBrk="0" hangingPunct="1">
+              <a:lnSpc>
+                <a:spcPct val="100000"/>
+              </a:lnSpc>
+              <a:spcBef>
+                <a:spcPts val="0"/>
+              </a:spcBef>
+              <a:spcAft>
+                <a:spcPts val="0"/>
+              </a:spcAft>
+              <a:buClrTx/>
+              <a:buSzTx/>
+              <a:buFontTx/>
+              <a:buNone/>
+              <a:tabLst/>
+              <a:defRPr/>
+            </a:pPr>
+            <a:r>
+              <a:rPr lang="de-DE" baseline="0" dirty="0" smtClean="0"/>
+              <a:t>TODO: Welche </a:t>
+            </a:r>
+            <a:r>
+              <a:rPr lang="de-DE" baseline="0" dirty="0" err="1" smtClean="0"/>
+              <a:t>class</a:t>
+            </a:r>
+            <a:r>
+              <a:rPr lang="de-DE" baseline="0" dirty="0" smtClean="0"/>
+              <a:t> ist mit welcher anderen grob verbunden</a:t>
+            </a:r>
+            <a:endParaRPr lang="de-DE" dirty="0" smtClean="0"/>
           </a:p>
         </p:txBody>
       </p:sp>
@@ -1170,7 +2202,83 @@
           </a:bodyPr>
           <a:lstStyle/>
           <a:p>
-            <a:endParaRPr lang="de-DE" dirty="0"/>
+            <a:pPr marL="0" marR="0" indent="0" algn="l" defTabSz="914400" rtl="0" eaLnBrk="1" fontAlgn="auto" latinLnBrk="0" hangingPunct="1">
+              <a:lnSpc>
+                <a:spcPct val="100000"/>
+              </a:lnSpc>
+              <a:spcBef>
+                <a:spcPts val="0"/>
+              </a:spcBef>
+              <a:spcAft>
+                <a:spcPts val="0"/>
+              </a:spcAft>
+              <a:buClrTx/>
+              <a:buSzTx/>
+              <a:buFontTx/>
+              <a:buNone/>
+              <a:tabLst/>
+              <a:defRPr/>
+            </a:pPr>
+            <a:r>
+              <a:rPr lang="de-DE" dirty="0" smtClean="0"/>
+              <a:t>Andi</a:t>
+            </a:r>
+          </a:p>
+          <a:p>
+            <a:pPr marL="0" marR="0" indent="0" algn="l" defTabSz="914400" rtl="0" eaLnBrk="1" fontAlgn="auto" latinLnBrk="0" hangingPunct="1">
+              <a:lnSpc>
+                <a:spcPct val="100000"/>
+              </a:lnSpc>
+              <a:spcBef>
+                <a:spcPts val="0"/>
+              </a:spcBef>
+              <a:spcAft>
+                <a:spcPts val="0"/>
+              </a:spcAft>
+              <a:buClrTx/>
+              <a:buSzTx/>
+              <a:buFontTx/>
+              <a:buNone/>
+              <a:tabLst/>
+              <a:defRPr/>
+            </a:pPr>
+            <a:endParaRPr lang="de-DE" dirty="0" smtClean="0"/>
+          </a:p>
+          <a:p>
+            <a:pPr marL="0" marR="0" indent="0" algn="l" defTabSz="914400" rtl="0" eaLnBrk="1" fontAlgn="auto" latinLnBrk="0" hangingPunct="1">
+              <a:lnSpc>
+                <a:spcPct val="100000"/>
+              </a:lnSpc>
+              <a:spcBef>
+                <a:spcPts val="0"/>
+              </a:spcBef>
+              <a:spcAft>
+                <a:spcPts val="0"/>
+              </a:spcAft>
+              <a:buClrTx/>
+              <a:buSzTx/>
+              <a:buFontTx/>
+              <a:buNone/>
+              <a:tabLst/>
+              <a:defRPr/>
+            </a:pPr>
+            <a:r>
+              <a:rPr lang="de-DE" dirty="0" smtClean="0"/>
+              <a:t>Flow </a:t>
+            </a:r>
+            <a:r>
+              <a:rPr lang="de-DE" dirty="0" err="1" smtClean="0"/>
+              <a:t>of</a:t>
+            </a:r>
+            <a:r>
+              <a:rPr lang="de-DE" dirty="0" smtClean="0"/>
+              <a:t> </a:t>
+            </a:r>
+            <a:r>
+              <a:rPr lang="de-DE" dirty="0" err="1" smtClean="0"/>
+              <a:t>data</a:t>
+            </a:r>
+            <a:endParaRPr lang="de-DE" dirty="0" smtClean="0"/>
           </a:p>
         </p:txBody>
       </p:sp>
@@ -1252,7 +2360,103 @@
           </a:bodyPr>
           <a:lstStyle/>
           <a:p>
-            <a:endParaRPr lang="de-DE" dirty="0"/>
+            <a:pPr marL="0" marR="0" indent="0" algn="l" defTabSz="914400" rtl="0" eaLnBrk="1" fontAlgn="auto" latinLnBrk="0" hangingPunct="1">
+              <a:lnSpc>
+                <a:spcPct val="100000"/>
+              </a:lnSpc>
+              <a:spcBef>
+                <a:spcPts val="0"/>
+              </a:spcBef>
+              <a:spcAft>
+                <a:spcPts val="0"/>
+              </a:spcAft>
+              <a:buClrTx/>
+              <a:buSzTx/>
+              <a:buFontTx/>
+              <a:buNone/>
+              <a:tabLst/>
+              <a:defRPr/>
+            </a:pPr>
+            <a:r>
+              <a:rPr lang="de-DE" dirty="0" smtClean="0"/>
+              <a:t>Andi</a:t>
+            </a:r>
+          </a:p>
+          <a:p>
+            <a:pPr marL="0" marR="0" indent="0" algn="l" defTabSz="914400" rtl="0" eaLnBrk="1" fontAlgn="auto" latinLnBrk="0" hangingPunct="1">
+              <a:lnSpc>
+                <a:spcPct val="100000"/>
+              </a:lnSpc>
+              <a:spcBef>
+                <a:spcPts val="0"/>
+              </a:spcBef>
+              <a:spcAft>
+                <a:spcPts val="0"/>
+              </a:spcAft>
+              <a:buClrTx/>
+              <a:buSzTx/>
+              <a:buFontTx/>
+              <a:buNone/>
+              <a:tabLst/>
+              <a:defRPr/>
+            </a:pPr>
+            <a:endParaRPr lang="de-DE" dirty="0" smtClean="0"/>
+          </a:p>
+          <a:p>
+            <a:pPr marL="0" marR="0" indent="0" algn="l" defTabSz="914400" rtl="0" eaLnBrk="1" fontAlgn="auto" latinLnBrk="0" hangingPunct="1">
+              <a:lnSpc>
+                <a:spcPct val="100000"/>
+              </a:lnSpc>
+              <a:spcBef>
+                <a:spcPts val="0"/>
+              </a:spcBef>
+              <a:spcAft>
+                <a:spcPts val="0"/>
+              </a:spcAft>
+              <a:buClrTx/>
+              <a:buSzTx/>
+              <a:buFontTx/>
+              <a:buNone/>
+              <a:tabLst/>
+              <a:defRPr/>
+            </a:pPr>
+            <a:r>
+              <a:rPr lang="de-DE" dirty="0" err="1" smtClean="0"/>
+              <a:t>Two</a:t>
+            </a:r>
+            <a:r>
+              <a:rPr lang="de-DE" baseline="0" dirty="0" smtClean="0"/>
+              <a:t> different </a:t>
+            </a:r>
+            <a:r>
+              <a:rPr lang="de-DE" baseline="0" dirty="0" err="1" smtClean="0"/>
+              <a:t>layouts</a:t>
+            </a:r>
+            <a:r>
+              <a:rPr lang="de-DE" baseline="0" dirty="0" smtClean="0"/>
+              <a:t> – </a:t>
+            </a:r>
+            <a:r>
+              <a:rPr lang="de-DE" baseline="0" dirty="0" err="1" smtClean="0"/>
+              <a:t>smartphone</a:t>
+            </a:r>
+            <a:r>
+              <a:rPr lang="de-DE" baseline="0" dirty="0" smtClean="0"/>
+              <a:t> </a:t>
+            </a:r>
+            <a:r>
+              <a:rPr lang="de-DE" baseline="0" dirty="0" err="1" smtClean="0"/>
+              <a:t>and</a:t>
+            </a:r>
+            <a:r>
+              <a:rPr lang="de-DE" baseline="0" dirty="0" smtClean="0"/>
+              <a:t> </a:t>
+            </a:r>
+            <a:r>
+              <a:rPr lang="de-DE" baseline="0" dirty="0" err="1" smtClean="0"/>
+              <a:t>tablet</a:t>
+            </a:r>
+            <a:endParaRPr lang="de-DE" dirty="0" smtClean="0"/>
           </a:p>
         </p:txBody>
       </p:sp>
@@ -1336,177 +2540,13 @@
           <a:p>
             <a:r>
               <a:rPr lang="de-DE" dirty="0" smtClean="0"/>
-              <a:t>1.</a:t>
-            </a:r>
-            <a:r>
-              <a:rPr lang="de-DE" baseline="0" dirty="0" smtClean="0"/>
-              <a:t> Beim ersten Start wird Einstellungs-</a:t>
-            </a:r>
-            <a:r>
-              <a:rPr lang="de-DE" baseline="0" dirty="0" err="1" smtClean="0"/>
-              <a:t>Activity</a:t>
-            </a:r>
-            <a:r>
-              <a:rPr lang="de-DE" baseline="0" dirty="0" smtClean="0"/>
-              <a:t> angezeigt da keine Daten vorliegen -&gt; RZ-Benutzerdaten eintragen!</a:t>
-            </a:r>
-          </a:p>
-          <a:p>
-            <a:r>
-              <a:rPr lang="de-DE" baseline="0" dirty="0" smtClean="0"/>
-              <a:t>2. Zurück zu Haupt-</a:t>
-            </a:r>
-            <a:r>
-              <a:rPr lang="de-DE" baseline="0" dirty="0" err="1" smtClean="0"/>
-              <a:t>Activity</a:t>
-            </a:r>
-            <a:endParaRPr lang="de-DE" baseline="0" dirty="0" smtClean="0"/>
-          </a:p>
-          <a:p>
-            <a:r>
-              <a:rPr lang="de-DE" baseline="0" dirty="0" smtClean="0"/>
-              <a:t>3. Noch nichts geladen, wird aktualisierungs-</a:t>
-            </a:r>
-            <a:r>
-              <a:rPr lang="de-DE" baseline="0" dirty="0" err="1" smtClean="0"/>
-              <a:t>activity</a:t>
-            </a:r>
-            <a:r>
-              <a:rPr lang="de-DE" baseline="0" dirty="0" smtClean="0"/>
-              <a:t> angezeigt</a:t>
-            </a:r>
-          </a:p>
-          <a:p>
-            <a:r>
-              <a:rPr lang="de-DE" baseline="0" dirty="0" smtClean="0"/>
-              <a:t>4. Aktualisieren! </a:t>
-            </a:r>
-            <a:r>
-              <a:rPr lang="de-DE" baseline="0" dirty="0" err="1" smtClean="0"/>
-              <a:t>Läd</a:t>
-            </a:r>
-            <a:r>
-              <a:rPr lang="de-DE" baseline="0" dirty="0" smtClean="0"/>
-              <a:t> Daten (schnitt wegen zu langer </a:t>
-            </a:r>
-            <a:r>
-              <a:rPr lang="de-DE" baseline="0" dirty="0" err="1" smtClean="0"/>
-              <a:t>ladezeiten</a:t>
-            </a:r>
-            <a:r>
-              <a:rPr lang="de-DE" baseline="0" dirty="0" smtClean="0"/>
-              <a:t> des Emulators)</a:t>
-            </a:r>
-          </a:p>
-          <a:p>
-            <a:r>
-              <a:rPr lang="de-DE" dirty="0" smtClean="0"/>
-              <a:t>STOP 5. Gefundene</a:t>
-            </a:r>
-            <a:r>
-              <a:rPr lang="de-DE" baseline="0" dirty="0" smtClean="0"/>
-              <a:t> Daten präsentieren</a:t>
-            </a:r>
-          </a:p>
-          <a:p>
-            <a:r>
-              <a:rPr lang="de-DE" baseline="0" dirty="0" smtClean="0"/>
-              <a:t>6. Bachelor-Abschluss anzeigen</a:t>
-            </a:r>
-          </a:p>
-          <a:p>
-            <a:r>
-              <a:rPr lang="de-DE" baseline="0" dirty="0" smtClean="0"/>
-              <a:t>STOP 7. </a:t>
-            </a:r>
-            <a:r>
-              <a:rPr lang="de-DE" baseline="0" dirty="0" err="1" smtClean="0"/>
-              <a:t>farben</a:t>
-            </a:r>
-            <a:r>
-              <a:rPr lang="de-DE" baseline="0" dirty="0" smtClean="0"/>
-              <a:t> erklären und was angezeigt wird</a:t>
-            </a:r>
-          </a:p>
-          <a:p>
-            <a:r>
-              <a:rPr lang="de-DE" baseline="0" dirty="0" smtClean="0"/>
-              <a:t>8. Filter zeigen</a:t>
-            </a:r>
-          </a:p>
-          <a:p>
-            <a:r>
-              <a:rPr lang="de-DE" baseline="0" dirty="0" smtClean="0"/>
-              <a:t>9. Suche nach Mathe</a:t>
-            </a:r>
-          </a:p>
-          <a:p>
-            <a:r>
-              <a:rPr lang="de-DE" baseline="0" dirty="0" smtClean="0"/>
-              <a:t>STOP 10. Clear </a:t>
-            </a:r>
-            <a:r>
-              <a:rPr lang="de-DE" baseline="0" dirty="0" err="1" smtClean="0"/>
-              <a:t>Search</a:t>
-            </a:r>
-            <a:r>
-              <a:rPr lang="de-DE" baseline="0" dirty="0" smtClean="0"/>
-              <a:t> </a:t>
-            </a:r>
-            <a:r>
-              <a:rPr lang="de-DE" baseline="0" dirty="0" err="1" smtClean="0"/>
-              <a:t>History</a:t>
-            </a:r>
-            <a:r>
-              <a:rPr lang="de-DE" baseline="0" dirty="0" smtClean="0"/>
-              <a:t> 	Was genau wurde wo hinterlegt und wird gelöscht</a:t>
-            </a:r>
-          </a:p>
-          <a:p>
-            <a:r>
-              <a:rPr lang="de-DE" dirty="0" smtClean="0"/>
-              <a:t>11. Details zeigen</a:t>
-            </a:r>
-          </a:p>
-          <a:p>
-            <a:r>
-              <a:rPr lang="de-DE" dirty="0" smtClean="0"/>
-              <a:t>STOP 12. und </a:t>
-            </a:r>
-            <a:r>
-              <a:rPr lang="de-DE" dirty="0" err="1" smtClean="0"/>
-              <a:t>share</a:t>
-            </a:r>
-            <a:r>
-              <a:rPr lang="de-DE" baseline="0" dirty="0" smtClean="0"/>
-              <a:t> erklären</a:t>
-            </a:r>
-          </a:p>
-          <a:p>
-            <a:r>
-              <a:rPr lang="de-DE" baseline="0" dirty="0" smtClean="0"/>
-              <a:t>13. Zurück auf </a:t>
-            </a:r>
-            <a:r>
-              <a:rPr lang="de-DE" baseline="0" dirty="0" err="1" smtClean="0"/>
-              <a:t>home</a:t>
-            </a:r>
-            <a:r>
-              <a:rPr lang="de-DE" baseline="0" dirty="0" smtClean="0"/>
-              <a:t>… </a:t>
-            </a:r>
-            <a:r>
-              <a:rPr lang="de-DE" baseline="0" dirty="0" err="1" smtClean="0"/>
-              <a:t>refresh</a:t>
-            </a:r>
-            <a:r>
-              <a:rPr lang="de-DE" baseline="0" dirty="0" smtClean="0"/>
-              <a:t> mit „anderen“ </a:t>
-            </a:r>
-            <a:r>
-              <a:rPr lang="de-DE" baseline="0" dirty="0" err="1" smtClean="0"/>
-              <a:t>daten</a:t>
-            </a:r>
+              <a:t>Manuel</a:t>
+            </a:r>
+          </a:p>
+          <a:p>
+            <a:endParaRPr lang="de-DE" dirty="0" smtClean="0"/>
+          </a:p>
+          <a:p>
             <a:endParaRPr lang="de-DE" dirty="0"/>
           </a:p>
         </p:txBody>
@@ -1529,7 +2569,7 @@
             <a:fld id="{F353E27D-98AC-48F6-A766-1ED74A768EDF}" type="slidenum">
               <a:rPr lang="de-DE" smtClean="0"/>
               <a:pPr/>
-              <a:t>11</a:t>
+              <a:t>8</a:t>
             </a:fld>
             <a:endParaRPr lang="de-DE"/>
           </a:p>
@@ -1589,6 +2629,10 @@
           </a:bodyPr>
           <a:lstStyle/>
           <a:p>
+            <a:r>
+              <a:rPr lang="de-DE" dirty="0" smtClean="0"/>
+              <a:t>Manuel</a:t>
+            </a:r>
             <a:endParaRPr lang="de-DE" dirty="0"/>
           </a:p>
         </p:txBody>
@@ -1611,7 +2655,7 @@
             <a:fld id="{F353E27D-98AC-48F6-A766-1ED74A768EDF}" type="slidenum">
               <a:rPr lang="de-DE" smtClean="0"/>
               <a:pPr/>
-              <a:t>12</a:t>
+              <a:t>9</a:t>
             </a:fld>
             <a:endParaRPr lang="de-DE"/>
           </a:p>
@@ -4327,6 +5371,38 @@
           </a:p>
         </p:txBody>
       </p:sp>
+      <p:pic>
+        <p:nvPicPr>
+          <p:cNvPr id="7" name="Picture 3"/>
+          <p:cNvPicPr>
+            <a:picLocks noChangeAspect="1" noChangeArrowheads="1"/>
+          </p:cNvPicPr>
+          <p:nvPr userDrawn="1"/>
+        </p:nvPicPr>
+        <p:blipFill>
+          <a:blip r:embed="rId13" cstate="print"/>
+          <a:srcRect/>
+          <a:stretch>
+            <a:fillRect/>
+          </a:stretch>
+        </p:blipFill>
+        <p:spPr bwMode="auto">
+          <a:xfrm>
+            <a:off x="8100392" y="144016"/>
+            <a:ext cx="917411" cy="836712"/>
+          </a:xfrm>
+          <a:prstGeom prst="rect">
+            <a:avLst/>
+          </a:prstGeom>
+          <a:noFill/>
+          <a:ln w="9525">
+            <a:noFill/>
+            <a:miter lim="800000"/>
+            <a:headEnd/>
+            <a:tailEnd/>
+          </a:ln>
+        </p:spPr>
+      </p:pic>
     </p:spTree>
   </p:cSld>
   <p:clrMap bg1="lt1" tx1="dk1" bg2="lt2" tx2="dk2" accent1="accent1" accent2="accent2" accent3="accent3" accent4="accent4" accent5="accent5" accent6="accent6" hlink="hlink" folHlink="folHlink"/>
@@ -4776,6 +5852,54 @@
           </a:ln>
         </p:spPr>
       </p:pic>
+      <p:sp>
+        <p:nvSpPr>
+          <p:cNvPr id="6" name="Rechteck 5"/>
+          <p:cNvSpPr/>
+          <p:nvPr/>
+        </p:nvSpPr>
+        <p:spPr>
+          <a:xfrm>
+            <a:off x="7884368" y="72008"/>
+            <a:ext cx="1187624" cy="1196752"/>
+          </a:xfrm>
+          <a:prstGeom prst="rect">
+            <a:avLst/>
+          </a:prstGeom>
+          <a:solidFill>
+            <a:schemeClr val="bg1"/>
+          </a:solidFill>
+          <a:ln>
+            <a:solidFill>
+              <a:schemeClr val="bg1"/>
+            </a:solidFill>
+          </a:ln>
+        </p:spPr>
+        <p:style>
+          <a:lnRef idx="2">
+            <a:schemeClr val="accent1">
+              <a:shade val="50000"/>
+            </a:schemeClr>
+          </a:lnRef>
+          <a:fillRef idx="1">
+            <a:schemeClr val="accent1"/>
+          </a:fillRef>
+          <a:effectRef idx="0">
+            <a:schemeClr val="accent1"/>
+          </a:effectRef>
+          <a:fontRef idx="minor">
+            <a:schemeClr val="lt1"/>
+          </a:fontRef>
+        </p:style>
+        <p:txBody>
+          <a:bodyPr rtlCol="0" anchor="ctr"/>
+          <a:lstStyle/>
+          <a:p>
+            <a:pPr algn="ctr"/>
+            <a:endParaRPr lang="de-DE"/>
+          </a:p>
+        </p:txBody>
+      </p:sp>
     </p:spTree>
   </p:cSld>
   <p:clrMapOvr>
@@ -5764,29 +6888,7 @@
                 </a:solidFill>
                 <a:hlinkClick r:id="rId3"/>
               </a:rPr>
-              <a:t>http</a:t>
-            </a:r>
-            <a:r>
-              <a:rPr lang="de-DE" sz="1800" b="1" dirty="0" smtClean="0">
-                <a:solidFill>
-                  <a:schemeClr val="bg1">
-                    <a:lumMod val="50000"/>
-                  </a:schemeClr>
-                </a:solidFill>
-                <a:hlinkClick r:id="rId3"/>
-              </a:rPr>
-              <a:t>://</a:t>
-            </a:r>
-            <a:r>
-              <a:rPr lang="de-DE" sz="1800" b="1" dirty="0" smtClean="0">
-                <a:solidFill>
-                  <a:schemeClr val="bg1">
-                    <a:lumMod val="50000"/>
-                  </a:schemeClr>
-                </a:solidFill>
-                <a:hlinkClick r:id="rId3"/>
-              </a:rPr>
-              <a:t>www.youtube.com/watch?v=ltlYKTPnJ2c</a:t>
+              <a:t>http://www.youtube.com/watch?v=ltlYKTPnJ2c</a:t>
             </a:r>
             <a:endParaRPr lang="de-DE" sz="1800" b="1" dirty="0" smtClean="0">
               <a:solidFill>
@@ -5839,29 +6941,7 @@
                 </a:solidFill>
                 <a:hlinkClick r:id="rId4"/>
               </a:rPr>
-              <a:t>http</a:t>
-            </a:r>
-            <a:r>
-              <a:rPr lang="de-DE" sz="1800" b="1" dirty="0" smtClean="0">
-                <a:solidFill>
-                  <a:schemeClr val="bg1">
-                    <a:lumMod val="50000"/>
-                  </a:schemeClr>
-                </a:solidFill>
-                <a:hlinkClick r:id="rId4"/>
-              </a:rPr>
-              <a:t>://</a:t>
-            </a:r>
-            <a:r>
-              <a:rPr lang="de-DE" sz="1800" b="1" dirty="0" smtClean="0">
-                <a:solidFill>
-                  <a:schemeClr val="bg1">
-                    <a:lumMod val="50000"/>
-                  </a:schemeClr>
-                </a:solidFill>
-                <a:hlinkClick r:id="rId4"/>
-              </a:rPr>
-              <a:t>www.youtube.com/watch?v=yNRsmIQvbq8</a:t>
+              <a:t>http://www.youtube.com/watch?v=yNRsmIQvbq8</a:t>
             </a:r>
             <a:endParaRPr lang="de-DE" sz="1800" b="1" dirty="0" smtClean="0">
               <a:solidFill>
@@ -5946,7 +7026,7 @@
     </p:spTree>
     <p:extLst>
       <p:ext uri="{BB962C8B-B14F-4D97-AF65-F5344CB8AC3E}">
-        <p14:creationId xmlns:p14="http://schemas.microsoft.com/office/powerpoint/2010/main" xmlns="" val="2209468386"/>
+        <p14:creationId xmlns="" xmlns:p14="http://schemas.microsoft.com/office/powerpoint/2010/main" val="2209468386"/>
       </p:ext>
     </p:extLst>
   </p:cSld>
@@ -7014,6 +8094,54 @@
               <a:rPr lang="de-DE" dirty="0" smtClean="0"/>
               <a:t>?</a:t>
             </a:r>
+          </a:p>
+        </p:txBody>
+      </p:sp>
+      <p:sp>
+        <p:nvSpPr>
+          <p:cNvPr id="4" name="Rechteck 3"/>
+          <p:cNvSpPr/>
+          <p:nvPr/>
+        </p:nvSpPr>
+        <p:spPr>
+          <a:xfrm>
+            <a:off x="7884368" y="72008"/>
+            <a:ext cx="1187624" cy="1196752"/>
+          </a:xfrm>
+          <a:prstGeom prst="rect">
+            <a:avLst/>
+          </a:prstGeom>
+          <a:solidFill>
+            <a:schemeClr val="bg1"/>
+          </a:solidFill>
+          <a:ln>
+            <a:solidFill>
+              <a:schemeClr val="bg1"/>
+            </a:solidFill>
+          </a:ln>
+        </p:spPr>
+        <p:style>
+          <a:lnRef idx="2">
+            <a:schemeClr val="accent1">
+              <a:shade val="50000"/>
+            </a:schemeClr>
+          </a:lnRef>
+          <a:fillRef idx="1">
+            <a:schemeClr val="accent1"/>
+          </a:fillRef>
+          <a:effectRef idx="0">
+            <a:schemeClr val="accent1"/>
+          </a:effectRef>
+          <a:fontRef idx="minor">
+            <a:schemeClr val="lt1"/>
+          </a:fontRef>
+        </p:style>
+        <p:txBody>
+          <a:bodyPr rtlCol="0" anchor="ctr"/>
+          <a:lstStyle/>
+          <a:p>
+            <a:pPr algn="ctr"/>
+            <a:endParaRPr lang="de-DE"/>
           </a:p>
         </p:txBody>
       </p:sp>
@@ -12209,10 +13337,6 @@
             <a:r>
               <a:rPr lang="de-DE" dirty="0" err="1" smtClean="0"/>
               <a:t>Architecture</a:t>
-            </a:r>
-            <a:r>
-              <a:rPr lang="de-DE" dirty="0" smtClean="0"/>
-              <a:t> 1</a:t>
             </a:r>
             <a:endParaRPr lang="de-DE" dirty="0"/>
           </a:p>

--- a/docs/notenapp-praesi.pptx
+++ b/docs/notenapp-praesi.pptx
@@ -206,7 +206,7 @@
             <a:fld id="{433F66C5-ED08-47C6-B5C9-779C66E0356B}" type="datetimeFigureOut">
               <a:rPr lang="de-DE" smtClean="0"/>
               <a:pPr/>
-              <a:t>22.01.2013</a:t>
+              <a:t>23.01.2013</a:t>
             </a:fld>
             <a:endParaRPr lang="de-DE"/>
           </a:p>
@@ -377,7 +377,7 @@
     </p:spTree>
     <p:extLst>
       <p:ext uri="{BB962C8B-B14F-4D97-AF65-F5344CB8AC3E}">
-        <p14:creationId xmlns="" xmlns:p14="http://schemas.microsoft.com/office/powerpoint/2010/main" val="163652337"/>
+        <p14:creationId xmlns:p14="http://schemas.microsoft.com/office/powerpoint/2010/main" val="163652337"/>
       </p:ext>
     </p:extLst>
   </p:cSld>
@@ -783,8 +783,22 @@
           <a:lstStyle/>
           <a:p>
             <a:r>
+              <a:rPr lang="de-DE" smtClean="0"/>
+              <a:t>Manuel</a:t>
+            </a:r>
+            <a:endParaRPr lang="de-DE" dirty="0" smtClean="0"/>
+          </a:p>
+          <a:p>
+            <a:endParaRPr lang="de-DE" dirty="0" smtClean="0"/>
+          </a:p>
+          <a:p>
+            <a:r>
               <a:rPr lang="de-DE" dirty="0" smtClean="0"/>
-              <a:t>1.</a:t>
+              <a:t>1</a:t>
+            </a:r>
+            <a:r>
+              <a:rPr lang="de-DE" dirty="0" smtClean="0"/>
+              <a:t>.</a:t>
             </a:r>
             <a:r>
               <a:rPr lang="de-DE" baseline="0" dirty="0" smtClean="0"/>
@@ -849,12 +863,30 @@
           <a:p>
             <a:r>
               <a:rPr lang="de-DE" dirty="0" smtClean="0"/>
-              <a:t>STOP 5. Gefundene</a:t>
+              <a:t>STOP bei 0:45</a:t>
+            </a:r>
+          </a:p>
+          <a:p>
+            <a:endParaRPr lang="de-DE" dirty="0" smtClean="0"/>
+          </a:p>
+          <a:p>
+            <a:r>
+              <a:rPr lang="de-DE" dirty="0" smtClean="0"/>
+              <a:t>5</a:t>
+            </a:r>
+            <a:r>
+              <a:rPr lang="de-DE" dirty="0" smtClean="0"/>
+              <a:t>. Gefundene</a:t>
             </a:r>
             <a:r>
               <a:rPr lang="de-DE" baseline="0" dirty="0" smtClean="0"/>
-              <a:t> Daten präsentieren</a:t>
-            </a:r>
+              <a:t> Daten </a:t>
+            </a:r>
+            <a:r>
+              <a:rPr lang="de-DE" baseline="0" dirty="0" smtClean="0"/>
+              <a:t>präsentieren</a:t>
+            </a:r>
+            <a:endParaRPr lang="de-DE" baseline="0" dirty="0" smtClean="0"/>
           </a:p>
           <a:p>
             <a:r>
@@ -865,7 +897,24 @@
           <a:p>
             <a:r>
               <a:rPr lang="de-DE" baseline="0" dirty="0" smtClean="0"/>
-              <a:t>STOP 7. </a:t>
+              <a:t>STOP </a:t>
+            </a:r>
+            <a:r>
+              <a:rPr lang="de-DE" baseline="0" dirty="0" smtClean="0"/>
+              <a:t>bei 0:54</a:t>
+            </a:r>
+          </a:p>
+          <a:p>
+            <a:endParaRPr lang="de-DE" baseline="0" dirty="0" smtClean="0"/>
+          </a:p>
+          <a:p>
+            <a:r>
+              <a:rPr lang="de-DE" baseline="0" dirty="0" smtClean="0"/>
+              <a:t>7</a:t>
+            </a:r>
+            <a:r>
+              <a:rPr lang="de-DE" baseline="0" dirty="0" smtClean="0"/>
+              <a:t>. </a:t>
             </a:r>
             <a:r>
               <a:rPr lang="de-DE" baseline="0" dirty="0" err="1" smtClean="0"/>
@@ -891,7 +940,20 @@
           <a:p>
             <a:r>
               <a:rPr lang="de-DE" baseline="0" dirty="0" smtClean="0"/>
-              <a:t>STOP 10. Clear </a:t>
+              <a:t>STOP bei 1:53</a:t>
+            </a:r>
+          </a:p>
+          <a:p>
+            <a:endParaRPr lang="de-DE" baseline="0" dirty="0" smtClean="0"/>
+          </a:p>
+          <a:p>
+            <a:r>
+              <a:rPr lang="de-DE" baseline="0" dirty="0" smtClean="0"/>
+              <a:t>10</a:t>
+            </a:r>
+            <a:r>
+              <a:rPr lang="de-DE" baseline="0" dirty="0" smtClean="0"/>
+              <a:t>. Clear </a:t>
             </a:r>
             <a:r>
               <a:rPr lang="de-DE" baseline="0" dirty="0" err="1" smtClean="0"/>
@@ -919,7 +981,20 @@
           <a:p>
             <a:r>
               <a:rPr lang="de-DE" dirty="0" smtClean="0"/>
-              <a:t>STOP 12. und </a:t>
+              <a:t>STOP bei 2:20</a:t>
+            </a:r>
+          </a:p>
+          <a:p>
+            <a:endParaRPr lang="de-DE" dirty="0" smtClean="0"/>
+          </a:p>
+          <a:p>
+            <a:r>
+              <a:rPr lang="de-DE" dirty="0" smtClean="0"/>
+              <a:t>12</a:t>
+            </a:r>
+            <a:r>
+              <a:rPr lang="de-DE" dirty="0" smtClean="0"/>
+              <a:t>. und </a:t>
             </a:r>
             <a:r>
               <a:rPr lang="de-DE" dirty="0" err="1" smtClean="0"/>
@@ -1423,11 +1498,7 @@
             </a:pPr>
             <a:r>
               <a:rPr lang="de-DE" dirty="0" smtClean="0"/>
-              <a:t>Refresh </a:t>
-            </a:r>
-            <a:r>
-              <a:rPr lang="de-DE" dirty="0" smtClean="0"/>
-              <a:t>Button</a:t>
+              <a:t>Refresh Button</a:t>
             </a:r>
           </a:p>
           <a:p>
@@ -7026,7 +7097,7 @@
     </p:spTree>
     <p:extLst>
       <p:ext uri="{BB962C8B-B14F-4D97-AF65-F5344CB8AC3E}">
-        <p14:creationId xmlns="" xmlns:p14="http://schemas.microsoft.com/office/powerpoint/2010/main" val="2209468386"/>
+        <p14:creationId xmlns:p14="http://schemas.microsoft.com/office/powerpoint/2010/main" val="2209468386"/>
       </p:ext>
     </p:extLst>
   </p:cSld>

--- a/docs/notenapp-praesi.pptx
+++ b/docs/notenapp-praesi.pptx
@@ -377,7 +377,7 @@
     </p:spTree>
     <p:extLst>
       <p:ext uri="{BB962C8B-B14F-4D97-AF65-F5344CB8AC3E}">
-        <p14:creationId xmlns:p14="http://schemas.microsoft.com/office/powerpoint/2010/main" val="163652337"/>
+        <p14:creationId xmlns:p14="http://schemas.microsoft.com/office/powerpoint/2010/main" xmlns="" val="163652337"/>
       </p:ext>
     </p:extLst>
   </p:cSld>
@@ -702,6 +702,867 @@
               <a:t>Manuel</a:t>
             </a:r>
           </a:p>
+          <a:p>
+            <a:pPr marL="0" marR="0" indent="0" algn="l" defTabSz="914400" rtl="0" eaLnBrk="1" fontAlgn="auto" latinLnBrk="0" hangingPunct="1">
+              <a:lnSpc>
+                <a:spcPct val="100000"/>
+              </a:lnSpc>
+              <a:spcBef>
+                <a:spcPts val="0"/>
+              </a:spcBef>
+              <a:spcAft>
+                <a:spcPts val="0"/>
+              </a:spcAft>
+              <a:buClrTx/>
+              <a:buSzTx/>
+              <a:buFontTx/>
+              <a:buNone/>
+              <a:tabLst/>
+              <a:defRPr/>
+            </a:pPr>
+            <a:endParaRPr lang="de-DE" dirty="0" smtClean="0"/>
+          </a:p>
+          <a:p>
+            <a:pPr marL="0" marR="0" indent="0" algn="l" defTabSz="914400" rtl="0" eaLnBrk="1" fontAlgn="auto" latinLnBrk="0" hangingPunct="1">
+              <a:lnSpc>
+                <a:spcPct val="100000"/>
+              </a:lnSpc>
+              <a:spcBef>
+                <a:spcPts val="0"/>
+              </a:spcBef>
+              <a:spcAft>
+                <a:spcPts val="0"/>
+              </a:spcAft>
+              <a:buClrTx/>
+              <a:buSzTx/>
+              <a:buFontTx/>
+              <a:buNone/>
+              <a:tabLst/>
+              <a:defRPr/>
+            </a:pPr>
+            <a:r>
+              <a:rPr lang="de-DE" dirty="0" err="1" smtClean="0"/>
+              <a:t>Once</a:t>
+            </a:r>
+            <a:r>
+              <a:rPr lang="de-DE" dirty="0" smtClean="0"/>
+              <a:t> </a:t>
+            </a:r>
+            <a:r>
+              <a:rPr lang="de-DE" dirty="0" err="1" smtClean="0"/>
+              <a:t>we</a:t>
+            </a:r>
+            <a:r>
+              <a:rPr lang="de-DE" dirty="0" smtClean="0"/>
+              <a:t> </a:t>
+            </a:r>
+            <a:r>
+              <a:rPr lang="de-DE" dirty="0" err="1" smtClean="0"/>
+              <a:t>have</a:t>
+            </a:r>
+            <a:r>
+              <a:rPr lang="de-DE" dirty="0" smtClean="0"/>
+              <a:t> </a:t>
+            </a:r>
+            <a:r>
+              <a:rPr lang="de-DE" dirty="0" err="1" smtClean="0"/>
+              <a:t>fetched</a:t>
+            </a:r>
+            <a:r>
+              <a:rPr lang="de-DE" baseline="0" dirty="0" smtClean="0"/>
+              <a:t> </a:t>
+            </a:r>
+            <a:r>
+              <a:rPr lang="de-DE" baseline="0" dirty="0" err="1" smtClean="0"/>
+              <a:t>the</a:t>
+            </a:r>
+            <a:r>
+              <a:rPr lang="de-DE" baseline="0" dirty="0" smtClean="0"/>
+              <a:t> </a:t>
+            </a:r>
+            <a:r>
+              <a:rPr lang="de-DE" baseline="0" dirty="0" err="1" smtClean="0"/>
+              <a:t>websites</a:t>
+            </a:r>
+            <a:r>
+              <a:rPr lang="de-DE" baseline="0" dirty="0" smtClean="0"/>
+              <a:t> </a:t>
+            </a:r>
+            <a:r>
+              <a:rPr lang="de-DE" baseline="0" dirty="0" err="1" smtClean="0"/>
+              <a:t>as</a:t>
+            </a:r>
+            <a:r>
+              <a:rPr lang="de-DE" baseline="0" dirty="0" smtClean="0"/>
+              <a:t> HTML </a:t>
+            </a:r>
+            <a:r>
+              <a:rPr lang="de-DE" baseline="0" dirty="0" err="1" smtClean="0"/>
+              <a:t>files</a:t>
+            </a:r>
+            <a:r>
+              <a:rPr lang="de-DE" baseline="0" dirty="0" smtClean="0"/>
+              <a:t>, </a:t>
+            </a:r>
+            <a:r>
+              <a:rPr lang="de-DE" baseline="0" dirty="0" err="1" smtClean="0"/>
+              <a:t>we</a:t>
+            </a:r>
+            <a:r>
+              <a:rPr lang="de-DE" baseline="0" dirty="0" smtClean="0"/>
+              <a:t> </a:t>
+            </a:r>
+            <a:r>
+              <a:rPr lang="de-DE" baseline="0" dirty="0" err="1" smtClean="0"/>
+              <a:t>need</a:t>
+            </a:r>
+            <a:r>
+              <a:rPr lang="de-DE" baseline="0" dirty="0" smtClean="0"/>
+              <a:t> a </a:t>
+            </a:r>
+            <a:r>
+              <a:rPr lang="de-DE" baseline="0" dirty="0" err="1" smtClean="0"/>
+              <a:t>way</a:t>
+            </a:r>
+            <a:r>
+              <a:rPr lang="de-DE" baseline="0" dirty="0" smtClean="0"/>
+              <a:t> </a:t>
+            </a:r>
+            <a:r>
+              <a:rPr lang="de-DE" baseline="0" dirty="0" err="1" smtClean="0"/>
+              <a:t>to</a:t>
+            </a:r>
+            <a:r>
+              <a:rPr lang="de-DE" baseline="0" dirty="0" smtClean="0"/>
+              <a:t> </a:t>
+            </a:r>
+            <a:r>
+              <a:rPr lang="de-DE" baseline="0" dirty="0" err="1" smtClean="0"/>
+              <a:t>extract</a:t>
+            </a:r>
+            <a:r>
+              <a:rPr lang="de-DE" baseline="0" dirty="0" smtClean="0"/>
+              <a:t> </a:t>
+            </a:r>
+            <a:r>
+              <a:rPr lang="de-DE" baseline="0" dirty="0" err="1" smtClean="0"/>
+              <a:t>the</a:t>
+            </a:r>
+            <a:r>
+              <a:rPr lang="de-DE" baseline="0" dirty="0" smtClean="0"/>
+              <a:t> </a:t>
+            </a:r>
+            <a:r>
+              <a:rPr lang="de-DE" baseline="0" dirty="0" err="1" smtClean="0"/>
+              <a:t>degrees</a:t>
+            </a:r>
+            <a:r>
+              <a:rPr lang="de-DE" baseline="0" dirty="0" smtClean="0"/>
+              <a:t> </a:t>
+            </a:r>
+            <a:r>
+              <a:rPr lang="de-DE" baseline="0" dirty="0" err="1" smtClean="0"/>
+              <a:t>and</a:t>
+            </a:r>
+            <a:r>
+              <a:rPr lang="de-DE" baseline="0" dirty="0" smtClean="0"/>
+              <a:t> grades.</a:t>
+            </a:r>
+          </a:p>
+          <a:p>
+            <a:pPr marL="0" marR="0" indent="0" algn="l" defTabSz="914400" rtl="0" eaLnBrk="1" fontAlgn="auto" latinLnBrk="0" hangingPunct="1">
+              <a:lnSpc>
+                <a:spcPct val="100000"/>
+              </a:lnSpc>
+              <a:spcBef>
+                <a:spcPts val="0"/>
+              </a:spcBef>
+              <a:spcAft>
+                <a:spcPts val="0"/>
+              </a:spcAft>
+              <a:buClrTx/>
+              <a:buSzTx/>
+              <a:buFontTx/>
+              <a:buNone/>
+              <a:tabLst/>
+              <a:defRPr/>
+            </a:pPr>
+            <a:r>
+              <a:rPr lang="de-DE" baseline="0" dirty="0" err="1" smtClean="0"/>
+              <a:t>Has</a:t>
+            </a:r>
+            <a:r>
+              <a:rPr lang="de-DE" baseline="0" dirty="0" smtClean="0"/>
+              <a:t> </a:t>
+            </a:r>
+            <a:r>
+              <a:rPr lang="de-DE" baseline="0" dirty="0" err="1" smtClean="0"/>
+              <a:t>anyone</a:t>
+            </a:r>
+            <a:r>
+              <a:rPr lang="de-DE" baseline="0" dirty="0" smtClean="0"/>
+              <a:t> a </a:t>
+            </a:r>
+            <a:r>
+              <a:rPr lang="de-DE" baseline="0" dirty="0" err="1" smtClean="0"/>
+              <a:t>idea</a:t>
+            </a:r>
+            <a:r>
+              <a:rPr lang="de-DE" baseline="0" dirty="0" smtClean="0"/>
+              <a:t> </a:t>
+            </a:r>
+            <a:r>
+              <a:rPr lang="de-DE" baseline="0" dirty="0" err="1" smtClean="0"/>
+              <a:t>how</a:t>
+            </a:r>
+            <a:r>
+              <a:rPr lang="de-DE" baseline="0" dirty="0" smtClean="0"/>
+              <a:t> </a:t>
+            </a:r>
+            <a:r>
+              <a:rPr lang="de-DE" baseline="0" dirty="0" err="1" smtClean="0"/>
+              <a:t>this</a:t>
+            </a:r>
+            <a:r>
+              <a:rPr lang="de-DE" baseline="0" dirty="0" smtClean="0"/>
+              <a:t> </a:t>
+            </a:r>
+            <a:r>
+              <a:rPr lang="de-DE" baseline="0" dirty="0" err="1" smtClean="0"/>
+              <a:t>could</a:t>
+            </a:r>
+            <a:r>
+              <a:rPr lang="de-DE" baseline="0" dirty="0" smtClean="0"/>
+              <a:t> </a:t>
+            </a:r>
+            <a:r>
+              <a:rPr lang="de-DE" baseline="0" dirty="0" err="1" smtClean="0"/>
+              <a:t>be</a:t>
+            </a:r>
+            <a:r>
+              <a:rPr lang="de-DE" baseline="0" dirty="0" smtClean="0"/>
+              <a:t> </a:t>
+            </a:r>
+            <a:r>
+              <a:rPr lang="de-DE" baseline="0" dirty="0" err="1" smtClean="0"/>
+              <a:t>done</a:t>
+            </a:r>
+            <a:r>
+              <a:rPr lang="de-DE" baseline="0" dirty="0" smtClean="0"/>
+              <a:t>?</a:t>
+            </a:r>
+          </a:p>
+          <a:p>
+            <a:pPr marL="0" marR="0" indent="0" algn="l" defTabSz="914400" rtl="0" eaLnBrk="1" fontAlgn="auto" latinLnBrk="0" hangingPunct="1">
+              <a:lnSpc>
+                <a:spcPct val="100000"/>
+              </a:lnSpc>
+              <a:spcBef>
+                <a:spcPts val="0"/>
+              </a:spcBef>
+              <a:spcAft>
+                <a:spcPts val="0"/>
+              </a:spcAft>
+              <a:buClrTx/>
+              <a:buSzTx/>
+              <a:buFontTx/>
+              <a:buNone/>
+              <a:tabLst/>
+              <a:defRPr/>
+            </a:pPr>
+            <a:r>
+              <a:rPr lang="de-DE" baseline="0" dirty="0" err="1" smtClean="0"/>
+              <a:t>We</a:t>
+            </a:r>
+            <a:r>
+              <a:rPr lang="de-DE" baseline="0" dirty="0" smtClean="0"/>
+              <a:t> </a:t>
+            </a:r>
+            <a:r>
+              <a:rPr lang="de-DE" baseline="0" dirty="0" err="1" smtClean="0"/>
+              <a:t>had</a:t>
+            </a:r>
+            <a:r>
+              <a:rPr lang="de-DE" baseline="0" dirty="0" smtClean="0"/>
+              <a:t> </a:t>
+            </a:r>
+            <a:r>
+              <a:rPr lang="de-DE" baseline="0" dirty="0" err="1" smtClean="0"/>
+              <a:t>two</a:t>
+            </a:r>
+            <a:r>
+              <a:rPr lang="de-DE" baseline="0" dirty="0" smtClean="0"/>
+              <a:t> different </a:t>
+            </a:r>
+            <a:r>
+              <a:rPr lang="de-DE" baseline="0" dirty="0" err="1" smtClean="0"/>
+              <a:t>ideas</a:t>
+            </a:r>
+            <a:r>
+              <a:rPr lang="de-DE" baseline="0" dirty="0" smtClean="0"/>
+              <a:t>.</a:t>
+            </a:r>
+          </a:p>
+          <a:p>
+            <a:pPr marL="0" marR="0" indent="0" algn="l" defTabSz="914400" rtl="0" eaLnBrk="1" fontAlgn="auto" latinLnBrk="0" hangingPunct="1">
+              <a:lnSpc>
+                <a:spcPct val="100000"/>
+              </a:lnSpc>
+              <a:spcBef>
+                <a:spcPts val="0"/>
+              </a:spcBef>
+              <a:spcAft>
+                <a:spcPts val="0"/>
+              </a:spcAft>
+              <a:buClrTx/>
+              <a:buSzTx/>
+              <a:buFontTx/>
+              <a:buNone/>
+              <a:tabLst/>
+              <a:defRPr/>
+            </a:pPr>
+            <a:endParaRPr lang="de-DE" baseline="0" dirty="0" smtClean="0"/>
+          </a:p>
+          <a:p>
+            <a:pPr marL="0" marR="0" indent="0" algn="l" defTabSz="914400" rtl="0" eaLnBrk="1" fontAlgn="auto" latinLnBrk="0" hangingPunct="1">
+              <a:lnSpc>
+                <a:spcPct val="100000"/>
+              </a:lnSpc>
+              <a:spcBef>
+                <a:spcPts val="0"/>
+              </a:spcBef>
+              <a:spcAft>
+                <a:spcPts val="0"/>
+              </a:spcAft>
+              <a:buClrTx/>
+              <a:buSzTx/>
+              <a:buFontTx/>
+              <a:buNone/>
+              <a:tabLst/>
+              <a:defRPr/>
+            </a:pPr>
+            <a:r>
+              <a:rPr lang="de-DE" baseline="0" dirty="0" err="1" smtClean="0"/>
+              <a:t>It</a:t>
+            </a:r>
+            <a:r>
+              <a:rPr lang="de-DE" baseline="0" dirty="0" smtClean="0"/>
+              <a:t> </a:t>
+            </a:r>
+            <a:r>
+              <a:rPr lang="de-DE" baseline="0" dirty="0" err="1" smtClean="0"/>
+              <a:t>turned</a:t>
+            </a:r>
+            <a:r>
+              <a:rPr lang="de-DE" baseline="0" dirty="0" smtClean="0"/>
+              <a:t> out </a:t>
+            </a:r>
+            <a:r>
+              <a:rPr lang="de-DE" baseline="0" dirty="0" err="1" smtClean="0"/>
+              <a:t>that</a:t>
+            </a:r>
+            <a:r>
+              <a:rPr lang="de-DE" baseline="0" dirty="0" smtClean="0"/>
+              <a:t> </a:t>
+            </a:r>
+            <a:r>
+              <a:rPr lang="de-DE" baseline="0" dirty="0" err="1" smtClean="0"/>
+              <a:t>one</a:t>
+            </a:r>
+            <a:r>
+              <a:rPr lang="de-DE" baseline="0" dirty="0" smtClean="0"/>
+              <a:t> </a:t>
+            </a:r>
+            <a:r>
+              <a:rPr lang="de-DE" baseline="0" dirty="0" err="1" smtClean="0"/>
+              <a:t>of</a:t>
+            </a:r>
+            <a:r>
+              <a:rPr lang="de-DE" baseline="0" dirty="0" smtClean="0"/>
+              <a:t> </a:t>
+            </a:r>
+            <a:r>
+              <a:rPr lang="de-DE" baseline="0" dirty="0" err="1" smtClean="0"/>
+              <a:t>them</a:t>
+            </a:r>
+            <a:r>
+              <a:rPr lang="de-DE" baseline="0" dirty="0" smtClean="0"/>
+              <a:t> was not </a:t>
+            </a:r>
+            <a:r>
+              <a:rPr lang="de-DE" baseline="0" dirty="0" err="1" smtClean="0"/>
+              <a:t>possible</a:t>
+            </a:r>
+            <a:r>
+              <a:rPr lang="de-DE" baseline="0" dirty="0" smtClean="0"/>
+              <a:t>.</a:t>
+            </a:r>
+          </a:p>
+          <a:p>
+            <a:pPr marL="0" marR="0" indent="0" algn="l" defTabSz="914400" rtl="0" eaLnBrk="1" fontAlgn="auto" latinLnBrk="0" hangingPunct="1">
+              <a:lnSpc>
+                <a:spcPct val="100000"/>
+              </a:lnSpc>
+              <a:spcBef>
+                <a:spcPts val="0"/>
+              </a:spcBef>
+              <a:spcAft>
+                <a:spcPts val="0"/>
+              </a:spcAft>
+              <a:buClrTx/>
+              <a:buSzTx/>
+              <a:buFontTx/>
+              <a:buNone/>
+              <a:tabLst/>
+              <a:defRPr/>
+            </a:pPr>
+            <a:r>
+              <a:rPr lang="de-DE" baseline="0" dirty="0" err="1" smtClean="0"/>
+              <a:t>We</a:t>
+            </a:r>
+            <a:r>
+              <a:rPr lang="de-DE" baseline="0" dirty="0" smtClean="0"/>
+              <a:t> </a:t>
+            </a:r>
+            <a:r>
+              <a:rPr lang="de-DE" baseline="0" dirty="0" err="1" smtClean="0"/>
+              <a:t>were</a:t>
+            </a:r>
+            <a:r>
+              <a:rPr lang="de-DE" baseline="0" dirty="0" smtClean="0"/>
+              <a:t> </a:t>
+            </a:r>
+            <a:r>
+              <a:rPr lang="de-DE" baseline="0" dirty="0" err="1" smtClean="0"/>
+              <a:t>unable</a:t>
+            </a:r>
+            <a:r>
+              <a:rPr lang="de-DE" baseline="0" dirty="0" smtClean="0"/>
+              <a:t> </a:t>
+            </a:r>
+            <a:r>
+              <a:rPr lang="de-DE" baseline="0" dirty="0" err="1" smtClean="0"/>
+              <a:t>to</a:t>
+            </a:r>
+            <a:r>
+              <a:rPr lang="de-DE" baseline="0" dirty="0" smtClean="0"/>
+              <a:t> parse </a:t>
+            </a:r>
+            <a:r>
+              <a:rPr lang="de-DE" baseline="0" dirty="0" err="1" smtClean="0"/>
+              <a:t>the</a:t>
+            </a:r>
+            <a:r>
+              <a:rPr lang="de-DE" baseline="0" dirty="0" smtClean="0"/>
+              <a:t> </a:t>
+            </a:r>
+            <a:r>
+              <a:rPr lang="de-DE" baseline="0" dirty="0" err="1" smtClean="0"/>
+              <a:t>website</a:t>
+            </a:r>
+            <a:r>
+              <a:rPr lang="de-DE" baseline="0" dirty="0" smtClean="0"/>
+              <a:t> </a:t>
+            </a:r>
+            <a:r>
+              <a:rPr lang="de-DE" baseline="0" dirty="0" err="1" smtClean="0"/>
+              <a:t>as</a:t>
+            </a:r>
+            <a:r>
+              <a:rPr lang="de-DE" baseline="0" dirty="0" smtClean="0"/>
+              <a:t> XML </a:t>
+            </a:r>
+            <a:r>
+              <a:rPr lang="de-DE" baseline="0" dirty="0" err="1" smtClean="0"/>
+              <a:t>and</a:t>
+            </a:r>
+            <a:r>
+              <a:rPr lang="de-DE" baseline="0" dirty="0" smtClean="0"/>
+              <a:t> </a:t>
+            </a:r>
+            <a:r>
+              <a:rPr lang="de-DE" baseline="0" dirty="0" err="1" smtClean="0"/>
+              <a:t>run</a:t>
+            </a:r>
+            <a:r>
+              <a:rPr lang="de-DE" baseline="0" dirty="0" smtClean="0"/>
+              <a:t> </a:t>
+            </a:r>
+            <a:r>
+              <a:rPr lang="de-DE" baseline="0" dirty="0" err="1" smtClean="0"/>
+              <a:t>search</a:t>
+            </a:r>
+            <a:r>
+              <a:rPr lang="de-DE" baseline="0" dirty="0" smtClean="0"/>
+              <a:t> </a:t>
+            </a:r>
+            <a:r>
+              <a:rPr lang="de-DE" baseline="0" dirty="0" err="1" smtClean="0"/>
+              <a:t>queries</a:t>
+            </a:r>
+            <a:r>
+              <a:rPr lang="de-DE" baseline="0" dirty="0" smtClean="0"/>
+              <a:t>, </a:t>
+            </a:r>
+            <a:r>
+              <a:rPr lang="de-DE" baseline="0" dirty="0" err="1" smtClean="0"/>
+              <a:t>because</a:t>
+            </a:r>
+            <a:r>
+              <a:rPr lang="de-DE" baseline="0" dirty="0" smtClean="0"/>
+              <a:t> </a:t>
+            </a:r>
+            <a:r>
+              <a:rPr lang="de-DE" baseline="0" dirty="0" err="1" smtClean="0"/>
+              <a:t>the</a:t>
+            </a:r>
+            <a:r>
+              <a:rPr lang="de-DE" baseline="0" dirty="0" smtClean="0"/>
+              <a:t> HTML was not valid XHTML.</a:t>
+            </a:r>
+          </a:p>
+          <a:p>
+            <a:pPr marL="0" marR="0" indent="0" algn="l" defTabSz="914400" rtl="0" eaLnBrk="1" fontAlgn="auto" latinLnBrk="0" hangingPunct="1">
+              <a:lnSpc>
+                <a:spcPct val="100000"/>
+              </a:lnSpc>
+              <a:spcBef>
+                <a:spcPts val="0"/>
+              </a:spcBef>
+              <a:spcAft>
+                <a:spcPts val="0"/>
+              </a:spcAft>
+              <a:buClrTx/>
+              <a:buSzTx/>
+              <a:buFontTx/>
+              <a:buNone/>
+              <a:tabLst/>
+              <a:defRPr/>
+            </a:pPr>
+            <a:endParaRPr lang="de-DE" baseline="0" dirty="0" smtClean="0"/>
+          </a:p>
+          <a:p>
+            <a:pPr marL="0" marR="0" indent="0" algn="l" defTabSz="914400" rtl="0" eaLnBrk="1" fontAlgn="auto" latinLnBrk="0" hangingPunct="1">
+              <a:lnSpc>
+                <a:spcPct val="100000"/>
+              </a:lnSpc>
+              <a:spcBef>
+                <a:spcPts val="0"/>
+              </a:spcBef>
+              <a:spcAft>
+                <a:spcPts val="0"/>
+              </a:spcAft>
+              <a:buClrTx/>
+              <a:buSzTx/>
+              <a:buFontTx/>
+              <a:buNone/>
+              <a:tabLst/>
+              <a:defRPr/>
+            </a:pPr>
+            <a:r>
+              <a:rPr lang="de-DE" baseline="0" dirty="0" smtClean="0"/>
+              <a:t>The </a:t>
+            </a:r>
+            <a:r>
+              <a:rPr lang="de-DE" baseline="0" dirty="0" err="1" smtClean="0"/>
+              <a:t>second</a:t>
+            </a:r>
+            <a:r>
+              <a:rPr lang="de-DE" baseline="0" dirty="0" smtClean="0"/>
+              <a:t> </a:t>
+            </a:r>
+            <a:r>
+              <a:rPr lang="de-DE" baseline="0" dirty="0" err="1" smtClean="0"/>
+              <a:t>idea</a:t>
+            </a:r>
+            <a:r>
+              <a:rPr lang="de-DE" baseline="0" dirty="0" smtClean="0"/>
+              <a:t> was </a:t>
+            </a:r>
+            <a:r>
+              <a:rPr lang="de-DE" baseline="0" dirty="0" err="1" smtClean="0"/>
+              <a:t>to</a:t>
+            </a:r>
+            <a:r>
+              <a:rPr lang="de-DE" baseline="0" dirty="0" smtClean="0"/>
+              <a:t> </a:t>
+            </a:r>
+            <a:r>
+              <a:rPr lang="de-DE" baseline="0" dirty="0" err="1" smtClean="0"/>
+              <a:t>use</a:t>
+            </a:r>
+            <a:r>
+              <a:rPr lang="de-DE" baseline="0" dirty="0" smtClean="0"/>
+              <a:t> </a:t>
+            </a:r>
+            <a:r>
+              <a:rPr lang="de-DE" baseline="0" dirty="0" err="1" smtClean="0"/>
+              <a:t>regular</a:t>
+            </a:r>
+            <a:r>
+              <a:rPr lang="de-DE" baseline="0" dirty="0" smtClean="0"/>
+              <a:t> </a:t>
+            </a:r>
+            <a:r>
+              <a:rPr lang="de-DE" baseline="0" dirty="0" err="1" smtClean="0"/>
+              <a:t>expressions</a:t>
+            </a:r>
+            <a:r>
+              <a:rPr lang="de-DE" baseline="0" dirty="0" smtClean="0"/>
+              <a:t>.</a:t>
+            </a:r>
+          </a:p>
+          <a:p>
+            <a:pPr marL="0" marR="0" indent="0" algn="l" defTabSz="914400" rtl="0" eaLnBrk="1" fontAlgn="auto" latinLnBrk="0" hangingPunct="1">
+              <a:lnSpc>
+                <a:spcPct val="100000"/>
+              </a:lnSpc>
+              <a:spcBef>
+                <a:spcPts val="0"/>
+              </a:spcBef>
+              <a:spcAft>
+                <a:spcPts val="0"/>
+              </a:spcAft>
+              <a:buClrTx/>
+              <a:buSzTx/>
+              <a:buFontTx/>
+              <a:buNone/>
+              <a:tabLst/>
+              <a:defRPr/>
+            </a:pPr>
+            <a:r>
+              <a:rPr lang="de-DE" baseline="0" dirty="0" smtClean="0"/>
+              <a:t>After </a:t>
+            </a:r>
+            <a:r>
+              <a:rPr lang="de-DE" baseline="0" dirty="0" err="1" smtClean="0"/>
+              <a:t>we</a:t>
+            </a:r>
+            <a:r>
+              <a:rPr lang="de-DE" baseline="0" dirty="0" smtClean="0"/>
+              <a:t> </a:t>
+            </a:r>
+            <a:r>
+              <a:rPr lang="de-DE" baseline="0" dirty="0" err="1" smtClean="0"/>
+              <a:t>created</a:t>
+            </a:r>
+            <a:r>
+              <a:rPr lang="de-DE" baseline="0" dirty="0" smtClean="0"/>
+              <a:t> </a:t>
+            </a:r>
+            <a:r>
+              <a:rPr lang="de-DE" baseline="0" dirty="0" err="1" smtClean="0"/>
+              <a:t>some</a:t>
+            </a:r>
+            <a:r>
+              <a:rPr lang="de-DE" baseline="0" dirty="0" smtClean="0"/>
+              <a:t> </a:t>
+            </a:r>
+            <a:r>
+              <a:rPr lang="de-DE" baseline="0" dirty="0" err="1" smtClean="0"/>
+              <a:t>expressions</a:t>
+            </a:r>
+            <a:r>
+              <a:rPr lang="de-DE" baseline="0" dirty="0" smtClean="0"/>
+              <a:t>, </a:t>
+            </a:r>
+            <a:r>
+              <a:rPr lang="de-DE" baseline="0" dirty="0" err="1" smtClean="0"/>
+              <a:t>we</a:t>
+            </a:r>
+            <a:r>
+              <a:rPr lang="de-DE" baseline="0" dirty="0" smtClean="0"/>
+              <a:t> </a:t>
+            </a:r>
+            <a:r>
+              <a:rPr lang="de-DE" baseline="0" dirty="0" err="1" smtClean="0"/>
+              <a:t>were</a:t>
+            </a:r>
+            <a:r>
+              <a:rPr lang="de-DE" baseline="0" dirty="0" smtClean="0"/>
+              <a:t> </a:t>
+            </a:r>
+            <a:r>
+              <a:rPr lang="de-DE" baseline="0" dirty="0" err="1" smtClean="0"/>
+              <a:t>able</a:t>
+            </a:r>
+            <a:r>
+              <a:rPr lang="de-DE" baseline="0" dirty="0" smtClean="0"/>
+              <a:t> </a:t>
+            </a:r>
+            <a:r>
+              <a:rPr lang="de-DE" baseline="0" dirty="0" err="1" smtClean="0"/>
+              <a:t>to</a:t>
+            </a:r>
+            <a:r>
+              <a:rPr lang="de-DE" baseline="0" dirty="0" smtClean="0"/>
+              <a:t> </a:t>
+            </a:r>
+            <a:r>
+              <a:rPr lang="de-DE" baseline="0" dirty="0" err="1" smtClean="0"/>
+              <a:t>match</a:t>
+            </a:r>
+            <a:r>
+              <a:rPr lang="de-DE" baseline="0" dirty="0" smtClean="0"/>
+              <a:t> </a:t>
+            </a:r>
+            <a:r>
+              <a:rPr lang="de-DE" baseline="0" dirty="0" err="1" smtClean="0"/>
+              <a:t>the</a:t>
+            </a:r>
+            <a:r>
+              <a:rPr lang="de-DE" baseline="0" dirty="0" smtClean="0"/>
+              <a:t> tags </a:t>
+            </a:r>
+            <a:r>
+              <a:rPr lang="de-DE" baseline="0" dirty="0" err="1" smtClean="0"/>
+              <a:t>of</a:t>
+            </a:r>
+            <a:r>
+              <a:rPr lang="de-DE" baseline="0" dirty="0" smtClean="0"/>
+              <a:t> </a:t>
+            </a:r>
+            <a:r>
+              <a:rPr lang="de-DE" baseline="0" dirty="0" err="1" smtClean="0"/>
+              <a:t>the</a:t>
+            </a:r>
+            <a:r>
+              <a:rPr lang="de-DE" baseline="0" dirty="0" smtClean="0"/>
+              <a:t> HTML </a:t>
+            </a:r>
+            <a:r>
+              <a:rPr lang="de-DE" baseline="0" dirty="0" err="1" smtClean="0"/>
+              <a:t>table</a:t>
+            </a:r>
+            <a:r>
+              <a:rPr lang="de-DE" baseline="0" dirty="0" smtClean="0"/>
+              <a:t> </a:t>
+            </a:r>
+            <a:r>
+              <a:rPr lang="de-DE" baseline="0" dirty="0" err="1" smtClean="0"/>
+              <a:t>around</a:t>
+            </a:r>
+            <a:r>
+              <a:rPr lang="de-DE" baseline="0" dirty="0" smtClean="0"/>
+              <a:t> </a:t>
+            </a:r>
+            <a:r>
+              <a:rPr lang="de-DE" baseline="0" dirty="0" err="1" smtClean="0"/>
+              <a:t>the</a:t>
+            </a:r>
+            <a:r>
+              <a:rPr lang="de-DE" baseline="0" dirty="0" smtClean="0"/>
+              <a:t> grades.</a:t>
+            </a:r>
+          </a:p>
+          <a:p>
+            <a:pPr marL="0" marR="0" indent="0" algn="l" defTabSz="914400" rtl="0" eaLnBrk="1" fontAlgn="auto" latinLnBrk="0" hangingPunct="1">
+              <a:lnSpc>
+                <a:spcPct val="100000"/>
+              </a:lnSpc>
+              <a:spcBef>
+                <a:spcPts val="0"/>
+              </a:spcBef>
+              <a:spcAft>
+                <a:spcPts val="0"/>
+              </a:spcAft>
+              <a:buClrTx/>
+              <a:buSzTx/>
+              <a:buFontTx/>
+              <a:buNone/>
+              <a:tabLst/>
+              <a:defRPr/>
+            </a:pPr>
+            <a:r>
+              <a:rPr lang="de-DE" baseline="0" dirty="0" err="1" smtClean="0"/>
+              <a:t>We</a:t>
+            </a:r>
+            <a:r>
+              <a:rPr lang="de-DE" baseline="0" dirty="0" smtClean="0"/>
+              <a:t> </a:t>
+            </a:r>
+            <a:r>
+              <a:rPr lang="de-DE" baseline="0" dirty="0" err="1" smtClean="0"/>
+              <a:t>used</a:t>
+            </a:r>
+            <a:r>
+              <a:rPr lang="de-DE" baseline="0" dirty="0" smtClean="0"/>
+              <a:t> </a:t>
+            </a:r>
+            <a:r>
+              <a:rPr lang="de-DE" baseline="0" dirty="0" err="1" smtClean="0"/>
+              <a:t>the</a:t>
+            </a:r>
+            <a:r>
+              <a:rPr lang="de-DE" baseline="0" dirty="0" smtClean="0"/>
+              <a:t> </a:t>
+            </a:r>
+            <a:r>
+              <a:rPr lang="de-DE" baseline="0" dirty="0" err="1" smtClean="0"/>
+              <a:t>included</a:t>
+            </a:r>
+            <a:r>
+              <a:rPr lang="de-DE" baseline="0" dirty="0" smtClean="0"/>
+              <a:t> CSS </a:t>
+            </a:r>
+            <a:r>
+              <a:rPr lang="de-DE" baseline="0" dirty="0" err="1" smtClean="0"/>
+              <a:t>attributes</a:t>
+            </a:r>
+            <a:r>
+              <a:rPr lang="de-DE" baseline="0" dirty="0" smtClean="0"/>
+              <a:t> </a:t>
+            </a:r>
+            <a:r>
+              <a:rPr lang="de-DE" baseline="0" dirty="0" err="1" smtClean="0"/>
+              <a:t>to</a:t>
+            </a:r>
+            <a:r>
+              <a:rPr lang="de-DE" baseline="0" dirty="0" smtClean="0"/>
+              <a:t> </a:t>
+            </a:r>
+            <a:r>
+              <a:rPr lang="de-DE" baseline="0" dirty="0" err="1" smtClean="0"/>
+              <a:t>distinguish</a:t>
+            </a:r>
+            <a:r>
+              <a:rPr lang="de-DE" baseline="0" dirty="0" smtClean="0"/>
+              <a:t> </a:t>
+            </a:r>
+            <a:r>
+              <a:rPr lang="de-DE" baseline="0" dirty="0" err="1" smtClean="0"/>
+              <a:t>between</a:t>
+            </a:r>
+            <a:r>
+              <a:rPr lang="de-DE" baseline="0" dirty="0" smtClean="0"/>
+              <a:t> </a:t>
+            </a:r>
+            <a:r>
+              <a:rPr lang="de-DE" baseline="0" dirty="0" err="1" smtClean="0"/>
+              <a:t>certificates</a:t>
+            </a:r>
+            <a:r>
+              <a:rPr lang="de-DE" baseline="0" dirty="0" smtClean="0"/>
+              <a:t>, grades </a:t>
+            </a:r>
+            <a:r>
+              <a:rPr lang="de-DE" baseline="0" dirty="0" err="1" smtClean="0"/>
+              <a:t>and</a:t>
+            </a:r>
+            <a:r>
+              <a:rPr lang="de-DE" baseline="0" dirty="0" smtClean="0"/>
+              <a:t> </a:t>
+            </a:r>
+            <a:r>
+              <a:rPr lang="de-DE" baseline="0" dirty="0" err="1" smtClean="0"/>
+              <a:t>modules</a:t>
+            </a:r>
+            <a:r>
+              <a:rPr lang="de-DE" baseline="0" dirty="0" smtClean="0"/>
+              <a:t>.</a:t>
+            </a:r>
+            <a:endParaRPr lang="de-DE" dirty="0" smtClean="0"/>
+          </a:p>
         </p:txBody>
       </p:sp>
       <p:sp>
@@ -783,82 +1644,479 @@
           <a:lstStyle/>
           <a:p>
             <a:r>
-              <a:rPr lang="de-DE" smtClean="0"/>
+              <a:rPr lang="de-DE" dirty="0" smtClean="0"/>
               <a:t>Manuel</a:t>
             </a:r>
+          </a:p>
+          <a:p>
             <a:endParaRPr lang="de-DE" dirty="0" smtClean="0"/>
           </a:p>
           <a:p>
+            <a:r>
+              <a:rPr lang="de-DE" dirty="0" err="1" smtClean="0"/>
+              <a:t>Now</a:t>
+            </a:r>
+            <a:r>
+              <a:rPr lang="de-DE" baseline="0" dirty="0" smtClean="0"/>
+              <a:t> </a:t>
+            </a:r>
+            <a:r>
+              <a:rPr lang="de-DE" baseline="0" dirty="0" err="1" smtClean="0"/>
+              <a:t>its</a:t>
+            </a:r>
+            <a:r>
+              <a:rPr lang="de-DE" baseline="0" dirty="0" smtClean="0"/>
+              <a:t> time </a:t>
+            </a:r>
+            <a:r>
+              <a:rPr lang="de-DE" baseline="0" dirty="0" err="1" smtClean="0"/>
+              <a:t>to</a:t>
+            </a:r>
+            <a:r>
+              <a:rPr lang="de-DE" baseline="0" dirty="0" smtClean="0"/>
+              <a:t> </a:t>
+            </a:r>
+            <a:r>
+              <a:rPr lang="de-DE" baseline="0" dirty="0" err="1" smtClean="0"/>
+              <a:t>show</a:t>
+            </a:r>
+            <a:r>
+              <a:rPr lang="de-DE" baseline="0" dirty="0" smtClean="0"/>
+              <a:t> </a:t>
+            </a:r>
+            <a:r>
+              <a:rPr lang="de-DE" baseline="0" dirty="0" err="1" smtClean="0"/>
+              <a:t>our</a:t>
+            </a:r>
+            <a:r>
+              <a:rPr lang="de-DE" baseline="0" dirty="0" smtClean="0"/>
+              <a:t> mobile </a:t>
+            </a:r>
+            <a:r>
+              <a:rPr lang="de-DE" baseline="0" dirty="0" err="1" smtClean="0"/>
+              <a:t>application</a:t>
+            </a:r>
+            <a:r>
+              <a:rPr lang="de-DE" baseline="0" dirty="0" smtClean="0"/>
+              <a:t>.</a:t>
+            </a:r>
+          </a:p>
+          <a:p>
+            <a:r>
+              <a:rPr lang="de-DE" baseline="0" dirty="0" err="1" smtClean="0"/>
+              <a:t>We</a:t>
+            </a:r>
+            <a:r>
+              <a:rPr lang="de-DE" baseline="0" dirty="0" smtClean="0"/>
+              <a:t> </a:t>
+            </a:r>
+            <a:r>
+              <a:rPr lang="de-DE" baseline="0" dirty="0" err="1" smtClean="0"/>
+              <a:t>prepared</a:t>
+            </a:r>
+            <a:r>
+              <a:rPr lang="de-DE" baseline="0" dirty="0" smtClean="0"/>
+              <a:t> </a:t>
+            </a:r>
+            <a:r>
+              <a:rPr lang="de-DE" baseline="0" dirty="0" err="1" smtClean="0"/>
+              <a:t>two</a:t>
+            </a:r>
+            <a:r>
+              <a:rPr lang="de-DE" baseline="0" dirty="0" smtClean="0"/>
+              <a:t> </a:t>
+            </a:r>
+            <a:r>
+              <a:rPr lang="de-DE" baseline="0" dirty="0" err="1" smtClean="0"/>
+              <a:t>videos</a:t>
+            </a:r>
+            <a:r>
+              <a:rPr lang="de-DE" baseline="0" dirty="0" smtClean="0"/>
+              <a:t>.</a:t>
+            </a:r>
+          </a:p>
+          <a:p>
+            <a:r>
+              <a:rPr lang="de-DE" baseline="0" dirty="0" err="1" smtClean="0"/>
+              <a:t>One</a:t>
+            </a:r>
+            <a:r>
+              <a:rPr lang="de-DE" baseline="0" dirty="0" smtClean="0"/>
+              <a:t> </a:t>
+            </a:r>
+            <a:r>
+              <a:rPr lang="de-DE" baseline="0" dirty="0" err="1" smtClean="0"/>
+              <a:t>shows</a:t>
+            </a:r>
+            <a:r>
+              <a:rPr lang="de-DE" baseline="0" dirty="0" smtClean="0"/>
+              <a:t> </a:t>
+            </a:r>
+            <a:r>
+              <a:rPr lang="de-DE" baseline="0" dirty="0" err="1" smtClean="0"/>
+              <a:t>the</a:t>
+            </a:r>
+            <a:r>
+              <a:rPr lang="de-DE" baseline="0" dirty="0" smtClean="0"/>
+              <a:t> </a:t>
+            </a:r>
+            <a:r>
+              <a:rPr lang="de-DE" baseline="0" dirty="0" err="1" smtClean="0"/>
+              <a:t>smarthone</a:t>
+            </a:r>
+            <a:r>
+              <a:rPr lang="de-DE" baseline="0" dirty="0" smtClean="0"/>
+              <a:t> </a:t>
+            </a:r>
+            <a:r>
+              <a:rPr lang="de-DE" baseline="0" dirty="0" err="1" smtClean="0"/>
+              <a:t>layout</a:t>
+            </a:r>
+            <a:r>
+              <a:rPr lang="de-DE" baseline="0" dirty="0" smtClean="0"/>
+              <a:t> in English.</a:t>
+            </a:r>
+          </a:p>
+          <a:p>
+            <a:r>
+              <a:rPr lang="de-DE" baseline="0" dirty="0" err="1" smtClean="0"/>
+              <a:t>And</a:t>
+            </a:r>
+            <a:r>
+              <a:rPr lang="de-DE" baseline="0" dirty="0" smtClean="0"/>
+              <a:t> </a:t>
+            </a:r>
+            <a:r>
+              <a:rPr lang="de-DE" baseline="0" dirty="0" err="1" smtClean="0"/>
+              <a:t>the</a:t>
+            </a:r>
+            <a:r>
+              <a:rPr lang="de-DE" baseline="0" dirty="0" smtClean="0"/>
+              <a:t> </a:t>
+            </a:r>
+            <a:r>
+              <a:rPr lang="de-DE" baseline="0" dirty="0" err="1" smtClean="0"/>
+              <a:t>other</a:t>
+            </a:r>
+            <a:r>
+              <a:rPr lang="de-DE" baseline="0" dirty="0" smtClean="0"/>
+              <a:t> </a:t>
+            </a:r>
+            <a:r>
+              <a:rPr lang="de-DE" baseline="0" dirty="0" err="1" smtClean="0"/>
+              <a:t>shows</a:t>
+            </a:r>
+            <a:r>
+              <a:rPr lang="de-DE" baseline="0" dirty="0" smtClean="0"/>
+              <a:t> </a:t>
+            </a:r>
+            <a:r>
+              <a:rPr lang="de-DE" baseline="0" dirty="0" err="1" smtClean="0"/>
+              <a:t>the</a:t>
+            </a:r>
+            <a:r>
+              <a:rPr lang="de-DE" baseline="0" dirty="0" smtClean="0"/>
+              <a:t> </a:t>
+            </a:r>
+            <a:r>
+              <a:rPr lang="de-DE" baseline="0" dirty="0" err="1" smtClean="0"/>
+              <a:t>tablet</a:t>
+            </a:r>
+            <a:r>
+              <a:rPr lang="de-DE" baseline="0" dirty="0" smtClean="0"/>
+              <a:t> </a:t>
+            </a:r>
+            <a:r>
+              <a:rPr lang="de-DE" baseline="0" dirty="0" err="1" smtClean="0"/>
+              <a:t>layout</a:t>
+            </a:r>
+            <a:r>
+              <a:rPr lang="de-DE" baseline="0" dirty="0" smtClean="0"/>
+              <a:t> in German.</a:t>
+            </a:r>
+          </a:p>
+          <a:p>
             <a:endParaRPr lang="de-DE" dirty="0" smtClean="0"/>
           </a:p>
           <a:p>
             <a:r>
               <a:rPr lang="de-DE" dirty="0" smtClean="0"/>
-              <a:t>1</a:t>
-            </a:r>
-            <a:r>
-              <a:rPr lang="de-DE" dirty="0" smtClean="0"/>
-              <a:t>.</a:t>
-            </a:r>
-            <a:r>
-              <a:rPr lang="de-DE" baseline="0" dirty="0" smtClean="0"/>
-              <a:t> Beim ersten Start wird Einstellungs-</a:t>
-            </a:r>
-            <a:r>
-              <a:rPr lang="de-DE" baseline="0" dirty="0" err="1" smtClean="0"/>
-              <a:t>Activity</a:t>
-            </a:r>
-            <a:r>
-              <a:rPr lang="de-DE" baseline="0" dirty="0" smtClean="0"/>
-              <a:t> angezeigt da keine Daten vorliegen -&gt; RZ-Benutzerdaten eintragen!</a:t>
-            </a:r>
-          </a:p>
-          <a:p>
-            <a:r>
-              <a:rPr lang="de-DE" baseline="0" dirty="0" smtClean="0"/>
-              <a:t>2. Zurück zu Haupt-</a:t>
-            </a:r>
-            <a:r>
-              <a:rPr lang="de-DE" baseline="0" dirty="0" err="1" smtClean="0"/>
-              <a:t>Activity</a:t>
+              <a:t>1.</a:t>
+            </a:r>
+            <a:r>
+              <a:rPr lang="de-DE" baseline="0" dirty="0" smtClean="0"/>
+              <a:t> </a:t>
+            </a:r>
+            <a:r>
+              <a:rPr lang="de-DE" baseline="0" dirty="0" smtClean="0"/>
+              <a:t>On </a:t>
+            </a:r>
+            <a:r>
+              <a:rPr lang="de-DE" baseline="0" dirty="0" err="1" smtClean="0"/>
+              <a:t>the</a:t>
+            </a:r>
+            <a:r>
+              <a:rPr lang="de-DE" baseline="0" dirty="0" smtClean="0"/>
+              <a:t> </a:t>
+            </a:r>
+            <a:r>
+              <a:rPr lang="de-DE" baseline="0" dirty="0" err="1" smtClean="0"/>
+              <a:t>first</a:t>
+            </a:r>
+            <a:r>
+              <a:rPr lang="de-DE" baseline="0" dirty="0" smtClean="0"/>
+              <a:t> </a:t>
+            </a:r>
+            <a:r>
+              <a:rPr lang="de-DE" baseline="0" dirty="0" err="1" smtClean="0"/>
+              <a:t>start</a:t>
+            </a:r>
+            <a:r>
+              <a:rPr lang="de-DE" baseline="0" dirty="0" smtClean="0"/>
+              <a:t> </a:t>
+            </a:r>
+            <a:r>
+              <a:rPr lang="de-DE" baseline="0" dirty="0" err="1" smtClean="0"/>
+              <a:t>it</a:t>
+            </a:r>
+            <a:r>
+              <a:rPr lang="de-DE" baseline="0" dirty="0" smtClean="0"/>
+              <a:t> </a:t>
+            </a:r>
+            <a:r>
+              <a:rPr lang="de-DE" baseline="0" dirty="0" err="1" smtClean="0"/>
+              <a:t>shows</a:t>
+            </a:r>
+            <a:r>
+              <a:rPr lang="de-DE" baseline="0" dirty="0" smtClean="0"/>
+              <a:t> </a:t>
+            </a:r>
+            <a:r>
+              <a:rPr lang="de-DE" baseline="0" dirty="0" err="1" smtClean="0"/>
+              <a:t>the</a:t>
+            </a:r>
+            <a:r>
+              <a:rPr lang="de-DE" baseline="0" dirty="0" smtClean="0"/>
+              <a:t> </a:t>
+            </a:r>
+            <a:r>
+              <a:rPr lang="de-DE" baseline="0" dirty="0" err="1" smtClean="0"/>
+              <a:t>settings</a:t>
+            </a:r>
+            <a:r>
+              <a:rPr lang="de-DE" baseline="0" dirty="0" smtClean="0"/>
+              <a:t> </a:t>
+            </a:r>
+            <a:r>
+              <a:rPr lang="de-DE" baseline="0" dirty="0" err="1" smtClean="0"/>
+              <a:t>activity</a:t>
+            </a:r>
+            <a:r>
+              <a:rPr lang="de-DE" baseline="0" dirty="0" smtClean="0"/>
+              <a:t> </a:t>
+            </a:r>
+            <a:r>
+              <a:rPr lang="de-DE" baseline="0" dirty="0" smtClean="0"/>
+              <a:t>-&gt; </a:t>
+            </a:r>
+            <a:r>
+              <a:rPr lang="de-DE" baseline="0" dirty="0" smtClean="0"/>
+              <a:t>Enter </a:t>
+            </a:r>
+            <a:r>
+              <a:rPr lang="de-DE" baseline="0" dirty="0" err="1" smtClean="0"/>
+              <a:t>your</a:t>
+            </a:r>
+            <a:r>
+              <a:rPr lang="de-DE" baseline="0" dirty="0" smtClean="0"/>
+              <a:t> HTWG </a:t>
+            </a:r>
+            <a:r>
+              <a:rPr lang="de-DE" baseline="0" dirty="0" err="1" smtClean="0"/>
+              <a:t>username</a:t>
+            </a:r>
+            <a:r>
+              <a:rPr lang="de-DE" baseline="0" dirty="0" smtClean="0"/>
+              <a:t> </a:t>
+            </a:r>
+            <a:r>
+              <a:rPr lang="de-DE" baseline="0" dirty="0" err="1" smtClean="0"/>
+              <a:t>and</a:t>
+            </a:r>
+            <a:r>
+              <a:rPr lang="de-DE" baseline="0" dirty="0" smtClean="0"/>
+              <a:t> </a:t>
+            </a:r>
+            <a:r>
+              <a:rPr lang="de-DE" baseline="0" dirty="0" err="1" smtClean="0"/>
+              <a:t>password</a:t>
+            </a:r>
+            <a:r>
+              <a:rPr lang="de-DE" baseline="0" dirty="0" smtClean="0"/>
+              <a:t>!</a:t>
             </a:r>
             <a:endParaRPr lang="de-DE" baseline="0" dirty="0" smtClean="0"/>
           </a:p>
           <a:p>
             <a:r>
               <a:rPr lang="de-DE" baseline="0" dirty="0" smtClean="0"/>
-              <a:t>3. Noch nichts geladen, wird aktualisierungs-</a:t>
-            </a:r>
-            <a:r>
-              <a:rPr lang="de-DE" baseline="0" dirty="0" err="1" smtClean="0"/>
-              <a:t>activity</a:t>
-            </a:r>
-            <a:r>
-              <a:rPr lang="de-DE" baseline="0" dirty="0" smtClean="0"/>
-              <a:t> angezeigt</a:t>
-            </a:r>
-          </a:p>
-          <a:p>
-            <a:r>
-              <a:rPr lang="de-DE" baseline="0" dirty="0" smtClean="0"/>
-              <a:t>4. Aktualisieren! </a:t>
-            </a:r>
-            <a:r>
-              <a:rPr lang="de-DE" baseline="0" dirty="0" err="1" smtClean="0"/>
-              <a:t>Läd</a:t>
-            </a:r>
-            <a:r>
-              <a:rPr lang="de-DE" baseline="0" dirty="0" smtClean="0"/>
-              <a:t> Daten (schnitt wegen zu langer </a:t>
-            </a:r>
-            <a:r>
-              <a:rPr lang="de-DE" baseline="0" dirty="0" err="1" smtClean="0"/>
-              <a:t>ladezeiten</a:t>
-            </a:r>
-            <a:r>
-              <a:rPr lang="de-DE" baseline="0" dirty="0" smtClean="0"/>
-              <a:t> des Emulators)</a:t>
-            </a:r>
+              <a:t>2. </a:t>
+            </a:r>
+            <a:r>
+              <a:rPr lang="de-DE" baseline="0" dirty="0" smtClean="0"/>
+              <a:t>Return </a:t>
+            </a:r>
+            <a:r>
+              <a:rPr lang="de-DE" baseline="0" dirty="0" err="1" smtClean="0"/>
+              <a:t>to</a:t>
+            </a:r>
+            <a:r>
+              <a:rPr lang="de-DE" baseline="0" dirty="0" smtClean="0"/>
+              <a:t> </a:t>
+            </a:r>
+            <a:r>
+              <a:rPr lang="de-DE" baseline="0" dirty="0" err="1" smtClean="0"/>
+              <a:t>the</a:t>
+            </a:r>
+            <a:r>
+              <a:rPr lang="de-DE" baseline="0" dirty="0" smtClean="0"/>
+              <a:t> </a:t>
+            </a:r>
+            <a:r>
+              <a:rPr lang="de-DE" baseline="0" dirty="0" err="1" smtClean="0"/>
+              <a:t>mainscreen</a:t>
+            </a:r>
+            <a:endParaRPr lang="de-DE" baseline="0" dirty="0" smtClean="0"/>
+          </a:p>
+          <a:p>
+            <a:r>
+              <a:rPr lang="de-DE" baseline="0" dirty="0" smtClean="0"/>
+              <a:t>3. </a:t>
+            </a:r>
+            <a:r>
+              <a:rPr lang="de-DE" baseline="0" dirty="0" err="1" smtClean="0"/>
+              <a:t>If</a:t>
+            </a:r>
+            <a:r>
+              <a:rPr lang="de-DE" baseline="0" dirty="0" smtClean="0"/>
+              <a:t> </a:t>
+            </a:r>
+            <a:r>
+              <a:rPr lang="de-DE" baseline="0" dirty="0" err="1" smtClean="0"/>
+              <a:t>there</a:t>
+            </a:r>
+            <a:r>
+              <a:rPr lang="de-DE" baseline="0" dirty="0" smtClean="0"/>
+              <a:t> </a:t>
+            </a:r>
+            <a:r>
+              <a:rPr lang="de-DE" baseline="0" dirty="0" err="1" smtClean="0"/>
+              <a:t>is</a:t>
+            </a:r>
+            <a:r>
+              <a:rPr lang="de-DE" baseline="0" dirty="0" smtClean="0"/>
+              <a:t> </a:t>
+            </a:r>
+            <a:r>
+              <a:rPr lang="de-DE" baseline="0" dirty="0" err="1" smtClean="0"/>
+              <a:t>no</a:t>
+            </a:r>
+            <a:r>
+              <a:rPr lang="de-DE" baseline="0" dirty="0" smtClean="0"/>
+              <a:t> </a:t>
+            </a:r>
+            <a:r>
+              <a:rPr lang="de-DE" baseline="0" dirty="0" err="1" smtClean="0"/>
+              <a:t>data</a:t>
+            </a:r>
+            <a:r>
+              <a:rPr lang="de-DE" baseline="0" dirty="0" smtClean="0"/>
+              <a:t>, </a:t>
+            </a:r>
+            <a:r>
+              <a:rPr lang="de-DE" baseline="0" dirty="0" err="1" smtClean="0"/>
+              <a:t>it</a:t>
+            </a:r>
+            <a:r>
+              <a:rPr lang="de-DE" baseline="0" dirty="0" smtClean="0"/>
+              <a:t> </a:t>
+            </a:r>
+            <a:r>
+              <a:rPr lang="de-DE" baseline="0" dirty="0" err="1" smtClean="0"/>
+              <a:t>shows</a:t>
+            </a:r>
+            <a:r>
+              <a:rPr lang="de-DE" baseline="0" dirty="0" smtClean="0"/>
+              <a:t> a </a:t>
+            </a:r>
+            <a:r>
+              <a:rPr lang="de-DE" baseline="0" dirty="0" err="1" smtClean="0"/>
+              <a:t>refresh</a:t>
+            </a:r>
+            <a:r>
+              <a:rPr lang="de-DE" baseline="0" dirty="0" smtClean="0"/>
+              <a:t> </a:t>
+            </a:r>
+            <a:r>
+              <a:rPr lang="de-DE" baseline="0" dirty="0" err="1" smtClean="0"/>
+              <a:t>button</a:t>
+            </a:r>
+            <a:endParaRPr lang="de-DE" baseline="0" dirty="0" smtClean="0"/>
+          </a:p>
+          <a:p>
+            <a:r>
+              <a:rPr lang="de-DE" baseline="0" dirty="0" smtClean="0"/>
+              <a:t>4. </a:t>
+            </a:r>
+            <a:r>
+              <a:rPr lang="de-DE" baseline="0" dirty="0" err="1" smtClean="0"/>
+              <a:t>Refreshing</a:t>
+            </a:r>
+            <a:r>
+              <a:rPr lang="de-DE" baseline="0" dirty="0" smtClean="0"/>
+              <a:t>! </a:t>
+            </a:r>
+            <a:r>
+              <a:rPr lang="de-DE" baseline="0" dirty="0" err="1" smtClean="0"/>
+              <a:t>Loads</a:t>
+            </a:r>
+            <a:r>
+              <a:rPr lang="de-DE" baseline="0" dirty="0" smtClean="0"/>
+              <a:t> </a:t>
+            </a:r>
+            <a:r>
+              <a:rPr lang="de-DE" baseline="0" dirty="0" err="1" smtClean="0"/>
+              <a:t>data</a:t>
+            </a:r>
+            <a:r>
+              <a:rPr lang="de-DE" baseline="0" dirty="0" smtClean="0"/>
+              <a:t> </a:t>
+            </a:r>
+            <a:r>
+              <a:rPr lang="de-DE" baseline="0" dirty="0" err="1" smtClean="0"/>
+              <a:t>from</a:t>
+            </a:r>
+            <a:r>
+              <a:rPr lang="de-DE" baseline="0" dirty="0" smtClean="0"/>
+              <a:t> </a:t>
+            </a:r>
+            <a:r>
+              <a:rPr lang="de-DE" baseline="0" dirty="0" err="1" smtClean="0"/>
+              <a:t>the</a:t>
+            </a:r>
+            <a:r>
+              <a:rPr lang="de-DE" baseline="0" dirty="0" smtClean="0"/>
+              <a:t> </a:t>
+            </a:r>
+            <a:r>
+              <a:rPr lang="de-DE" baseline="0" dirty="0" err="1" smtClean="0"/>
+              <a:t>student</a:t>
+            </a:r>
+            <a:r>
+              <a:rPr lang="de-DE" baseline="0" dirty="0" smtClean="0"/>
+              <a:t> terminal</a:t>
+            </a:r>
+            <a:endParaRPr lang="de-DE" baseline="0" dirty="0" smtClean="0"/>
           </a:p>
           <a:p>
             <a:r>
@@ -872,70 +2130,238 @@
           <a:p>
             <a:r>
               <a:rPr lang="de-DE" dirty="0" smtClean="0"/>
-              <a:t>5</a:t>
+              <a:t>5. </a:t>
             </a:r>
             <a:r>
               <a:rPr lang="de-DE" dirty="0" smtClean="0"/>
-              <a:t>. Gefundene</a:t>
-            </a:r>
-            <a:r>
-              <a:rPr lang="de-DE" baseline="0" dirty="0" smtClean="0"/>
-              <a:t> Daten </a:t>
-            </a:r>
-            <a:r>
-              <a:rPr lang="de-DE" baseline="0" dirty="0" smtClean="0"/>
-              <a:t>präsentieren</a:t>
+              <a:t>Mainscreen </a:t>
+            </a:r>
+            <a:r>
+              <a:rPr lang="de-DE" dirty="0" err="1" smtClean="0"/>
+              <a:t>with</a:t>
+            </a:r>
+            <a:r>
+              <a:rPr lang="de-DE" dirty="0" smtClean="0"/>
+              <a:t> </a:t>
+            </a:r>
+            <a:r>
+              <a:rPr lang="de-DE" dirty="0" err="1" smtClean="0"/>
+              <a:t>user</a:t>
+            </a:r>
+            <a:r>
+              <a:rPr lang="de-DE" dirty="0" smtClean="0"/>
+              <a:t> </a:t>
+            </a:r>
+            <a:r>
+              <a:rPr lang="de-DE" dirty="0" err="1" smtClean="0"/>
+              <a:t>information</a:t>
+            </a:r>
+            <a:r>
+              <a:rPr lang="de-DE" dirty="0" smtClean="0"/>
+              <a:t> </a:t>
+            </a:r>
+            <a:r>
+              <a:rPr lang="de-DE" dirty="0" err="1" smtClean="0"/>
+              <a:t>and</a:t>
+            </a:r>
+            <a:r>
+              <a:rPr lang="de-DE" dirty="0" smtClean="0"/>
+              <a:t> </a:t>
+            </a:r>
+            <a:r>
+              <a:rPr lang="de-DE" dirty="0" err="1" smtClean="0"/>
+              <a:t>degrees</a:t>
             </a:r>
             <a:endParaRPr lang="de-DE" baseline="0" dirty="0" smtClean="0"/>
           </a:p>
           <a:p>
             <a:r>
               <a:rPr lang="de-DE" baseline="0" dirty="0" smtClean="0"/>
-              <a:t>6. Bachelor-Abschluss anzeigen</a:t>
-            </a:r>
-          </a:p>
-          <a:p>
-            <a:r>
-              <a:rPr lang="de-DE" baseline="0" dirty="0" smtClean="0"/>
-              <a:t>STOP </a:t>
-            </a:r>
-            <a:r>
-              <a:rPr lang="de-DE" baseline="0" dirty="0" smtClean="0"/>
-              <a:t>bei 0:54</a:t>
-            </a:r>
-          </a:p>
-          <a:p>
+              <a:t>6. Bachelor </a:t>
+            </a:r>
+            <a:r>
+              <a:rPr lang="de-DE" baseline="0" dirty="0" err="1" smtClean="0"/>
+              <a:t>degree</a:t>
+            </a:r>
+            <a:r>
+              <a:rPr lang="de-DE" baseline="0" dirty="0" smtClean="0"/>
+              <a:t> </a:t>
+            </a:r>
+            <a:r>
+              <a:rPr lang="de-DE" baseline="0" dirty="0" err="1" smtClean="0"/>
+              <a:t>with</a:t>
+            </a:r>
+            <a:r>
+              <a:rPr lang="de-DE" baseline="0" dirty="0" smtClean="0"/>
+              <a:t> all </a:t>
+            </a:r>
+            <a:r>
+              <a:rPr lang="de-DE" baseline="0" dirty="0" err="1" smtClean="0"/>
+              <a:t>the</a:t>
+            </a:r>
+            <a:r>
+              <a:rPr lang="de-DE" baseline="0" dirty="0" smtClean="0"/>
+              <a:t> grades</a:t>
+            </a:r>
             <a:endParaRPr lang="de-DE" baseline="0" dirty="0" smtClean="0"/>
           </a:p>
           <a:p>
             <a:r>
               <a:rPr lang="de-DE" baseline="0" dirty="0" smtClean="0"/>
-              <a:t>7</a:t>
+              <a:t>STOP bei 0:54</a:t>
+            </a:r>
+          </a:p>
+          <a:p>
+            <a:endParaRPr lang="de-DE" baseline="0" dirty="0" smtClean="0"/>
+          </a:p>
+          <a:p>
+            <a:r>
+              <a:rPr lang="de-DE" baseline="0" dirty="0" smtClean="0"/>
+              <a:t>7. </a:t>
+            </a:r>
+            <a:r>
+              <a:rPr lang="de-DE" baseline="0" dirty="0" err="1" smtClean="0"/>
+              <a:t>Explain</a:t>
+            </a:r>
+            <a:r>
+              <a:rPr lang="de-DE" baseline="0" dirty="0" smtClean="0"/>
+              <a:t> </a:t>
+            </a:r>
+            <a:r>
+              <a:rPr lang="de-DE" baseline="0" dirty="0" err="1" smtClean="0"/>
+              <a:t>colors</a:t>
+            </a:r>
+            <a:r>
+              <a:rPr lang="de-DE" baseline="0" dirty="0" smtClean="0"/>
+              <a:t>: </a:t>
+            </a:r>
+            <a:r>
+              <a:rPr lang="de-DE" baseline="0" dirty="0" err="1" smtClean="0"/>
+              <a:t>green</a:t>
+            </a:r>
+            <a:r>
+              <a:rPr lang="de-DE" baseline="0" dirty="0" smtClean="0"/>
+              <a:t> </a:t>
+            </a:r>
+            <a:r>
+              <a:rPr lang="de-DE" baseline="0" dirty="0" err="1" smtClean="0"/>
+              <a:t>are</a:t>
+            </a:r>
+            <a:r>
+              <a:rPr lang="de-DE" baseline="0" dirty="0" smtClean="0"/>
+              <a:t> </a:t>
+            </a:r>
+            <a:r>
+              <a:rPr lang="de-DE" baseline="0" dirty="0" err="1" smtClean="0"/>
+              <a:t>certificates</a:t>
+            </a:r>
+            <a:r>
+              <a:rPr lang="de-DE" baseline="0" dirty="0" smtClean="0"/>
+              <a:t> (Scheine), </a:t>
+            </a:r>
+            <a:r>
+              <a:rPr lang="de-DE" baseline="0" dirty="0" err="1" smtClean="0"/>
+              <a:t>blue</a:t>
+            </a:r>
+            <a:r>
+              <a:rPr lang="de-DE" baseline="0" dirty="0" smtClean="0"/>
+              <a:t> </a:t>
+            </a:r>
+            <a:r>
+              <a:rPr lang="de-DE" baseline="0" dirty="0" err="1" smtClean="0"/>
+              <a:t>are</a:t>
+            </a:r>
+            <a:r>
+              <a:rPr lang="de-DE" baseline="0" dirty="0" smtClean="0"/>
+              <a:t> </a:t>
+            </a:r>
+            <a:r>
+              <a:rPr lang="de-DE" baseline="0" dirty="0" err="1" smtClean="0"/>
+              <a:t>modules</a:t>
+            </a:r>
+            <a:r>
+              <a:rPr lang="de-DE" baseline="0" dirty="0" smtClean="0"/>
+              <a:t> </a:t>
+            </a:r>
+            <a:r>
+              <a:rPr lang="de-DE" baseline="0" dirty="0" err="1" smtClean="0"/>
+              <a:t>and</a:t>
+            </a:r>
+            <a:r>
+              <a:rPr lang="de-DE" baseline="0" dirty="0" smtClean="0"/>
+              <a:t> normal grades </a:t>
+            </a:r>
+            <a:r>
+              <a:rPr lang="de-DE" baseline="0" dirty="0" err="1" smtClean="0"/>
+              <a:t>are</a:t>
+            </a:r>
+            <a:r>
+              <a:rPr lang="de-DE" baseline="0" dirty="0" smtClean="0"/>
+              <a:t> </a:t>
+            </a:r>
+            <a:r>
+              <a:rPr lang="de-DE" baseline="0" dirty="0" err="1" smtClean="0"/>
+              <a:t>white</a:t>
+            </a:r>
+            <a:endParaRPr lang="de-DE" baseline="0" dirty="0" smtClean="0"/>
+          </a:p>
+          <a:p>
+            <a:r>
+              <a:rPr lang="de-DE" baseline="0" dirty="0" smtClean="0"/>
+              <a:t>8</a:t>
             </a:r>
             <a:r>
               <a:rPr lang="de-DE" baseline="0" dirty="0" smtClean="0"/>
               <a:t>. </a:t>
             </a:r>
             <a:r>
-              <a:rPr lang="de-DE" baseline="0" dirty="0" err="1" smtClean="0"/>
-              <a:t>farben</a:t>
-            </a:r>
-            <a:r>
-              <a:rPr lang="de-DE" baseline="0" dirty="0" smtClean="0"/>
-              <a:t> erklären und was angezeigt wird</a:t>
-            </a:r>
-          </a:p>
-          <a:p>
-            <a:r>
-              <a:rPr lang="de-DE" baseline="0" dirty="0" smtClean="0"/>
-              <a:t>8. Filter zeigen</a:t>
-            </a:r>
-          </a:p>
-          <a:p>
-            <a:r>
-              <a:rPr lang="de-DE" baseline="0" dirty="0" smtClean="0"/>
-              <a:t>9. Suche nach Mathe</a:t>
-            </a:r>
+              <a:rPr lang="de-DE" baseline="0" dirty="0" smtClean="0"/>
+              <a:t>Filter </a:t>
+            </a:r>
+            <a:r>
+              <a:rPr lang="de-DE" baseline="0" dirty="0" err="1" smtClean="0"/>
+              <a:t>the</a:t>
+            </a:r>
+            <a:r>
+              <a:rPr lang="de-DE" baseline="0" dirty="0" smtClean="0"/>
+              <a:t> grades </a:t>
+            </a:r>
+            <a:r>
+              <a:rPr lang="de-DE" baseline="0" dirty="0" err="1" smtClean="0"/>
+              <a:t>by</a:t>
+            </a:r>
+            <a:r>
+              <a:rPr lang="de-DE" baseline="0" dirty="0" smtClean="0"/>
+              <a:t> type</a:t>
+            </a:r>
+            <a:endParaRPr lang="de-DE" baseline="0" dirty="0" smtClean="0"/>
+          </a:p>
+          <a:p>
+            <a:r>
+              <a:rPr lang="de-DE" baseline="0" dirty="0" smtClean="0"/>
+              <a:t>9. </a:t>
+            </a:r>
+            <a:r>
+              <a:rPr lang="de-DE" baseline="0" dirty="0" err="1" smtClean="0"/>
+              <a:t>Search</a:t>
+            </a:r>
+            <a:r>
+              <a:rPr lang="de-DE" baseline="0" dirty="0" smtClean="0"/>
+              <a:t> grades </a:t>
+            </a:r>
+            <a:r>
+              <a:rPr lang="de-DE" baseline="0" dirty="0" err="1" smtClean="0"/>
+              <a:t>by</a:t>
+            </a:r>
+            <a:r>
+              <a:rPr lang="de-DE" baseline="0" dirty="0" smtClean="0"/>
+              <a:t> </a:t>
+            </a:r>
+            <a:r>
+              <a:rPr lang="de-DE" baseline="0" dirty="0" err="1" smtClean="0"/>
+              <a:t>name</a:t>
+            </a:r>
+            <a:endParaRPr lang="de-DE" baseline="0" dirty="0" smtClean="0"/>
           </a:p>
           <a:p>
             <a:r>
@@ -949,11 +2375,7 @@
           <a:p>
             <a:r>
               <a:rPr lang="de-DE" baseline="0" dirty="0" smtClean="0"/>
-              <a:t>10</a:t>
-            </a:r>
-            <a:r>
-              <a:rPr lang="de-DE" baseline="0" dirty="0" smtClean="0"/>
-              <a:t>. Clear </a:t>
+              <a:t>10. Clear </a:t>
             </a:r>
             <a:r>
               <a:rPr lang="de-DE" baseline="0" dirty="0" err="1" smtClean="0"/>
@@ -969,14 +2391,164 @@
             </a:r>
             <a:r>
               <a:rPr lang="de-DE" baseline="0" dirty="0" smtClean="0"/>
-              <a:t> 	Was genau wurde wo hinterlegt und wird gelöscht</a:t>
-            </a:r>
+              <a:t>: The </a:t>
+            </a:r>
+            <a:r>
+              <a:rPr lang="de-DE" baseline="0" dirty="0" err="1" smtClean="0"/>
+              <a:t>search</a:t>
+            </a:r>
+            <a:r>
+              <a:rPr lang="de-DE" baseline="0" dirty="0" smtClean="0"/>
+              <a:t> box </a:t>
+            </a:r>
+            <a:r>
+              <a:rPr lang="de-DE" baseline="0" dirty="0" err="1" smtClean="0"/>
+              <a:t>saves</a:t>
+            </a:r>
+            <a:r>
+              <a:rPr lang="de-DE" baseline="0" dirty="0" smtClean="0"/>
+              <a:t> </a:t>
+            </a:r>
+            <a:r>
+              <a:rPr lang="de-DE" baseline="0" dirty="0" err="1" smtClean="0"/>
+              <a:t>the</a:t>
+            </a:r>
+            <a:r>
+              <a:rPr lang="de-DE" baseline="0" dirty="0" smtClean="0"/>
+              <a:t> last </a:t>
+            </a:r>
+            <a:r>
+              <a:rPr lang="de-DE" baseline="0" dirty="0" err="1" smtClean="0"/>
+              <a:t>search</a:t>
+            </a:r>
+            <a:r>
+              <a:rPr lang="de-DE" baseline="0" dirty="0" smtClean="0"/>
+              <a:t> </a:t>
+            </a:r>
+            <a:r>
+              <a:rPr lang="de-DE" baseline="0" dirty="0" err="1" smtClean="0"/>
+              <a:t>queries</a:t>
+            </a:r>
+            <a:r>
+              <a:rPr lang="de-DE" baseline="0" dirty="0" smtClean="0"/>
+              <a:t> </a:t>
+            </a:r>
+            <a:r>
+              <a:rPr lang="de-DE" baseline="0" dirty="0" err="1" smtClean="0"/>
+              <a:t>and</a:t>
+            </a:r>
+            <a:r>
+              <a:rPr lang="de-DE" baseline="0" dirty="0" smtClean="0"/>
+              <a:t> </a:t>
+            </a:r>
+            <a:r>
+              <a:rPr lang="de-DE" baseline="0" dirty="0" err="1" smtClean="0"/>
+              <a:t>clear</a:t>
+            </a:r>
+            <a:r>
+              <a:rPr lang="de-DE" baseline="0" dirty="0" smtClean="0"/>
+              <a:t> </a:t>
+            </a:r>
+            <a:r>
+              <a:rPr lang="de-DE" baseline="0" dirty="0" err="1" smtClean="0"/>
+              <a:t>removes</a:t>
+            </a:r>
+            <a:r>
+              <a:rPr lang="de-DE" baseline="0" dirty="0" smtClean="0"/>
+              <a:t> all </a:t>
+            </a:r>
+            <a:r>
+              <a:rPr lang="de-DE" baseline="0" dirty="0" err="1" smtClean="0"/>
+              <a:t>the</a:t>
+            </a:r>
+            <a:r>
+              <a:rPr lang="de-DE" baseline="0" dirty="0" smtClean="0"/>
+              <a:t> </a:t>
+            </a:r>
+            <a:r>
+              <a:rPr lang="de-DE" baseline="0" dirty="0" err="1" smtClean="0"/>
+              <a:t>old</a:t>
+            </a:r>
+            <a:r>
+              <a:rPr lang="de-DE" baseline="0" dirty="0" smtClean="0"/>
+              <a:t> </a:t>
+            </a:r>
+            <a:r>
+              <a:rPr lang="de-DE" baseline="0" dirty="0" err="1" smtClean="0"/>
+              <a:t>search</a:t>
+            </a:r>
+            <a:r>
+              <a:rPr lang="de-DE" baseline="0" dirty="0" smtClean="0"/>
+              <a:t> </a:t>
+            </a:r>
+            <a:r>
+              <a:rPr lang="de-DE" baseline="0" dirty="0" err="1" smtClean="0"/>
+              <a:t>entries</a:t>
+            </a:r>
+            <a:r>
+              <a:rPr lang="de-DE" baseline="0" dirty="0" smtClean="0"/>
+              <a:t>.</a:t>
+            </a:r>
+            <a:endParaRPr lang="de-DE" baseline="0" dirty="0" smtClean="0"/>
           </a:p>
           <a:p>
             <a:r>
               <a:rPr lang="de-DE" dirty="0" smtClean="0"/>
-              <a:t>11. Details zeigen</a:t>
-            </a:r>
+              <a:t>11. </a:t>
+            </a:r>
+            <a:r>
+              <a:rPr lang="de-DE" dirty="0" smtClean="0"/>
+              <a:t>Grade </a:t>
+            </a:r>
+            <a:r>
+              <a:rPr lang="de-DE" dirty="0" err="1" smtClean="0"/>
+              <a:t>details</a:t>
+            </a:r>
+            <a:r>
+              <a:rPr lang="de-DE" baseline="0" dirty="0" smtClean="0"/>
+              <a:t> (</a:t>
+            </a:r>
+            <a:r>
+              <a:rPr lang="de-DE" baseline="0" dirty="0" err="1" smtClean="0"/>
+              <a:t>everything</a:t>
+            </a:r>
+            <a:r>
+              <a:rPr lang="de-DE" baseline="0" dirty="0" smtClean="0"/>
+              <a:t> </a:t>
+            </a:r>
+            <a:r>
+              <a:rPr lang="de-DE" baseline="0" dirty="0" err="1" smtClean="0"/>
+              <a:t>available</a:t>
+            </a:r>
+            <a:r>
+              <a:rPr lang="de-DE" baseline="0" dirty="0" smtClean="0"/>
+              <a:t> </a:t>
+            </a:r>
+            <a:r>
+              <a:rPr lang="de-DE" baseline="0" dirty="0" err="1" smtClean="0"/>
+              <a:t>from</a:t>
+            </a:r>
+            <a:r>
+              <a:rPr lang="de-DE" baseline="0" dirty="0" smtClean="0"/>
+              <a:t> </a:t>
+            </a:r>
+            <a:r>
+              <a:rPr lang="de-DE" baseline="0" dirty="0" err="1" smtClean="0"/>
+              <a:t>the</a:t>
+            </a:r>
+            <a:r>
+              <a:rPr lang="de-DE" baseline="0" dirty="0" smtClean="0"/>
+              <a:t> </a:t>
+            </a:r>
+            <a:r>
+              <a:rPr lang="de-DE" baseline="0" dirty="0" err="1" smtClean="0"/>
+              <a:t>student</a:t>
+            </a:r>
+            <a:r>
+              <a:rPr lang="de-DE" baseline="0" dirty="0" smtClean="0"/>
+              <a:t> terminal)</a:t>
+            </a:r>
+            <a:endParaRPr lang="de-DE" dirty="0" smtClean="0"/>
           </a:p>
           <a:p>
             <a:r>
@@ -990,33 +2562,162 @@
           <a:p>
             <a:r>
               <a:rPr lang="de-DE" dirty="0" smtClean="0"/>
-              <a:t>12</a:t>
+              <a:t>12. </a:t>
+            </a:r>
+            <a:r>
+              <a:rPr lang="de-DE" dirty="0" err="1" smtClean="0"/>
+              <a:t>Explain</a:t>
             </a:r>
             <a:r>
               <a:rPr lang="de-DE" dirty="0" smtClean="0"/>
-              <a:t>. und </a:t>
+              <a:t> </a:t>
+            </a:r>
+            <a:r>
+              <a:rPr lang="de-DE" dirty="0" err="1" smtClean="0"/>
+              <a:t>the</a:t>
+            </a:r>
+            <a:r>
+              <a:rPr lang="de-DE" dirty="0" smtClean="0"/>
+              <a:t> </a:t>
             </a:r>
             <a:r>
               <a:rPr lang="de-DE" dirty="0" err="1" smtClean="0"/>
               <a:t>share</a:t>
             </a:r>
             <a:r>
-              <a:rPr lang="de-DE" baseline="0" dirty="0" smtClean="0"/>
-              <a:t> erklären</a:t>
-            </a:r>
-          </a:p>
-          <a:p>
-            <a:r>
-              <a:rPr lang="de-DE" baseline="0" dirty="0" smtClean="0"/>
-              <a:t>13. Zurück auf </a:t>
-            </a:r>
-            <a:r>
-              <a:rPr lang="de-DE" baseline="0" dirty="0" err="1" smtClean="0"/>
-              <a:t>home</a:t>
-            </a:r>
-            <a:r>
-              <a:rPr lang="de-DE" baseline="0" dirty="0" smtClean="0"/>
-              <a:t>… </a:t>
+              <a:rPr lang="de-DE" dirty="0" smtClean="0"/>
+              <a:t> </a:t>
+            </a:r>
+            <a:r>
+              <a:rPr lang="de-DE" dirty="0" err="1" smtClean="0"/>
+              <a:t>button</a:t>
+            </a:r>
+            <a:r>
+              <a:rPr lang="de-DE" dirty="0" smtClean="0"/>
+              <a:t>. </a:t>
+            </a:r>
+            <a:r>
+              <a:rPr lang="de-DE" dirty="0" err="1" smtClean="0"/>
+              <a:t>Normally</a:t>
+            </a:r>
+            <a:r>
+              <a:rPr lang="de-DE" baseline="0" dirty="0" smtClean="0"/>
+              <a:t> </a:t>
+            </a:r>
+            <a:r>
+              <a:rPr lang="de-DE" baseline="0" dirty="0" err="1" smtClean="0"/>
+              <a:t>this</a:t>
+            </a:r>
+            <a:r>
+              <a:rPr lang="de-DE" baseline="0" dirty="0" smtClean="0"/>
+              <a:t> </a:t>
+            </a:r>
+            <a:r>
+              <a:rPr lang="de-DE" baseline="0" dirty="0" err="1" smtClean="0"/>
+              <a:t>would</a:t>
+            </a:r>
+            <a:r>
+              <a:rPr lang="de-DE" baseline="0" dirty="0" smtClean="0"/>
+              <a:t> open a </a:t>
+            </a:r>
+            <a:r>
+              <a:rPr lang="de-DE" baseline="0" dirty="0" err="1" smtClean="0"/>
+              <a:t>dialog</a:t>
+            </a:r>
+            <a:r>
+              <a:rPr lang="de-DE" baseline="0" dirty="0" smtClean="0"/>
+              <a:t> </a:t>
+            </a:r>
+            <a:r>
+              <a:rPr lang="de-DE" baseline="0" dirty="0" err="1" smtClean="0"/>
+              <a:t>where</a:t>
+            </a:r>
+            <a:r>
+              <a:rPr lang="de-DE" baseline="0" dirty="0" smtClean="0"/>
+              <a:t> </a:t>
+            </a:r>
+            <a:r>
+              <a:rPr lang="de-DE" baseline="0" dirty="0" err="1" smtClean="0"/>
+              <a:t>you</a:t>
+            </a:r>
+            <a:r>
+              <a:rPr lang="de-DE" baseline="0" dirty="0" smtClean="0"/>
+              <a:t> </a:t>
+            </a:r>
+            <a:r>
+              <a:rPr lang="de-DE" baseline="0" dirty="0" err="1" smtClean="0"/>
+              <a:t>can</a:t>
+            </a:r>
+            <a:r>
+              <a:rPr lang="de-DE" baseline="0" dirty="0" smtClean="0"/>
+              <a:t> </a:t>
+            </a:r>
+            <a:r>
+              <a:rPr lang="de-DE" baseline="0" dirty="0" err="1" smtClean="0"/>
+              <a:t>choose</a:t>
+            </a:r>
+            <a:r>
+              <a:rPr lang="de-DE" baseline="0" dirty="0" smtClean="0"/>
+              <a:t> </a:t>
+            </a:r>
+            <a:r>
+              <a:rPr lang="de-DE" baseline="0" dirty="0" err="1" smtClean="0"/>
+              <a:t>between</a:t>
+            </a:r>
+            <a:r>
+              <a:rPr lang="de-DE" baseline="0" dirty="0" smtClean="0"/>
+              <a:t> different </a:t>
+            </a:r>
+            <a:r>
+              <a:rPr lang="de-DE" baseline="0" dirty="0" err="1" smtClean="0"/>
+              <a:t>apps</a:t>
+            </a:r>
+            <a:r>
+              <a:rPr lang="de-DE" baseline="0" dirty="0" smtClean="0"/>
+              <a:t>.</a:t>
+            </a:r>
+            <a:endParaRPr lang="de-DE" baseline="0" dirty="0" smtClean="0"/>
+          </a:p>
+          <a:p>
+            <a:r>
+              <a:rPr lang="de-DE" baseline="0" dirty="0" smtClean="0"/>
+              <a:t>13. </a:t>
+            </a:r>
+            <a:r>
+              <a:rPr lang="de-DE" baseline="0" dirty="0" smtClean="0"/>
+              <a:t>Back </a:t>
+            </a:r>
+            <a:r>
+              <a:rPr lang="de-DE" baseline="0" dirty="0" err="1" smtClean="0"/>
+              <a:t>to</a:t>
+            </a:r>
+            <a:r>
+              <a:rPr lang="de-DE" baseline="0" dirty="0" smtClean="0"/>
+              <a:t> </a:t>
+            </a:r>
+            <a:r>
+              <a:rPr lang="de-DE" baseline="0" dirty="0" err="1" smtClean="0"/>
+              <a:t>the</a:t>
+            </a:r>
+            <a:r>
+              <a:rPr lang="de-DE" baseline="0" dirty="0" smtClean="0"/>
+              <a:t> </a:t>
+            </a:r>
+            <a:r>
+              <a:rPr lang="de-DE" baseline="0" dirty="0" err="1" smtClean="0"/>
+              <a:t>mainscreen</a:t>
+            </a:r>
+            <a:r>
+              <a:rPr lang="de-DE" baseline="0" dirty="0" smtClean="0"/>
+              <a:t> </a:t>
+            </a:r>
+            <a:r>
+              <a:rPr lang="de-DE" baseline="0" dirty="0" err="1" smtClean="0"/>
+              <a:t>and</a:t>
+            </a:r>
+            <a:r>
+              <a:rPr lang="de-DE" baseline="0" dirty="0" smtClean="0"/>
+              <a:t> </a:t>
             </a:r>
             <a:r>
               <a:rPr lang="de-DE" baseline="0" dirty="0" err="1" smtClean="0"/>
@@ -1024,11 +2725,11 @@
             </a:r>
             <a:r>
               <a:rPr lang="de-DE" baseline="0" dirty="0" smtClean="0"/>
-              <a:t> mit „anderen“ </a:t>
-            </a:r>
-            <a:r>
-              <a:rPr lang="de-DE" baseline="0" dirty="0" err="1" smtClean="0"/>
-              <a:t>daten</a:t>
+              <a:t> </a:t>
+            </a:r>
+            <a:r>
+              <a:rPr lang="de-DE" baseline="0" dirty="0" err="1" smtClean="0"/>
+              <a:t>again</a:t>
             </a:r>
             <a:endParaRPr lang="de-DE" dirty="0"/>
           </a:p>
@@ -1134,6 +2835,149 @@
               <a:t>Manuel</a:t>
             </a:r>
           </a:p>
+          <a:p>
+            <a:pPr marL="0" marR="0" indent="0" algn="l" defTabSz="914400" rtl="0" eaLnBrk="1" fontAlgn="auto" latinLnBrk="0" hangingPunct="1">
+              <a:lnSpc>
+                <a:spcPct val="100000"/>
+              </a:lnSpc>
+              <a:spcBef>
+                <a:spcPts val="0"/>
+              </a:spcBef>
+              <a:spcAft>
+                <a:spcPts val="0"/>
+              </a:spcAft>
+              <a:buClrTx/>
+              <a:buSzTx/>
+              <a:buFontTx/>
+              <a:buNone/>
+              <a:tabLst/>
+              <a:defRPr/>
+            </a:pPr>
+            <a:endParaRPr lang="de-DE" dirty="0" smtClean="0"/>
+          </a:p>
+          <a:p>
+            <a:pPr marL="0" marR="0" indent="0" algn="l" defTabSz="914400" rtl="0" eaLnBrk="1" fontAlgn="auto" latinLnBrk="0" hangingPunct="1">
+              <a:lnSpc>
+                <a:spcPct val="100000"/>
+              </a:lnSpc>
+              <a:spcBef>
+                <a:spcPts val="0"/>
+              </a:spcBef>
+              <a:spcAft>
+                <a:spcPts val="0"/>
+              </a:spcAft>
+              <a:buClrTx/>
+              <a:buSzTx/>
+              <a:buFontTx/>
+              <a:buNone/>
+              <a:tabLst/>
+              <a:defRPr/>
+            </a:pPr>
+            <a:r>
+              <a:rPr lang="de-DE" dirty="0" err="1" smtClean="0"/>
+              <a:t>There</a:t>
+            </a:r>
+            <a:r>
+              <a:rPr lang="de-DE" dirty="0" smtClean="0"/>
+              <a:t> </a:t>
+            </a:r>
+            <a:r>
+              <a:rPr lang="de-DE" dirty="0" err="1" smtClean="0"/>
+              <a:t>are</a:t>
+            </a:r>
+            <a:r>
+              <a:rPr lang="de-DE" dirty="0" smtClean="0"/>
+              <a:t> </a:t>
+            </a:r>
+            <a:r>
+              <a:rPr lang="de-DE" dirty="0" err="1" smtClean="0"/>
+              <a:t>some</a:t>
+            </a:r>
+            <a:r>
+              <a:rPr lang="de-DE" dirty="0" smtClean="0"/>
+              <a:t> additional </a:t>
+            </a:r>
+            <a:r>
+              <a:rPr lang="de-DE" dirty="0" err="1" smtClean="0"/>
+              <a:t>features</a:t>
+            </a:r>
+            <a:r>
+              <a:rPr lang="de-DE" dirty="0" smtClean="0"/>
+              <a:t> on </a:t>
+            </a:r>
+            <a:r>
+              <a:rPr lang="de-DE" dirty="0" err="1" smtClean="0"/>
+              <a:t>this</a:t>
+            </a:r>
+            <a:r>
+              <a:rPr lang="de-DE" dirty="0" smtClean="0"/>
+              <a:t> </a:t>
+            </a:r>
+            <a:r>
+              <a:rPr lang="de-DE" dirty="0" err="1" smtClean="0"/>
+              <a:t>list</a:t>
+            </a:r>
+            <a:r>
+              <a:rPr lang="de-DE" dirty="0" smtClean="0"/>
+              <a:t> </a:t>
+            </a:r>
+            <a:r>
+              <a:rPr lang="de-DE" dirty="0" err="1" smtClean="0"/>
+              <a:t>which</a:t>
+            </a:r>
+            <a:r>
+              <a:rPr lang="de-DE" dirty="0" smtClean="0"/>
+              <a:t> </a:t>
+            </a:r>
+            <a:r>
+              <a:rPr lang="de-DE" dirty="0" err="1" smtClean="0"/>
+              <a:t>would</a:t>
+            </a:r>
+            <a:r>
+              <a:rPr lang="de-DE" dirty="0" smtClean="0"/>
+              <a:t> </a:t>
+            </a:r>
+            <a:r>
+              <a:rPr lang="de-DE" dirty="0" err="1" smtClean="0"/>
+              <a:t>be</a:t>
+            </a:r>
+            <a:r>
+              <a:rPr lang="de-DE" dirty="0" smtClean="0"/>
+              <a:t> cool </a:t>
+            </a:r>
+            <a:r>
+              <a:rPr lang="de-DE" dirty="0" err="1" smtClean="0"/>
+              <a:t>to</a:t>
+            </a:r>
+            <a:r>
+              <a:rPr lang="de-DE" dirty="0" smtClean="0"/>
+              <a:t> </a:t>
+            </a:r>
+            <a:r>
+              <a:rPr lang="de-DE" dirty="0" err="1" smtClean="0"/>
+              <a:t>have</a:t>
+            </a:r>
+            <a:r>
+              <a:rPr lang="de-DE" dirty="0" smtClean="0"/>
+              <a:t> in </a:t>
+            </a:r>
+            <a:r>
+              <a:rPr lang="de-DE" dirty="0" err="1" smtClean="0"/>
+              <a:t>our</a:t>
+            </a:r>
+            <a:r>
+              <a:rPr lang="de-DE" baseline="0" dirty="0" smtClean="0"/>
+              <a:t> </a:t>
+            </a:r>
+            <a:r>
+              <a:rPr lang="de-DE" baseline="0" dirty="0" err="1" smtClean="0"/>
+              <a:t>app</a:t>
+            </a:r>
+            <a:r>
+              <a:rPr lang="de-DE" baseline="0" dirty="0" smtClean="0"/>
+              <a:t>.</a:t>
+            </a:r>
+          </a:p>
         </p:txBody>
       </p:sp>
       <p:sp>
@@ -1236,6 +3080,1119 @@
               <a:t>Manuel</a:t>
             </a:r>
           </a:p>
+          <a:p>
+            <a:pPr marL="0" marR="0" indent="0" algn="l" defTabSz="914400" rtl="0" eaLnBrk="1" fontAlgn="auto" latinLnBrk="0" hangingPunct="1">
+              <a:lnSpc>
+                <a:spcPct val="100000"/>
+              </a:lnSpc>
+              <a:spcBef>
+                <a:spcPts val="0"/>
+              </a:spcBef>
+              <a:spcAft>
+                <a:spcPts val="0"/>
+              </a:spcAft>
+              <a:buClrTx/>
+              <a:buSzTx/>
+              <a:buFontTx/>
+              <a:buNone/>
+              <a:tabLst/>
+              <a:defRPr/>
+            </a:pPr>
+            <a:endParaRPr lang="de-DE" dirty="0" smtClean="0"/>
+          </a:p>
+          <a:p>
+            <a:pPr marL="0" marR="0" indent="0" algn="l" defTabSz="914400" rtl="0" eaLnBrk="1" fontAlgn="auto" latinLnBrk="0" hangingPunct="1">
+              <a:lnSpc>
+                <a:spcPct val="100000"/>
+              </a:lnSpc>
+              <a:spcBef>
+                <a:spcPts val="0"/>
+              </a:spcBef>
+              <a:spcAft>
+                <a:spcPts val="0"/>
+              </a:spcAft>
+              <a:buClrTx/>
+              <a:buSzTx/>
+              <a:buFontTx/>
+              <a:buNone/>
+              <a:tabLst/>
+              <a:defRPr/>
+            </a:pPr>
+            <a:r>
+              <a:rPr lang="de-DE" dirty="0" smtClean="0"/>
+              <a:t>I </a:t>
+            </a:r>
+            <a:r>
+              <a:rPr lang="de-DE" dirty="0" err="1" smtClean="0"/>
+              <a:t>would</a:t>
+            </a:r>
+            <a:r>
+              <a:rPr lang="de-DE" dirty="0" smtClean="0"/>
+              <a:t> </a:t>
+            </a:r>
+            <a:r>
+              <a:rPr lang="de-DE" dirty="0" err="1" smtClean="0"/>
+              <a:t>like</a:t>
+            </a:r>
+            <a:r>
+              <a:rPr lang="de-DE" dirty="0" smtClean="0"/>
+              <a:t> </a:t>
+            </a:r>
+            <a:r>
+              <a:rPr lang="de-DE" dirty="0" err="1" smtClean="0"/>
+              <a:t>to</a:t>
+            </a:r>
+            <a:r>
+              <a:rPr lang="de-DE" dirty="0" smtClean="0"/>
+              <a:t> end </a:t>
+            </a:r>
+            <a:r>
+              <a:rPr lang="de-DE" dirty="0" err="1" smtClean="0"/>
+              <a:t>our</a:t>
+            </a:r>
+            <a:r>
+              <a:rPr lang="de-DE" dirty="0" smtClean="0"/>
+              <a:t> </a:t>
+            </a:r>
+            <a:r>
+              <a:rPr lang="de-DE" dirty="0" err="1" smtClean="0"/>
+              <a:t>presentation</a:t>
+            </a:r>
+            <a:r>
+              <a:rPr lang="de-DE" dirty="0" smtClean="0"/>
+              <a:t> </a:t>
+            </a:r>
+            <a:r>
+              <a:rPr lang="de-DE" dirty="0" err="1" smtClean="0"/>
+              <a:t>with</a:t>
+            </a:r>
+            <a:r>
+              <a:rPr lang="de-DE" dirty="0" smtClean="0"/>
+              <a:t> a </a:t>
+            </a:r>
+            <a:r>
+              <a:rPr lang="de-DE" dirty="0" err="1" smtClean="0"/>
+              <a:t>short</a:t>
+            </a:r>
+            <a:r>
+              <a:rPr lang="de-DE" dirty="0" smtClean="0"/>
+              <a:t> </a:t>
+            </a:r>
+            <a:r>
+              <a:rPr lang="de-DE" dirty="0" err="1" smtClean="0"/>
+              <a:t>summary</a:t>
+            </a:r>
+            <a:r>
+              <a:rPr lang="de-DE" dirty="0" smtClean="0"/>
+              <a:t>.</a:t>
+            </a:r>
+          </a:p>
+          <a:p>
+            <a:pPr marL="0" marR="0" indent="0" algn="l" defTabSz="914400" rtl="0" eaLnBrk="1" fontAlgn="auto" latinLnBrk="0" hangingPunct="1">
+              <a:lnSpc>
+                <a:spcPct val="100000"/>
+              </a:lnSpc>
+              <a:spcBef>
+                <a:spcPts val="0"/>
+              </a:spcBef>
+              <a:spcAft>
+                <a:spcPts val="0"/>
+              </a:spcAft>
+              <a:buClrTx/>
+              <a:buSzTx/>
+              <a:buFontTx/>
+              <a:buNone/>
+              <a:tabLst/>
+              <a:defRPr/>
+            </a:pPr>
+            <a:endParaRPr lang="de-DE" dirty="0" smtClean="0"/>
+          </a:p>
+          <a:p>
+            <a:pPr marL="0" marR="0" indent="0" algn="l" defTabSz="914400" rtl="0" eaLnBrk="1" fontAlgn="auto" latinLnBrk="0" hangingPunct="1">
+              <a:lnSpc>
+                <a:spcPct val="100000"/>
+              </a:lnSpc>
+              <a:spcBef>
+                <a:spcPts val="0"/>
+              </a:spcBef>
+              <a:spcAft>
+                <a:spcPts val="0"/>
+              </a:spcAft>
+              <a:buClrTx/>
+              <a:buSzTx/>
+              <a:buFontTx/>
+              <a:buNone/>
+              <a:tabLst/>
+              <a:defRPr/>
+            </a:pPr>
+            <a:r>
+              <a:rPr lang="de-DE" dirty="0" err="1" smtClean="0"/>
+              <a:t>We</a:t>
+            </a:r>
+            <a:r>
+              <a:rPr lang="de-DE" dirty="0" smtClean="0"/>
+              <a:t> </a:t>
+            </a:r>
+            <a:r>
+              <a:rPr lang="de-DE" dirty="0" err="1" smtClean="0"/>
+              <a:t>have</a:t>
+            </a:r>
+            <a:r>
+              <a:rPr lang="de-DE" baseline="0" dirty="0" smtClean="0"/>
+              <a:t> </a:t>
+            </a:r>
+            <a:r>
+              <a:rPr lang="de-DE" baseline="0" dirty="0" err="1" smtClean="0"/>
+              <a:t>implemented</a:t>
+            </a:r>
+            <a:r>
+              <a:rPr lang="de-DE" baseline="0" dirty="0" smtClean="0"/>
+              <a:t> all </a:t>
+            </a:r>
+            <a:r>
+              <a:rPr lang="de-DE" baseline="0" dirty="0" err="1" smtClean="0"/>
+              <a:t>features</a:t>
+            </a:r>
+            <a:r>
+              <a:rPr lang="de-DE" baseline="0" dirty="0" smtClean="0"/>
+              <a:t> </a:t>
+            </a:r>
+            <a:r>
+              <a:rPr lang="de-DE" baseline="0" dirty="0" err="1" smtClean="0"/>
+              <a:t>which</a:t>
+            </a:r>
+            <a:r>
+              <a:rPr lang="de-DE" baseline="0" dirty="0" smtClean="0"/>
+              <a:t> </a:t>
+            </a:r>
+            <a:r>
+              <a:rPr lang="de-DE" baseline="0" dirty="0" err="1" smtClean="0"/>
+              <a:t>were</a:t>
+            </a:r>
+            <a:r>
+              <a:rPr lang="de-DE" baseline="0" dirty="0" smtClean="0"/>
+              <a:t> </a:t>
+            </a:r>
+            <a:r>
+              <a:rPr lang="de-DE" baseline="0" dirty="0" err="1" smtClean="0"/>
+              <a:t>described</a:t>
+            </a:r>
+            <a:r>
+              <a:rPr lang="de-DE" baseline="0" dirty="0" smtClean="0"/>
+              <a:t> in </a:t>
+            </a:r>
+            <a:r>
+              <a:rPr lang="de-DE" baseline="0" dirty="0" err="1" smtClean="0"/>
+              <a:t>our</a:t>
+            </a:r>
+            <a:r>
+              <a:rPr lang="de-DE" baseline="0" dirty="0" smtClean="0"/>
+              <a:t> </a:t>
+            </a:r>
+            <a:r>
+              <a:rPr lang="de-DE" baseline="0" dirty="0" err="1" smtClean="0"/>
+              <a:t>proposal</a:t>
+            </a:r>
+            <a:r>
+              <a:rPr lang="de-DE" baseline="0" dirty="0" smtClean="0"/>
+              <a:t> </a:t>
+            </a:r>
+            <a:r>
+              <a:rPr lang="de-DE" baseline="0" dirty="0" err="1" smtClean="0"/>
+              <a:t>document</a:t>
+            </a:r>
+            <a:r>
+              <a:rPr lang="de-DE" baseline="0" dirty="0" smtClean="0"/>
+              <a:t>: </a:t>
+            </a:r>
+            <a:r>
+              <a:rPr lang="de-DE" baseline="0" dirty="0" err="1" smtClean="0"/>
+              <a:t>Showing</a:t>
+            </a:r>
+            <a:r>
+              <a:rPr lang="de-DE" baseline="0" dirty="0" smtClean="0"/>
+              <a:t> </a:t>
+            </a:r>
+            <a:r>
+              <a:rPr lang="de-DE" baseline="0" dirty="0" err="1" smtClean="0"/>
+              <a:t>degrees</a:t>
+            </a:r>
+            <a:r>
+              <a:rPr lang="de-DE" baseline="0" dirty="0" smtClean="0"/>
+              <a:t> </a:t>
+            </a:r>
+            <a:r>
+              <a:rPr lang="de-DE" baseline="0" dirty="0" err="1" smtClean="0"/>
+              <a:t>and</a:t>
+            </a:r>
+            <a:r>
+              <a:rPr lang="de-DE" baseline="0" dirty="0" smtClean="0"/>
+              <a:t> grades plus </a:t>
+            </a:r>
+            <a:r>
+              <a:rPr lang="de-DE" baseline="0" dirty="0" err="1" smtClean="0"/>
+              <a:t>filtering</a:t>
+            </a:r>
+            <a:r>
+              <a:rPr lang="de-DE" baseline="0" dirty="0" smtClean="0"/>
+              <a:t> </a:t>
+            </a:r>
+            <a:r>
+              <a:rPr lang="de-DE" baseline="0" dirty="0" err="1" smtClean="0"/>
+              <a:t>and</a:t>
+            </a:r>
+            <a:r>
+              <a:rPr lang="de-DE" baseline="0" dirty="0" smtClean="0"/>
+              <a:t> </a:t>
+            </a:r>
+            <a:r>
+              <a:rPr lang="de-DE" baseline="0" dirty="0" err="1" smtClean="0"/>
+              <a:t>searching</a:t>
+            </a:r>
+            <a:r>
+              <a:rPr lang="de-DE" baseline="0" dirty="0" smtClean="0"/>
+              <a:t>.</a:t>
+            </a:r>
+          </a:p>
+          <a:p>
+            <a:pPr marL="0" marR="0" indent="0" algn="l" defTabSz="914400" rtl="0" eaLnBrk="1" fontAlgn="auto" latinLnBrk="0" hangingPunct="1">
+              <a:lnSpc>
+                <a:spcPct val="100000"/>
+              </a:lnSpc>
+              <a:spcBef>
+                <a:spcPts val="0"/>
+              </a:spcBef>
+              <a:spcAft>
+                <a:spcPts val="0"/>
+              </a:spcAft>
+              <a:buClrTx/>
+              <a:buSzTx/>
+              <a:buFontTx/>
+              <a:buNone/>
+              <a:tabLst/>
+              <a:defRPr/>
+            </a:pPr>
+            <a:r>
+              <a:rPr lang="de-DE" baseline="0" dirty="0" err="1" smtClean="0"/>
+              <a:t>Additionally</a:t>
+            </a:r>
+            <a:r>
+              <a:rPr lang="de-DE" baseline="0" dirty="0" smtClean="0"/>
+              <a:t> </a:t>
+            </a:r>
+            <a:r>
+              <a:rPr lang="de-DE" baseline="0" dirty="0" err="1" smtClean="0"/>
+              <a:t>we</a:t>
+            </a:r>
+            <a:r>
+              <a:rPr lang="de-DE" baseline="0" dirty="0" smtClean="0"/>
+              <a:t> </a:t>
+            </a:r>
+            <a:r>
+              <a:rPr lang="de-DE" baseline="0" dirty="0" err="1" smtClean="0"/>
+              <a:t>implemented</a:t>
+            </a:r>
+            <a:r>
+              <a:rPr lang="de-DE" baseline="0" dirty="0" smtClean="0"/>
+              <a:t> a grade </a:t>
+            </a:r>
+            <a:r>
+              <a:rPr lang="de-DE" baseline="0" dirty="0" err="1" smtClean="0"/>
+              <a:t>details</a:t>
+            </a:r>
+            <a:r>
+              <a:rPr lang="de-DE" baseline="0" dirty="0" smtClean="0"/>
+              <a:t> </a:t>
+            </a:r>
+            <a:r>
+              <a:rPr lang="de-DE" baseline="0" dirty="0" err="1" smtClean="0"/>
+              <a:t>acitivity</a:t>
+            </a:r>
+            <a:r>
+              <a:rPr lang="de-DE" baseline="0" dirty="0" smtClean="0"/>
+              <a:t>, a </a:t>
+            </a:r>
+            <a:r>
+              <a:rPr lang="de-DE" baseline="0" dirty="0" err="1" smtClean="0"/>
+              <a:t>way</a:t>
+            </a:r>
+            <a:r>
+              <a:rPr lang="de-DE" baseline="0" dirty="0" smtClean="0"/>
+              <a:t> </a:t>
+            </a:r>
+            <a:r>
+              <a:rPr lang="de-DE" baseline="0" dirty="0" err="1" smtClean="0"/>
+              <a:t>to</a:t>
+            </a:r>
+            <a:r>
+              <a:rPr lang="de-DE" baseline="0" dirty="0" smtClean="0"/>
+              <a:t> </a:t>
+            </a:r>
+            <a:r>
+              <a:rPr lang="de-DE" baseline="0" dirty="0" err="1" smtClean="0"/>
+              <a:t>share</a:t>
+            </a:r>
+            <a:r>
+              <a:rPr lang="de-DE" baseline="0" dirty="0" smtClean="0"/>
+              <a:t> </a:t>
+            </a:r>
+            <a:r>
+              <a:rPr lang="de-DE" baseline="0" dirty="0" err="1" smtClean="0"/>
+              <a:t>your</a:t>
+            </a:r>
+            <a:r>
+              <a:rPr lang="de-DE" baseline="0" dirty="0" smtClean="0"/>
+              <a:t> grades </a:t>
+            </a:r>
+            <a:r>
+              <a:rPr lang="de-DE" baseline="0" dirty="0" err="1" smtClean="0"/>
+              <a:t>and</a:t>
+            </a:r>
+            <a:r>
+              <a:rPr lang="de-DE" baseline="0" dirty="0" smtClean="0"/>
+              <a:t> a </a:t>
+            </a:r>
+            <a:r>
+              <a:rPr lang="de-DE" baseline="0" dirty="0" err="1" smtClean="0"/>
+              <a:t>special</a:t>
+            </a:r>
+            <a:r>
+              <a:rPr lang="de-DE" baseline="0" dirty="0" smtClean="0"/>
+              <a:t> </a:t>
+            </a:r>
+            <a:r>
+              <a:rPr lang="de-DE" baseline="0" dirty="0" err="1" smtClean="0"/>
+              <a:t>second</a:t>
+            </a:r>
+            <a:r>
+              <a:rPr lang="de-DE" baseline="0" dirty="0" smtClean="0"/>
+              <a:t> </a:t>
+            </a:r>
+            <a:r>
+              <a:rPr lang="de-DE" baseline="0" dirty="0" err="1" smtClean="0"/>
+              <a:t>layout</a:t>
+            </a:r>
+            <a:r>
+              <a:rPr lang="de-DE" baseline="0" dirty="0" smtClean="0"/>
+              <a:t> </a:t>
+            </a:r>
+            <a:r>
+              <a:rPr lang="de-DE" baseline="0" dirty="0" err="1" smtClean="0"/>
+              <a:t>for</a:t>
+            </a:r>
+            <a:r>
+              <a:rPr lang="de-DE" baseline="0" dirty="0" smtClean="0"/>
+              <a:t> </a:t>
+            </a:r>
+            <a:r>
+              <a:rPr lang="de-DE" baseline="0" dirty="0" err="1" smtClean="0"/>
+              <a:t>tablets</a:t>
+            </a:r>
+            <a:r>
+              <a:rPr lang="de-DE" baseline="0" dirty="0" smtClean="0"/>
+              <a:t>.</a:t>
+            </a:r>
+          </a:p>
+          <a:p>
+            <a:pPr marL="0" marR="0" indent="0" algn="l" defTabSz="914400" rtl="0" eaLnBrk="1" fontAlgn="auto" latinLnBrk="0" hangingPunct="1">
+              <a:lnSpc>
+                <a:spcPct val="100000"/>
+              </a:lnSpc>
+              <a:spcBef>
+                <a:spcPts val="0"/>
+              </a:spcBef>
+              <a:spcAft>
+                <a:spcPts val="0"/>
+              </a:spcAft>
+              <a:buClrTx/>
+              <a:buSzTx/>
+              <a:buFontTx/>
+              <a:buNone/>
+              <a:tabLst/>
+              <a:defRPr/>
+            </a:pPr>
+            <a:endParaRPr lang="de-DE" baseline="0" dirty="0" smtClean="0"/>
+          </a:p>
+          <a:p>
+            <a:pPr marL="0" marR="0" indent="0" algn="l" defTabSz="914400" rtl="0" eaLnBrk="1" fontAlgn="auto" latinLnBrk="0" hangingPunct="1">
+              <a:lnSpc>
+                <a:spcPct val="100000"/>
+              </a:lnSpc>
+              <a:spcBef>
+                <a:spcPts val="0"/>
+              </a:spcBef>
+              <a:spcAft>
+                <a:spcPts val="0"/>
+              </a:spcAft>
+              <a:buClrTx/>
+              <a:buSzTx/>
+              <a:buFontTx/>
+              <a:buNone/>
+              <a:tabLst/>
+              <a:defRPr/>
+            </a:pPr>
+            <a:r>
+              <a:rPr lang="de-DE" baseline="0" dirty="0" err="1" smtClean="0"/>
+              <a:t>We</a:t>
+            </a:r>
+            <a:r>
+              <a:rPr lang="de-DE" baseline="0" dirty="0" smtClean="0"/>
+              <a:t> </a:t>
+            </a:r>
+            <a:r>
+              <a:rPr lang="de-DE" baseline="0" dirty="0" err="1" smtClean="0"/>
+              <a:t>worked</a:t>
+            </a:r>
+            <a:r>
+              <a:rPr lang="de-DE" baseline="0" dirty="0" smtClean="0"/>
+              <a:t> </a:t>
+            </a:r>
+            <a:r>
+              <a:rPr lang="de-DE" baseline="0" dirty="0" err="1" smtClean="0"/>
+              <a:t>more</a:t>
+            </a:r>
+            <a:r>
+              <a:rPr lang="de-DE" baseline="0" dirty="0" smtClean="0"/>
+              <a:t> on </a:t>
+            </a:r>
+            <a:r>
+              <a:rPr lang="de-DE" baseline="0" dirty="0" err="1" smtClean="0"/>
+              <a:t>the</a:t>
+            </a:r>
+            <a:r>
+              <a:rPr lang="de-DE" baseline="0" dirty="0" smtClean="0"/>
+              <a:t> </a:t>
+            </a:r>
+            <a:r>
+              <a:rPr lang="de-DE" baseline="0" dirty="0" err="1" smtClean="0"/>
+              <a:t>project</a:t>
+            </a:r>
+            <a:r>
+              <a:rPr lang="de-DE" baseline="0" dirty="0" smtClean="0"/>
+              <a:t> </a:t>
+            </a:r>
+            <a:r>
+              <a:rPr lang="de-DE" baseline="0" dirty="0" err="1" smtClean="0"/>
+              <a:t>as</a:t>
+            </a:r>
+            <a:r>
+              <a:rPr lang="de-DE" baseline="0" dirty="0" smtClean="0"/>
+              <a:t> </a:t>
+            </a:r>
+            <a:r>
+              <a:rPr lang="de-DE" baseline="0" dirty="0" err="1" smtClean="0"/>
+              <a:t>intended</a:t>
+            </a:r>
+            <a:r>
+              <a:rPr lang="de-DE" baseline="0" dirty="0" smtClean="0"/>
+              <a:t>, but </a:t>
+            </a:r>
+            <a:r>
+              <a:rPr lang="de-DE" baseline="0" dirty="0" err="1" smtClean="0"/>
+              <a:t>that</a:t>
+            </a:r>
+            <a:r>
+              <a:rPr lang="de-DE" baseline="0" dirty="0" smtClean="0"/>
+              <a:t> was not </a:t>
+            </a:r>
+            <a:r>
+              <a:rPr lang="de-DE" baseline="0" dirty="0" err="1" smtClean="0"/>
+              <a:t>bad</a:t>
+            </a:r>
+            <a:r>
+              <a:rPr lang="de-DE" baseline="0" dirty="0" smtClean="0"/>
+              <a:t> </a:t>
+            </a:r>
+            <a:r>
+              <a:rPr lang="de-DE" baseline="0" dirty="0" err="1" smtClean="0"/>
+              <a:t>because</a:t>
+            </a:r>
+            <a:r>
+              <a:rPr lang="de-DE" baseline="0" dirty="0" smtClean="0"/>
+              <a:t> </a:t>
+            </a:r>
+            <a:r>
+              <a:rPr lang="de-DE" baseline="0" dirty="0" err="1" smtClean="0"/>
+              <a:t>it</a:t>
+            </a:r>
+            <a:r>
+              <a:rPr lang="de-DE" baseline="0" dirty="0" smtClean="0"/>
+              <a:t> was </a:t>
+            </a:r>
+            <a:r>
+              <a:rPr lang="de-DE" baseline="0" dirty="0" err="1" smtClean="0"/>
+              <a:t>fun</a:t>
+            </a:r>
+            <a:r>
+              <a:rPr lang="de-DE" baseline="0" dirty="0" smtClean="0"/>
+              <a:t>.</a:t>
+            </a:r>
+          </a:p>
+          <a:p>
+            <a:pPr marL="0" marR="0" indent="0" algn="l" defTabSz="914400" rtl="0" eaLnBrk="1" fontAlgn="auto" latinLnBrk="0" hangingPunct="1">
+              <a:lnSpc>
+                <a:spcPct val="100000"/>
+              </a:lnSpc>
+              <a:spcBef>
+                <a:spcPts val="0"/>
+              </a:spcBef>
+              <a:spcAft>
+                <a:spcPts val="0"/>
+              </a:spcAft>
+              <a:buClrTx/>
+              <a:buSzTx/>
+              <a:buFontTx/>
+              <a:buNone/>
+              <a:tabLst/>
+              <a:defRPr/>
+            </a:pPr>
+            <a:r>
+              <a:rPr lang="de-DE" baseline="0" dirty="0" err="1" smtClean="0"/>
+              <a:t>We</a:t>
+            </a:r>
+            <a:r>
+              <a:rPr lang="de-DE" baseline="0" dirty="0" smtClean="0"/>
+              <a:t> </a:t>
+            </a:r>
+            <a:r>
+              <a:rPr lang="de-DE" baseline="0" dirty="0" err="1" smtClean="0"/>
+              <a:t>splitted</a:t>
+            </a:r>
+            <a:r>
+              <a:rPr lang="de-DE" baseline="0" dirty="0" smtClean="0"/>
+              <a:t> </a:t>
+            </a:r>
+            <a:r>
+              <a:rPr lang="de-DE" baseline="0" dirty="0" err="1" smtClean="0"/>
+              <a:t>the</a:t>
+            </a:r>
+            <a:r>
+              <a:rPr lang="de-DE" baseline="0" dirty="0" smtClean="0"/>
+              <a:t> </a:t>
+            </a:r>
+            <a:r>
+              <a:rPr lang="de-DE" baseline="0" dirty="0" err="1" smtClean="0"/>
+              <a:t>workload</a:t>
+            </a:r>
+            <a:r>
+              <a:rPr lang="de-DE" baseline="0" dirty="0" smtClean="0"/>
+              <a:t> </a:t>
+            </a:r>
+            <a:r>
+              <a:rPr lang="de-DE" baseline="0" dirty="0" err="1" smtClean="0"/>
+              <a:t>and</a:t>
+            </a:r>
+            <a:r>
+              <a:rPr lang="de-DE" baseline="0" dirty="0" smtClean="0"/>
+              <a:t> </a:t>
+            </a:r>
+            <a:r>
+              <a:rPr lang="de-DE" baseline="0" dirty="0" err="1" smtClean="0"/>
+              <a:t>worked</a:t>
+            </a:r>
+            <a:r>
+              <a:rPr lang="de-DE" baseline="0" dirty="0" smtClean="0"/>
+              <a:t> </a:t>
+            </a:r>
+            <a:r>
+              <a:rPr lang="de-DE" baseline="0" dirty="0" err="1" smtClean="0"/>
+              <a:t>both</a:t>
+            </a:r>
+            <a:r>
+              <a:rPr lang="de-DE" baseline="0" dirty="0" smtClean="0"/>
+              <a:t> on </a:t>
+            </a:r>
+            <a:r>
+              <a:rPr lang="de-DE" baseline="0" dirty="0" err="1" smtClean="0"/>
+              <a:t>the</a:t>
+            </a:r>
+            <a:r>
+              <a:rPr lang="de-DE" baseline="0" dirty="0" smtClean="0"/>
+              <a:t> </a:t>
+            </a:r>
+            <a:r>
+              <a:rPr lang="de-DE" baseline="0" dirty="0" err="1" smtClean="0"/>
+              <a:t>project</a:t>
+            </a:r>
+            <a:r>
+              <a:rPr lang="de-DE" baseline="0" dirty="0" smtClean="0"/>
+              <a:t>, but Andreas </a:t>
+            </a:r>
+            <a:r>
+              <a:rPr lang="de-DE" baseline="0" dirty="0" err="1" smtClean="0"/>
+              <a:t>did</a:t>
+            </a:r>
+            <a:r>
+              <a:rPr lang="de-DE" baseline="0" dirty="0" smtClean="0"/>
+              <a:t> </a:t>
+            </a:r>
+            <a:r>
+              <a:rPr lang="de-DE" baseline="0" dirty="0" err="1" smtClean="0"/>
+              <a:t>more</a:t>
+            </a:r>
+            <a:r>
+              <a:rPr lang="de-DE" baseline="0" dirty="0" smtClean="0"/>
+              <a:t> </a:t>
+            </a:r>
+            <a:r>
+              <a:rPr lang="de-DE" baseline="0" dirty="0" err="1" smtClean="0"/>
+              <a:t>of</a:t>
+            </a:r>
+            <a:r>
+              <a:rPr lang="de-DE" baseline="0" dirty="0" smtClean="0"/>
+              <a:t> </a:t>
+            </a:r>
+            <a:r>
+              <a:rPr lang="de-DE" baseline="0" dirty="0" err="1" smtClean="0"/>
+              <a:t>the</a:t>
+            </a:r>
+            <a:r>
+              <a:rPr lang="de-DE" baseline="0" dirty="0" smtClean="0"/>
+              <a:t> </a:t>
+            </a:r>
+            <a:r>
+              <a:rPr lang="de-DE" baseline="0" dirty="0" err="1" smtClean="0"/>
+              <a:t>App</a:t>
+            </a:r>
+            <a:r>
+              <a:rPr lang="de-DE" baseline="0" dirty="0" smtClean="0"/>
+              <a:t> in </a:t>
+            </a:r>
+            <a:r>
+              <a:rPr lang="de-DE" baseline="0" dirty="0" err="1" smtClean="0"/>
+              <a:t>general</a:t>
+            </a:r>
+            <a:r>
+              <a:rPr lang="de-DE" baseline="0" dirty="0" smtClean="0"/>
+              <a:t> </a:t>
+            </a:r>
+            <a:r>
+              <a:rPr lang="de-DE" baseline="0" dirty="0" err="1" smtClean="0"/>
+              <a:t>and</a:t>
+            </a:r>
+            <a:r>
+              <a:rPr lang="de-DE" baseline="0" dirty="0" smtClean="0"/>
+              <a:t> I </a:t>
+            </a:r>
+            <a:r>
+              <a:rPr lang="de-DE" baseline="0" dirty="0" err="1" smtClean="0"/>
+              <a:t>did</a:t>
+            </a:r>
+            <a:r>
+              <a:rPr lang="de-DE" baseline="0" dirty="0" smtClean="0"/>
+              <a:t> </a:t>
+            </a:r>
+            <a:r>
+              <a:rPr lang="de-DE" baseline="0" dirty="0" err="1" smtClean="0"/>
+              <a:t>more</a:t>
+            </a:r>
+            <a:r>
+              <a:rPr lang="de-DE" baseline="0" dirty="0" smtClean="0"/>
+              <a:t> on </a:t>
+            </a:r>
+            <a:r>
+              <a:rPr lang="de-DE" baseline="0" dirty="0" err="1" smtClean="0"/>
+              <a:t>the</a:t>
+            </a:r>
+            <a:r>
+              <a:rPr lang="de-DE" baseline="0" dirty="0" smtClean="0"/>
+              <a:t> backend </a:t>
+            </a:r>
+            <a:r>
+              <a:rPr lang="de-DE" baseline="0" dirty="0" err="1" smtClean="0"/>
+              <a:t>which</a:t>
+            </a:r>
+            <a:r>
+              <a:rPr lang="de-DE" baseline="0" dirty="0" smtClean="0"/>
+              <a:t> </a:t>
+            </a:r>
+            <a:r>
+              <a:rPr lang="de-DE" baseline="0" dirty="0" err="1" smtClean="0"/>
+              <a:t>reads</a:t>
+            </a:r>
+            <a:r>
+              <a:rPr lang="de-DE" baseline="0" dirty="0" smtClean="0"/>
+              <a:t> </a:t>
+            </a:r>
+            <a:r>
+              <a:rPr lang="de-DE" baseline="0" dirty="0" err="1" smtClean="0"/>
+              <a:t>the</a:t>
+            </a:r>
+            <a:r>
+              <a:rPr lang="de-DE" baseline="0" dirty="0" smtClean="0"/>
+              <a:t> </a:t>
+            </a:r>
+            <a:r>
+              <a:rPr lang="de-DE" baseline="0" dirty="0" err="1" smtClean="0"/>
+              <a:t>data</a:t>
+            </a:r>
+            <a:r>
+              <a:rPr lang="de-DE" baseline="0" dirty="0" smtClean="0"/>
+              <a:t> </a:t>
+            </a:r>
+            <a:r>
+              <a:rPr lang="de-DE" baseline="0" dirty="0" err="1" smtClean="0"/>
+              <a:t>from</a:t>
+            </a:r>
+            <a:r>
+              <a:rPr lang="de-DE" baseline="0" dirty="0" smtClean="0"/>
+              <a:t> </a:t>
+            </a:r>
+            <a:r>
+              <a:rPr lang="de-DE" baseline="0" dirty="0" err="1" smtClean="0"/>
+              <a:t>the</a:t>
+            </a:r>
+            <a:r>
+              <a:rPr lang="de-DE" baseline="0" dirty="0" smtClean="0"/>
+              <a:t> terminal.</a:t>
+            </a:r>
+          </a:p>
+          <a:p>
+            <a:pPr marL="0" marR="0" indent="0" algn="l" defTabSz="914400" rtl="0" eaLnBrk="1" fontAlgn="auto" latinLnBrk="0" hangingPunct="1">
+              <a:lnSpc>
+                <a:spcPct val="100000"/>
+              </a:lnSpc>
+              <a:spcBef>
+                <a:spcPts val="0"/>
+              </a:spcBef>
+              <a:spcAft>
+                <a:spcPts val="0"/>
+              </a:spcAft>
+              <a:buClrTx/>
+              <a:buSzTx/>
+              <a:buFontTx/>
+              <a:buNone/>
+              <a:tabLst/>
+              <a:defRPr/>
+            </a:pPr>
+            <a:endParaRPr lang="de-DE" baseline="0" dirty="0" smtClean="0"/>
+          </a:p>
+          <a:p>
+            <a:pPr marL="0" marR="0" indent="0" algn="l" defTabSz="914400" rtl="0" eaLnBrk="1" fontAlgn="auto" latinLnBrk="0" hangingPunct="1">
+              <a:lnSpc>
+                <a:spcPct val="100000"/>
+              </a:lnSpc>
+              <a:spcBef>
+                <a:spcPts val="0"/>
+              </a:spcBef>
+              <a:spcAft>
+                <a:spcPts val="0"/>
+              </a:spcAft>
+              <a:buClrTx/>
+              <a:buSzTx/>
+              <a:buFontTx/>
+              <a:buNone/>
+              <a:tabLst/>
+              <a:defRPr/>
+            </a:pPr>
+            <a:r>
+              <a:rPr lang="de-DE" baseline="0" dirty="0" err="1" smtClean="0"/>
+              <a:t>If</a:t>
+            </a:r>
+            <a:r>
+              <a:rPr lang="de-DE" baseline="0" dirty="0" smtClean="0"/>
+              <a:t> </a:t>
+            </a:r>
+            <a:r>
+              <a:rPr lang="de-DE" baseline="0" dirty="0" err="1" smtClean="0"/>
+              <a:t>the</a:t>
+            </a:r>
+            <a:r>
+              <a:rPr lang="de-DE" baseline="0" dirty="0" smtClean="0"/>
+              <a:t> </a:t>
+            </a:r>
+            <a:r>
+              <a:rPr lang="de-DE" baseline="0" dirty="0" err="1" smtClean="0"/>
+              <a:t>data</a:t>
+            </a:r>
+            <a:r>
+              <a:rPr lang="de-DE" baseline="0" dirty="0" smtClean="0"/>
+              <a:t> </a:t>
+            </a:r>
+            <a:r>
+              <a:rPr lang="de-DE" baseline="0" dirty="0" err="1" smtClean="0"/>
+              <a:t>extracted</a:t>
+            </a:r>
+            <a:r>
+              <a:rPr lang="de-DE" baseline="0" dirty="0" smtClean="0"/>
+              <a:t> </a:t>
+            </a:r>
+            <a:r>
+              <a:rPr lang="de-DE" baseline="0" dirty="0" err="1" smtClean="0"/>
+              <a:t>from</a:t>
+            </a:r>
+            <a:r>
+              <a:rPr lang="de-DE" baseline="0" dirty="0" smtClean="0"/>
+              <a:t> </a:t>
+            </a:r>
+            <a:r>
+              <a:rPr lang="de-DE" baseline="0" dirty="0" err="1" smtClean="0"/>
+              <a:t>the</a:t>
+            </a:r>
+            <a:r>
+              <a:rPr lang="de-DE" baseline="0" dirty="0" smtClean="0"/>
+              <a:t> terminal </a:t>
+            </a:r>
+            <a:r>
+              <a:rPr lang="de-DE" baseline="0" dirty="0" err="1" smtClean="0"/>
+              <a:t>would</a:t>
+            </a:r>
+            <a:r>
+              <a:rPr lang="de-DE" baseline="0" dirty="0" smtClean="0"/>
+              <a:t> </a:t>
+            </a:r>
+            <a:r>
+              <a:rPr lang="de-DE" baseline="0" dirty="0" err="1" smtClean="0"/>
+              <a:t>be</a:t>
+            </a:r>
+            <a:r>
+              <a:rPr lang="de-DE" baseline="0" dirty="0" smtClean="0"/>
+              <a:t> </a:t>
+            </a:r>
+            <a:r>
+              <a:rPr lang="de-DE" baseline="0" dirty="0" err="1" smtClean="0"/>
+              <a:t>less</a:t>
+            </a:r>
+            <a:r>
+              <a:rPr lang="de-DE" baseline="0" dirty="0" smtClean="0"/>
+              <a:t> </a:t>
+            </a:r>
+            <a:r>
+              <a:rPr lang="de-DE" baseline="0" dirty="0" err="1" smtClean="0"/>
+              <a:t>faulty</a:t>
+            </a:r>
+            <a:r>
+              <a:rPr lang="de-DE" baseline="0" dirty="0" smtClean="0"/>
+              <a:t> </a:t>
+            </a:r>
+            <a:r>
+              <a:rPr lang="de-DE" baseline="0" dirty="0" err="1" smtClean="0"/>
+              <a:t>and</a:t>
+            </a:r>
+            <a:r>
+              <a:rPr lang="de-DE" baseline="0" dirty="0" smtClean="0"/>
+              <a:t> </a:t>
+            </a:r>
+            <a:r>
+              <a:rPr lang="de-DE" baseline="0" dirty="0" err="1" smtClean="0"/>
+              <a:t>better</a:t>
+            </a:r>
+            <a:r>
+              <a:rPr lang="de-DE" baseline="0" dirty="0" smtClean="0"/>
+              <a:t> </a:t>
+            </a:r>
+            <a:r>
+              <a:rPr lang="de-DE" baseline="0" dirty="0" err="1" smtClean="0"/>
+              <a:t>structured</a:t>
+            </a:r>
+            <a:r>
+              <a:rPr lang="de-DE" baseline="0" dirty="0" smtClean="0"/>
+              <a:t>, </a:t>
+            </a:r>
+            <a:r>
+              <a:rPr lang="de-DE" baseline="0" dirty="0" err="1" smtClean="0"/>
+              <a:t>we</a:t>
+            </a:r>
+            <a:r>
+              <a:rPr lang="de-DE" baseline="0" dirty="0" smtClean="0"/>
+              <a:t> </a:t>
+            </a:r>
+            <a:r>
+              <a:rPr lang="de-DE" baseline="0" dirty="0" err="1" smtClean="0"/>
+              <a:t>could</a:t>
+            </a:r>
+            <a:r>
+              <a:rPr lang="de-DE" baseline="0" dirty="0" smtClean="0"/>
+              <a:t> </a:t>
+            </a:r>
+            <a:r>
+              <a:rPr lang="de-DE" baseline="0" dirty="0" err="1" smtClean="0"/>
+              <a:t>add</a:t>
+            </a:r>
+            <a:r>
+              <a:rPr lang="de-DE" baseline="0" dirty="0" smtClean="0"/>
+              <a:t> </a:t>
+            </a:r>
+            <a:r>
+              <a:rPr lang="de-DE" baseline="0" dirty="0" err="1" smtClean="0"/>
+              <a:t>some</a:t>
+            </a:r>
+            <a:r>
+              <a:rPr lang="de-DE" baseline="0" dirty="0" smtClean="0"/>
+              <a:t> </a:t>
+            </a:r>
+            <a:r>
+              <a:rPr lang="de-DE" baseline="0" dirty="0" err="1" smtClean="0"/>
+              <a:t>interesting</a:t>
+            </a:r>
+            <a:r>
+              <a:rPr lang="de-DE" baseline="0" dirty="0" smtClean="0"/>
+              <a:t> </a:t>
+            </a:r>
+            <a:r>
+              <a:rPr lang="de-DE" baseline="0" dirty="0" err="1" smtClean="0"/>
+              <a:t>features</a:t>
+            </a:r>
+            <a:r>
+              <a:rPr lang="de-DE" baseline="0" dirty="0" smtClean="0"/>
+              <a:t>!</a:t>
+            </a:r>
+          </a:p>
+          <a:p>
+            <a:pPr marL="0" marR="0" indent="0" algn="l" defTabSz="914400" rtl="0" eaLnBrk="1" fontAlgn="auto" latinLnBrk="0" hangingPunct="1">
+              <a:lnSpc>
+                <a:spcPct val="100000"/>
+              </a:lnSpc>
+              <a:spcBef>
+                <a:spcPts val="0"/>
+              </a:spcBef>
+              <a:spcAft>
+                <a:spcPts val="0"/>
+              </a:spcAft>
+              <a:buClrTx/>
+              <a:buSzTx/>
+              <a:buFontTx/>
+              <a:buNone/>
+              <a:tabLst/>
+              <a:defRPr/>
+            </a:pPr>
+            <a:r>
+              <a:rPr lang="de-DE" baseline="0" dirty="0" smtClean="0"/>
+              <a:t>(</a:t>
+            </a:r>
+            <a:r>
+              <a:rPr lang="de-DE" baseline="0" dirty="0" err="1" smtClean="0"/>
+              <a:t>Wrong</a:t>
+            </a:r>
+            <a:r>
+              <a:rPr lang="de-DE" baseline="0" dirty="0" smtClean="0"/>
+              <a:t> grade </a:t>
+            </a:r>
+            <a:r>
+              <a:rPr lang="de-DE" baseline="0" dirty="0" err="1" smtClean="0"/>
+              <a:t>names</a:t>
+            </a:r>
+            <a:r>
+              <a:rPr lang="de-DE" baseline="0" dirty="0" smtClean="0"/>
+              <a:t>, double </a:t>
+            </a:r>
+            <a:r>
+              <a:rPr lang="de-DE" baseline="0" dirty="0" err="1" smtClean="0"/>
+              <a:t>entries</a:t>
+            </a:r>
+            <a:r>
+              <a:rPr lang="de-DE" baseline="0" dirty="0" smtClean="0"/>
+              <a:t>, </a:t>
+            </a:r>
+            <a:r>
+              <a:rPr lang="de-DE" baseline="0" dirty="0" err="1" smtClean="0"/>
+              <a:t>and</a:t>
+            </a:r>
+            <a:r>
+              <a:rPr lang="de-DE" baseline="0" dirty="0" smtClean="0"/>
+              <a:t> </a:t>
+            </a:r>
+            <a:r>
+              <a:rPr lang="de-DE" baseline="0" dirty="0" err="1" smtClean="0"/>
+              <a:t>no</a:t>
+            </a:r>
+            <a:r>
+              <a:rPr lang="de-DE" baseline="0" dirty="0" smtClean="0"/>
+              <a:t> link </a:t>
+            </a:r>
+            <a:r>
+              <a:rPr lang="de-DE" baseline="0" dirty="0" err="1" smtClean="0"/>
+              <a:t>between</a:t>
+            </a:r>
+            <a:r>
+              <a:rPr lang="de-DE" baseline="0" dirty="0" smtClean="0"/>
+              <a:t> grades </a:t>
+            </a:r>
+            <a:r>
+              <a:rPr lang="de-DE" baseline="0" dirty="0" err="1" smtClean="0"/>
+              <a:t>and</a:t>
+            </a:r>
+            <a:r>
+              <a:rPr lang="de-DE" baseline="0" dirty="0" smtClean="0"/>
+              <a:t> </a:t>
+            </a:r>
+            <a:r>
+              <a:rPr lang="de-DE" baseline="0" dirty="0" err="1" smtClean="0"/>
+              <a:t>modules</a:t>
+            </a:r>
+            <a:r>
+              <a:rPr lang="de-DE" baseline="0" dirty="0" smtClean="0"/>
+              <a:t>.)</a:t>
+            </a:r>
+          </a:p>
+          <a:p>
+            <a:pPr marL="0" marR="0" indent="0" algn="l" defTabSz="914400" rtl="0" eaLnBrk="1" fontAlgn="auto" latinLnBrk="0" hangingPunct="1">
+              <a:lnSpc>
+                <a:spcPct val="100000"/>
+              </a:lnSpc>
+              <a:spcBef>
+                <a:spcPts val="0"/>
+              </a:spcBef>
+              <a:spcAft>
+                <a:spcPts val="0"/>
+              </a:spcAft>
+              <a:buClrTx/>
+              <a:buSzTx/>
+              <a:buFontTx/>
+              <a:buNone/>
+              <a:tabLst/>
+              <a:defRPr/>
+            </a:pPr>
+            <a:r>
+              <a:rPr lang="de-DE" baseline="0" dirty="0" err="1" smtClean="0"/>
+              <a:t>Example</a:t>
+            </a:r>
+            <a:r>
+              <a:rPr lang="de-DE" baseline="0" dirty="0" smtClean="0"/>
+              <a:t>: </a:t>
+            </a:r>
+            <a:r>
+              <a:rPr lang="de-DE" baseline="0" dirty="0" err="1" smtClean="0"/>
+              <a:t>Average</a:t>
+            </a:r>
+            <a:r>
+              <a:rPr lang="de-DE" baseline="0" dirty="0" smtClean="0"/>
+              <a:t> grade </a:t>
+            </a:r>
+            <a:r>
+              <a:rPr lang="de-DE" baseline="0" dirty="0" err="1" smtClean="0"/>
+              <a:t>calculated</a:t>
+            </a:r>
+            <a:r>
+              <a:rPr lang="de-DE" baseline="0" dirty="0" smtClean="0"/>
+              <a:t> </a:t>
+            </a:r>
+            <a:r>
+              <a:rPr lang="de-DE" baseline="0" dirty="0" err="1" smtClean="0"/>
+              <a:t>with</a:t>
+            </a:r>
+            <a:r>
+              <a:rPr lang="de-DE" baseline="0" dirty="0" smtClean="0"/>
+              <a:t> </a:t>
+            </a:r>
+            <a:r>
+              <a:rPr lang="de-DE" baseline="0" dirty="0" err="1" smtClean="0"/>
+              <a:t>the</a:t>
+            </a:r>
+            <a:r>
+              <a:rPr lang="de-DE" baseline="0" dirty="0" smtClean="0"/>
+              <a:t> ECTS </a:t>
+            </a:r>
+            <a:r>
+              <a:rPr lang="de-DE" baseline="0" dirty="0" err="1" smtClean="0"/>
+              <a:t>points</a:t>
+            </a:r>
+            <a:r>
+              <a:rPr lang="de-DE" baseline="0" dirty="0" smtClean="0"/>
+              <a:t> in mind.</a:t>
+            </a:r>
+            <a:endParaRPr lang="de-DE" dirty="0" smtClean="0"/>
+          </a:p>
         </p:txBody>
       </p:sp>
       <p:sp>
@@ -1258,7 +4215,7 @@
               <a:pPr/>
               <a:t>13</a:t>
             </a:fld>
-            <a:endParaRPr lang="de-DE"/>
+            <a:endParaRPr lang="de-DE" dirty="0"/>
           </a:p>
         </p:txBody>
       </p:sp>
@@ -2618,6 +5575,367 @@
             <a:endParaRPr lang="de-DE" dirty="0" smtClean="0"/>
           </a:p>
           <a:p>
+            <a:r>
+              <a:rPr lang="de-DE" dirty="0" smtClean="0"/>
+              <a:t>The </a:t>
+            </a:r>
+            <a:r>
+              <a:rPr lang="de-DE" dirty="0" err="1" smtClean="0"/>
+              <a:t>main</a:t>
+            </a:r>
+            <a:r>
+              <a:rPr lang="de-DE" dirty="0" smtClean="0"/>
+              <a:t> </a:t>
+            </a:r>
+            <a:r>
+              <a:rPr lang="de-DE" dirty="0" err="1" smtClean="0"/>
+              <a:t>purpose</a:t>
+            </a:r>
+            <a:r>
+              <a:rPr lang="de-DE" dirty="0" smtClean="0"/>
+              <a:t> </a:t>
+            </a:r>
+            <a:r>
+              <a:rPr lang="de-DE" dirty="0" err="1" smtClean="0"/>
+              <a:t>of</a:t>
+            </a:r>
+            <a:r>
+              <a:rPr lang="de-DE" dirty="0" smtClean="0"/>
+              <a:t> </a:t>
+            </a:r>
+            <a:r>
+              <a:rPr lang="de-DE" dirty="0" err="1" smtClean="0"/>
+              <a:t>our</a:t>
+            </a:r>
+            <a:r>
+              <a:rPr lang="de-DE" dirty="0" smtClean="0"/>
+              <a:t> </a:t>
+            </a:r>
+            <a:r>
+              <a:rPr lang="de-DE" dirty="0" err="1" smtClean="0"/>
+              <a:t>app</a:t>
+            </a:r>
+            <a:r>
+              <a:rPr lang="de-DE" baseline="0" dirty="0" smtClean="0"/>
+              <a:t> </a:t>
+            </a:r>
+            <a:r>
+              <a:rPr lang="de-DE" baseline="0" dirty="0" err="1" smtClean="0"/>
+              <a:t>is</a:t>
+            </a:r>
+            <a:r>
+              <a:rPr lang="de-DE" baseline="0" dirty="0" smtClean="0"/>
+              <a:t> </a:t>
+            </a:r>
+            <a:r>
+              <a:rPr lang="de-DE" baseline="0" dirty="0" err="1" smtClean="0"/>
+              <a:t>to</a:t>
+            </a:r>
+            <a:r>
+              <a:rPr lang="de-DE" baseline="0" dirty="0" smtClean="0"/>
+              <a:t> </a:t>
+            </a:r>
+            <a:r>
+              <a:rPr lang="de-DE" baseline="0" dirty="0" err="1" smtClean="0"/>
+              <a:t>display</a:t>
+            </a:r>
+            <a:r>
+              <a:rPr lang="de-DE" baseline="0" dirty="0" smtClean="0"/>
+              <a:t> </a:t>
+            </a:r>
+            <a:r>
+              <a:rPr lang="de-DE" baseline="0" dirty="0" err="1" smtClean="0"/>
+              <a:t>the</a:t>
+            </a:r>
+            <a:r>
+              <a:rPr lang="de-DE" baseline="0" dirty="0" smtClean="0"/>
+              <a:t> </a:t>
+            </a:r>
+            <a:r>
+              <a:rPr lang="de-DE" baseline="0" dirty="0" err="1" smtClean="0"/>
+              <a:t>information</a:t>
+            </a:r>
+            <a:r>
+              <a:rPr lang="de-DE" baseline="0" dirty="0" smtClean="0"/>
+              <a:t> </a:t>
+            </a:r>
+            <a:r>
+              <a:rPr lang="de-DE" baseline="0" dirty="0" err="1" smtClean="0"/>
+              <a:t>from</a:t>
+            </a:r>
+            <a:r>
+              <a:rPr lang="de-DE" baseline="0" dirty="0" smtClean="0"/>
+              <a:t> </a:t>
+            </a:r>
+            <a:r>
+              <a:rPr lang="de-DE" baseline="0" dirty="0" err="1" smtClean="0"/>
+              <a:t>the</a:t>
+            </a:r>
+            <a:r>
+              <a:rPr lang="de-DE" baseline="0" dirty="0" smtClean="0"/>
+              <a:t> </a:t>
+            </a:r>
+            <a:r>
+              <a:rPr lang="de-DE" baseline="0" dirty="0" err="1" smtClean="0"/>
+              <a:t>student</a:t>
+            </a:r>
+            <a:r>
+              <a:rPr lang="de-DE" baseline="0" dirty="0" smtClean="0"/>
+              <a:t> terminal.</a:t>
+            </a:r>
+          </a:p>
+          <a:p>
+            <a:r>
+              <a:rPr lang="de-DE" baseline="0" dirty="0" smtClean="0"/>
+              <a:t>But </a:t>
+            </a:r>
+            <a:r>
+              <a:rPr lang="de-DE" baseline="0" dirty="0" err="1" smtClean="0"/>
+              <a:t>how</a:t>
+            </a:r>
+            <a:r>
+              <a:rPr lang="de-DE" baseline="0" dirty="0" smtClean="0"/>
+              <a:t> do </a:t>
+            </a:r>
+            <a:r>
+              <a:rPr lang="de-DE" baseline="0" dirty="0" err="1" smtClean="0"/>
+              <a:t>we</a:t>
+            </a:r>
+            <a:r>
+              <a:rPr lang="de-DE" baseline="0" dirty="0" smtClean="0"/>
+              <a:t> </a:t>
+            </a:r>
+            <a:r>
+              <a:rPr lang="de-DE" baseline="0" dirty="0" err="1" smtClean="0"/>
+              <a:t>get</a:t>
+            </a:r>
+            <a:r>
+              <a:rPr lang="de-DE" baseline="0" dirty="0" smtClean="0"/>
+              <a:t> </a:t>
+            </a:r>
+            <a:r>
+              <a:rPr lang="de-DE" baseline="0" dirty="0" err="1" smtClean="0"/>
+              <a:t>this</a:t>
+            </a:r>
+            <a:r>
+              <a:rPr lang="de-DE" baseline="0" dirty="0" smtClean="0"/>
+              <a:t> </a:t>
+            </a:r>
+            <a:r>
+              <a:rPr lang="de-DE" baseline="0" dirty="0" err="1" smtClean="0"/>
+              <a:t>information</a:t>
+            </a:r>
+            <a:r>
+              <a:rPr lang="de-DE" baseline="0" dirty="0" smtClean="0"/>
+              <a:t> </a:t>
+            </a:r>
+            <a:r>
+              <a:rPr lang="de-DE" baseline="0" dirty="0" err="1" smtClean="0"/>
+              <a:t>without</a:t>
+            </a:r>
+            <a:r>
+              <a:rPr lang="de-DE" baseline="0" dirty="0" smtClean="0"/>
+              <a:t> </a:t>
+            </a:r>
+            <a:r>
+              <a:rPr lang="de-DE" baseline="0" dirty="0" err="1" smtClean="0"/>
+              <a:t>any</a:t>
+            </a:r>
+            <a:r>
+              <a:rPr lang="de-DE" baseline="0" dirty="0" smtClean="0"/>
+              <a:t> </a:t>
+            </a:r>
+            <a:r>
+              <a:rPr lang="de-DE" baseline="0" dirty="0" err="1" smtClean="0"/>
+              <a:t>public</a:t>
+            </a:r>
+            <a:r>
+              <a:rPr lang="de-DE" baseline="0" dirty="0" smtClean="0"/>
+              <a:t> API </a:t>
+            </a:r>
+            <a:r>
+              <a:rPr lang="de-DE" baseline="0" dirty="0" err="1" smtClean="0"/>
+              <a:t>or</a:t>
+            </a:r>
+            <a:r>
+              <a:rPr lang="de-DE" baseline="0" dirty="0" smtClean="0"/>
+              <a:t> </a:t>
+            </a:r>
+            <a:r>
+              <a:rPr lang="de-DE" baseline="0" dirty="0" err="1" smtClean="0"/>
+              <a:t>interface</a:t>
+            </a:r>
+            <a:r>
+              <a:rPr lang="de-DE" baseline="0" dirty="0" smtClean="0"/>
+              <a:t>?</a:t>
+            </a:r>
+          </a:p>
+          <a:p>
+            <a:endParaRPr lang="de-DE" baseline="0" dirty="0" smtClean="0"/>
+          </a:p>
+          <a:p>
+            <a:r>
+              <a:rPr lang="de-DE" baseline="0" dirty="0" err="1" smtClean="0"/>
+              <a:t>Since</a:t>
+            </a:r>
+            <a:r>
+              <a:rPr lang="de-DE" baseline="0" dirty="0" smtClean="0"/>
+              <a:t> </a:t>
+            </a:r>
+            <a:r>
+              <a:rPr lang="de-DE" baseline="0" dirty="0" err="1" smtClean="0"/>
+              <a:t>the</a:t>
+            </a:r>
+            <a:r>
+              <a:rPr lang="de-DE" baseline="0" dirty="0" smtClean="0"/>
+              <a:t> </a:t>
+            </a:r>
+            <a:r>
+              <a:rPr lang="de-DE" baseline="0" dirty="0" err="1" smtClean="0"/>
+              <a:t>data</a:t>
+            </a:r>
+            <a:r>
+              <a:rPr lang="de-DE" baseline="0" dirty="0" smtClean="0"/>
+              <a:t> </a:t>
+            </a:r>
+            <a:r>
+              <a:rPr lang="de-DE" baseline="0" dirty="0" err="1" smtClean="0"/>
+              <a:t>is</a:t>
+            </a:r>
+            <a:r>
+              <a:rPr lang="de-DE" baseline="0" dirty="0" smtClean="0"/>
+              <a:t> </a:t>
+            </a:r>
+            <a:r>
+              <a:rPr lang="de-DE" baseline="0" dirty="0" err="1" smtClean="0"/>
+              <a:t>normally</a:t>
+            </a:r>
+            <a:r>
+              <a:rPr lang="de-DE" baseline="0" dirty="0" smtClean="0"/>
+              <a:t> </a:t>
+            </a:r>
+            <a:r>
+              <a:rPr lang="de-DE" baseline="0" dirty="0" err="1" smtClean="0"/>
+              <a:t>accessed</a:t>
+            </a:r>
+            <a:r>
+              <a:rPr lang="de-DE" baseline="0" dirty="0" smtClean="0"/>
+              <a:t> </a:t>
+            </a:r>
+            <a:r>
+              <a:rPr lang="de-DE" baseline="0" dirty="0" err="1" smtClean="0"/>
+              <a:t>over</a:t>
+            </a:r>
+            <a:r>
+              <a:rPr lang="de-DE" baseline="0" dirty="0" smtClean="0"/>
+              <a:t> a </a:t>
+            </a:r>
+            <a:r>
+              <a:rPr lang="de-DE" baseline="0" dirty="0" err="1" smtClean="0"/>
+              <a:t>website</a:t>
+            </a:r>
+            <a:r>
+              <a:rPr lang="de-DE" baseline="0" dirty="0" smtClean="0"/>
+              <a:t> </a:t>
+            </a:r>
+            <a:r>
+              <a:rPr lang="de-DE" baseline="0" dirty="0" err="1" smtClean="0"/>
+              <a:t>with</a:t>
+            </a:r>
+            <a:r>
+              <a:rPr lang="de-DE" baseline="0" dirty="0" smtClean="0"/>
+              <a:t> ab </a:t>
+            </a:r>
+            <a:r>
+              <a:rPr lang="de-DE" baseline="0" dirty="0" err="1" smtClean="0"/>
+              <a:t>browser</a:t>
+            </a:r>
+            <a:r>
+              <a:rPr lang="de-DE" baseline="0" dirty="0" smtClean="0"/>
+              <a:t>, </a:t>
+            </a:r>
+            <a:r>
+              <a:rPr lang="de-DE" baseline="0" dirty="0" err="1" smtClean="0"/>
+              <a:t>the</a:t>
+            </a:r>
+            <a:r>
+              <a:rPr lang="de-DE" baseline="0" dirty="0" smtClean="0"/>
+              <a:t> </a:t>
+            </a:r>
+            <a:r>
+              <a:rPr lang="de-DE" baseline="0" dirty="0" err="1" smtClean="0"/>
+              <a:t>answer</a:t>
+            </a:r>
+            <a:r>
+              <a:rPr lang="de-DE" baseline="0" dirty="0" smtClean="0"/>
+              <a:t> </a:t>
+            </a:r>
+            <a:r>
+              <a:rPr lang="de-DE" baseline="0" dirty="0" err="1" smtClean="0"/>
+              <a:t>is</a:t>
+            </a:r>
+            <a:r>
+              <a:rPr lang="de-DE" baseline="0" dirty="0" smtClean="0"/>
+              <a:t> easy.</a:t>
+            </a:r>
+          </a:p>
+          <a:p>
+            <a:r>
+              <a:rPr lang="de-DE" baseline="0" dirty="0" err="1" smtClean="0"/>
+              <a:t>We</a:t>
+            </a:r>
+            <a:r>
+              <a:rPr lang="de-DE" baseline="0" dirty="0" smtClean="0"/>
+              <a:t> just </a:t>
+            </a:r>
+            <a:r>
+              <a:rPr lang="de-DE" baseline="0" dirty="0" err="1" smtClean="0"/>
+              <a:t>have</a:t>
+            </a:r>
+            <a:r>
+              <a:rPr lang="de-DE" baseline="0" dirty="0" smtClean="0"/>
+              <a:t> </a:t>
+            </a:r>
+            <a:r>
+              <a:rPr lang="de-DE" baseline="0" dirty="0" err="1" smtClean="0"/>
+              <a:t>to</a:t>
+            </a:r>
+            <a:r>
+              <a:rPr lang="de-DE" baseline="0" dirty="0" smtClean="0"/>
+              <a:t> </a:t>
+            </a:r>
+            <a:r>
+              <a:rPr lang="de-DE" baseline="0" dirty="0" err="1" smtClean="0"/>
+              <a:t>fake</a:t>
+            </a:r>
+            <a:r>
+              <a:rPr lang="de-DE" baseline="0" dirty="0" smtClean="0"/>
+              <a:t> a real </a:t>
+            </a:r>
+            <a:r>
+              <a:rPr lang="de-DE" baseline="0" dirty="0" err="1" smtClean="0"/>
+              <a:t>person</a:t>
+            </a:r>
+            <a:r>
+              <a:rPr lang="de-DE" baseline="0" dirty="0" smtClean="0"/>
+              <a:t> </a:t>
+            </a:r>
+            <a:r>
+              <a:rPr lang="de-DE" baseline="0" dirty="0" err="1" smtClean="0"/>
+              <a:t>behind</a:t>
+            </a:r>
+            <a:r>
+              <a:rPr lang="de-DE" baseline="0" dirty="0" smtClean="0"/>
+              <a:t> a web </a:t>
+            </a:r>
+            <a:r>
+              <a:rPr lang="de-DE" baseline="0" dirty="0" err="1" smtClean="0"/>
+              <a:t>browser</a:t>
+            </a:r>
+            <a:r>
+              <a:rPr lang="de-DE" baseline="0" dirty="0" smtClean="0"/>
+              <a:t>!</a:t>
+            </a:r>
             <a:endParaRPr lang="de-DE" dirty="0"/>
           </a:p>
         </p:txBody>
@@ -2704,6 +6022,729 @@
               <a:rPr lang="de-DE" dirty="0" smtClean="0"/>
               <a:t>Manuel</a:t>
             </a:r>
+          </a:p>
+          <a:p>
+            <a:endParaRPr lang="de-DE" dirty="0" smtClean="0"/>
+          </a:p>
+          <a:p>
+            <a:r>
+              <a:rPr lang="de-DE" dirty="0" err="1" smtClean="0"/>
+              <a:t>This</a:t>
+            </a:r>
+            <a:r>
+              <a:rPr lang="de-DE" dirty="0" smtClean="0"/>
+              <a:t> </a:t>
+            </a:r>
+            <a:r>
+              <a:rPr lang="de-DE" dirty="0" err="1" smtClean="0"/>
+              <a:t>leads</a:t>
+            </a:r>
+            <a:r>
+              <a:rPr lang="de-DE" dirty="0" smtClean="0"/>
+              <a:t> </a:t>
+            </a:r>
+            <a:r>
+              <a:rPr lang="de-DE" dirty="0" err="1" smtClean="0"/>
+              <a:t>us</a:t>
+            </a:r>
+            <a:r>
+              <a:rPr lang="de-DE" dirty="0" smtClean="0"/>
+              <a:t> </a:t>
+            </a:r>
+            <a:r>
+              <a:rPr lang="de-DE" dirty="0" err="1" smtClean="0"/>
+              <a:t>to</a:t>
+            </a:r>
+            <a:r>
+              <a:rPr lang="de-DE" dirty="0" smtClean="0"/>
+              <a:t> </a:t>
+            </a:r>
+            <a:r>
+              <a:rPr lang="de-DE" dirty="0" err="1" smtClean="0"/>
+              <a:t>the</a:t>
+            </a:r>
+            <a:r>
+              <a:rPr lang="de-DE" dirty="0" smtClean="0"/>
+              <a:t> </a:t>
+            </a:r>
+            <a:r>
+              <a:rPr lang="de-DE" dirty="0" err="1" smtClean="0"/>
+              <a:t>next</a:t>
+            </a:r>
+            <a:r>
+              <a:rPr lang="de-DE" dirty="0" smtClean="0"/>
+              <a:t> </a:t>
+            </a:r>
+            <a:r>
+              <a:rPr lang="de-DE" dirty="0" err="1" smtClean="0"/>
+              <a:t>problem</a:t>
+            </a:r>
+            <a:r>
+              <a:rPr lang="de-DE" dirty="0" smtClean="0"/>
+              <a:t>, </a:t>
+            </a:r>
+            <a:r>
+              <a:rPr lang="de-DE" dirty="0" err="1" smtClean="0"/>
+              <a:t>how</a:t>
+            </a:r>
+            <a:r>
+              <a:rPr lang="de-DE" dirty="0" smtClean="0"/>
+              <a:t> do </a:t>
+            </a:r>
+            <a:r>
+              <a:rPr lang="de-DE" dirty="0" err="1" smtClean="0"/>
+              <a:t>we</a:t>
+            </a:r>
+            <a:r>
+              <a:rPr lang="de-DE" dirty="0" smtClean="0"/>
+              <a:t> </a:t>
+            </a:r>
+            <a:r>
+              <a:rPr lang="de-DE" dirty="0" err="1" smtClean="0"/>
+              <a:t>fake</a:t>
+            </a:r>
+            <a:r>
+              <a:rPr lang="de-DE" dirty="0" smtClean="0"/>
+              <a:t> a web </a:t>
+            </a:r>
+            <a:r>
+              <a:rPr lang="de-DE" dirty="0" err="1" smtClean="0"/>
+              <a:t>browser</a:t>
+            </a:r>
+            <a:r>
+              <a:rPr lang="de-DE" dirty="0" smtClean="0"/>
+              <a:t>?</a:t>
+            </a:r>
+          </a:p>
+          <a:p>
+            <a:r>
+              <a:rPr lang="de-DE" dirty="0" err="1" smtClean="0"/>
+              <a:t>To</a:t>
+            </a:r>
+            <a:r>
+              <a:rPr lang="de-DE" dirty="0" smtClean="0"/>
+              <a:t> </a:t>
+            </a:r>
+            <a:r>
+              <a:rPr lang="de-DE" dirty="0" err="1" smtClean="0"/>
+              <a:t>make</a:t>
+            </a:r>
+            <a:r>
+              <a:rPr lang="de-DE" dirty="0" smtClean="0"/>
+              <a:t> </a:t>
+            </a:r>
+            <a:r>
+              <a:rPr lang="de-DE" dirty="0" err="1" smtClean="0"/>
+              <a:t>this</a:t>
+            </a:r>
+            <a:r>
+              <a:rPr lang="de-DE" dirty="0" smtClean="0"/>
+              <a:t> </a:t>
+            </a:r>
+            <a:r>
+              <a:rPr lang="de-DE" dirty="0" err="1" smtClean="0"/>
+              <a:t>more</a:t>
+            </a:r>
+            <a:r>
+              <a:rPr lang="de-DE" dirty="0" smtClean="0"/>
+              <a:t> </a:t>
+            </a:r>
+            <a:r>
+              <a:rPr lang="de-DE" dirty="0" err="1" smtClean="0"/>
+              <a:t>complicated</a:t>
+            </a:r>
+            <a:r>
+              <a:rPr lang="de-DE" dirty="0" smtClean="0"/>
+              <a:t> </a:t>
+            </a:r>
+            <a:r>
+              <a:rPr lang="de-DE" dirty="0" err="1" smtClean="0"/>
+              <a:t>how</a:t>
+            </a:r>
+            <a:r>
+              <a:rPr lang="de-DE" dirty="0" smtClean="0"/>
+              <a:t> </a:t>
+            </a:r>
+            <a:r>
+              <a:rPr lang="de-DE" dirty="0" err="1" smtClean="0"/>
+              <a:t>can</a:t>
+            </a:r>
+            <a:r>
+              <a:rPr lang="de-DE" dirty="0" smtClean="0"/>
+              <a:t> </a:t>
+            </a:r>
+            <a:r>
+              <a:rPr lang="de-DE" dirty="0" err="1" smtClean="0"/>
+              <a:t>we</a:t>
+            </a:r>
+            <a:r>
+              <a:rPr lang="de-DE" dirty="0" smtClean="0"/>
+              <a:t> </a:t>
+            </a:r>
+            <a:r>
+              <a:rPr lang="de-DE" dirty="0" err="1" smtClean="0"/>
+              <a:t>fake</a:t>
+            </a:r>
+            <a:r>
+              <a:rPr lang="de-DE" dirty="0" smtClean="0"/>
+              <a:t> a web </a:t>
+            </a:r>
+            <a:r>
+              <a:rPr lang="de-DE" dirty="0" err="1" smtClean="0"/>
+              <a:t>browser</a:t>
+            </a:r>
+            <a:r>
+              <a:rPr lang="de-DE" dirty="0" smtClean="0"/>
+              <a:t> </a:t>
+            </a:r>
+            <a:r>
+              <a:rPr lang="de-DE" dirty="0" err="1" smtClean="0"/>
+              <a:t>with</a:t>
+            </a:r>
+            <a:r>
+              <a:rPr lang="de-DE" dirty="0" smtClean="0"/>
+              <a:t> HTTPS?</a:t>
+            </a:r>
+          </a:p>
+          <a:p>
+            <a:r>
+              <a:rPr lang="de-DE" dirty="0" err="1" smtClean="0"/>
+              <a:t>We</a:t>
+            </a:r>
+            <a:r>
+              <a:rPr lang="de-DE" baseline="0" dirty="0" smtClean="0"/>
+              <a:t> do </a:t>
+            </a:r>
+            <a:r>
+              <a:rPr lang="de-DE" baseline="0" dirty="0" err="1" smtClean="0"/>
+              <a:t>need</a:t>
+            </a:r>
+            <a:r>
+              <a:rPr lang="de-DE" baseline="0" dirty="0" smtClean="0"/>
+              <a:t> HTTPS, </a:t>
+            </a:r>
+            <a:r>
+              <a:rPr lang="de-DE" baseline="0" dirty="0" err="1" smtClean="0"/>
+              <a:t>because</a:t>
+            </a:r>
+            <a:r>
+              <a:rPr lang="de-DE" baseline="0" dirty="0" smtClean="0"/>
+              <a:t> </a:t>
+            </a:r>
+            <a:r>
+              <a:rPr lang="de-DE" baseline="0" dirty="0" err="1" smtClean="0"/>
+              <a:t>the</a:t>
+            </a:r>
+            <a:r>
+              <a:rPr lang="de-DE" baseline="0" dirty="0" smtClean="0"/>
+              <a:t> </a:t>
+            </a:r>
+            <a:r>
+              <a:rPr lang="de-DE" baseline="0" dirty="0" err="1" smtClean="0"/>
+              <a:t>student</a:t>
+            </a:r>
+            <a:r>
+              <a:rPr lang="de-DE" baseline="0" dirty="0" smtClean="0"/>
+              <a:t> terminal </a:t>
+            </a:r>
+            <a:r>
+              <a:rPr lang="de-DE" baseline="0" dirty="0" err="1" smtClean="0"/>
+              <a:t>does</a:t>
+            </a:r>
+            <a:r>
+              <a:rPr lang="de-DE" baseline="0" dirty="0" smtClean="0"/>
+              <a:t> not </a:t>
+            </a:r>
+            <a:r>
+              <a:rPr lang="de-DE" baseline="0" dirty="0" err="1" smtClean="0"/>
+              <a:t>allow</a:t>
+            </a:r>
+            <a:r>
+              <a:rPr lang="de-DE" baseline="0" dirty="0" smtClean="0"/>
+              <a:t> </a:t>
+            </a:r>
+            <a:r>
+              <a:rPr lang="de-DE" baseline="0" dirty="0" err="1" smtClean="0"/>
+              <a:t>unencrypted</a:t>
+            </a:r>
+            <a:r>
+              <a:rPr lang="de-DE" baseline="0" dirty="0" smtClean="0"/>
+              <a:t> HHTP </a:t>
+            </a:r>
+            <a:r>
+              <a:rPr lang="de-DE" baseline="0" dirty="0" err="1" smtClean="0"/>
+              <a:t>connections</a:t>
+            </a:r>
+            <a:r>
+              <a:rPr lang="de-DE" baseline="0" dirty="0" smtClean="0"/>
+              <a:t>.</a:t>
+            </a:r>
+          </a:p>
+          <a:p>
+            <a:endParaRPr lang="de-DE" baseline="0" dirty="0" smtClean="0"/>
+          </a:p>
+          <a:p>
+            <a:r>
+              <a:rPr lang="de-DE" baseline="0" dirty="0" err="1" smtClean="0"/>
+              <a:t>This</a:t>
+            </a:r>
+            <a:r>
+              <a:rPr lang="de-DE" baseline="0" dirty="0" smtClean="0"/>
+              <a:t> time </a:t>
+            </a:r>
+            <a:r>
+              <a:rPr lang="de-DE" baseline="0" dirty="0" err="1" smtClean="0"/>
+              <a:t>the</a:t>
+            </a:r>
+            <a:r>
+              <a:rPr lang="de-DE" baseline="0" dirty="0" smtClean="0"/>
+              <a:t> </a:t>
+            </a:r>
+            <a:r>
+              <a:rPr lang="de-DE" baseline="0" dirty="0" err="1" smtClean="0"/>
+              <a:t>answer</a:t>
+            </a:r>
+            <a:r>
+              <a:rPr lang="de-DE" baseline="0" dirty="0" smtClean="0"/>
+              <a:t> was not so easy, but </a:t>
+            </a:r>
+            <a:r>
+              <a:rPr lang="de-DE" baseline="0" dirty="0" err="1" smtClean="0"/>
+              <a:t>we</a:t>
+            </a:r>
+            <a:r>
+              <a:rPr lang="de-DE" baseline="0" dirty="0" smtClean="0"/>
+              <a:t> </a:t>
+            </a:r>
+            <a:r>
+              <a:rPr lang="de-DE" baseline="0" dirty="0" err="1" smtClean="0"/>
+              <a:t>looked</a:t>
+            </a:r>
+            <a:r>
+              <a:rPr lang="de-DE" baseline="0" dirty="0" smtClean="0"/>
+              <a:t> </a:t>
+            </a:r>
+            <a:r>
+              <a:rPr lang="de-DE" baseline="0" dirty="0" err="1" smtClean="0"/>
+              <a:t>around</a:t>
+            </a:r>
+            <a:r>
+              <a:rPr lang="de-DE" baseline="0" dirty="0" smtClean="0"/>
+              <a:t> </a:t>
+            </a:r>
+            <a:r>
+              <a:rPr lang="de-DE" baseline="0" dirty="0" err="1" smtClean="0"/>
+              <a:t>and</a:t>
+            </a:r>
+            <a:r>
+              <a:rPr lang="de-DE" baseline="0" dirty="0" smtClean="0"/>
+              <a:t> </a:t>
+            </a:r>
+            <a:r>
+              <a:rPr lang="de-DE" baseline="0" dirty="0" err="1" smtClean="0"/>
+              <a:t>found</a:t>
+            </a:r>
+            <a:r>
+              <a:rPr lang="de-DE" baseline="0" dirty="0" smtClean="0"/>
+              <a:t> a </a:t>
+            </a:r>
+            <a:r>
+              <a:rPr lang="de-DE" baseline="0" dirty="0" err="1" smtClean="0"/>
+              <a:t>perfect</a:t>
+            </a:r>
+            <a:r>
+              <a:rPr lang="de-DE" baseline="0" dirty="0" smtClean="0"/>
+              <a:t> </a:t>
+            </a:r>
+            <a:r>
+              <a:rPr lang="de-DE" baseline="0" dirty="0" err="1" smtClean="0"/>
+              <a:t>solution</a:t>
+            </a:r>
+            <a:r>
+              <a:rPr lang="de-DE" baseline="0" dirty="0" smtClean="0"/>
+              <a:t> in </a:t>
+            </a:r>
+            <a:r>
+              <a:rPr lang="de-DE" baseline="0" dirty="0" err="1" smtClean="0"/>
+              <a:t>the</a:t>
+            </a:r>
+            <a:r>
+              <a:rPr lang="de-DE" baseline="0" dirty="0" smtClean="0"/>
+              <a:t> </a:t>
+            </a:r>
+            <a:r>
+              <a:rPr lang="de-DE" baseline="0" dirty="0" err="1" smtClean="0"/>
+              <a:t>standard</a:t>
+            </a:r>
+            <a:r>
+              <a:rPr lang="de-DE" baseline="0" dirty="0" smtClean="0"/>
+              <a:t> </a:t>
+            </a:r>
+            <a:r>
+              <a:rPr lang="de-DE" baseline="0" dirty="0" err="1" smtClean="0"/>
+              <a:t>java</a:t>
+            </a:r>
+            <a:r>
+              <a:rPr lang="de-DE" baseline="0" dirty="0" smtClean="0"/>
+              <a:t> </a:t>
+            </a:r>
+            <a:r>
+              <a:rPr lang="de-DE" baseline="0" dirty="0" err="1" smtClean="0"/>
+              <a:t>library</a:t>
+            </a:r>
+            <a:r>
+              <a:rPr lang="de-DE" baseline="0" dirty="0" smtClean="0"/>
+              <a:t>.</a:t>
+            </a:r>
+          </a:p>
+          <a:p>
+            <a:r>
+              <a:rPr lang="de-DE" baseline="0" dirty="0" err="1" smtClean="0"/>
+              <a:t>There</a:t>
+            </a:r>
+            <a:r>
+              <a:rPr lang="de-DE" baseline="0" dirty="0" smtClean="0"/>
+              <a:t> </a:t>
+            </a:r>
+            <a:r>
+              <a:rPr lang="de-DE" baseline="0" dirty="0" err="1" smtClean="0"/>
+              <a:t>is</a:t>
+            </a:r>
+            <a:r>
+              <a:rPr lang="de-DE" baseline="0" dirty="0" smtClean="0"/>
+              <a:t> a </a:t>
+            </a:r>
+            <a:r>
+              <a:rPr lang="de-DE" baseline="0" dirty="0" err="1" smtClean="0"/>
+              <a:t>class</a:t>
+            </a:r>
+            <a:r>
+              <a:rPr lang="de-DE" baseline="0" dirty="0" smtClean="0"/>
+              <a:t> </a:t>
+            </a:r>
+            <a:r>
+              <a:rPr lang="de-DE" baseline="0" dirty="0" err="1" smtClean="0"/>
+              <a:t>named</a:t>
+            </a:r>
+            <a:r>
+              <a:rPr lang="de-DE" baseline="0" dirty="0" smtClean="0"/>
+              <a:t> </a:t>
+            </a:r>
+            <a:r>
+              <a:rPr lang="de-DE" baseline="0" dirty="0" err="1" smtClean="0"/>
+              <a:t>HttpsURLConnection</a:t>
+            </a:r>
+            <a:r>
+              <a:rPr lang="de-DE" baseline="0" dirty="0" smtClean="0"/>
+              <a:t> </a:t>
+            </a:r>
+            <a:r>
+              <a:rPr lang="de-DE" baseline="0" dirty="0" err="1" smtClean="0"/>
+              <a:t>which</a:t>
+            </a:r>
+            <a:r>
+              <a:rPr lang="de-DE" baseline="0" dirty="0" smtClean="0"/>
+              <a:t> </a:t>
+            </a:r>
+            <a:r>
+              <a:rPr lang="de-DE" baseline="0" dirty="0" err="1" smtClean="0"/>
+              <a:t>can</a:t>
+            </a:r>
+            <a:r>
+              <a:rPr lang="de-DE" baseline="0" dirty="0" smtClean="0"/>
+              <a:t> send </a:t>
+            </a:r>
+            <a:r>
+              <a:rPr lang="de-DE" baseline="0" dirty="0" err="1" smtClean="0"/>
+              <a:t>and</a:t>
+            </a:r>
+            <a:r>
+              <a:rPr lang="de-DE" baseline="0" dirty="0" smtClean="0"/>
+              <a:t> </a:t>
+            </a:r>
+            <a:r>
+              <a:rPr lang="en-US" sz="1200" kern="1200" dirty="0" smtClean="0">
+                <a:solidFill>
+                  <a:schemeClr val="tx1"/>
+                </a:solidFill>
+                <a:latin typeface="+mn-lt"/>
+                <a:ea typeface="+mn-ea"/>
+                <a:cs typeface="+mn-cs"/>
+              </a:rPr>
+              <a:t>receive </a:t>
+            </a:r>
+            <a:r>
+              <a:rPr lang="de-DE" baseline="0" dirty="0" err="1" smtClean="0"/>
+              <a:t>websites</a:t>
+            </a:r>
+            <a:r>
+              <a:rPr lang="de-DE" baseline="0" dirty="0" smtClean="0"/>
+              <a:t> </a:t>
+            </a:r>
+            <a:r>
+              <a:rPr lang="de-DE" baseline="0" dirty="0" err="1" smtClean="0"/>
+              <a:t>over</a:t>
+            </a:r>
+            <a:r>
+              <a:rPr lang="de-DE" baseline="0" dirty="0" smtClean="0"/>
+              <a:t> an </a:t>
+            </a:r>
+            <a:r>
+              <a:rPr lang="de-DE" baseline="0" dirty="0" err="1" smtClean="0"/>
+              <a:t>encrypted</a:t>
+            </a:r>
+            <a:r>
+              <a:rPr lang="de-DE" baseline="0" dirty="0" smtClean="0"/>
+              <a:t> HTTPS </a:t>
+            </a:r>
+            <a:r>
+              <a:rPr lang="de-DE" baseline="0" dirty="0" err="1" smtClean="0"/>
+              <a:t>connection</a:t>
+            </a:r>
+            <a:r>
+              <a:rPr lang="de-DE" baseline="0" dirty="0" smtClean="0"/>
+              <a:t>.</a:t>
+            </a:r>
+          </a:p>
+          <a:p>
+            <a:endParaRPr lang="de-DE" baseline="0" dirty="0" smtClean="0"/>
+          </a:p>
+          <a:p>
+            <a:r>
+              <a:rPr lang="de-DE" baseline="0" dirty="0" err="1" smtClean="0"/>
+              <a:t>To</a:t>
+            </a:r>
+            <a:r>
+              <a:rPr lang="de-DE" baseline="0" dirty="0" smtClean="0"/>
+              <a:t> </a:t>
+            </a:r>
+            <a:r>
+              <a:rPr lang="de-DE" baseline="0" dirty="0" err="1" smtClean="0"/>
+              <a:t>get</a:t>
+            </a:r>
+            <a:r>
+              <a:rPr lang="de-DE" baseline="0" dirty="0" smtClean="0"/>
+              <a:t> </a:t>
+            </a:r>
+            <a:r>
+              <a:rPr lang="de-DE" baseline="0" dirty="0" err="1" smtClean="0"/>
+              <a:t>the</a:t>
+            </a:r>
+            <a:r>
+              <a:rPr lang="de-DE" baseline="0" dirty="0" smtClean="0"/>
+              <a:t> </a:t>
+            </a:r>
+            <a:r>
+              <a:rPr lang="de-DE" baseline="0" dirty="0" err="1" smtClean="0"/>
+              <a:t>required</a:t>
+            </a:r>
+            <a:r>
+              <a:rPr lang="de-DE" baseline="0" dirty="0" smtClean="0"/>
+              <a:t> </a:t>
+            </a:r>
+            <a:r>
+              <a:rPr lang="de-DE" baseline="0" dirty="0" err="1" smtClean="0"/>
+              <a:t>websites</a:t>
+            </a:r>
+            <a:r>
+              <a:rPr lang="de-DE" baseline="0" dirty="0" smtClean="0"/>
+              <a:t> </a:t>
+            </a:r>
+            <a:r>
+              <a:rPr lang="de-DE" baseline="0" dirty="0" err="1" smtClean="0"/>
+              <a:t>we</a:t>
+            </a:r>
+            <a:r>
+              <a:rPr lang="de-DE" baseline="0" dirty="0" smtClean="0"/>
+              <a:t> send a HTTP POST </a:t>
+            </a:r>
+            <a:r>
+              <a:rPr lang="de-DE" baseline="0" dirty="0" err="1" smtClean="0"/>
+              <a:t>message</a:t>
+            </a:r>
+            <a:r>
+              <a:rPr lang="de-DE" baseline="0" dirty="0" smtClean="0"/>
+              <a:t> </a:t>
+            </a:r>
+            <a:r>
+              <a:rPr lang="de-DE" baseline="0" dirty="0" err="1" smtClean="0"/>
+              <a:t>with</a:t>
+            </a:r>
+            <a:r>
+              <a:rPr lang="de-DE" baseline="0" dirty="0" smtClean="0"/>
+              <a:t> </a:t>
+            </a:r>
+            <a:r>
+              <a:rPr lang="de-DE" baseline="0" dirty="0" err="1" smtClean="0"/>
+              <a:t>login</a:t>
+            </a:r>
+            <a:r>
+              <a:rPr lang="de-DE" baseline="0" dirty="0" smtClean="0"/>
+              <a:t> </a:t>
+            </a:r>
+            <a:r>
+              <a:rPr lang="de-DE" baseline="0" dirty="0" err="1" smtClean="0"/>
+              <a:t>and</a:t>
+            </a:r>
+            <a:r>
+              <a:rPr lang="de-DE" baseline="0" dirty="0" smtClean="0"/>
+              <a:t> </a:t>
+            </a:r>
+            <a:r>
+              <a:rPr lang="de-DE" baseline="0" dirty="0" err="1" smtClean="0"/>
+              <a:t>password</a:t>
+            </a:r>
+            <a:r>
+              <a:rPr lang="de-DE" baseline="0" dirty="0" smtClean="0"/>
+              <a:t>.</a:t>
+            </a:r>
+          </a:p>
+          <a:p>
+            <a:r>
+              <a:rPr lang="de-DE" baseline="0" dirty="0" smtClean="0"/>
+              <a:t>In </a:t>
+            </a:r>
+            <a:r>
+              <a:rPr lang="de-DE" baseline="0" dirty="0" err="1" smtClean="0"/>
+              <a:t>the</a:t>
+            </a:r>
+            <a:r>
+              <a:rPr lang="de-DE" baseline="0" dirty="0" smtClean="0"/>
+              <a:t> </a:t>
+            </a:r>
+            <a:r>
+              <a:rPr lang="de-DE" baseline="0" dirty="0" err="1" smtClean="0"/>
+              <a:t>answer</a:t>
+            </a:r>
+            <a:r>
+              <a:rPr lang="de-DE" baseline="0" dirty="0" smtClean="0"/>
+              <a:t> </a:t>
+            </a:r>
+            <a:r>
+              <a:rPr lang="de-DE" baseline="0" dirty="0" err="1" smtClean="0"/>
+              <a:t>is</a:t>
+            </a:r>
+            <a:r>
+              <a:rPr lang="de-DE" baseline="0" dirty="0" smtClean="0"/>
+              <a:t> a </a:t>
+            </a:r>
+            <a:r>
+              <a:rPr lang="de-DE" baseline="0" dirty="0" err="1" smtClean="0"/>
+              <a:t>cookie</a:t>
+            </a:r>
+            <a:r>
+              <a:rPr lang="de-DE" baseline="0" dirty="0" smtClean="0"/>
+              <a:t> </a:t>
+            </a:r>
+            <a:r>
+              <a:rPr lang="de-DE" baseline="0" dirty="0" err="1" smtClean="0"/>
+              <a:t>included</a:t>
+            </a:r>
+            <a:r>
+              <a:rPr lang="de-DE" baseline="0" dirty="0" smtClean="0"/>
+              <a:t>.</a:t>
+            </a:r>
+          </a:p>
+          <a:p>
+            <a:r>
+              <a:rPr lang="de-DE" baseline="0" dirty="0" err="1" smtClean="0"/>
+              <a:t>With</a:t>
+            </a:r>
+            <a:r>
+              <a:rPr lang="de-DE" baseline="0" dirty="0" smtClean="0"/>
+              <a:t> </a:t>
+            </a:r>
+            <a:r>
+              <a:rPr lang="de-DE" baseline="0" dirty="0" err="1" smtClean="0"/>
+              <a:t>this</a:t>
+            </a:r>
+            <a:r>
+              <a:rPr lang="de-DE" baseline="0" dirty="0" smtClean="0"/>
+              <a:t> </a:t>
+            </a:r>
+            <a:r>
+              <a:rPr lang="de-DE" baseline="0" dirty="0" err="1" smtClean="0"/>
+              <a:t>cookie</a:t>
+            </a:r>
+            <a:r>
+              <a:rPr lang="de-DE" baseline="0" dirty="0" smtClean="0"/>
+              <a:t>, </a:t>
+            </a:r>
+            <a:r>
+              <a:rPr lang="de-DE" baseline="0" dirty="0" err="1" smtClean="0"/>
+              <a:t>we</a:t>
+            </a:r>
+            <a:r>
+              <a:rPr lang="de-DE" baseline="0" dirty="0" smtClean="0"/>
+              <a:t> </a:t>
+            </a:r>
+            <a:r>
+              <a:rPr lang="de-DE" baseline="0" dirty="0" err="1" smtClean="0"/>
+              <a:t>can</a:t>
+            </a:r>
+            <a:r>
+              <a:rPr lang="de-DE" baseline="0" dirty="0" smtClean="0"/>
+              <a:t> </a:t>
+            </a:r>
+            <a:r>
+              <a:rPr lang="de-DE" baseline="0" dirty="0" err="1" smtClean="0"/>
+              <a:t>request</a:t>
+            </a:r>
+            <a:r>
+              <a:rPr lang="de-DE" baseline="0" dirty="0" smtClean="0"/>
+              <a:t> </a:t>
+            </a:r>
+            <a:r>
+              <a:rPr lang="de-DE" baseline="0" dirty="0" err="1" smtClean="0"/>
+              <a:t>the</a:t>
+            </a:r>
+            <a:r>
+              <a:rPr lang="de-DE" baseline="0" dirty="0" smtClean="0"/>
+              <a:t> </a:t>
+            </a:r>
+            <a:r>
+              <a:rPr lang="de-DE" baseline="0" dirty="0" err="1" smtClean="0"/>
+              <a:t>websites</a:t>
+            </a:r>
+            <a:r>
+              <a:rPr lang="de-DE" baseline="0" dirty="0" smtClean="0"/>
+              <a:t> </a:t>
+            </a:r>
+            <a:r>
+              <a:rPr lang="de-DE" baseline="0" dirty="0" err="1" smtClean="0"/>
+              <a:t>with</a:t>
+            </a:r>
+            <a:r>
+              <a:rPr lang="de-DE" baseline="0" dirty="0" smtClean="0"/>
+              <a:t> </a:t>
+            </a:r>
+            <a:r>
+              <a:rPr lang="de-DE" baseline="0" dirty="0" err="1" smtClean="0"/>
+              <a:t>the</a:t>
+            </a:r>
+            <a:r>
+              <a:rPr lang="de-DE" baseline="0" dirty="0" smtClean="0"/>
+              <a:t> </a:t>
+            </a:r>
+            <a:r>
+              <a:rPr lang="de-DE" baseline="0" dirty="0" err="1" smtClean="0"/>
+              <a:t>required</a:t>
+            </a:r>
+            <a:r>
+              <a:rPr lang="de-DE" baseline="0" dirty="0" smtClean="0"/>
+              <a:t> </a:t>
+            </a:r>
+            <a:r>
+              <a:rPr lang="de-DE" baseline="0" dirty="0" err="1" smtClean="0"/>
+              <a:t>information</a:t>
+            </a:r>
+            <a:r>
+              <a:rPr lang="de-DE" baseline="0" dirty="0" smtClean="0"/>
+              <a:t>.</a:t>
+            </a:r>
+            <a:endParaRPr lang="de-DE" dirty="0" smtClean="0"/>
+          </a:p>
+          <a:p>
             <a:endParaRPr lang="de-DE" dirty="0"/>
           </a:p>
         </p:txBody>
@@ -7097,7 +11138,7 @@
     </p:spTree>
     <p:extLst>
       <p:ext uri="{BB962C8B-B14F-4D97-AF65-F5344CB8AC3E}">
-        <p14:creationId xmlns:p14="http://schemas.microsoft.com/office/powerpoint/2010/main" val="2209468386"/>
+        <p14:creationId xmlns:p14="http://schemas.microsoft.com/office/powerpoint/2010/main" xmlns="" val="2209468386"/>
       </p:ext>
     </p:extLst>
   </p:cSld>
@@ -7633,11 +11674,15 @@
           <a:p>
             <a:r>
               <a:rPr lang="de-DE" b="1" dirty="0" err="1" smtClean="0"/>
-              <a:t>Planed</a:t>
+              <a:t>Planned</a:t>
             </a:r>
             <a:r>
               <a:rPr lang="de-DE" b="1" dirty="0" smtClean="0"/>
-              <a:t> Features:</a:t>
+              <a:t> </a:t>
+            </a:r>
+            <a:r>
+              <a:rPr lang="de-DE" b="1" dirty="0" smtClean="0"/>
+              <a:t>Features:</a:t>
             </a:r>
           </a:p>
           <a:p>
